--- a/Hell yeah ppt.pptx
+++ b/Hell yeah ppt.pptx
@@ -6,8 +6,11 @@
     <p:sldMasterId id="2147483684" r:id="rId2"/>
   </p:sldMasterIdLst>
   <p:notesMasterIdLst>
-    <p:notesMasterId r:id="rId16"/>
+    <p:notesMasterId r:id="rId17"/>
   </p:notesMasterIdLst>
+  <p:handoutMasterIdLst>
+    <p:handoutMasterId r:id="rId18"/>
+  </p:handoutMasterIdLst>
   <p:sldIdLst>
     <p:sldId id="256" r:id="rId3"/>
     <p:sldId id="260" r:id="rId4"/>
@@ -15,13 +18,14 @@
     <p:sldId id="261" r:id="rId6"/>
     <p:sldId id="263" r:id="rId7"/>
     <p:sldId id="258" r:id="rId8"/>
-    <p:sldId id="264" r:id="rId9"/>
-    <p:sldId id="269" r:id="rId10"/>
-    <p:sldId id="270" r:id="rId11"/>
-    <p:sldId id="271" r:id="rId12"/>
-    <p:sldId id="272" r:id="rId13"/>
-    <p:sldId id="273" r:id="rId14"/>
-    <p:sldId id="257" r:id="rId15"/>
+    <p:sldId id="274" r:id="rId9"/>
+    <p:sldId id="264" r:id="rId10"/>
+    <p:sldId id="269" r:id="rId11"/>
+    <p:sldId id="270" r:id="rId12"/>
+    <p:sldId id="271" r:id="rId13"/>
+    <p:sldId id="272" r:id="rId14"/>
+    <p:sldId id="273" r:id="rId15"/>
+    <p:sldId id="257" r:id="rId16"/>
   </p:sldIdLst>
   <p:sldSz cx="12192000" cy="6858000"/>
   <p:notesSz cx="6858000" cy="9144000"/>
@@ -256,10 +260,213 @@
   </p:defaultTextStyle>
   <p:extLst>
     <p:ext uri="{EFAFB233-063F-42B5-8137-9DF3F51BA10A}">
-      <p15:sldGuideLst xmlns:p15="http://schemas.microsoft.com/office/powerpoint/2012/main"/>
+      <p15:sldGuideLst xmlns:p15="http://schemas.microsoft.com/office/powerpoint/2012/main">
+        <p15:guide id="1" orient="horz" pos="2160" userDrawn="1">
+          <p15:clr>
+            <a:srgbClr val="A4A3A4"/>
+          </p15:clr>
+        </p15:guide>
+        <p15:guide id="2" pos="3840" userDrawn="1">
+          <p15:clr>
+            <a:srgbClr val="A4A3A4"/>
+          </p15:clr>
+        </p15:guide>
+      </p15:sldGuideLst>
+    </p:ext>
+    <p:ext uri="{2D200454-40CA-4A62-9FC3-DE9A4176ACB9}">
+      <p15:notesGuideLst xmlns:p15="http://schemas.microsoft.com/office/powerpoint/2012/main"/>
     </p:ext>
   </p:extLst>
 </p:presentation>
+</file>
+
+<file path=ppt/handoutMasters/handoutMaster1.xml><?xml version="1.0" encoding="utf-8"?>
+<p:handoutMaster xmlns:a="http://schemas.openxmlformats.org/drawingml/2006/main" xmlns:r="http://schemas.openxmlformats.org/officeDocument/2006/relationships" xmlns:p="http://schemas.openxmlformats.org/presentationml/2006/main">
+  <p:cSld>
+    <p:bg>
+      <p:bgRef idx="1001">
+        <a:schemeClr val="bg1"/>
+      </p:bgRef>
+    </p:bg>
+    <p:spTree>
+      <p:nvGrpSpPr>
+        <p:cNvPr id="1" name=""/>
+        <p:cNvGrpSpPr/>
+        <p:nvPr/>
+      </p:nvGrpSpPr>
+      <p:grpSpPr>
+        <a:xfrm>
+          <a:off x="0" y="0"/>
+          <a:ext cx="0" cy="0"/>
+          <a:chOff x="0" y="0"/>
+          <a:chExt cx="0" cy="0"/>
+        </a:xfrm>
+      </p:grpSpPr>
+      <p:sp>
+        <p:nvSpPr>
+          <p:cNvPr id="2" name="Élőfej helye 1">
+            <a:extLst>
+              <a:ext uri="{FF2B5EF4-FFF2-40B4-BE49-F238E27FC236}">
+                <a16:creationId xmlns:a16="http://schemas.microsoft.com/office/drawing/2014/main" id="{F90CEAA2-5033-85FE-08CA-8AE5A82E751B}"/>
+              </a:ext>
+            </a:extLst>
+          </p:cNvPr>
+          <p:cNvSpPr>
+            <a:spLocks noGrp="1"/>
+          </p:cNvSpPr>
+          <p:nvPr>
+            <p:ph type="hdr" sz="quarter"/>
+          </p:nvPr>
+        </p:nvSpPr>
+        <p:spPr>
+          <a:xfrm>
+            <a:off x="0" y="0"/>
+            <a:ext cx="2971800" cy="458788"/>
+          </a:xfrm>
+          <a:prstGeom prst="rect">
+            <a:avLst/>
+          </a:prstGeom>
+        </p:spPr>
+        <p:txBody>
+          <a:bodyPr vert="horz" lIns="91440" tIns="45720" rIns="91440" bIns="45720" rtlCol="0"/>
+          <a:lstStyle>
+            <a:lvl1pPr algn="l">
+              <a:defRPr sz="1200"/>
+            </a:lvl1pPr>
+          </a:lstStyle>
+          <a:p>
+            <a:endParaRPr lang="hu-HU"/>
+          </a:p>
+        </p:txBody>
+      </p:sp>
+      <p:sp>
+        <p:nvSpPr>
+          <p:cNvPr id="3" name="Dátum helye 2">
+            <a:extLst>
+              <a:ext uri="{FF2B5EF4-FFF2-40B4-BE49-F238E27FC236}">
+                <a16:creationId xmlns:a16="http://schemas.microsoft.com/office/drawing/2014/main" id="{23C484F5-9805-0980-2181-2FAEA4B964E7}"/>
+              </a:ext>
+            </a:extLst>
+          </p:cNvPr>
+          <p:cNvSpPr>
+            <a:spLocks noGrp="1"/>
+          </p:cNvSpPr>
+          <p:nvPr>
+            <p:ph type="dt" sz="quarter" idx="1"/>
+          </p:nvPr>
+        </p:nvSpPr>
+        <p:spPr>
+          <a:xfrm>
+            <a:off x="3884613" y="0"/>
+            <a:ext cx="2971800" cy="458788"/>
+          </a:xfrm>
+          <a:prstGeom prst="rect">
+            <a:avLst/>
+          </a:prstGeom>
+        </p:spPr>
+        <p:txBody>
+          <a:bodyPr vert="horz" lIns="91440" tIns="45720" rIns="91440" bIns="45720" rtlCol="0"/>
+          <a:lstStyle>
+            <a:lvl1pPr algn="r">
+              <a:defRPr sz="1200"/>
+            </a:lvl1pPr>
+          </a:lstStyle>
+          <a:p>
+            <a:fld id="{AAEC4482-6CC8-4041-8D23-D01C5F81C5FE}" type="datetimeFigureOut">
+              <a:rPr lang="hu-HU" smtClean="0"/>
+              <a:t>2024. 11. 25.</a:t>
+            </a:fld>
+            <a:endParaRPr lang="hu-HU"/>
+          </a:p>
+        </p:txBody>
+      </p:sp>
+      <p:sp>
+        <p:nvSpPr>
+          <p:cNvPr id="4" name="Élőláb helye 3">
+            <a:extLst>
+              <a:ext uri="{FF2B5EF4-FFF2-40B4-BE49-F238E27FC236}">
+                <a16:creationId xmlns:a16="http://schemas.microsoft.com/office/drawing/2014/main" id="{234352C4-149F-7D26-7BEB-BF545667884B}"/>
+              </a:ext>
+            </a:extLst>
+          </p:cNvPr>
+          <p:cNvSpPr>
+            <a:spLocks noGrp="1"/>
+          </p:cNvSpPr>
+          <p:nvPr>
+            <p:ph type="ftr" sz="quarter" idx="2"/>
+          </p:nvPr>
+        </p:nvSpPr>
+        <p:spPr>
+          <a:xfrm>
+            <a:off x="0" y="8685213"/>
+            <a:ext cx="2971800" cy="458787"/>
+          </a:xfrm>
+          <a:prstGeom prst="rect">
+            <a:avLst/>
+          </a:prstGeom>
+        </p:spPr>
+        <p:txBody>
+          <a:bodyPr vert="horz" lIns="91440" tIns="45720" rIns="91440" bIns="45720" rtlCol="0" anchor="b"/>
+          <a:lstStyle>
+            <a:lvl1pPr algn="l">
+              <a:defRPr sz="1200"/>
+            </a:lvl1pPr>
+          </a:lstStyle>
+          <a:p>
+            <a:endParaRPr lang="hu-HU"/>
+          </a:p>
+        </p:txBody>
+      </p:sp>
+      <p:sp>
+        <p:nvSpPr>
+          <p:cNvPr id="5" name="Dia számának helye 4">
+            <a:extLst>
+              <a:ext uri="{FF2B5EF4-FFF2-40B4-BE49-F238E27FC236}">
+                <a16:creationId xmlns:a16="http://schemas.microsoft.com/office/drawing/2014/main" id="{18778958-F297-E168-AAD1-7CE06B133CA2}"/>
+              </a:ext>
+            </a:extLst>
+          </p:cNvPr>
+          <p:cNvSpPr>
+            <a:spLocks noGrp="1"/>
+          </p:cNvSpPr>
+          <p:nvPr>
+            <p:ph type="sldNum" sz="quarter" idx="3"/>
+          </p:nvPr>
+        </p:nvSpPr>
+        <p:spPr>
+          <a:xfrm>
+            <a:off x="3884613" y="8685213"/>
+            <a:ext cx="2971800" cy="458787"/>
+          </a:xfrm>
+          <a:prstGeom prst="rect">
+            <a:avLst/>
+          </a:prstGeom>
+        </p:spPr>
+        <p:txBody>
+          <a:bodyPr vert="horz" lIns="91440" tIns="45720" rIns="91440" bIns="45720" rtlCol="0" anchor="b"/>
+          <a:lstStyle>
+            <a:lvl1pPr algn="r">
+              <a:defRPr sz="1200"/>
+            </a:lvl1pPr>
+          </a:lstStyle>
+          <a:p>
+            <a:fld id="{C23B8411-2145-441F-A19B-5C0D0A9D29EE}" type="slidenum">
+              <a:rPr lang="hu-HU" smtClean="0"/>
+              <a:t>‹#›</a:t>
+            </a:fld>
+            <a:endParaRPr lang="hu-HU"/>
+          </a:p>
+        </p:txBody>
+      </p:sp>
+    </p:spTree>
+    <p:extLst>
+      <p:ext uri="{BB962C8B-B14F-4D97-AF65-F5344CB8AC3E}">
+        <p14:creationId xmlns:p14="http://schemas.microsoft.com/office/powerpoint/2010/main" val="1747867342"/>
+      </p:ext>
+    </p:extLst>
+  </p:cSld>
+  <p:clrMap bg1="lt1" tx1="dk1" bg2="lt2" tx2="dk2" accent1="accent1" accent2="accent2" accent3="accent3" accent4="accent4" accent5="accent5" accent6="accent6" hlink="hlink" folHlink="folHlink"/>
+</p:handoutMaster>
 </file>
 
 <file path=ppt/notesMasters/notesMaster1.xml><?xml version="1.0" encoding="utf-8"?>
@@ -696,6 +903,157 @@
 </file>
 
 <file path=ppt/notesSlides/notesSlide2.xml><?xml version="1.0" encoding="utf-8"?>
+<p:notes xmlns:a="http://schemas.openxmlformats.org/drawingml/2006/main" xmlns:r="http://schemas.openxmlformats.org/officeDocument/2006/relationships" xmlns:p="http://schemas.openxmlformats.org/presentationml/2006/main">
+  <p:cSld>
+    <p:spTree>
+      <p:nvGrpSpPr>
+        <p:cNvPr id="1" name=""/>
+        <p:cNvGrpSpPr/>
+        <p:nvPr/>
+      </p:nvGrpSpPr>
+      <p:grpSpPr>
+        <a:xfrm>
+          <a:off x="0" y="0"/>
+          <a:ext cx="0" cy="0"/>
+          <a:chOff x="0" y="0"/>
+          <a:chExt cx="0" cy="0"/>
+        </a:xfrm>
+      </p:grpSpPr>
+      <p:sp>
+        <p:nvSpPr>
+          <p:cNvPr id="2" name="Diakép helye 1"/>
+          <p:cNvSpPr>
+            <a:spLocks noGrp="1" noRot="1" noChangeAspect="1"/>
+          </p:cNvSpPr>
+          <p:nvPr>
+            <p:ph type="sldImg"/>
+          </p:nvPr>
+        </p:nvSpPr>
+        <p:spPr/>
+      </p:sp>
+      <p:sp>
+        <p:nvSpPr>
+          <p:cNvPr id="3" name="Jegyzetek helye 2"/>
+          <p:cNvSpPr>
+            <a:spLocks noGrp="1"/>
+          </p:cNvSpPr>
+          <p:nvPr>
+            <p:ph type="body" idx="1"/>
+          </p:nvPr>
+        </p:nvSpPr>
+        <p:spPr/>
+        <p:txBody>
+          <a:bodyPr/>
+          <a:lstStyle/>
+          <a:p>
+            <a:r>
+              <a:rPr lang="hu-HU" dirty="0"/>
+              <a:t>A szűréshez a </a:t>
+            </a:r>
+            <a:r>
+              <a:rPr lang="hu-HU" dirty="0" err="1"/>
+              <a:t>templaten</a:t>
+            </a:r>
+            <a:r>
+              <a:rPr lang="hu-HU" dirty="0"/>
+              <a:t> belül </a:t>
+            </a:r>
+            <a:r>
+              <a:rPr lang="hu-HU" dirty="0" err="1"/>
+              <a:t>js-sel</a:t>
+            </a:r>
+            <a:r>
+              <a:rPr lang="hu-HU" dirty="0"/>
+              <a:t> lehetséges egy kérést küldeni, ami az adott oldal </a:t>
+            </a:r>
+            <a:r>
+              <a:rPr lang="hu-HU" dirty="0" err="1"/>
+              <a:t>url-jéhez</a:t>
+            </a:r>
+            <a:r>
+              <a:rPr lang="hu-HU" dirty="0"/>
+              <a:t> </a:t>
+            </a:r>
+            <a:r>
+              <a:rPr lang="hu-HU" dirty="0" err="1"/>
+              <a:t>query</a:t>
+            </a:r>
+            <a:r>
+              <a:rPr lang="hu-HU" dirty="0"/>
+              <a:t>-ket ír, amivel a szerver le tudja kérni a modellektől az adott </a:t>
+            </a:r>
+            <a:r>
+              <a:rPr lang="hu-HU" dirty="0" err="1"/>
+              <a:t>recordokat</a:t>
+            </a:r>
+            <a:r>
+              <a:rPr lang="hu-HU" dirty="0"/>
+              <a:t>, adatokat.</a:t>
+            </a:r>
+          </a:p>
+          <a:p>
+            <a:r>
+              <a:rPr lang="hu-HU" dirty="0" err="1"/>
+              <a:t>Pl</a:t>
+            </a:r>
+            <a:r>
+              <a:rPr lang="hu-HU" dirty="0"/>
+              <a:t>: ha be pipáljuk mindegyiket, akkor a </a:t>
+            </a:r>
+            <a:r>
+              <a:rPr lang="hu-HU" dirty="0" err="1"/>
+              <a:t>query</a:t>
+            </a:r>
+            <a:r>
+              <a:rPr lang="hu-HU" dirty="0"/>
+              <a:t>-ben, amit elküld, mindegyik opció megtalálható</a:t>
+            </a:r>
+          </a:p>
+          <a:p>
+            <a:r>
+              <a:rPr lang="hu-HU" dirty="0"/>
+              <a:t>A Póttag résznél csak akkor tudjuk módosítani a Tartalmazza opciót, ha kivesszük a pipát az Összes opcióból, hiszen az Összessel nem csak azokat kapjuk meg, amelyikben benne van VAGY nincs benne, hanem mindegyiket</a:t>
+            </a:r>
+          </a:p>
+        </p:txBody>
+      </p:sp>
+      <p:sp>
+        <p:nvSpPr>
+          <p:cNvPr id="4" name="Dia számának helye 3"/>
+          <p:cNvSpPr>
+            <a:spLocks noGrp="1"/>
+          </p:cNvSpPr>
+          <p:nvPr>
+            <p:ph type="sldNum" sz="quarter" idx="5"/>
+          </p:nvPr>
+        </p:nvSpPr>
+        <p:spPr/>
+        <p:txBody>
+          <a:bodyPr/>
+          <a:lstStyle/>
+          <a:p>
+            <a:fld id="{D92A17DE-FA40-49B6-8AC1-4C94A51AEE7E}" type="slidenum">
+              <a:rPr lang="hu-HU" smtClean="0"/>
+              <a:t>7</a:t>
+            </a:fld>
+            <a:endParaRPr lang="hu-HU"/>
+          </a:p>
+        </p:txBody>
+      </p:sp>
+    </p:spTree>
+    <p:extLst>
+      <p:ext uri="{BB962C8B-B14F-4D97-AF65-F5344CB8AC3E}">
+        <p14:creationId xmlns:p14="http://schemas.microsoft.com/office/powerpoint/2010/main" val="157186976"/>
+      </p:ext>
+    </p:extLst>
+  </p:cSld>
+  <p:clrMapOvr>
+    <a:masterClrMapping/>
+  </p:clrMapOvr>
+</p:notes>
+</file>
+
+<file path=ppt/notesSlides/notesSlide3.xml><?xml version="1.0" encoding="utf-8"?>
 <p:notes xmlns:a="http://schemas.openxmlformats.org/drawingml/2006/main" xmlns:r="http://schemas.openxmlformats.org/officeDocument/2006/relationships" xmlns:p="http://schemas.openxmlformats.org/presentationml/2006/main" showMasterSp="0" showMasterPhAnim="0">
   <p:cSld>
     <p:spTree>
@@ -799,7 +1157,7 @@
 </p:notes>
 </file>
 
-<file path=ppt/notesSlides/notesSlide3.xml><?xml version="1.0" encoding="utf-8"?>
+<file path=ppt/notesSlides/notesSlide4.xml><?xml version="1.0" encoding="utf-8"?>
 <p:notes xmlns:a="http://schemas.openxmlformats.org/drawingml/2006/main" xmlns:r="http://schemas.openxmlformats.org/officeDocument/2006/relationships" xmlns:p="http://schemas.openxmlformats.org/presentationml/2006/main" showMasterSp="0" showMasterPhAnim="0">
   <p:cSld>
     <p:spTree>
@@ -903,7 +1261,7 @@
 </p:notes>
 </file>
 
-<file path=ppt/notesSlides/notesSlide4.xml><?xml version="1.0" encoding="utf-8"?>
+<file path=ppt/notesSlides/notesSlide5.xml><?xml version="1.0" encoding="utf-8"?>
 <p:notes xmlns:a="http://schemas.openxmlformats.org/drawingml/2006/main" xmlns:r="http://schemas.openxmlformats.org/officeDocument/2006/relationships" xmlns:p="http://schemas.openxmlformats.org/presentationml/2006/main" showMasterSp="0" showMasterPhAnim="0">
   <p:cSld>
     <p:spTree>
@@ -1007,7 +1365,7 @@
 </p:notes>
 </file>
 
-<file path=ppt/notesSlides/notesSlide5.xml><?xml version="1.0" encoding="utf-8"?>
+<file path=ppt/notesSlides/notesSlide6.xml><?xml version="1.0" encoding="utf-8"?>
 <p:notes xmlns:a="http://schemas.openxmlformats.org/drawingml/2006/main" xmlns:r="http://schemas.openxmlformats.org/officeDocument/2006/relationships" xmlns:p="http://schemas.openxmlformats.org/presentationml/2006/main" showMasterSp="0" showMasterPhAnim="0">
   <p:cSld>
     <p:spTree>
@@ -1111,7 +1469,7 @@
 </p:notes>
 </file>
 
-<file path=ppt/notesSlides/notesSlide6.xml><?xml version="1.0" encoding="utf-8"?>
+<file path=ppt/notesSlides/notesSlide7.xml><?xml version="1.0" encoding="utf-8"?>
 <p:notes xmlns:a="http://schemas.openxmlformats.org/drawingml/2006/main" xmlns:r="http://schemas.openxmlformats.org/officeDocument/2006/relationships" xmlns:p="http://schemas.openxmlformats.org/presentationml/2006/main" showMasterSp="0" showMasterPhAnim="0">
   <p:cSld>
     <p:spTree>
@@ -20249,6 +20607,1207 @@
 </file>
 
 <file path=ppt/slides/slide10.xml><?xml version="1.0" encoding="utf-8"?>
+<p:sld xmlns:a="http://schemas.openxmlformats.org/drawingml/2006/main" xmlns:r="http://schemas.openxmlformats.org/officeDocument/2006/relationships" xmlns:p="http://schemas.openxmlformats.org/presentationml/2006/main" show="0">
+  <p:cSld>
+    <p:spTree>
+      <p:nvGrpSpPr>
+        <p:cNvPr id="1" name="Shape 440"/>
+        <p:cNvGrpSpPr/>
+        <p:nvPr/>
+      </p:nvGrpSpPr>
+      <p:grpSpPr>
+        <a:xfrm>
+          <a:off x="0" y="0"/>
+          <a:ext cx="0" cy="0"/>
+          <a:chOff x="0" y="0"/>
+          <a:chExt cx="0" cy="0"/>
+        </a:xfrm>
+      </p:grpSpPr>
+      <p:sp>
+        <p:nvSpPr>
+          <p:cNvPr id="441" name="Google Shape;441;p41"/>
+          <p:cNvSpPr txBox="1"/>
+          <p:nvPr/>
+        </p:nvSpPr>
+        <p:spPr>
+          <a:xfrm flipH="1">
+            <a:off x="961833" y="1492192"/>
+            <a:ext cx="2477200" cy="1338400"/>
+          </a:xfrm>
+          <a:prstGeom prst="rect">
+            <a:avLst/>
+          </a:prstGeom>
+          <a:noFill/>
+          <a:ln>
+            <a:noFill/>
+          </a:ln>
+        </p:spPr>
+        <p:txBody>
+          <a:bodyPr spcFirstLastPara="1" wrap="square" lIns="121900" tIns="121900" rIns="121900" bIns="121900" anchor="t" anchorCtr="0">
+            <a:noAutofit/>
+          </a:bodyPr>
+          <a:lstStyle/>
+          <a:p>
+            <a:pPr algn="ctr"/>
+            <a:r>
+              <a:rPr lang="en" sz="1600" dirty="0">
+                <a:solidFill>
+                  <a:schemeClr val="dk1"/>
+                </a:solidFill>
+                <a:latin typeface="Source Code Pro"/>
+                <a:ea typeface="Source Code Pro"/>
+                <a:cs typeface="Source Code Pro"/>
+                <a:sym typeface="Source Code Pro"/>
+              </a:rPr>
+              <a:t>Provide a brief overview of the pitch deck's content</a:t>
+            </a:r>
+            <a:endParaRPr sz="1600" dirty="0">
+              <a:solidFill>
+                <a:schemeClr val="dk1"/>
+              </a:solidFill>
+              <a:latin typeface="Source Code Pro"/>
+              <a:ea typeface="Source Code Pro"/>
+              <a:cs typeface="Source Code Pro"/>
+              <a:sym typeface="Source Code Pro"/>
+            </a:endParaRPr>
+          </a:p>
+        </p:txBody>
+      </p:sp>
+      <p:sp>
+        <p:nvSpPr>
+          <p:cNvPr id="442" name="Google Shape;442;p41"/>
+          <p:cNvSpPr txBox="1"/>
+          <p:nvPr/>
+        </p:nvSpPr>
+        <p:spPr>
+          <a:xfrm flipH="1">
+            <a:off x="3559189" y="1492192"/>
+            <a:ext cx="2477200" cy="1338400"/>
+          </a:xfrm>
+          <a:prstGeom prst="rect">
+            <a:avLst/>
+          </a:prstGeom>
+          <a:noFill/>
+          <a:ln>
+            <a:noFill/>
+          </a:ln>
+        </p:spPr>
+        <p:txBody>
+          <a:bodyPr spcFirstLastPara="1" wrap="square" lIns="121900" tIns="121900" rIns="121900" bIns="121900" anchor="t" anchorCtr="0">
+            <a:noAutofit/>
+          </a:bodyPr>
+          <a:lstStyle/>
+          <a:p>
+            <a:pPr algn="ctr"/>
+            <a:r>
+              <a:rPr lang="en" sz="1600">
+                <a:solidFill>
+                  <a:schemeClr val="dk1"/>
+                </a:solidFill>
+                <a:latin typeface="Source Code Pro"/>
+                <a:ea typeface="Source Code Pro"/>
+                <a:cs typeface="Source Code Pro"/>
+                <a:sym typeface="Source Code Pro"/>
+              </a:rPr>
+              <a:t>Engage the audience with a compelling introduction</a:t>
+            </a:r>
+            <a:endParaRPr sz="1600">
+              <a:solidFill>
+                <a:schemeClr val="dk1"/>
+              </a:solidFill>
+              <a:latin typeface="Source Code Pro"/>
+              <a:ea typeface="Source Code Pro"/>
+              <a:cs typeface="Source Code Pro"/>
+              <a:sym typeface="Source Code Pro"/>
+            </a:endParaRPr>
+          </a:p>
+        </p:txBody>
+      </p:sp>
+      <p:sp>
+        <p:nvSpPr>
+          <p:cNvPr id="443" name="Google Shape;443;p41"/>
+          <p:cNvSpPr txBox="1"/>
+          <p:nvPr/>
+        </p:nvSpPr>
+        <p:spPr>
+          <a:xfrm flipH="1">
+            <a:off x="6156544" y="1492192"/>
+            <a:ext cx="2477200" cy="1338400"/>
+          </a:xfrm>
+          <a:prstGeom prst="rect">
+            <a:avLst/>
+          </a:prstGeom>
+          <a:noFill/>
+          <a:ln>
+            <a:noFill/>
+          </a:ln>
+        </p:spPr>
+        <p:txBody>
+          <a:bodyPr spcFirstLastPara="1" wrap="square" lIns="121900" tIns="121900" rIns="121900" bIns="121900" anchor="t" anchorCtr="0">
+            <a:noAutofit/>
+          </a:bodyPr>
+          <a:lstStyle/>
+          <a:p>
+            <a:pPr algn="ctr"/>
+            <a:r>
+              <a:rPr lang="en" sz="1600">
+                <a:solidFill>
+                  <a:schemeClr val="dk1"/>
+                </a:solidFill>
+                <a:latin typeface="Source Code Pro"/>
+                <a:ea typeface="Source Code Pro"/>
+                <a:cs typeface="Source Code Pro"/>
+                <a:sym typeface="Source Code Pro"/>
+              </a:rPr>
+              <a:t>Identify the customer's pain points</a:t>
+            </a:r>
+            <a:endParaRPr sz="1600">
+              <a:solidFill>
+                <a:schemeClr val="dk1"/>
+              </a:solidFill>
+              <a:latin typeface="Source Code Pro"/>
+              <a:ea typeface="Source Code Pro"/>
+              <a:cs typeface="Source Code Pro"/>
+              <a:sym typeface="Source Code Pro"/>
+            </a:endParaRPr>
+          </a:p>
+          <a:p>
+            <a:pPr algn="ctr"/>
+            <a:r>
+              <a:rPr lang="en" sz="1600">
+                <a:solidFill>
+                  <a:schemeClr val="dk1"/>
+                </a:solidFill>
+                <a:latin typeface="Source Code Pro"/>
+                <a:ea typeface="Source Code Pro"/>
+                <a:cs typeface="Source Code Pro"/>
+                <a:sym typeface="Source Code Pro"/>
+              </a:rPr>
+              <a:t>and challenges</a:t>
+            </a:r>
+            <a:endParaRPr sz="1600">
+              <a:solidFill>
+                <a:schemeClr val="dk1"/>
+              </a:solidFill>
+              <a:latin typeface="Source Code Pro"/>
+              <a:ea typeface="Source Code Pro"/>
+              <a:cs typeface="Source Code Pro"/>
+              <a:sym typeface="Source Code Pro"/>
+            </a:endParaRPr>
+          </a:p>
+        </p:txBody>
+      </p:sp>
+      <p:sp>
+        <p:nvSpPr>
+          <p:cNvPr id="444" name="Google Shape;444;p41"/>
+          <p:cNvSpPr txBox="1"/>
+          <p:nvPr/>
+        </p:nvSpPr>
+        <p:spPr>
+          <a:xfrm flipH="1">
+            <a:off x="8753900" y="1492192"/>
+            <a:ext cx="2477200" cy="1338400"/>
+          </a:xfrm>
+          <a:prstGeom prst="rect">
+            <a:avLst/>
+          </a:prstGeom>
+          <a:noFill/>
+          <a:ln>
+            <a:noFill/>
+          </a:ln>
+        </p:spPr>
+        <p:txBody>
+          <a:bodyPr spcFirstLastPara="1" wrap="square" lIns="121900" tIns="121900" rIns="121900" bIns="121900" anchor="t" anchorCtr="0">
+            <a:noAutofit/>
+          </a:bodyPr>
+          <a:lstStyle/>
+          <a:p>
+            <a:pPr algn="ctr"/>
+            <a:r>
+              <a:rPr lang="en" sz="1600">
+                <a:solidFill>
+                  <a:schemeClr val="dk1"/>
+                </a:solidFill>
+                <a:latin typeface="Source Code Pro"/>
+                <a:ea typeface="Source Code Pro"/>
+                <a:cs typeface="Source Code Pro"/>
+                <a:sym typeface="Source Code Pro"/>
+              </a:rPr>
+              <a:t>Describe how your product or service can solve the problem</a:t>
+            </a:r>
+            <a:endParaRPr sz="1600">
+              <a:solidFill>
+                <a:schemeClr val="dk1"/>
+              </a:solidFill>
+              <a:latin typeface="Source Code Pro"/>
+              <a:ea typeface="Source Code Pro"/>
+              <a:cs typeface="Source Code Pro"/>
+              <a:sym typeface="Source Code Pro"/>
+            </a:endParaRPr>
+          </a:p>
+        </p:txBody>
+      </p:sp>
+      <p:sp>
+        <p:nvSpPr>
+          <p:cNvPr id="445" name="Google Shape;445;p41"/>
+          <p:cNvSpPr txBox="1">
+            <a:spLocks noGrp="1"/>
+          </p:cNvSpPr>
+          <p:nvPr>
+            <p:ph type="title"/>
+          </p:nvPr>
+        </p:nvSpPr>
+        <p:spPr>
+          <a:xfrm>
+            <a:off x="959984" y="612171"/>
+            <a:ext cx="10272000" cy="763600"/>
+          </a:xfrm>
+          <a:prstGeom prst="rect">
+            <a:avLst/>
+          </a:prstGeom>
+        </p:spPr>
+        <p:txBody>
+          <a:bodyPr spcFirstLastPara="1" wrap="square" lIns="121900" tIns="121900" rIns="121900" bIns="121900" anchor="t" anchorCtr="0">
+            <a:noAutofit/>
+          </a:bodyPr>
+          <a:lstStyle/>
+          <a:p>
+            <a:r>
+              <a:rPr lang="en">
+                <a:solidFill>
+                  <a:schemeClr val="lt2"/>
+                </a:solidFill>
+              </a:rPr>
+              <a:t>&lt;/ </a:t>
+            </a:r>
+            <a:r>
+              <a:rPr lang="en"/>
+              <a:t>Timeline of your presentation</a:t>
+            </a:r>
+            <a:endParaRPr/>
+          </a:p>
+        </p:txBody>
+      </p:sp>
+      <p:sp>
+        <p:nvSpPr>
+          <p:cNvPr id="446" name="Google Shape;446;p41"/>
+          <p:cNvSpPr/>
+          <p:nvPr/>
+        </p:nvSpPr>
+        <p:spPr>
+          <a:xfrm>
+            <a:off x="2082833" y="3161159"/>
+            <a:ext cx="235200" cy="235200"/>
+          </a:xfrm>
+          <a:prstGeom prst="rect">
+            <a:avLst/>
+          </a:prstGeom>
+          <a:solidFill>
+            <a:schemeClr val="accent2"/>
+          </a:solidFill>
+          <a:ln>
+            <a:noFill/>
+          </a:ln>
+        </p:spPr>
+        <p:txBody>
+          <a:bodyPr spcFirstLastPara="1" wrap="square" lIns="121900" tIns="121900" rIns="121900" bIns="121900" anchor="ctr" anchorCtr="0">
+            <a:noAutofit/>
+          </a:bodyPr>
+          <a:lstStyle/>
+          <a:p>
+            <a:endParaRPr sz="1867"/>
+          </a:p>
+        </p:txBody>
+      </p:sp>
+      <p:sp>
+        <p:nvSpPr>
+          <p:cNvPr id="447" name="Google Shape;447;p41"/>
+          <p:cNvSpPr/>
+          <p:nvPr/>
+        </p:nvSpPr>
+        <p:spPr>
+          <a:xfrm>
+            <a:off x="4680189" y="3161159"/>
+            <a:ext cx="235200" cy="235200"/>
+          </a:xfrm>
+          <a:prstGeom prst="rect">
+            <a:avLst/>
+          </a:prstGeom>
+          <a:solidFill>
+            <a:schemeClr val="lt2"/>
+          </a:solidFill>
+          <a:ln>
+            <a:noFill/>
+          </a:ln>
+        </p:spPr>
+        <p:txBody>
+          <a:bodyPr spcFirstLastPara="1" wrap="square" lIns="121900" tIns="121900" rIns="121900" bIns="121900" anchor="ctr" anchorCtr="0">
+            <a:noAutofit/>
+          </a:bodyPr>
+          <a:lstStyle/>
+          <a:p>
+            <a:endParaRPr sz="1867"/>
+          </a:p>
+        </p:txBody>
+      </p:sp>
+      <p:sp>
+        <p:nvSpPr>
+          <p:cNvPr id="448" name="Google Shape;448;p41"/>
+          <p:cNvSpPr/>
+          <p:nvPr/>
+        </p:nvSpPr>
+        <p:spPr>
+          <a:xfrm>
+            <a:off x="7277544" y="3161159"/>
+            <a:ext cx="235200" cy="235200"/>
+          </a:xfrm>
+          <a:prstGeom prst="rect">
+            <a:avLst/>
+          </a:prstGeom>
+          <a:solidFill>
+            <a:schemeClr val="accent1"/>
+          </a:solidFill>
+          <a:ln>
+            <a:noFill/>
+          </a:ln>
+        </p:spPr>
+        <p:txBody>
+          <a:bodyPr spcFirstLastPara="1" wrap="square" lIns="121900" tIns="121900" rIns="121900" bIns="121900" anchor="ctr" anchorCtr="0">
+            <a:noAutofit/>
+          </a:bodyPr>
+          <a:lstStyle/>
+          <a:p>
+            <a:endParaRPr sz="1867"/>
+          </a:p>
+        </p:txBody>
+      </p:sp>
+      <p:sp>
+        <p:nvSpPr>
+          <p:cNvPr id="449" name="Google Shape;449;p41"/>
+          <p:cNvSpPr/>
+          <p:nvPr/>
+        </p:nvSpPr>
+        <p:spPr>
+          <a:xfrm>
+            <a:off x="9874900" y="3161159"/>
+            <a:ext cx="235200" cy="235200"/>
+          </a:xfrm>
+          <a:prstGeom prst="rect">
+            <a:avLst/>
+          </a:prstGeom>
+          <a:solidFill>
+            <a:schemeClr val="accent3"/>
+          </a:solidFill>
+          <a:ln>
+            <a:noFill/>
+          </a:ln>
+        </p:spPr>
+        <p:txBody>
+          <a:bodyPr spcFirstLastPara="1" wrap="square" lIns="121900" tIns="121900" rIns="121900" bIns="121900" anchor="ctr" anchorCtr="0">
+            <a:noAutofit/>
+          </a:bodyPr>
+          <a:lstStyle/>
+          <a:p>
+            <a:endParaRPr sz="1867"/>
+          </a:p>
+        </p:txBody>
+      </p:sp>
+      <p:cxnSp>
+        <p:nvCxnSpPr>
+          <p:cNvPr id="450" name="Google Shape;450;p41"/>
+          <p:cNvCxnSpPr>
+            <a:stCxn id="446" idx="3"/>
+            <a:endCxn id="447" idx="1"/>
+          </p:cNvCxnSpPr>
+          <p:nvPr/>
+        </p:nvCxnSpPr>
+        <p:spPr>
+          <a:xfrm>
+            <a:off x="2318033" y="3278759"/>
+            <a:ext cx="2362000" cy="0"/>
+          </a:xfrm>
+          <a:prstGeom prst="straightConnector1">
+            <a:avLst/>
+          </a:prstGeom>
+          <a:noFill/>
+          <a:ln w="9525" cap="flat" cmpd="sng">
+            <a:solidFill>
+              <a:schemeClr val="dk1"/>
+            </a:solidFill>
+            <a:prstDash val="solid"/>
+            <a:round/>
+            <a:headEnd type="none" w="med" len="med"/>
+            <a:tailEnd type="none" w="med" len="med"/>
+          </a:ln>
+        </p:spPr>
+      </p:cxnSp>
+      <p:cxnSp>
+        <p:nvCxnSpPr>
+          <p:cNvPr id="451" name="Google Shape;451;p41"/>
+          <p:cNvCxnSpPr>
+            <a:stCxn id="447" idx="3"/>
+            <a:endCxn id="448" idx="1"/>
+          </p:cNvCxnSpPr>
+          <p:nvPr/>
+        </p:nvCxnSpPr>
+        <p:spPr>
+          <a:xfrm>
+            <a:off x="4915389" y="3278759"/>
+            <a:ext cx="2362000" cy="0"/>
+          </a:xfrm>
+          <a:prstGeom prst="straightConnector1">
+            <a:avLst/>
+          </a:prstGeom>
+          <a:noFill/>
+          <a:ln w="9525" cap="flat" cmpd="sng">
+            <a:solidFill>
+              <a:schemeClr val="dk1"/>
+            </a:solidFill>
+            <a:prstDash val="solid"/>
+            <a:round/>
+            <a:headEnd type="none" w="med" len="med"/>
+            <a:tailEnd type="none" w="med" len="med"/>
+          </a:ln>
+        </p:spPr>
+      </p:cxnSp>
+      <p:cxnSp>
+        <p:nvCxnSpPr>
+          <p:cNvPr id="452" name="Google Shape;452;p41"/>
+          <p:cNvCxnSpPr>
+            <a:stCxn id="448" idx="3"/>
+            <a:endCxn id="449" idx="1"/>
+          </p:cNvCxnSpPr>
+          <p:nvPr/>
+        </p:nvCxnSpPr>
+        <p:spPr>
+          <a:xfrm>
+            <a:off x="7512744" y="3278759"/>
+            <a:ext cx="2362000" cy="0"/>
+          </a:xfrm>
+          <a:prstGeom prst="straightConnector1">
+            <a:avLst/>
+          </a:prstGeom>
+          <a:noFill/>
+          <a:ln w="9525" cap="flat" cmpd="sng">
+            <a:solidFill>
+              <a:schemeClr val="dk1"/>
+            </a:solidFill>
+            <a:prstDash val="solid"/>
+            <a:round/>
+            <a:headEnd type="none" w="med" len="med"/>
+            <a:tailEnd type="none" w="med" len="med"/>
+          </a:ln>
+        </p:spPr>
+      </p:cxnSp>
+      <p:cxnSp>
+        <p:nvCxnSpPr>
+          <p:cNvPr id="453" name="Google Shape;453;p41"/>
+          <p:cNvCxnSpPr>
+            <a:stCxn id="446" idx="0"/>
+            <a:endCxn id="441" idx="2"/>
+          </p:cNvCxnSpPr>
+          <p:nvPr/>
+        </p:nvCxnSpPr>
+        <p:spPr>
+          <a:xfrm rot="10800000">
+            <a:off x="2200433" y="2830759"/>
+            <a:ext cx="0" cy="330400"/>
+          </a:xfrm>
+          <a:prstGeom prst="straightConnector1">
+            <a:avLst/>
+          </a:prstGeom>
+          <a:noFill/>
+          <a:ln w="9525" cap="flat" cmpd="sng">
+            <a:solidFill>
+              <a:schemeClr val="dk1"/>
+            </a:solidFill>
+            <a:prstDash val="solid"/>
+            <a:round/>
+            <a:headEnd type="none" w="med" len="med"/>
+            <a:tailEnd type="none" w="med" len="med"/>
+          </a:ln>
+        </p:spPr>
+      </p:cxnSp>
+      <p:cxnSp>
+        <p:nvCxnSpPr>
+          <p:cNvPr id="454" name="Google Shape;454;p41"/>
+          <p:cNvCxnSpPr>
+            <a:stCxn id="447" idx="0"/>
+            <a:endCxn id="442" idx="2"/>
+          </p:cNvCxnSpPr>
+          <p:nvPr/>
+        </p:nvCxnSpPr>
+        <p:spPr>
+          <a:xfrm rot="10800000">
+            <a:off x="4797789" y="2830759"/>
+            <a:ext cx="0" cy="330400"/>
+          </a:xfrm>
+          <a:prstGeom prst="straightConnector1">
+            <a:avLst/>
+          </a:prstGeom>
+          <a:noFill/>
+          <a:ln w="9525" cap="flat" cmpd="sng">
+            <a:solidFill>
+              <a:schemeClr val="dk1"/>
+            </a:solidFill>
+            <a:prstDash val="solid"/>
+            <a:round/>
+            <a:headEnd type="none" w="med" len="med"/>
+            <a:tailEnd type="none" w="med" len="med"/>
+          </a:ln>
+        </p:spPr>
+      </p:cxnSp>
+      <p:cxnSp>
+        <p:nvCxnSpPr>
+          <p:cNvPr id="455" name="Google Shape;455;p41"/>
+          <p:cNvCxnSpPr>
+            <a:stCxn id="448" idx="0"/>
+            <a:endCxn id="443" idx="2"/>
+          </p:cNvCxnSpPr>
+          <p:nvPr/>
+        </p:nvCxnSpPr>
+        <p:spPr>
+          <a:xfrm rot="10800000">
+            <a:off x="7395144" y="2830759"/>
+            <a:ext cx="0" cy="330400"/>
+          </a:xfrm>
+          <a:prstGeom prst="straightConnector1">
+            <a:avLst/>
+          </a:prstGeom>
+          <a:noFill/>
+          <a:ln w="9525" cap="flat" cmpd="sng">
+            <a:solidFill>
+              <a:schemeClr val="dk1"/>
+            </a:solidFill>
+            <a:prstDash val="solid"/>
+            <a:round/>
+            <a:headEnd type="none" w="med" len="med"/>
+            <a:tailEnd type="none" w="med" len="med"/>
+          </a:ln>
+        </p:spPr>
+      </p:cxnSp>
+      <p:cxnSp>
+        <p:nvCxnSpPr>
+          <p:cNvPr id="456" name="Google Shape;456;p41"/>
+          <p:cNvCxnSpPr>
+            <a:stCxn id="449" idx="0"/>
+            <a:endCxn id="444" idx="2"/>
+          </p:cNvCxnSpPr>
+          <p:nvPr/>
+        </p:nvCxnSpPr>
+        <p:spPr>
+          <a:xfrm rot="10800000">
+            <a:off x="9992500" y="2830759"/>
+            <a:ext cx="0" cy="330400"/>
+          </a:xfrm>
+          <a:prstGeom prst="straightConnector1">
+            <a:avLst/>
+          </a:prstGeom>
+          <a:noFill/>
+          <a:ln w="9525" cap="flat" cmpd="sng">
+            <a:solidFill>
+              <a:schemeClr val="dk1"/>
+            </a:solidFill>
+            <a:prstDash val="solid"/>
+            <a:round/>
+            <a:headEnd type="none" w="med" len="med"/>
+            <a:tailEnd type="none" w="med" len="med"/>
+          </a:ln>
+        </p:spPr>
+      </p:cxnSp>
+      <p:sp>
+        <p:nvSpPr>
+          <p:cNvPr id="457" name="Google Shape;457;p41"/>
+          <p:cNvSpPr/>
+          <p:nvPr/>
+        </p:nvSpPr>
+        <p:spPr>
+          <a:xfrm>
+            <a:off x="2082833" y="3981492"/>
+            <a:ext cx="235200" cy="235200"/>
+          </a:xfrm>
+          <a:prstGeom prst="rect">
+            <a:avLst/>
+          </a:prstGeom>
+          <a:solidFill>
+            <a:schemeClr val="accent2"/>
+          </a:solidFill>
+          <a:ln>
+            <a:noFill/>
+          </a:ln>
+        </p:spPr>
+        <p:txBody>
+          <a:bodyPr spcFirstLastPara="1" wrap="square" lIns="121900" tIns="121900" rIns="121900" bIns="121900" anchor="ctr" anchorCtr="0">
+            <a:noAutofit/>
+          </a:bodyPr>
+          <a:lstStyle/>
+          <a:p>
+            <a:endParaRPr sz="1867"/>
+          </a:p>
+        </p:txBody>
+      </p:sp>
+      <p:sp>
+        <p:nvSpPr>
+          <p:cNvPr id="458" name="Google Shape;458;p41"/>
+          <p:cNvSpPr/>
+          <p:nvPr/>
+        </p:nvSpPr>
+        <p:spPr>
+          <a:xfrm>
+            <a:off x="4680189" y="3981492"/>
+            <a:ext cx="235200" cy="235200"/>
+          </a:xfrm>
+          <a:prstGeom prst="rect">
+            <a:avLst/>
+          </a:prstGeom>
+          <a:solidFill>
+            <a:schemeClr val="lt2"/>
+          </a:solidFill>
+          <a:ln>
+            <a:noFill/>
+          </a:ln>
+        </p:spPr>
+        <p:txBody>
+          <a:bodyPr spcFirstLastPara="1" wrap="square" lIns="121900" tIns="121900" rIns="121900" bIns="121900" anchor="ctr" anchorCtr="0">
+            <a:noAutofit/>
+          </a:bodyPr>
+          <a:lstStyle/>
+          <a:p>
+            <a:endParaRPr sz="1867"/>
+          </a:p>
+        </p:txBody>
+      </p:sp>
+      <p:sp>
+        <p:nvSpPr>
+          <p:cNvPr id="459" name="Google Shape;459;p41"/>
+          <p:cNvSpPr/>
+          <p:nvPr/>
+        </p:nvSpPr>
+        <p:spPr>
+          <a:xfrm>
+            <a:off x="7277544" y="3981492"/>
+            <a:ext cx="235200" cy="235200"/>
+          </a:xfrm>
+          <a:prstGeom prst="rect">
+            <a:avLst/>
+          </a:prstGeom>
+          <a:solidFill>
+            <a:schemeClr val="accent1"/>
+          </a:solidFill>
+          <a:ln>
+            <a:noFill/>
+          </a:ln>
+        </p:spPr>
+        <p:txBody>
+          <a:bodyPr spcFirstLastPara="1" wrap="square" lIns="121900" tIns="121900" rIns="121900" bIns="121900" anchor="ctr" anchorCtr="0">
+            <a:noAutofit/>
+          </a:bodyPr>
+          <a:lstStyle/>
+          <a:p>
+            <a:endParaRPr sz="1867"/>
+          </a:p>
+        </p:txBody>
+      </p:sp>
+      <p:sp>
+        <p:nvSpPr>
+          <p:cNvPr id="460" name="Google Shape;460;p41"/>
+          <p:cNvSpPr/>
+          <p:nvPr/>
+        </p:nvSpPr>
+        <p:spPr>
+          <a:xfrm>
+            <a:off x="9874900" y="3981492"/>
+            <a:ext cx="235200" cy="235200"/>
+          </a:xfrm>
+          <a:prstGeom prst="rect">
+            <a:avLst/>
+          </a:prstGeom>
+          <a:solidFill>
+            <a:schemeClr val="accent3"/>
+          </a:solidFill>
+          <a:ln>
+            <a:noFill/>
+          </a:ln>
+        </p:spPr>
+        <p:txBody>
+          <a:bodyPr spcFirstLastPara="1" wrap="square" lIns="121900" tIns="121900" rIns="121900" bIns="121900" anchor="ctr" anchorCtr="0">
+            <a:noAutofit/>
+          </a:bodyPr>
+          <a:lstStyle/>
+          <a:p>
+            <a:endParaRPr sz="1867"/>
+          </a:p>
+        </p:txBody>
+      </p:sp>
+      <p:sp>
+        <p:nvSpPr>
+          <p:cNvPr id="461" name="Google Shape;461;p41"/>
+          <p:cNvSpPr txBox="1"/>
+          <p:nvPr/>
+        </p:nvSpPr>
+        <p:spPr>
+          <a:xfrm flipH="1">
+            <a:off x="961833" y="4483059"/>
+            <a:ext cx="2477200" cy="1338400"/>
+          </a:xfrm>
+          <a:prstGeom prst="rect">
+            <a:avLst/>
+          </a:prstGeom>
+          <a:noFill/>
+          <a:ln>
+            <a:noFill/>
+          </a:ln>
+        </p:spPr>
+        <p:txBody>
+          <a:bodyPr spcFirstLastPara="1" wrap="square" lIns="121900" tIns="121900" rIns="121900" bIns="121900" anchor="t" anchorCtr="0">
+            <a:noAutofit/>
+          </a:bodyPr>
+          <a:lstStyle/>
+          <a:p>
+            <a:pPr algn="ctr"/>
+            <a:r>
+              <a:rPr lang="en" sz="1600">
+                <a:solidFill>
+                  <a:schemeClr val="dk1"/>
+                </a:solidFill>
+                <a:latin typeface="Source Code Pro"/>
+                <a:ea typeface="Source Code Pro"/>
+                <a:cs typeface="Source Code Pro"/>
+                <a:sym typeface="Source Code Pro"/>
+              </a:rPr>
+              <a:t>Highlight the unique value proposition and benefits of your  specific solution</a:t>
+            </a:r>
+            <a:endParaRPr sz="1600">
+              <a:solidFill>
+                <a:schemeClr val="dk1"/>
+              </a:solidFill>
+              <a:latin typeface="Source Code Pro"/>
+              <a:ea typeface="Source Code Pro"/>
+              <a:cs typeface="Source Code Pro"/>
+              <a:sym typeface="Source Code Pro"/>
+            </a:endParaRPr>
+          </a:p>
+        </p:txBody>
+      </p:sp>
+      <p:sp>
+        <p:nvSpPr>
+          <p:cNvPr id="462" name="Google Shape;462;p41"/>
+          <p:cNvSpPr txBox="1"/>
+          <p:nvPr/>
+        </p:nvSpPr>
+        <p:spPr>
+          <a:xfrm flipH="1">
+            <a:off x="3559189" y="4483059"/>
+            <a:ext cx="2477200" cy="1338400"/>
+          </a:xfrm>
+          <a:prstGeom prst="rect">
+            <a:avLst/>
+          </a:prstGeom>
+          <a:noFill/>
+          <a:ln>
+            <a:noFill/>
+          </a:ln>
+        </p:spPr>
+        <p:txBody>
+          <a:bodyPr spcFirstLastPara="1" wrap="square" lIns="121900" tIns="121900" rIns="121900" bIns="121900" anchor="t" anchorCtr="0">
+            <a:noAutofit/>
+          </a:bodyPr>
+          <a:lstStyle/>
+          <a:p>
+            <a:pPr algn="ctr"/>
+            <a:r>
+              <a:rPr lang="en" sz="1600">
+                <a:solidFill>
+                  <a:schemeClr val="dk1"/>
+                </a:solidFill>
+                <a:latin typeface="Source Code Pro"/>
+                <a:ea typeface="Source Code Pro"/>
+                <a:cs typeface="Source Code Pro"/>
+                <a:sym typeface="Source Code Pro"/>
+              </a:rPr>
+              <a:t>Analyze the target market size, growth potential, and competition briefly</a:t>
+            </a:r>
+            <a:endParaRPr sz="1600">
+              <a:solidFill>
+                <a:schemeClr val="dk1"/>
+              </a:solidFill>
+              <a:latin typeface="Source Code Pro"/>
+              <a:ea typeface="Source Code Pro"/>
+              <a:cs typeface="Source Code Pro"/>
+              <a:sym typeface="Source Code Pro"/>
+            </a:endParaRPr>
+          </a:p>
+        </p:txBody>
+      </p:sp>
+      <p:sp>
+        <p:nvSpPr>
+          <p:cNvPr id="463" name="Google Shape;463;p41"/>
+          <p:cNvSpPr txBox="1"/>
+          <p:nvPr/>
+        </p:nvSpPr>
+        <p:spPr>
+          <a:xfrm flipH="1">
+            <a:off x="6156544" y="4483059"/>
+            <a:ext cx="2477200" cy="1338400"/>
+          </a:xfrm>
+          <a:prstGeom prst="rect">
+            <a:avLst/>
+          </a:prstGeom>
+          <a:noFill/>
+          <a:ln>
+            <a:noFill/>
+          </a:ln>
+        </p:spPr>
+        <p:txBody>
+          <a:bodyPr spcFirstLastPara="1" wrap="square" lIns="121900" tIns="121900" rIns="121900" bIns="121900" anchor="t" anchorCtr="0">
+            <a:noAutofit/>
+          </a:bodyPr>
+          <a:lstStyle/>
+          <a:p>
+            <a:pPr algn="ctr"/>
+            <a:r>
+              <a:rPr lang="en" sz="1600">
+                <a:solidFill>
+                  <a:schemeClr val="dk1"/>
+                </a:solidFill>
+                <a:latin typeface="Source Code Pro"/>
+                <a:ea typeface="Source Code Pro"/>
+                <a:cs typeface="Source Code Pro"/>
+                <a:sym typeface="Source Code Pro"/>
+              </a:rPr>
+              <a:t>Explain your financial needs and briefly outline your</a:t>
+            </a:r>
+            <a:endParaRPr sz="1600">
+              <a:solidFill>
+                <a:schemeClr val="dk1"/>
+              </a:solidFill>
+              <a:latin typeface="Source Code Pro"/>
+              <a:ea typeface="Source Code Pro"/>
+              <a:cs typeface="Source Code Pro"/>
+              <a:sym typeface="Source Code Pro"/>
+            </a:endParaRPr>
+          </a:p>
+          <a:p>
+            <a:pPr algn="ctr"/>
+            <a:r>
+              <a:rPr lang="en" sz="1600">
+                <a:solidFill>
+                  <a:schemeClr val="dk1"/>
+                </a:solidFill>
+                <a:latin typeface="Source Code Pro"/>
+                <a:ea typeface="Source Code Pro"/>
+                <a:cs typeface="Source Code Pro"/>
+                <a:sym typeface="Source Code Pro"/>
+              </a:rPr>
+              <a:t>funding allocation</a:t>
+            </a:r>
+            <a:endParaRPr sz="1600">
+              <a:solidFill>
+                <a:schemeClr val="dk1"/>
+              </a:solidFill>
+              <a:latin typeface="Source Code Pro"/>
+              <a:ea typeface="Source Code Pro"/>
+              <a:cs typeface="Source Code Pro"/>
+              <a:sym typeface="Source Code Pro"/>
+            </a:endParaRPr>
+          </a:p>
+        </p:txBody>
+      </p:sp>
+      <p:sp>
+        <p:nvSpPr>
+          <p:cNvPr id="464" name="Google Shape;464;p41"/>
+          <p:cNvSpPr txBox="1"/>
+          <p:nvPr/>
+        </p:nvSpPr>
+        <p:spPr>
+          <a:xfrm flipH="1">
+            <a:off x="8753900" y="4483059"/>
+            <a:ext cx="2477200" cy="1338400"/>
+          </a:xfrm>
+          <a:prstGeom prst="rect">
+            <a:avLst/>
+          </a:prstGeom>
+          <a:noFill/>
+          <a:ln>
+            <a:noFill/>
+          </a:ln>
+        </p:spPr>
+        <p:txBody>
+          <a:bodyPr spcFirstLastPara="1" wrap="square" lIns="121900" tIns="121900" rIns="121900" bIns="121900" anchor="t" anchorCtr="0">
+            <a:noAutofit/>
+          </a:bodyPr>
+          <a:lstStyle/>
+          <a:p>
+            <a:pPr algn="ctr"/>
+            <a:r>
+              <a:rPr lang="en" sz="1600">
+                <a:solidFill>
+                  <a:schemeClr val="dk1"/>
+                </a:solidFill>
+                <a:latin typeface="Source Code Pro"/>
+                <a:ea typeface="Source Code Pro"/>
+                <a:cs typeface="Source Code Pro"/>
+                <a:sym typeface="Source Code Pro"/>
+              </a:rPr>
+              <a:t>End with a clear and concise call to action</a:t>
+            </a:r>
+            <a:endParaRPr sz="1600">
+              <a:solidFill>
+                <a:schemeClr val="dk1"/>
+              </a:solidFill>
+              <a:latin typeface="Source Code Pro"/>
+              <a:ea typeface="Source Code Pro"/>
+              <a:cs typeface="Source Code Pro"/>
+              <a:sym typeface="Source Code Pro"/>
+            </a:endParaRPr>
+          </a:p>
+        </p:txBody>
+      </p:sp>
+      <p:cxnSp>
+        <p:nvCxnSpPr>
+          <p:cNvPr id="465" name="Google Shape;465;p41"/>
+          <p:cNvCxnSpPr>
+            <a:stCxn id="457" idx="3"/>
+            <a:endCxn id="458" idx="1"/>
+          </p:cNvCxnSpPr>
+          <p:nvPr/>
+        </p:nvCxnSpPr>
+        <p:spPr>
+          <a:xfrm>
+            <a:off x="2318033" y="4099092"/>
+            <a:ext cx="2362000" cy="0"/>
+          </a:xfrm>
+          <a:prstGeom prst="straightConnector1">
+            <a:avLst/>
+          </a:prstGeom>
+          <a:noFill/>
+          <a:ln w="9525" cap="flat" cmpd="sng">
+            <a:solidFill>
+              <a:schemeClr val="dk1"/>
+            </a:solidFill>
+            <a:prstDash val="solid"/>
+            <a:round/>
+            <a:headEnd type="none" w="med" len="med"/>
+            <a:tailEnd type="none" w="med" len="med"/>
+          </a:ln>
+        </p:spPr>
+      </p:cxnSp>
+      <p:cxnSp>
+        <p:nvCxnSpPr>
+          <p:cNvPr id="466" name="Google Shape;466;p41"/>
+          <p:cNvCxnSpPr>
+            <a:stCxn id="458" idx="3"/>
+            <a:endCxn id="459" idx="1"/>
+          </p:cNvCxnSpPr>
+          <p:nvPr/>
+        </p:nvCxnSpPr>
+        <p:spPr>
+          <a:xfrm>
+            <a:off x="4915389" y="4099092"/>
+            <a:ext cx="2362000" cy="0"/>
+          </a:xfrm>
+          <a:prstGeom prst="straightConnector1">
+            <a:avLst/>
+          </a:prstGeom>
+          <a:noFill/>
+          <a:ln w="9525" cap="flat" cmpd="sng">
+            <a:solidFill>
+              <a:schemeClr val="dk1"/>
+            </a:solidFill>
+            <a:prstDash val="solid"/>
+            <a:round/>
+            <a:headEnd type="none" w="med" len="med"/>
+            <a:tailEnd type="none" w="med" len="med"/>
+          </a:ln>
+        </p:spPr>
+      </p:cxnSp>
+      <p:cxnSp>
+        <p:nvCxnSpPr>
+          <p:cNvPr id="467" name="Google Shape;467;p41"/>
+          <p:cNvCxnSpPr>
+            <a:stCxn id="459" idx="3"/>
+            <a:endCxn id="460" idx="1"/>
+          </p:cNvCxnSpPr>
+          <p:nvPr/>
+        </p:nvCxnSpPr>
+        <p:spPr>
+          <a:xfrm>
+            <a:off x="7512744" y="4099092"/>
+            <a:ext cx="2362000" cy="0"/>
+          </a:xfrm>
+          <a:prstGeom prst="straightConnector1">
+            <a:avLst/>
+          </a:prstGeom>
+          <a:noFill/>
+          <a:ln w="9525" cap="flat" cmpd="sng">
+            <a:solidFill>
+              <a:schemeClr val="dk1"/>
+            </a:solidFill>
+            <a:prstDash val="solid"/>
+            <a:round/>
+            <a:headEnd type="none" w="med" len="med"/>
+            <a:tailEnd type="none" w="med" len="med"/>
+          </a:ln>
+        </p:spPr>
+      </p:cxnSp>
+      <p:cxnSp>
+        <p:nvCxnSpPr>
+          <p:cNvPr id="468" name="Google Shape;468;p41"/>
+          <p:cNvCxnSpPr>
+            <a:stCxn id="457" idx="2"/>
+            <a:endCxn id="461" idx="0"/>
+          </p:cNvCxnSpPr>
+          <p:nvPr/>
+        </p:nvCxnSpPr>
+        <p:spPr>
+          <a:xfrm>
+            <a:off x="2200433" y="4216692"/>
+            <a:ext cx="0" cy="266400"/>
+          </a:xfrm>
+          <a:prstGeom prst="straightConnector1">
+            <a:avLst/>
+          </a:prstGeom>
+          <a:noFill/>
+          <a:ln w="9525" cap="flat" cmpd="sng">
+            <a:solidFill>
+              <a:schemeClr val="dk1"/>
+            </a:solidFill>
+            <a:prstDash val="solid"/>
+            <a:round/>
+            <a:headEnd type="none" w="med" len="med"/>
+            <a:tailEnd type="none" w="med" len="med"/>
+          </a:ln>
+        </p:spPr>
+      </p:cxnSp>
+      <p:cxnSp>
+        <p:nvCxnSpPr>
+          <p:cNvPr id="469" name="Google Shape;469;p41"/>
+          <p:cNvCxnSpPr>
+            <a:stCxn id="458" idx="2"/>
+            <a:endCxn id="462" idx="0"/>
+          </p:cNvCxnSpPr>
+          <p:nvPr/>
+        </p:nvCxnSpPr>
+        <p:spPr>
+          <a:xfrm>
+            <a:off x="4797789" y="4216692"/>
+            <a:ext cx="0" cy="266400"/>
+          </a:xfrm>
+          <a:prstGeom prst="straightConnector1">
+            <a:avLst/>
+          </a:prstGeom>
+          <a:noFill/>
+          <a:ln w="9525" cap="flat" cmpd="sng">
+            <a:solidFill>
+              <a:schemeClr val="dk1"/>
+            </a:solidFill>
+            <a:prstDash val="solid"/>
+            <a:round/>
+            <a:headEnd type="none" w="med" len="med"/>
+            <a:tailEnd type="none" w="med" len="med"/>
+          </a:ln>
+        </p:spPr>
+      </p:cxnSp>
+      <p:cxnSp>
+        <p:nvCxnSpPr>
+          <p:cNvPr id="470" name="Google Shape;470;p41"/>
+          <p:cNvCxnSpPr>
+            <a:stCxn id="459" idx="2"/>
+            <a:endCxn id="463" idx="0"/>
+          </p:cNvCxnSpPr>
+          <p:nvPr/>
+        </p:nvCxnSpPr>
+        <p:spPr>
+          <a:xfrm>
+            <a:off x="7395144" y="4216692"/>
+            <a:ext cx="0" cy="266400"/>
+          </a:xfrm>
+          <a:prstGeom prst="straightConnector1">
+            <a:avLst/>
+          </a:prstGeom>
+          <a:noFill/>
+          <a:ln w="9525" cap="flat" cmpd="sng">
+            <a:solidFill>
+              <a:schemeClr val="dk1"/>
+            </a:solidFill>
+            <a:prstDash val="solid"/>
+            <a:round/>
+            <a:headEnd type="none" w="med" len="med"/>
+            <a:tailEnd type="none" w="med" len="med"/>
+          </a:ln>
+        </p:spPr>
+      </p:cxnSp>
+      <p:cxnSp>
+        <p:nvCxnSpPr>
+          <p:cNvPr id="471" name="Google Shape;471;p41"/>
+          <p:cNvCxnSpPr>
+            <a:stCxn id="460" idx="2"/>
+            <a:endCxn id="464" idx="0"/>
+          </p:cNvCxnSpPr>
+          <p:nvPr/>
+        </p:nvCxnSpPr>
+        <p:spPr>
+          <a:xfrm>
+            <a:off x="9992500" y="4216692"/>
+            <a:ext cx="0" cy="266400"/>
+          </a:xfrm>
+          <a:prstGeom prst="straightConnector1">
+            <a:avLst/>
+          </a:prstGeom>
+          <a:noFill/>
+          <a:ln w="9525" cap="flat" cmpd="sng">
+            <a:solidFill>
+              <a:schemeClr val="dk1"/>
+            </a:solidFill>
+            <a:prstDash val="solid"/>
+            <a:round/>
+            <a:headEnd type="none" w="med" len="med"/>
+            <a:tailEnd type="none" w="med" len="med"/>
+          </a:ln>
+        </p:spPr>
+      </p:cxnSp>
+      <p:cxnSp>
+        <p:nvCxnSpPr>
+          <p:cNvPr id="472" name="Google Shape;472;p41"/>
+          <p:cNvCxnSpPr>
+            <a:stCxn id="449" idx="3"/>
+            <a:endCxn id="457" idx="1"/>
+          </p:cNvCxnSpPr>
+          <p:nvPr/>
+        </p:nvCxnSpPr>
+        <p:spPr>
+          <a:xfrm flipH="1">
+            <a:off x="2082900" y="3278759"/>
+            <a:ext cx="8027200" cy="820400"/>
+          </a:xfrm>
+          <a:prstGeom prst="bentConnector5">
+            <a:avLst>
+              <a:gd name="adj1" fmla="val -3955"/>
+              <a:gd name="adj2" fmla="val 49996"/>
+              <a:gd name="adj3" fmla="val 103956"/>
+            </a:avLst>
+          </a:prstGeom>
+          <a:noFill/>
+          <a:ln w="9525" cap="flat" cmpd="sng">
+            <a:solidFill>
+              <a:schemeClr val="dk1"/>
+            </a:solidFill>
+            <a:prstDash val="solid"/>
+            <a:round/>
+            <a:headEnd type="none" w="med" len="med"/>
+            <a:tailEnd type="none" w="med" len="med"/>
+          </a:ln>
+        </p:spPr>
+      </p:cxnSp>
+    </p:spTree>
+  </p:cSld>
+  <p:clrMapOvr>
+    <a:masterClrMapping/>
+  </p:clrMapOvr>
+</p:sld>
+</file>
+
+<file path=ppt/slides/slide11.xml><?xml version="1.0" encoding="utf-8"?>
 <p:sld xmlns:a="http://schemas.openxmlformats.org/drawingml/2006/main" xmlns:r="http://schemas.openxmlformats.org/officeDocument/2006/relationships" xmlns:p="http://schemas.openxmlformats.org/presentationml/2006/main">
   <p:cSld>
     <p:spTree>
@@ -21540,7 +23099,7 @@
 </p:sld>
 </file>
 
-<file path=ppt/slides/slide11.xml><?xml version="1.0" encoding="utf-8"?>
+<file path=ppt/slides/slide12.xml><?xml version="1.0" encoding="utf-8"?>
 <p:sld xmlns:a="http://schemas.openxmlformats.org/drawingml/2006/main" xmlns:r="http://schemas.openxmlformats.org/officeDocument/2006/relationships" xmlns:p="http://schemas.openxmlformats.org/presentationml/2006/main">
   <p:cSld>
     <p:spTree>
@@ -22162,7 +23721,7 @@
 </p:sld>
 </file>
 
-<file path=ppt/slides/slide12.xml><?xml version="1.0" encoding="utf-8"?>
+<file path=ppt/slides/slide13.xml><?xml version="1.0" encoding="utf-8"?>
 <p:sld xmlns:a="http://schemas.openxmlformats.org/drawingml/2006/main" xmlns:r="http://schemas.openxmlformats.org/officeDocument/2006/relationships" xmlns:p="http://schemas.openxmlformats.org/presentationml/2006/main">
   <p:cSld>
     <p:spTree>
@@ -29532,7 +31091,7 @@
 </p:sld>
 </file>
 
-<file path=ppt/slides/slide13.xml><?xml version="1.0" encoding="utf-8"?>
+<file path=ppt/slides/slide14.xml><?xml version="1.0" encoding="utf-8"?>
 <p:sld xmlns:a="http://schemas.openxmlformats.org/drawingml/2006/main" xmlns:r="http://schemas.openxmlformats.org/officeDocument/2006/relationships" xmlns:p="http://schemas.openxmlformats.org/presentationml/2006/main">
   <p:cSld>
     <p:spTree>
@@ -34448,6 +36007,55 @@
           </p:txBody>
         </p:sp>
       </p:grpSp>
+      <p:sp>
+        <p:nvSpPr>
+          <p:cNvPr id="4" name="Szövegdoboz 3">
+            <a:extLst>
+              <a:ext uri="{FF2B5EF4-FFF2-40B4-BE49-F238E27FC236}">
+                <a16:creationId xmlns:a16="http://schemas.microsoft.com/office/drawing/2014/main" id="{7EE403A6-601A-7B83-65BF-887FF504E240}"/>
+              </a:ext>
+            </a:extLst>
+          </p:cNvPr>
+          <p:cNvSpPr txBox="1"/>
+          <p:nvPr/>
+        </p:nvSpPr>
+        <p:spPr>
+          <a:xfrm>
+            <a:off x="80817" y="95250"/>
+            <a:ext cx="2521844" cy="400110"/>
+          </a:xfrm>
+          <a:prstGeom prst="rect">
+            <a:avLst/>
+          </a:prstGeom>
+          <a:noFill/>
+        </p:spPr>
+        <p:txBody>
+          <a:bodyPr wrap="none" rtlCol="0">
+            <a:spAutoFit/>
+          </a:bodyPr>
+          <a:lstStyle/>
+          <a:p>
+            <a:r>
+              <a:rPr lang="hu-HU" sz="2000" dirty="0" err="1">
+                <a:solidFill>
+                  <a:schemeClr val="tx1"/>
+                </a:solidFill>
+                <a:latin typeface="Quantico" panose="020B0604020202020204" charset="0"/>
+              </a:rPr>
+              <a:t>Dusza</a:t>
+            </a:r>
+            <a:r>
+              <a:rPr lang="hu-HU" sz="2000" dirty="0">
+                <a:solidFill>
+                  <a:schemeClr val="tx1"/>
+                </a:solidFill>
+                <a:latin typeface="Quantico" panose="020B0604020202020204" charset="0"/>
+              </a:rPr>
+              <a:t> 2024.verseny</a:t>
+            </a:r>
+          </a:p>
+        </p:txBody>
+      </p:sp>
     </p:spTree>
     <p:extLst>
       <p:ext uri="{BB962C8B-B14F-4D97-AF65-F5344CB8AC3E}">
@@ -35072,25 +36680,291 @@
       </p:grpSpPr>
       <p:sp>
         <p:nvSpPr>
-          <p:cNvPr id="2" name="Cím 1">
+          <p:cNvPr id="5" name="Google Shape;257;p30">
             <a:extLst>
               <a:ext uri="{FF2B5EF4-FFF2-40B4-BE49-F238E27FC236}">
-                <a16:creationId xmlns:a16="http://schemas.microsoft.com/office/drawing/2014/main" id="{1BEB5AC3-F011-AA83-7C37-C745B8F97DB1}"/>
+                <a16:creationId xmlns:a16="http://schemas.microsoft.com/office/drawing/2014/main" id="{B8EFD92E-E2B5-C474-BAAB-8284D401F4E3}"/>
               </a:ext>
             </a:extLst>
           </p:cNvPr>
-          <p:cNvSpPr>
-            <a:spLocks noGrp="1"/>
+          <p:cNvSpPr txBox="1">
+            <a:spLocks/>
           </p:cNvSpPr>
-          <p:nvPr>
-            <p:ph type="title"/>
-          </p:nvPr>
+          <p:nvPr/>
         </p:nvSpPr>
-        <p:spPr/>
+        <p:spPr>
+          <a:xfrm>
+            <a:off x="636150" y="639285"/>
+            <a:ext cx="7704000" cy="557700"/>
+          </a:xfrm>
+          <a:prstGeom prst="rect">
+            <a:avLst/>
+          </a:prstGeom>
+          <a:noFill/>
+          <a:ln>
+            <a:noFill/>
+          </a:ln>
+        </p:spPr>
         <p:txBody>
-          <a:bodyPr/>
-          <a:lstStyle/>
+          <a:bodyPr spcFirstLastPara="1" wrap="square" lIns="91425" tIns="91425" rIns="91425" bIns="91425" anchor="t" anchorCtr="0">
+            <a:noAutofit/>
+          </a:bodyPr>
+          <a:lstStyle>
+            <a:defPPr marR="0" lvl="0" algn="l" rtl="0">
+              <a:lnSpc>
+                <a:spcPct val="100000"/>
+              </a:lnSpc>
+              <a:spcBef>
+                <a:spcPts val="0"/>
+              </a:spcBef>
+              <a:spcAft>
+                <a:spcPts val="0"/>
+              </a:spcAft>
+            </a:defPPr>
+            <a:lvl1pPr marR="0" lvl="0" algn="l" rtl="0" eaLnBrk="1" hangingPunct="1">
+              <a:lnSpc>
+                <a:spcPct val="100000"/>
+              </a:lnSpc>
+              <a:spcBef>
+                <a:spcPts val="0"/>
+              </a:spcBef>
+              <a:spcAft>
+                <a:spcPts val="0"/>
+              </a:spcAft>
+              <a:buClr>
+                <a:schemeClr val="dk1"/>
+              </a:buClr>
+              <a:buSzPts val="3300"/>
+              <a:buFont typeface="Quantico"/>
+              <a:buNone/>
+              <a:defRPr sz="3300" b="0" i="0" u="none" strike="noStrike" cap="none">
+                <a:solidFill>
+                  <a:schemeClr val="dk1"/>
+                </a:solidFill>
+                <a:latin typeface="Quantico"/>
+                <a:ea typeface="Quantico"/>
+                <a:cs typeface="Quantico"/>
+                <a:sym typeface="Quantico"/>
+              </a:defRPr>
+            </a:lvl1pPr>
+            <a:lvl2pPr marR="0" lvl="1" algn="l" rtl="0" eaLnBrk="1" hangingPunct="1">
+              <a:lnSpc>
+                <a:spcPct val="100000"/>
+              </a:lnSpc>
+              <a:spcBef>
+                <a:spcPts val="0"/>
+              </a:spcBef>
+              <a:spcAft>
+                <a:spcPts val="0"/>
+              </a:spcAft>
+              <a:buClr>
+                <a:schemeClr val="dk1"/>
+              </a:buClr>
+              <a:buSzPts val="3300"/>
+              <a:buFont typeface="Quantico"/>
+              <a:buNone/>
+              <a:defRPr sz="3300" b="1" i="0" u="none" strike="noStrike" cap="none">
+                <a:solidFill>
+                  <a:schemeClr val="dk1"/>
+                </a:solidFill>
+                <a:latin typeface="Quantico"/>
+                <a:ea typeface="Quantico"/>
+                <a:cs typeface="Quantico"/>
+                <a:sym typeface="Quantico"/>
+              </a:defRPr>
+            </a:lvl2pPr>
+            <a:lvl3pPr marR="0" lvl="2" algn="l" rtl="0" eaLnBrk="1" hangingPunct="1">
+              <a:lnSpc>
+                <a:spcPct val="100000"/>
+              </a:lnSpc>
+              <a:spcBef>
+                <a:spcPts val="0"/>
+              </a:spcBef>
+              <a:spcAft>
+                <a:spcPts val="0"/>
+              </a:spcAft>
+              <a:buClr>
+                <a:schemeClr val="dk1"/>
+              </a:buClr>
+              <a:buSzPts val="3300"/>
+              <a:buFont typeface="Quantico"/>
+              <a:buNone/>
+              <a:defRPr sz="3300" b="1" i="0" u="none" strike="noStrike" cap="none">
+                <a:solidFill>
+                  <a:schemeClr val="dk1"/>
+                </a:solidFill>
+                <a:latin typeface="Quantico"/>
+                <a:ea typeface="Quantico"/>
+                <a:cs typeface="Quantico"/>
+                <a:sym typeface="Quantico"/>
+              </a:defRPr>
+            </a:lvl3pPr>
+            <a:lvl4pPr marR="0" lvl="3" algn="l" rtl="0" eaLnBrk="1" hangingPunct="1">
+              <a:lnSpc>
+                <a:spcPct val="100000"/>
+              </a:lnSpc>
+              <a:spcBef>
+                <a:spcPts val="0"/>
+              </a:spcBef>
+              <a:spcAft>
+                <a:spcPts val="0"/>
+              </a:spcAft>
+              <a:buClr>
+                <a:schemeClr val="dk1"/>
+              </a:buClr>
+              <a:buSzPts val="3300"/>
+              <a:buFont typeface="Quantico"/>
+              <a:buNone/>
+              <a:defRPr sz="3300" b="1" i="0" u="none" strike="noStrike" cap="none">
+                <a:solidFill>
+                  <a:schemeClr val="dk1"/>
+                </a:solidFill>
+                <a:latin typeface="Quantico"/>
+                <a:ea typeface="Quantico"/>
+                <a:cs typeface="Quantico"/>
+                <a:sym typeface="Quantico"/>
+              </a:defRPr>
+            </a:lvl4pPr>
+            <a:lvl5pPr marR="0" lvl="4" algn="l" rtl="0" eaLnBrk="1" hangingPunct="1">
+              <a:lnSpc>
+                <a:spcPct val="100000"/>
+              </a:lnSpc>
+              <a:spcBef>
+                <a:spcPts val="0"/>
+              </a:spcBef>
+              <a:spcAft>
+                <a:spcPts val="0"/>
+              </a:spcAft>
+              <a:buClr>
+                <a:schemeClr val="dk1"/>
+              </a:buClr>
+              <a:buSzPts val="3300"/>
+              <a:buFont typeface="Quantico"/>
+              <a:buNone/>
+              <a:defRPr sz="3300" b="1" i="0" u="none" strike="noStrike" cap="none">
+                <a:solidFill>
+                  <a:schemeClr val="dk1"/>
+                </a:solidFill>
+                <a:latin typeface="Quantico"/>
+                <a:ea typeface="Quantico"/>
+                <a:cs typeface="Quantico"/>
+                <a:sym typeface="Quantico"/>
+              </a:defRPr>
+            </a:lvl5pPr>
+            <a:lvl6pPr marR="0" lvl="5" algn="l" rtl="0" eaLnBrk="1" hangingPunct="1">
+              <a:lnSpc>
+                <a:spcPct val="100000"/>
+              </a:lnSpc>
+              <a:spcBef>
+                <a:spcPts val="0"/>
+              </a:spcBef>
+              <a:spcAft>
+                <a:spcPts val="0"/>
+              </a:spcAft>
+              <a:buClr>
+                <a:schemeClr val="dk1"/>
+              </a:buClr>
+              <a:buSzPts val="3300"/>
+              <a:buFont typeface="Quantico"/>
+              <a:buNone/>
+              <a:defRPr sz="3300" b="1" i="0" u="none" strike="noStrike" cap="none">
+                <a:solidFill>
+                  <a:schemeClr val="dk1"/>
+                </a:solidFill>
+                <a:latin typeface="Quantico"/>
+                <a:ea typeface="Quantico"/>
+                <a:cs typeface="Quantico"/>
+                <a:sym typeface="Quantico"/>
+              </a:defRPr>
+            </a:lvl6pPr>
+            <a:lvl7pPr marR="0" lvl="6" algn="l" rtl="0" eaLnBrk="1" hangingPunct="1">
+              <a:lnSpc>
+                <a:spcPct val="100000"/>
+              </a:lnSpc>
+              <a:spcBef>
+                <a:spcPts val="0"/>
+              </a:spcBef>
+              <a:spcAft>
+                <a:spcPts val="0"/>
+              </a:spcAft>
+              <a:buClr>
+                <a:schemeClr val="dk1"/>
+              </a:buClr>
+              <a:buSzPts val="3300"/>
+              <a:buFont typeface="Quantico"/>
+              <a:buNone/>
+              <a:defRPr sz="3300" b="1" i="0" u="none" strike="noStrike" cap="none">
+                <a:solidFill>
+                  <a:schemeClr val="dk1"/>
+                </a:solidFill>
+                <a:latin typeface="Quantico"/>
+                <a:ea typeface="Quantico"/>
+                <a:cs typeface="Quantico"/>
+                <a:sym typeface="Quantico"/>
+              </a:defRPr>
+            </a:lvl7pPr>
+            <a:lvl8pPr marR="0" lvl="7" algn="l" rtl="0" eaLnBrk="1" hangingPunct="1">
+              <a:lnSpc>
+                <a:spcPct val="100000"/>
+              </a:lnSpc>
+              <a:spcBef>
+                <a:spcPts val="0"/>
+              </a:spcBef>
+              <a:spcAft>
+                <a:spcPts val="0"/>
+              </a:spcAft>
+              <a:buClr>
+                <a:schemeClr val="dk1"/>
+              </a:buClr>
+              <a:buSzPts val="3300"/>
+              <a:buFont typeface="Quantico"/>
+              <a:buNone/>
+              <a:defRPr sz="3300" b="1" i="0" u="none" strike="noStrike" cap="none">
+                <a:solidFill>
+                  <a:schemeClr val="dk1"/>
+                </a:solidFill>
+                <a:latin typeface="Quantico"/>
+                <a:ea typeface="Quantico"/>
+                <a:cs typeface="Quantico"/>
+                <a:sym typeface="Quantico"/>
+              </a:defRPr>
+            </a:lvl8pPr>
+            <a:lvl9pPr marR="0" lvl="8" algn="l" rtl="0" eaLnBrk="1" hangingPunct="1">
+              <a:lnSpc>
+                <a:spcPct val="100000"/>
+              </a:lnSpc>
+              <a:spcBef>
+                <a:spcPts val="0"/>
+              </a:spcBef>
+              <a:spcAft>
+                <a:spcPts val="0"/>
+              </a:spcAft>
+              <a:buClr>
+                <a:schemeClr val="dk1"/>
+              </a:buClr>
+              <a:buSzPts val="3300"/>
+              <a:buFont typeface="Quantico"/>
+              <a:buNone/>
+              <a:defRPr sz="3300" b="1" i="0" u="none" strike="noStrike" cap="none">
+                <a:solidFill>
+                  <a:schemeClr val="dk1"/>
+                </a:solidFill>
+                <a:latin typeface="Quantico"/>
+                <a:ea typeface="Quantico"/>
+                <a:cs typeface="Quantico"/>
+                <a:sym typeface="Quantico"/>
+              </a:defRPr>
+            </a:lvl9pPr>
+          </a:lstStyle>
           <a:p>
+            <a:r>
+              <a:rPr lang="en-US" dirty="0">
+                <a:solidFill>
+                  <a:schemeClr val="lt2"/>
+                </a:solidFill>
+              </a:rPr>
+              <a:t>&lt;/ </a:t>
+            </a:r>
             <a:r>
               <a:rPr lang="hu-HU" dirty="0" err="1"/>
               <a:t>Form</a:t>
@@ -35107,6 +36981,7 @@
               <a:rPr lang="hu-HU" dirty="0"/>
               <a:t> kötve</a:t>
             </a:r>
+            <a:endParaRPr lang="en-US" dirty="0"/>
           </a:p>
         </p:txBody>
       </p:sp>
@@ -35916,25 +37791,291 @@
       </p:grpSpPr>
       <p:sp>
         <p:nvSpPr>
-          <p:cNvPr id="2" name="Cím 1">
+          <p:cNvPr id="3" name="Google Shape;257;p30">
             <a:extLst>
               <a:ext uri="{FF2B5EF4-FFF2-40B4-BE49-F238E27FC236}">
-                <a16:creationId xmlns:a16="http://schemas.microsoft.com/office/drawing/2014/main" id="{52E0A6A9-1D9B-199D-2C96-D0D7B1A69DA4}"/>
+                <a16:creationId xmlns:a16="http://schemas.microsoft.com/office/drawing/2014/main" id="{4F470473-8560-BC8E-EA00-F8345A3411A8}"/>
               </a:ext>
             </a:extLst>
           </p:cNvPr>
-          <p:cNvSpPr>
-            <a:spLocks noGrp="1"/>
+          <p:cNvSpPr txBox="1">
+            <a:spLocks/>
           </p:cNvSpPr>
-          <p:nvPr>
-            <p:ph type="title"/>
-          </p:nvPr>
+          <p:nvPr/>
         </p:nvSpPr>
-        <p:spPr/>
+        <p:spPr>
+          <a:xfrm>
+            <a:off x="636150" y="639285"/>
+            <a:ext cx="10431900" cy="557700"/>
+          </a:xfrm>
+          <a:prstGeom prst="rect">
+            <a:avLst/>
+          </a:prstGeom>
+          <a:noFill/>
+          <a:ln>
+            <a:noFill/>
+          </a:ln>
+        </p:spPr>
         <p:txBody>
-          <a:bodyPr/>
-          <a:lstStyle/>
+          <a:bodyPr spcFirstLastPara="1" wrap="square" lIns="91425" tIns="91425" rIns="91425" bIns="91425" anchor="t" anchorCtr="0">
+            <a:noAutofit/>
+          </a:bodyPr>
+          <a:lstStyle>
+            <a:defPPr marR="0" lvl="0" algn="l" rtl="0">
+              <a:lnSpc>
+                <a:spcPct val="100000"/>
+              </a:lnSpc>
+              <a:spcBef>
+                <a:spcPts val="0"/>
+              </a:spcBef>
+              <a:spcAft>
+                <a:spcPts val="0"/>
+              </a:spcAft>
+            </a:defPPr>
+            <a:lvl1pPr marR="0" lvl="0" algn="l" rtl="0" eaLnBrk="1" hangingPunct="1">
+              <a:lnSpc>
+                <a:spcPct val="100000"/>
+              </a:lnSpc>
+              <a:spcBef>
+                <a:spcPts val="0"/>
+              </a:spcBef>
+              <a:spcAft>
+                <a:spcPts val="0"/>
+              </a:spcAft>
+              <a:buClr>
+                <a:schemeClr val="dk1"/>
+              </a:buClr>
+              <a:buSzPts val="3300"/>
+              <a:buFont typeface="Quantico"/>
+              <a:buNone/>
+              <a:defRPr sz="3300" b="0" i="0" u="none" strike="noStrike" cap="none">
+                <a:solidFill>
+                  <a:schemeClr val="dk1"/>
+                </a:solidFill>
+                <a:latin typeface="Quantico"/>
+                <a:ea typeface="Quantico"/>
+                <a:cs typeface="Quantico"/>
+                <a:sym typeface="Quantico"/>
+              </a:defRPr>
+            </a:lvl1pPr>
+            <a:lvl2pPr marR="0" lvl="1" algn="l" rtl="0" eaLnBrk="1" hangingPunct="1">
+              <a:lnSpc>
+                <a:spcPct val="100000"/>
+              </a:lnSpc>
+              <a:spcBef>
+                <a:spcPts val="0"/>
+              </a:spcBef>
+              <a:spcAft>
+                <a:spcPts val="0"/>
+              </a:spcAft>
+              <a:buClr>
+                <a:schemeClr val="dk1"/>
+              </a:buClr>
+              <a:buSzPts val="3300"/>
+              <a:buFont typeface="Quantico"/>
+              <a:buNone/>
+              <a:defRPr sz="3300" b="1" i="0" u="none" strike="noStrike" cap="none">
+                <a:solidFill>
+                  <a:schemeClr val="dk1"/>
+                </a:solidFill>
+                <a:latin typeface="Quantico"/>
+                <a:ea typeface="Quantico"/>
+                <a:cs typeface="Quantico"/>
+                <a:sym typeface="Quantico"/>
+              </a:defRPr>
+            </a:lvl2pPr>
+            <a:lvl3pPr marR="0" lvl="2" algn="l" rtl="0" eaLnBrk="1" hangingPunct="1">
+              <a:lnSpc>
+                <a:spcPct val="100000"/>
+              </a:lnSpc>
+              <a:spcBef>
+                <a:spcPts val="0"/>
+              </a:spcBef>
+              <a:spcAft>
+                <a:spcPts val="0"/>
+              </a:spcAft>
+              <a:buClr>
+                <a:schemeClr val="dk1"/>
+              </a:buClr>
+              <a:buSzPts val="3300"/>
+              <a:buFont typeface="Quantico"/>
+              <a:buNone/>
+              <a:defRPr sz="3300" b="1" i="0" u="none" strike="noStrike" cap="none">
+                <a:solidFill>
+                  <a:schemeClr val="dk1"/>
+                </a:solidFill>
+                <a:latin typeface="Quantico"/>
+                <a:ea typeface="Quantico"/>
+                <a:cs typeface="Quantico"/>
+                <a:sym typeface="Quantico"/>
+              </a:defRPr>
+            </a:lvl3pPr>
+            <a:lvl4pPr marR="0" lvl="3" algn="l" rtl="0" eaLnBrk="1" hangingPunct="1">
+              <a:lnSpc>
+                <a:spcPct val="100000"/>
+              </a:lnSpc>
+              <a:spcBef>
+                <a:spcPts val="0"/>
+              </a:spcBef>
+              <a:spcAft>
+                <a:spcPts val="0"/>
+              </a:spcAft>
+              <a:buClr>
+                <a:schemeClr val="dk1"/>
+              </a:buClr>
+              <a:buSzPts val="3300"/>
+              <a:buFont typeface="Quantico"/>
+              <a:buNone/>
+              <a:defRPr sz="3300" b="1" i="0" u="none" strike="noStrike" cap="none">
+                <a:solidFill>
+                  <a:schemeClr val="dk1"/>
+                </a:solidFill>
+                <a:latin typeface="Quantico"/>
+                <a:ea typeface="Quantico"/>
+                <a:cs typeface="Quantico"/>
+                <a:sym typeface="Quantico"/>
+              </a:defRPr>
+            </a:lvl4pPr>
+            <a:lvl5pPr marR="0" lvl="4" algn="l" rtl="0" eaLnBrk="1" hangingPunct="1">
+              <a:lnSpc>
+                <a:spcPct val="100000"/>
+              </a:lnSpc>
+              <a:spcBef>
+                <a:spcPts val="0"/>
+              </a:spcBef>
+              <a:spcAft>
+                <a:spcPts val="0"/>
+              </a:spcAft>
+              <a:buClr>
+                <a:schemeClr val="dk1"/>
+              </a:buClr>
+              <a:buSzPts val="3300"/>
+              <a:buFont typeface="Quantico"/>
+              <a:buNone/>
+              <a:defRPr sz="3300" b="1" i="0" u="none" strike="noStrike" cap="none">
+                <a:solidFill>
+                  <a:schemeClr val="dk1"/>
+                </a:solidFill>
+                <a:latin typeface="Quantico"/>
+                <a:ea typeface="Quantico"/>
+                <a:cs typeface="Quantico"/>
+                <a:sym typeface="Quantico"/>
+              </a:defRPr>
+            </a:lvl5pPr>
+            <a:lvl6pPr marR="0" lvl="5" algn="l" rtl="0" eaLnBrk="1" hangingPunct="1">
+              <a:lnSpc>
+                <a:spcPct val="100000"/>
+              </a:lnSpc>
+              <a:spcBef>
+                <a:spcPts val="0"/>
+              </a:spcBef>
+              <a:spcAft>
+                <a:spcPts val="0"/>
+              </a:spcAft>
+              <a:buClr>
+                <a:schemeClr val="dk1"/>
+              </a:buClr>
+              <a:buSzPts val="3300"/>
+              <a:buFont typeface="Quantico"/>
+              <a:buNone/>
+              <a:defRPr sz="3300" b="1" i="0" u="none" strike="noStrike" cap="none">
+                <a:solidFill>
+                  <a:schemeClr val="dk1"/>
+                </a:solidFill>
+                <a:latin typeface="Quantico"/>
+                <a:ea typeface="Quantico"/>
+                <a:cs typeface="Quantico"/>
+                <a:sym typeface="Quantico"/>
+              </a:defRPr>
+            </a:lvl6pPr>
+            <a:lvl7pPr marR="0" lvl="6" algn="l" rtl="0" eaLnBrk="1" hangingPunct="1">
+              <a:lnSpc>
+                <a:spcPct val="100000"/>
+              </a:lnSpc>
+              <a:spcBef>
+                <a:spcPts val="0"/>
+              </a:spcBef>
+              <a:spcAft>
+                <a:spcPts val="0"/>
+              </a:spcAft>
+              <a:buClr>
+                <a:schemeClr val="dk1"/>
+              </a:buClr>
+              <a:buSzPts val="3300"/>
+              <a:buFont typeface="Quantico"/>
+              <a:buNone/>
+              <a:defRPr sz="3300" b="1" i="0" u="none" strike="noStrike" cap="none">
+                <a:solidFill>
+                  <a:schemeClr val="dk1"/>
+                </a:solidFill>
+                <a:latin typeface="Quantico"/>
+                <a:ea typeface="Quantico"/>
+                <a:cs typeface="Quantico"/>
+                <a:sym typeface="Quantico"/>
+              </a:defRPr>
+            </a:lvl7pPr>
+            <a:lvl8pPr marR="0" lvl="7" algn="l" rtl="0" eaLnBrk="1" hangingPunct="1">
+              <a:lnSpc>
+                <a:spcPct val="100000"/>
+              </a:lnSpc>
+              <a:spcBef>
+                <a:spcPts val="0"/>
+              </a:spcBef>
+              <a:spcAft>
+                <a:spcPts val="0"/>
+              </a:spcAft>
+              <a:buClr>
+                <a:schemeClr val="dk1"/>
+              </a:buClr>
+              <a:buSzPts val="3300"/>
+              <a:buFont typeface="Quantico"/>
+              <a:buNone/>
+              <a:defRPr sz="3300" b="1" i="0" u="none" strike="noStrike" cap="none">
+                <a:solidFill>
+                  <a:schemeClr val="dk1"/>
+                </a:solidFill>
+                <a:latin typeface="Quantico"/>
+                <a:ea typeface="Quantico"/>
+                <a:cs typeface="Quantico"/>
+                <a:sym typeface="Quantico"/>
+              </a:defRPr>
+            </a:lvl8pPr>
+            <a:lvl9pPr marR="0" lvl="8" algn="l" rtl="0" eaLnBrk="1" hangingPunct="1">
+              <a:lnSpc>
+                <a:spcPct val="100000"/>
+              </a:lnSpc>
+              <a:spcBef>
+                <a:spcPts val="0"/>
+              </a:spcBef>
+              <a:spcAft>
+                <a:spcPts val="0"/>
+              </a:spcAft>
+              <a:buClr>
+                <a:schemeClr val="dk1"/>
+              </a:buClr>
+              <a:buSzPts val="3300"/>
+              <a:buFont typeface="Quantico"/>
+              <a:buNone/>
+              <a:defRPr sz="3300" b="1" i="0" u="none" strike="noStrike" cap="none">
+                <a:solidFill>
+                  <a:schemeClr val="dk1"/>
+                </a:solidFill>
+                <a:latin typeface="Quantico"/>
+                <a:ea typeface="Quantico"/>
+                <a:cs typeface="Quantico"/>
+                <a:sym typeface="Quantico"/>
+              </a:defRPr>
+            </a:lvl9pPr>
+          </a:lstStyle>
           <a:p>
+            <a:r>
+              <a:rPr lang="en-US" dirty="0">
+                <a:solidFill>
+                  <a:schemeClr val="lt2"/>
+                </a:solidFill>
+              </a:rPr>
+              <a:t>&lt;/ </a:t>
+            </a:r>
             <a:r>
               <a:rPr lang="hu-HU" dirty="0" err="1"/>
               <a:t>Controller</a:t>
@@ -35959,6 +38100,7 @@
               <a:rPr lang="hu-HU" dirty="0"/>
               <a:t> (tag-ek)</a:t>
             </a:r>
+            <a:endParaRPr lang="en-US" dirty="0"/>
           </a:p>
         </p:txBody>
       </p:sp>
@@ -37860,25 +40002,291 @@
       </p:grpSpPr>
       <p:sp>
         <p:nvSpPr>
-          <p:cNvPr id="2" name="Cím 1">
+          <p:cNvPr id="3" name="Google Shape;257;p30">
             <a:extLst>
               <a:ext uri="{FF2B5EF4-FFF2-40B4-BE49-F238E27FC236}">
-                <a16:creationId xmlns:a16="http://schemas.microsoft.com/office/drawing/2014/main" id="{D5F0D2B8-052C-A383-F73C-093B8B7E079F}"/>
+                <a16:creationId xmlns:a16="http://schemas.microsoft.com/office/drawing/2014/main" id="{ABB9CF54-B8B2-A9CF-AC23-F0D399E4C79F}"/>
               </a:ext>
             </a:extLst>
           </p:cNvPr>
-          <p:cNvSpPr>
-            <a:spLocks noGrp="1"/>
+          <p:cNvSpPr txBox="1">
+            <a:spLocks/>
           </p:cNvSpPr>
-          <p:nvPr>
-            <p:ph type="title"/>
-          </p:nvPr>
+          <p:nvPr/>
         </p:nvSpPr>
-        <p:spPr/>
+        <p:spPr>
+          <a:xfrm>
+            <a:off x="636150" y="639285"/>
+            <a:ext cx="7704000" cy="557700"/>
+          </a:xfrm>
+          <a:prstGeom prst="rect">
+            <a:avLst/>
+          </a:prstGeom>
+          <a:noFill/>
+          <a:ln>
+            <a:noFill/>
+          </a:ln>
+        </p:spPr>
         <p:txBody>
-          <a:bodyPr/>
-          <a:lstStyle/>
+          <a:bodyPr spcFirstLastPara="1" wrap="square" lIns="91425" tIns="91425" rIns="91425" bIns="91425" anchor="t" anchorCtr="0">
+            <a:noAutofit/>
+          </a:bodyPr>
+          <a:lstStyle>
+            <a:defPPr marR="0" lvl="0" algn="l" rtl="0">
+              <a:lnSpc>
+                <a:spcPct val="100000"/>
+              </a:lnSpc>
+              <a:spcBef>
+                <a:spcPts val="0"/>
+              </a:spcBef>
+              <a:spcAft>
+                <a:spcPts val="0"/>
+              </a:spcAft>
+            </a:defPPr>
+            <a:lvl1pPr marR="0" lvl="0" algn="l" rtl="0" eaLnBrk="1" hangingPunct="1">
+              <a:lnSpc>
+                <a:spcPct val="100000"/>
+              </a:lnSpc>
+              <a:spcBef>
+                <a:spcPts val="0"/>
+              </a:spcBef>
+              <a:spcAft>
+                <a:spcPts val="0"/>
+              </a:spcAft>
+              <a:buClr>
+                <a:schemeClr val="dk1"/>
+              </a:buClr>
+              <a:buSzPts val="3300"/>
+              <a:buFont typeface="Quantico"/>
+              <a:buNone/>
+              <a:defRPr sz="3300" b="0" i="0" u="none" strike="noStrike" cap="none">
+                <a:solidFill>
+                  <a:schemeClr val="dk1"/>
+                </a:solidFill>
+                <a:latin typeface="Quantico"/>
+                <a:ea typeface="Quantico"/>
+                <a:cs typeface="Quantico"/>
+                <a:sym typeface="Quantico"/>
+              </a:defRPr>
+            </a:lvl1pPr>
+            <a:lvl2pPr marR="0" lvl="1" algn="l" rtl="0" eaLnBrk="1" hangingPunct="1">
+              <a:lnSpc>
+                <a:spcPct val="100000"/>
+              </a:lnSpc>
+              <a:spcBef>
+                <a:spcPts val="0"/>
+              </a:spcBef>
+              <a:spcAft>
+                <a:spcPts val="0"/>
+              </a:spcAft>
+              <a:buClr>
+                <a:schemeClr val="dk1"/>
+              </a:buClr>
+              <a:buSzPts val="3300"/>
+              <a:buFont typeface="Quantico"/>
+              <a:buNone/>
+              <a:defRPr sz="3300" b="1" i="0" u="none" strike="noStrike" cap="none">
+                <a:solidFill>
+                  <a:schemeClr val="dk1"/>
+                </a:solidFill>
+                <a:latin typeface="Quantico"/>
+                <a:ea typeface="Quantico"/>
+                <a:cs typeface="Quantico"/>
+                <a:sym typeface="Quantico"/>
+              </a:defRPr>
+            </a:lvl2pPr>
+            <a:lvl3pPr marR="0" lvl="2" algn="l" rtl="0" eaLnBrk="1" hangingPunct="1">
+              <a:lnSpc>
+                <a:spcPct val="100000"/>
+              </a:lnSpc>
+              <a:spcBef>
+                <a:spcPts val="0"/>
+              </a:spcBef>
+              <a:spcAft>
+                <a:spcPts val="0"/>
+              </a:spcAft>
+              <a:buClr>
+                <a:schemeClr val="dk1"/>
+              </a:buClr>
+              <a:buSzPts val="3300"/>
+              <a:buFont typeface="Quantico"/>
+              <a:buNone/>
+              <a:defRPr sz="3300" b="1" i="0" u="none" strike="noStrike" cap="none">
+                <a:solidFill>
+                  <a:schemeClr val="dk1"/>
+                </a:solidFill>
+                <a:latin typeface="Quantico"/>
+                <a:ea typeface="Quantico"/>
+                <a:cs typeface="Quantico"/>
+                <a:sym typeface="Quantico"/>
+              </a:defRPr>
+            </a:lvl3pPr>
+            <a:lvl4pPr marR="0" lvl="3" algn="l" rtl="0" eaLnBrk="1" hangingPunct="1">
+              <a:lnSpc>
+                <a:spcPct val="100000"/>
+              </a:lnSpc>
+              <a:spcBef>
+                <a:spcPts val="0"/>
+              </a:spcBef>
+              <a:spcAft>
+                <a:spcPts val="0"/>
+              </a:spcAft>
+              <a:buClr>
+                <a:schemeClr val="dk1"/>
+              </a:buClr>
+              <a:buSzPts val="3300"/>
+              <a:buFont typeface="Quantico"/>
+              <a:buNone/>
+              <a:defRPr sz="3300" b="1" i="0" u="none" strike="noStrike" cap="none">
+                <a:solidFill>
+                  <a:schemeClr val="dk1"/>
+                </a:solidFill>
+                <a:latin typeface="Quantico"/>
+                <a:ea typeface="Quantico"/>
+                <a:cs typeface="Quantico"/>
+                <a:sym typeface="Quantico"/>
+              </a:defRPr>
+            </a:lvl4pPr>
+            <a:lvl5pPr marR="0" lvl="4" algn="l" rtl="0" eaLnBrk="1" hangingPunct="1">
+              <a:lnSpc>
+                <a:spcPct val="100000"/>
+              </a:lnSpc>
+              <a:spcBef>
+                <a:spcPts val="0"/>
+              </a:spcBef>
+              <a:spcAft>
+                <a:spcPts val="0"/>
+              </a:spcAft>
+              <a:buClr>
+                <a:schemeClr val="dk1"/>
+              </a:buClr>
+              <a:buSzPts val="3300"/>
+              <a:buFont typeface="Quantico"/>
+              <a:buNone/>
+              <a:defRPr sz="3300" b="1" i="0" u="none" strike="noStrike" cap="none">
+                <a:solidFill>
+                  <a:schemeClr val="dk1"/>
+                </a:solidFill>
+                <a:latin typeface="Quantico"/>
+                <a:ea typeface="Quantico"/>
+                <a:cs typeface="Quantico"/>
+                <a:sym typeface="Quantico"/>
+              </a:defRPr>
+            </a:lvl5pPr>
+            <a:lvl6pPr marR="0" lvl="5" algn="l" rtl="0" eaLnBrk="1" hangingPunct="1">
+              <a:lnSpc>
+                <a:spcPct val="100000"/>
+              </a:lnSpc>
+              <a:spcBef>
+                <a:spcPts val="0"/>
+              </a:spcBef>
+              <a:spcAft>
+                <a:spcPts val="0"/>
+              </a:spcAft>
+              <a:buClr>
+                <a:schemeClr val="dk1"/>
+              </a:buClr>
+              <a:buSzPts val="3300"/>
+              <a:buFont typeface="Quantico"/>
+              <a:buNone/>
+              <a:defRPr sz="3300" b="1" i="0" u="none" strike="noStrike" cap="none">
+                <a:solidFill>
+                  <a:schemeClr val="dk1"/>
+                </a:solidFill>
+                <a:latin typeface="Quantico"/>
+                <a:ea typeface="Quantico"/>
+                <a:cs typeface="Quantico"/>
+                <a:sym typeface="Quantico"/>
+              </a:defRPr>
+            </a:lvl6pPr>
+            <a:lvl7pPr marR="0" lvl="6" algn="l" rtl="0" eaLnBrk="1" hangingPunct="1">
+              <a:lnSpc>
+                <a:spcPct val="100000"/>
+              </a:lnSpc>
+              <a:spcBef>
+                <a:spcPts val="0"/>
+              </a:spcBef>
+              <a:spcAft>
+                <a:spcPts val="0"/>
+              </a:spcAft>
+              <a:buClr>
+                <a:schemeClr val="dk1"/>
+              </a:buClr>
+              <a:buSzPts val="3300"/>
+              <a:buFont typeface="Quantico"/>
+              <a:buNone/>
+              <a:defRPr sz="3300" b="1" i="0" u="none" strike="noStrike" cap="none">
+                <a:solidFill>
+                  <a:schemeClr val="dk1"/>
+                </a:solidFill>
+                <a:latin typeface="Quantico"/>
+                <a:ea typeface="Quantico"/>
+                <a:cs typeface="Quantico"/>
+                <a:sym typeface="Quantico"/>
+              </a:defRPr>
+            </a:lvl7pPr>
+            <a:lvl8pPr marR="0" lvl="7" algn="l" rtl="0" eaLnBrk="1" hangingPunct="1">
+              <a:lnSpc>
+                <a:spcPct val="100000"/>
+              </a:lnSpc>
+              <a:spcBef>
+                <a:spcPts val="0"/>
+              </a:spcBef>
+              <a:spcAft>
+                <a:spcPts val="0"/>
+              </a:spcAft>
+              <a:buClr>
+                <a:schemeClr val="dk1"/>
+              </a:buClr>
+              <a:buSzPts val="3300"/>
+              <a:buFont typeface="Quantico"/>
+              <a:buNone/>
+              <a:defRPr sz="3300" b="1" i="0" u="none" strike="noStrike" cap="none">
+                <a:solidFill>
+                  <a:schemeClr val="dk1"/>
+                </a:solidFill>
+                <a:latin typeface="Quantico"/>
+                <a:ea typeface="Quantico"/>
+                <a:cs typeface="Quantico"/>
+                <a:sym typeface="Quantico"/>
+              </a:defRPr>
+            </a:lvl8pPr>
+            <a:lvl9pPr marR="0" lvl="8" algn="l" rtl="0" eaLnBrk="1" hangingPunct="1">
+              <a:lnSpc>
+                <a:spcPct val="100000"/>
+              </a:lnSpc>
+              <a:spcBef>
+                <a:spcPts val="0"/>
+              </a:spcBef>
+              <a:spcAft>
+                <a:spcPts val="0"/>
+              </a:spcAft>
+              <a:buClr>
+                <a:schemeClr val="dk1"/>
+              </a:buClr>
+              <a:buSzPts val="3300"/>
+              <a:buFont typeface="Quantico"/>
+              <a:buNone/>
+              <a:defRPr sz="3300" b="1" i="0" u="none" strike="noStrike" cap="none">
+                <a:solidFill>
+                  <a:schemeClr val="dk1"/>
+                </a:solidFill>
+                <a:latin typeface="Quantico"/>
+                <a:ea typeface="Quantico"/>
+                <a:cs typeface="Quantico"/>
+                <a:sym typeface="Quantico"/>
+              </a:defRPr>
+            </a:lvl9pPr>
+          </a:lstStyle>
           <a:p>
+            <a:r>
+              <a:rPr lang="en-US" dirty="0">
+                <a:solidFill>
+                  <a:schemeClr val="lt2"/>
+                </a:solidFill>
+              </a:rPr>
+              <a:t>&lt;/ </a:t>
+            </a:r>
             <a:r>
               <a:rPr lang="hu-HU" dirty="0" err="1"/>
               <a:t>Authenticating</a:t>
@@ -37887,6 +40295,7 @@
               <a:rPr lang="hu-HU" dirty="0"/>
               <a:t> - Hitelesítés</a:t>
             </a:r>
+            <a:endParaRPr lang="en-US" dirty="0"/>
           </a:p>
         </p:txBody>
       </p:sp>
@@ -37904,8 +40313,8 @@
         </p:nvGrpSpPr>
         <p:grpSpPr>
           <a:xfrm>
-            <a:off x="7307774" y="3181941"/>
-            <a:ext cx="4417744" cy="3168663"/>
+            <a:off x="6058655" y="2286001"/>
+            <a:ext cx="5666863" cy="4064604"/>
             <a:chOff x="4611957" y="803262"/>
             <a:chExt cx="4417744" cy="3168663"/>
           </a:xfrm>
@@ -38161,6 +40570,2022 @@
 </file>
 
 <file path=ppt/slides/slide7.xml><?xml version="1.0" encoding="utf-8"?>
+<p:sld xmlns:a="http://schemas.openxmlformats.org/drawingml/2006/main" xmlns:r="http://schemas.openxmlformats.org/officeDocument/2006/relationships" xmlns:p="http://schemas.openxmlformats.org/presentationml/2006/main">
+  <p:cSld>
+    <p:spTree>
+      <p:nvGrpSpPr>
+        <p:cNvPr id="1" name=""/>
+        <p:cNvGrpSpPr/>
+        <p:nvPr/>
+      </p:nvGrpSpPr>
+      <p:grpSpPr>
+        <a:xfrm>
+          <a:off x="0" y="0"/>
+          <a:ext cx="0" cy="0"/>
+          <a:chOff x="0" y="0"/>
+          <a:chExt cx="0" cy="0"/>
+        </a:xfrm>
+      </p:grpSpPr>
+      <p:sp>
+        <p:nvSpPr>
+          <p:cNvPr id="3" name="Google Shape;257;p30">
+            <a:extLst>
+              <a:ext uri="{FF2B5EF4-FFF2-40B4-BE49-F238E27FC236}">
+                <a16:creationId xmlns:a16="http://schemas.microsoft.com/office/drawing/2014/main" id="{303BED50-1BB3-85A5-AB46-56E366595CFB}"/>
+              </a:ext>
+            </a:extLst>
+          </p:cNvPr>
+          <p:cNvSpPr txBox="1">
+            <a:spLocks/>
+          </p:cNvSpPr>
+          <p:nvPr/>
+        </p:nvSpPr>
+        <p:spPr>
+          <a:xfrm>
+            <a:off x="636150" y="639285"/>
+            <a:ext cx="7704000" cy="557700"/>
+          </a:xfrm>
+          <a:prstGeom prst="rect">
+            <a:avLst/>
+          </a:prstGeom>
+          <a:noFill/>
+          <a:ln>
+            <a:noFill/>
+          </a:ln>
+        </p:spPr>
+        <p:txBody>
+          <a:bodyPr spcFirstLastPara="1" wrap="square" lIns="91425" tIns="91425" rIns="91425" bIns="91425" anchor="t" anchorCtr="0">
+            <a:noAutofit/>
+          </a:bodyPr>
+          <a:lstStyle>
+            <a:defPPr marR="0" lvl="0" algn="l" rtl="0">
+              <a:lnSpc>
+                <a:spcPct val="100000"/>
+              </a:lnSpc>
+              <a:spcBef>
+                <a:spcPts val="0"/>
+              </a:spcBef>
+              <a:spcAft>
+                <a:spcPts val="0"/>
+              </a:spcAft>
+            </a:defPPr>
+            <a:lvl1pPr marR="0" lvl="0" algn="l" rtl="0" eaLnBrk="1" hangingPunct="1">
+              <a:lnSpc>
+                <a:spcPct val="100000"/>
+              </a:lnSpc>
+              <a:spcBef>
+                <a:spcPts val="0"/>
+              </a:spcBef>
+              <a:spcAft>
+                <a:spcPts val="0"/>
+              </a:spcAft>
+              <a:buClr>
+                <a:schemeClr val="dk1"/>
+              </a:buClr>
+              <a:buSzPts val="3300"/>
+              <a:buFont typeface="Quantico"/>
+              <a:buNone/>
+              <a:defRPr sz="3300" b="0" i="0" u="none" strike="noStrike" cap="none">
+                <a:solidFill>
+                  <a:schemeClr val="dk1"/>
+                </a:solidFill>
+                <a:latin typeface="Quantico"/>
+                <a:ea typeface="Quantico"/>
+                <a:cs typeface="Quantico"/>
+                <a:sym typeface="Quantico"/>
+              </a:defRPr>
+            </a:lvl1pPr>
+            <a:lvl2pPr marR="0" lvl="1" algn="l" rtl="0" eaLnBrk="1" hangingPunct="1">
+              <a:lnSpc>
+                <a:spcPct val="100000"/>
+              </a:lnSpc>
+              <a:spcBef>
+                <a:spcPts val="0"/>
+              </a:spcBef>
+              <a:spcAft>
+                <a:spcPts val="0"/>
+              </a:spcAft>
+              <a:buClr>
+                <a:schemeClr val="dk1"/>
+              </a:buClr>
+              <a:buSzPts val="3300"/>
+              <a:buFont typeface="Quantico"/>
+              <a:buNone/>
+              <a:defRPr sz="3300" b="1" i="0" u="none" strike="noStrike" cap="none">
+                <a:solidFill>
+                  <a:schemeClr val="dk1"/>
+                </a:solidFill>
+                <a:latin typeface="Quantico"/>
+                <a:ea typeface="Quantico"/>
+                <a:cs typeface="Quantico"/>
+                <a:sym typeface="Quantico"/>
+              </a:defRPr>
+            </a:lvl2pPr>
+            <a:lvl3pPr marR="0" lvl="2" algn="l" rtl="0" eaLnBrk="1" hangingPunct="1">
+              <a:lnSpc>
+                <a:spcPct val="100000"/>
+              </a:lnSpc>
+              <a:spcBef>
+                <a:spcPts val="0"/>
+              </a:spcBef>
+              <a:spcAft>
+                <a:spcPts val="0"/>
+              </a:spcAft>
+              <a:buClr>
+                <a:schemeClr val="dk1"/>
+              </a:buClr>
+              <a:buSzPts val="3300"/>
+              <a:buFont typeface="Quantico"/>
+              <a:buNone/>
+              <a:defRPr sz="3300" b="1" i="0" u="none" strike="noStrike" cap="none">
+                <a:solidFill>
+                  <a:schemeClr val="dk1"/>
+                </a:solidFill>
+                <a:latin typeface="Quantico"/>
+                <a:ea typeface="Quantico"/>
+                <a:cs typeface="Quantico"/>
+                <a:sym typeface="Quantico"/>
+              </a:defRPr>
+            </a:lvl3pPr>
+            <a:lvl4pPr marR="0" lvl="3" algn="l" rtl="0" eaLnBrk="1" hangingPunct="1">
+              <a:lnSpc>
+                <a:spcPct val="100000"/>
+              </a:lnSpc>
+              <a:spcBef>
+                <a:spcPts val="0"/>
+              </a:spcBef>
+              <a:spcAft>
+                <a:spcPts val="0"/>
+              </a:spcAft>
+              <a:buClr>
+                <a:schemeClr val="dk1"/>
+              </a:buClr>
+              <a:buSzPts val="3300"/>
+              <a:buFont typeface="Quantico"/>
+              <a:buNone/>
+              <a:defRPr sz="3300" b="1" i="0" u="none" strike="noStrike" cap="none">
+                <a:solidFill>
+                  <a:schemeClr val="dk1"/>
+                </a:solidFill>
+                <a:latin typeface="Quantico"/>
+                <a:ea typeface="Quantico"/>
+                <a:cs typeface="Quantico"/>
+                <a:sym typeface="Quantico"/>
+              </a:defRPr>
+            </a:lvl4pPr>
+            <a:lvl5pPr marR="0" lvl="4" algn="l" rtl="0" eaLnBrk="1" hangingPunct="1">
+              <a:lnSpc>
+                <a:spcPct val="100000"/>
+              </a:lnSpc>
+              <a:spcBef>
+                <a:spcPts val="0"/>
+              </a:spcBef>
+              <a:spcAft>
+                <a:spcPts val="0"/>
+              </a:spcAft>
+              <a:buClr>
+                <a:schemeClr val="dk1"/>
+              </a:buClr>
+              <a:buSzPts val="3300"/>
+              <a:buFont typeface="Quantico"/>
+              <a:buNone/>
+              <a:defRPr sz="3300" b="1" i="0" u="none" strike="noStrike" cap="none">
+                <a:solidFill>
+                  <a:schemeClr val="dk1"/>
+                </a:solidFill>
+                <a:latin typeface="Quantico"/>
+                <a:ea typeface="Quantico"/>
+                <a:cs typeface="Quantico"/>
+                <a:sym typeface="Quantico"/>
+              </a:defRPr>
+            </a:lvl5pPr>
+            <a:lvl6pPr marR="0" lvl="5" algn="l" rtl="0" eaLnBrk="1" hangingPunct="1">
+              <a:lnSpc>
+                <a:spcPct val="100000"/>
+              </a:lnSpc>
+              <a:spcBef>
+                <a:spcPts val="0"/>
+              </a:spcBef>
+              <a:spcAft>
+                <a:spcPts val="0"/>
+              </a:spcAft>
+              <a:buClr>
+                <a:schemeClr val="dk1"/>
+              </a:buClr>
+              <a:buSzPts val="3300"/>
+              <a:buFont typeface="Quantico"/>
+              <a:buNone/>
+              <a:defRPr sz="3300" b="1" i="0" u="none" strike="noStrike" cap="none">
+                <a:solidFill>
+                  <a:schemeClr val="dk1"/>
+                </a:solidFill>
+                <a:latin typeface="Quantico"/>
+                <a:ea typeface="Quantico"/>
+                <a:cs typeface="Quantico"/>
+                <a:sym typeface="Quantico"/>
+              </a:defRPr>
+            </a:lvl6pPr>
+            <a:lvl7pPr marR="0" lvl="6" algn="l" rtl="0" eaLnBrk="1" hangingPunct="1">
+              <a:lnSpc>
+                <a:spcPct val="100000"/>
+              </a:lnSpc>
+              <a:spcBef>
+                <a:spcPts val="0"/>
+              </a:spcBef>
+              <a:spcAft>
+                <a:spcPts val="0"/>
+              </a:spcAft>
+              <a:buClr>
+                <a:schemeClr val="dk1"/>
+              </a:buClr>
+              <a:buSzPts val="3300"/>
+              <a:buFont typeface="Quantico"/>
+              <a:buNone/>
+              <a:defRPr sz="3300" b="1" i="0" u="none" strike="noStrike" cap="none">
+                <a:solidFill>
+                  <a:schemeClr val="dk1"/>
+                </a:solidFill>
+                <a:latin typeface="Quantico"/>
+                <a:ea typeface="Quantico"/>
+                <a:cs typeface="Quantico"/>
+                <a:sym typeface="Quantico"/>
+              </a:defRPr>
+            </a:lvl7pPr>
+            <a:lvl8pPr marR="0" lvl="7" algn="l" rtl="0" eaLnBrk="1" hangingPunct="1">
+              <a:lnSpc>
+                <a:spcPct val="100000"/>
+              </a:lnSpc>
+              <a:spcBef>
+                <a:spcPts val="0"/>
+              </a:spcBef>
+              <a:spcAft>
+                <a:spcPts val="0"/>
+              </a:spcAft>
+              <a:buClr>
+                <a:schemeClr val="dk1"/>
+              </a:buClr>
+              <a:buSzPts val="3300"/>
+              <a:buFont typeface="Quantico"/>
+              <a:buNone/>
+              <a:defRPr sz="3300" b="1" i="0" u="none" strike="noStrike" cap="none">
+                <a:solidFill>
+                  <a:schemeClr val="dk1"/>
+                </a:solidFill>
+                <a:latin typeface="Quantico"/>
+                <a:ea typeface="Quantico"/>
+                <a:cs typeface="Quantico"/>
+                <a:sym typeface="Quantico"/>
+              </a:defRPr>
+            </a:lvl8pPr>
+            <a:lvl9pPr marR="0" lvl="8" algn="l" rtl="0" eaLnBrk="1" hangingPunct="1">
+              <a:lnSpc>
+                <a:spcPct val="100000"/>
+              </a:lnSpc>
+              <a:spcBef>
+                <a:spcPts val="0"/>
+              </a:spcBef>
+              <a:spcAft>
+                <a:spcPts val="0"/>
+              </a:spcAft>
+              <a:buClr>
+                <a:schemeClr val="dk1"/>
+              </a:buClr>
+              <a:buSzPts val="3300"/>
+              <a:buFont typeface="Quantico"/>
+              <a:buNone/>
+              <a:defRPr sz="3300" b="1" i="0" u="none" strike="noStrike" cap="none">
+                <a:solidFill>
+                  <a:schemeClr val="dk1"/>
+                </a:solidFill>
+                <a:latin typeface="Quantico"/>
+                <a:ea typeface="Quantico"/>
+                <a:cs typeface="Quantico"/>
+                <a:sym typeface="Quantico"/>
+              </a:defRPr>
+            </a:lvl9pPr>
+          </a:lstStyle>
+          <a:p>
+            <a:r>
+              <a:rPr lang="en-US" dirty="0">
+                <a:solidFill>
+                  <a:schemeClr val="lt2"/>
+                </a:solidFill>
+              </a:rPr>
+              <a:t>&lt;/ </a:t>
+            </a:r>
+            <a:r>
+              <a:rPr lang="hu-HU" dirty="0"/>
+              <a:t>Filtering - Szűrés</a:t>
+            </a:r>
+            <a:endParaRPr lang="en-US" dirty="0"/>
+          </a:p>
+        </p:txBody>
+      </p:sp>
+      <p:grpSp>
+        <p:nvGrpSpPr>
+          <p:cNvPr id="13" name="Csoportba foglalás 12">
+            <a:extLst>
+              <a:ext uri="{FF2B5EF4-FFF2-40B4-BE49-F238E27FC236}">
+                <a16:creationId xmlns:a16="http://schemas.microsoft.com/office/drawing/2014/main" id="{8276BE1C-0612-AD55-2544-0D7CE4112BF5}"/>
+              </a:ext>
+            </a:extLst>
+          </p:cNvPr>
+          <p:cNvGrpSpPr/>
+          <p:nvPr/>
+        </p:nvGrpSpPr>
+        <p:grpSpPr>
+          <a:xfrm>
+            <a:off x="702391" y="1349828"/>
+            <a:ext cx="2481940" cy="4484912"/>
+            <a:chOff x="5279569" y="1705429"/>
+            <a:chExt cx="1447800" cy="2616202"/>
+          </a:xfrm>
+        </p:grpSpPr>
+        <p:grpSp>
+          <p:nvGrpSpPr>
+            <p:cNvPr id="7" name="Csoportba foglalás 6">
+              <a:extLst>
+                <a:ext uri="{FF2B5EF4-FFF2-40B4-BE49-F238E27FC236}">
+                  <a16:creationId xmlns:a16="http://schemas.microsoft.com/office/drawing/2014/main" id="{F9067283-26BB-E5AA-5C9A-645F6ACC23E4}"/>
+                </a:ext>
+              </a:extLst>
+            </p:cNvPr>
+            <p:cNvGrpSpPr/>
+            <p:nvPr/>
+          </p:nvGrpSpPr>
+          <p:grpSpPr>
+            <a:xfrm>
+              <a:off x="5279569" y="1705429"/>
+              <a:ext cx="1447800" cy="2616202"/>
+              <a:chOff x="6849418" y="1467936"/>
+              <a:chExt cx="1864832" cy="1479083"/>
+            </a:xfrm>
+            <a:solidFill>
+              <a:schemeClr val="lt1"/>
+            </a:solidFill>
+          </p:grpSpPr>
+          <p:grpSp>
+            <p:nvGrpSpPr>
+              <p:cNvPr id="9" name="Google Shape;214;p27">
+                <a:extLst>
+                  <a:ext uri="{FF2B5EF4-FFF2-40B4-BE49-F238E27FC236}">
+                    <a16:creationId xmlns:a16="http://schemas.microsoft.com/office/drawing/2014/main" id="{5020BA13-CB1F-77A1-15AA-8C3C4D8F2810}"/>
+                  </a:ext>
+                </a:extLst>
+              </p:cNvPr>
+              <p:cNvGrpSpPr/>
+              <p:nvPr/>
+            </p:nvGrpSpPr>
+            <p:grpSpPr>
+              <a:xfrm>
+                <a:off x="6849418" y="1467936"/>
+                <a:ext cx="1864832" cy="1479083"/>
+                <a:chOff x="1054812" y="1407125"/>
+                <a:chExt cx="3436212" cy="3535092"/>
+              </a:xfrm>
+              <a:grpFill/>
+            </p:grpSpPr>
+            <p:sp>
+              <p:nvSpPr>
+                <p:cNvPr id="11" name="Google Shape;215;p27">
+                  <a:extLst>
+                    <a:ext uri="{FF2B5EF4-FFF2-40B4-BE49-F238E27FC236}">
+                      <a16:creationId xmlns:a16="http://schemas.microsoft.com/office/drawing/2014/main" id="{D89324F5-DF5C-1AC7-7AD3-5C5573C3BAA3}"/>
+                    </a:ext>
+                  </a:extLst>
+                </p:cNvPr>
+                <p:cNvSpPr/>
+                <p:nvPr/>
+              </p:nvSpPr>
+              <p:spPr>
+                <a:xfrm>
+                  <a:off x="1054812" y="1407125"/>
+                  <a:ext cx="3436200" cy="3535092"/>
+                </a:xfrm>
+                <a:prstGeom prst="rect">
+                  <a:avLst/>
+                </a:prstGeom>
+                <a:solidFill>
+                  <a:srgbClr val="E2E4F6"/>
+                </a:solidFill>
+                <a:ln w="9525" cap="flat" cmpd="sng">
+                  <a:solidFill>
+                    <a:schemeClr val="dk1"/>
+                  </a:solidFill>
+                  <a:prstDash val="solid"/>
+                  <a:round/>
+                  <a:headEnd type="none" w="sm" len="sm"/>
+                  <a:tailEnd type="none" w="sm" len="sm"/>
+                </a:ln>
+              </p:spPr>
+              <p:txBody>
+                <a:bodyPr spcFirstLastPara="1" wrap="square" lIns="91425" tIns="91425" rIns="91425" bIns="91425" anchor="ctr" anchorCtr="0">
+                  <a:noAutofit/>
+                </a:bodyPr>
+                <a:lstStyle/>
+                <a:p>
+                  <a:pPr marL="0" lvl="0" indent="0" algn="l" rtl="0">
+                    <a:spcBef>
+                      <a:spcPts val="0"/>
+                    </a:spcBef>
+                    <a:spcAft>
+                      <a:spcPts val="0"/>
+                    </a:spcAft>
+                    <a:buNone/>
+                  </a:pPr>
+                  <a:endParaRPr/>
+                </a:p>
+              </p:txBody>
+            </p:sp>
+            <p:sp>
+              <p:nvSpPr>
+                <p:cNvPr id="12" name="Google Shape;216;p27">
+                  <a:extLst>
+                    <a:ext uri="{FF2B5EF4-FFF2-40B4-BE49-F238E27FC236}">
+                      <a16:creationId xmlns:a16="http://schemas.microsoft.com/office/drawing/2014/main" id="{D1AEFEC8-CBE5-40AF-BBA5-DA36A59B754B}"/>
+                    </a:ext>
+                  </a:extLst>
+                </p:cNvPr>
+                <p:cNvSpPr/>
+                <p:nvPr/>
+              </p:nvSpPr>
+              <p:spPr>
+                <a:xfrm>
+                  <a:off x="1054824" y="1407125"/>
+                  <a:ext cx="3436200" cy="232663"/>
+                </a:xfrm>
+                <a:prstGeom prst="rect">
+                  <a:avLst/>
+                </a:prstGeom>
+                <a:grpFill/>
+                <a:ln w="9525" cap="flat" cmpd="sng">
+                  <a:solidFill>
+                    <a:schemeClr val="dk1"/>
+                  </a:solidFill>
+                  <a:prstDash val="solid"/>
+                  <a:round/>
+                  <a:headEnd type="none" w="sm" len="sm"/>
+                  <a:tailEnd type="none" w="sm" len="sm"/>
+                </a:ln>
+              </p:spPr>
+              <p:txBody>
+                <a:bodyPr spcFirstLastPara="1" wrap="square" lIns="91425" tIns="91425" rIns="91425" bIns="91425" anchor="ctr" anchorCtr="0">
+                  <a:noAutofit/>
+                </a:bodyPr>
+                <a:lstStyle/>
+                <a:p>
+                  <a:pPr marL="0" lvl="0" indent="0" algn="l" rtl="0">
+                    <a:spcBef>
+                      <a:spcPts val="0"/>
+                    </a:spcBef>
+                    <a:spcAft>
+                      <a:spcPts val="0"/>
+                    </a:spcAft>
+                    <a:buNone/>
+                  </a:pPr>
+                  <a:endParaRPr/>
+                </a:p>
+              </p:txBody>
+            </p:sp>
+          </p:grpSp>
+          <p:sp>
+            <p:nvSpPr>
+              <p:cNvPr id="10" name="Google Shape;219;p27">
+                <a:extLst>
+                  <a:ext uri="{FF2B5EF4-FFF2-40B4-BE49-F238E27FC236}">
+                    <a16:creationId xmlns:a16="http://schemas.microsoft.com/office/drawing/2014/main" id="{6BE26343-4EFA-6CD1-D581-030736BF32DA}"/>
+                  </a:ext>
+                </a:extLst>
+              </p:cNvPr>
+              <p:cNvSpPr txBox="1"/>
+              <p:nvPr/>
+            </p:nvSpPr>
+            <p:spPr>
+              <a:xfrm>
+                <a:off x="7198457" y="1873600"/>
+                <a:ext cx="1216800" cy="746100"/>
+              </a:xfrm>
+              <a:prstGeom prst="rect">
+                <a:avLst/>
+              </a:prstGeom>
+              <a:grpFill/>
+              <a:ln>
+                <a:noFill/>
+              </a:ln>
+            </p:spPr>
+            <p:txBody>
+              <a:bodyPr spcFirstLastPara="1" wrap="square" lIns="91425" tIns="91425" rIns="91425" bIns="91425" anchor="t" anchorCtr="0">
+                <a:noAutofit/>
+              </a:bodyPr>
+              <a:lstStyle/>
+              <a:p>
+                <a:pPr marL="0" lvl="0" indent="0" algn="ctr" rtl="0">
+                  <a:lnSpc>
+                    <a:spcPct val="90000"/>
+                  </a:lnSpc>
+                  <a:spcBef>
+                    <a:spcPts val="0"/>
+                  </a:spcBef>
+                  <a:spcAft>
+                    <a:spcPts val="0"/>
+                  </a:spcAft>
+                  <a:buNone/>
+                </a:pPr>
+                <a:endParaRPr sz="3600" dirty="0">
+                  <a:solidFill>
+                    <a:schemeClr val="accent1"/>
+                  </a:solidFill>
+                </a:endParaRPr>
+              </a:p>
+            </p:txBody>
+          </p:sp>
+        </p:grpSp>
+        <p:pic>
+          <p:nvPicPr>
+            <p:cNvPr id="8" name="Kép 7">
+              <a:extLst>
+                <a:ext uri="{FF2B5EF4-FFF2-40B4-BE49-F238E27FC236}">
+                  <a16:creationId xmlns:a16="http://schemas.microsoft.com/office/drawing/2014/main" id="{6D2F49D7-BD8B-6E9E-E34A-C207B2EA6CED}"/>
+                </a:ext>
+              </a:extLst>
+            </p:cNvPr>
+            <p:cNvPicPr>
+              <a:picLocks noChangeAspect="1"/>
+            </p:cNvPicPr>
+            <p:nvPr/>
+          </p:nvPicPr>
+          <p:blipFill>
+            <a:blip r:embed="rId3">
+              <a:extLst>
+                <a:ext uri="{28A0092B-C50C-407E-A947-70E740481C1C}">
+                  <a14:useLocalDpi xmlns:a14="http://schemas.microsoft.com/office/drawing/2010/main" val="0"/>
+                </a:ext>
+              </a:extLst>
+            </a:blip>
+            <a:srcRect/>
+            <a:stretch/>
+          </p:blipFill>
+          <p:spPr>
+            <a:xfrm>
+              <a:off x="5399349" y="1990482"/>
+              <a:ext cx="1224175" cy="2233032"/>
+            </a:xfrm>
+            <a:prstGeom prst="rect">
+              <a:avLst/>
+            </a:prstGeom>
+            <a:solidFill>
+              <a:schemeClr val="lt1"/>
+            </a:solidFill>
+          </p:spPr>
+        </p:pic>
+      </p:grpSp>
+      <p:grpSp>
+        <p:nvGrpSpPr>
+          <p:cNvPr id="20" name="Csoportba foglalás 19">
+            <a:extLst>
+              <a:ext uri="{FF2B5EF4-FFF2-40B4-BE49-F238E27FC236}">
+                <a16:creationId xmlns:a16="http://schemas.microsoft.com/office/drawing/2014/main" id="{D7D188BB-9965-864D-CC7C-44D383DDEE3F}"/>
+              </a:ext>
+            </a:extLst>
+          </p:cNvPr>
+          <p:cNvGrpSpPr/>
+          <p:nvPr/>
+        </p:nvGrpSpPr>
+        <p:grpSpPr>
+          <a:xfrm>
+            <a:off x="6925942" y="399682"/>
+            <a:ext cx="5234467" cy="2024589"/>
+            <a:chOff x="4612227" y="630808"/>
+            <a:chExt cx="5234467" cy="2024589"/>
+          </a:xfrm>
+        </p:grpSpPr>
+        <p:grpSp>
+          <p:nvGrpSpPr>
+            <p:cNvPr id="19" name="Csoportba foglalás 18">
+              <a:extLst>
+                <a:ext uri="{FF2B5EF4-FFF2-40B4-BE49-F238E27FC236}">
+                  <a16:creationId xmlns:a16="http://schemas.microsoft.com/office/drawing/2014/main" id="{9CC61A1E-B2E9-6A23-9619-C6AAAA20DA01}"/>
+                </a:ext>
+              </a:extLst>
+            </p:cNvPr>
+            <p:cNvGrpSpPr/>
+            <p:nvPr/>
+          </p:nvGrpSpPr>
+          <p:grpSpPr>
+            <a:xfrm>
+              <a:off x="4612227" y="630808"/>
+              <a:ext cx="5073883" cy="2024589"/>
+              <a:chOff x="5803199" y="1497416"/>
+              <a:chExt cx="5073883" cy="2024589"/>
+            </a:xfrm>
+          </p:grpSpPr>
+          <p:grpSp>
+            <p:nvGrpSpPr>
+              <p:cNvPr id="2" name="Csoportba foglalás 1">
+                <a:extLst>
+                  <a:ext uri="{FF2B5EF4-FFF2-40B4-BE49-F238E27FC236}">
+                    <a16:creationId xmlns:a16="http://schemas.microsoft.com/office/drawing/2014/main" id="{BDC058BF-810E-46B7-D03C-A41C41BAF05E}"/>
+                  </a:ext>
+                </a:extLst>
+              </p:cNvPr>
+              <p:cNvGrpSpPr/>
+              <p:nvPr/>
+            </p:nvGrpSpPr>
+            <p:grpSpPr>
+              <a:xfrm>
+                <a:off x="5803218" y="1497416"/>
+                <a:ext cx="5073864" cy="1598939"/>
+                <a:chOff x="6849418" y="1309976"/>
+                <a:chExt cx="1864832" cy="1637043"/>
+              </a:xfrm>
+            </p:grpSpPr>
+            <p:grpSp>
+              <p:nvGrpSpPr>
+                <p:cNvPr id="4" name="Google Shape;214;p27">
+                  <a:extLst>
+                    <a:ext uri="{FF2B5EF4-FFF2-40B4-BE49-F238E27FC236}">
+                      <a16:creationId xmlns:a16="http://schemas.microsoft.com/office/drawing/2014/main" id="{CDFC483E-F1BE-C19C-58A2-E146105EC1AB}"/>
+                    </a:ext>
+                  </a:extLst>
+                </p:cNvPr>
+                <p:cNvGrpSpPr/>
+                <p:nvPr/>
+              </p:nvGrpSpPr>
+              <p:grpSpPr>
+                <a:xfrm>
+                  <a:off x="6849418" y="1309976"/>
+                  <a:ext cx="1864832" cy="1637043"/>
+                  <a:chOff x="1054812" y="1029591"/>
+                  <a:chExt cx="3436213" cy="3912626"/>
+                </a:xfrm>
+              </p:grpSpPr>
+              <p:sp>
+                <p:nvSpPr>
+                  <p:cNvPr id="6" name="Google Shape;215;p27">
+                    <a:extLst>
+                      <a:ext uri="{FF2B5EF4-FFF2-40B4-BE49-F238E27FC236}">
+                        <a16:creationId xmlns:a16="http://schemas.microsoft.com/office/drawing/2014/main" id="{CC9493DE-CFB8-39F0-C7A8-0B22CA9351E8}"/>
+                      </a:ext>
+                    </a:extLst>
+                  </p:cNvPr>
+                  <p:cNvSpPr/>
+                  <p:nvPr/>
+                </p:nvSpPr>
+                <p:spPr>
+                  <a:xfrm>
+                    <a:off x="1054812" y="1029617"/>
+                    <a:ext cx="3436200" cy="3912600"/>
+                  </a:xfrm>
+                  <a:prstGeom prst="rect">
+                    <a:avLst/>
+                  </a:prstGeom>
+                  <a:solidFill>
+                    <a:srgbClr val="1E1F22"/>
+                  </a:solidFill>
+                  <a:ln w="9525" cap="flat" cmpd="sng">
+                    <a:solidFill>
+                      <a:schemeClr val="dk1"/>
+                    </a:solidFill>
+                    <a:prstDash val="solid"/>
+                    <a:round/>
+                    <a:headEnd type="none" w="sm" len="sm"/>
+                    <a:tailEnd type="none" w="sm" len="sm"/>
+                  </a:ln>
+                </p:spPr>
+                <p:txBody>
+                  <a:bodyPr spcFirstLastPara="1" wrap="square" lIns="91425" tIns="91425" rIns="91425" bIns="91425" anchor="ctr" anchorCtr="0">
+                    <a:noAutofit/>
+                  </a:bodyPr>
+                  <a:lstStyle/>
+                  <a:p>
+                    <a:pPr marL="0" lvl="0" indent="0" algn="l" rtl="0">
+                      <a:spcBef>
+                        <a:spcPts val="0"/>
+                      </a:spcBef>
+                      <a:spcAft>
+                        <a:spcPts val="0"/>
+                      </a:spcAft>
+                      <a:buNone/>
+                    </a:pPr>
+                    <a:endParaRPr/>
+                  </a:p>
+                </p:txBody>
+              </p:sp>
+              <p:sp>
+                <p:nvSpPr>
+                  <p:cNvPr id="14" name="Google Shape;216;p27">
+                    <a:extLst>
+                      <a:ext uri="{FF2B5EF4-FFF2-40B4-BE49-F238E27FC236}">
+                        <a16:creationId xmlns:a16="http://schemas.microsoft.com/office/drawing/2014/main" id="{111C651B-F22F-7AEC-7D51-79BA10939A90}"/>
+                      </a:ext>
+                    </a:extLst>
+                  </p:cNvPr>
+                  <p:cNvSpPr/>
+                  <p:nvPr/>
+                </p:nvSpPr>
+                <p:spPr>
+                  <a:xfrm>
+                    <a:off x="1054825" y="1029591"/>
+                    <a:ext cx="3436200" cy="610200"/>
+                  </a:xfrm>
+                  <a:prstGeom prst="rect">
+                    <a:avLst/>
+                  </a:prstGeom>
+                  <a:solidFill>
+                    <a:schemeClr val="lt1"/>
+                  </a:solidFill>
+                  <a:ln w="9525" cap="flat" cmpd="sng">
+                    <a:solidFill>
+                      <a:schemeClr val="dk1"/>
+                    </a:solidFill>
+                    <a:prstDash val="solid"/>
+                    <a:round/>
+                    <a:headEnd type="none" w="sm" len="sm"/>
+                    <a:tailEnd type="none" w="sm" len="sm"/>
+                  </a:ln>
+                </p:spPr>
+                <p:txBody>
+                  <a:bodyPr spcFirstLastPara="1" wrap="square" lIns="91425" tIns="91425" rIns="91425" bIns="91425" anchor="ctr" anchorCtr="0">
+                    <a:noAutofit/>
+                  </a:bodyPr>
+                  <a:lstStyle/>
+                  <a:p>
+                    <a:pPr marL="0" lvl="0" indent="0" algn="l" rtl="0">
+                      <a:spcBef>
+                        <a:spcPts val="0"/>
+                      </a:spcBef>
+                      <a:spcAft>
+                        <a:spcPts val="0"/>
+                      </a:spcAft>
+                      <a:buNone/>
+                    </a:pPr>
+                    <a:endParaRPr/>
+                  </a:p>
+                </p:txBody>
+              </p:sp>
+            </p:grpSp>
+            <p:sp>
+              <p:nvSpPr>
+                <p:cNvPr id="5" name="Google Shape;219;p27">
+                  <a:extLst>
+                    <a:ext uri="{FF2B5EF4-FFF2-40B4-BE49-F238E27FC236}">
+                      <a16:creationId xmlns:a16="http://schemas.microsoft.com/office/drawing/2014/main" id="{DF3CD9B0-48A6-3BB3-2A18-6753F9E36DE9}"/>
+                    </a:ext>
+                  </a:extLst>
+                </p:cNvPr>
+                <p:cNvSpPr txBox="1"/>
+                <p:nvPr/>
+              </p:nvSpPr>
+              <p:spPr>
+                <a:xfrm>
+                  <a:off x="6886211" y="1564133"/>
+                  <a:ext cx="1796405" cy="1351884"/>
+                </a:xfrm>
+                <a:prstGeom prst="rect">
+                  <a:avLst/>
+                </a:prstGeom>
+                <a:noFill/>
+                <a:ln>
+                  <a:noFill/>
+                </a:ln>
+              </p:spPr>
+              <p:txBody>
+                <a:bodyPr spcFirstLastPara="1" wrap="square" lIns="91425" tIns="91425" rIns="91425" bIns="91425" anchor="t" anchorCtr="0">
+                  <a:noAutofit/>
+                </a:bodyPr>
+                <a:lstStyle/>
+                <a:p>
+                  <a:pPr algn="ctr">
+                    <a:lnSpc>
+                      <a:spcPct val="90000"/>
+                    </a:lnSpc>
+                  </a:pPr>
+                  <a:r>
+                    <a:rPr lang="en" sz="2800" dirty="0">
+                      <a:solidFill>
+                        <a:schemeClr val="accent2"/>
+                      </a:solidFill>
+                    </a:rPr>
+                    <a:t>/?</a:t>
+                  </a:r>
+                  <a:r>
+                    <a:rPr lang="hu-HU" sz="2800" b="1" dirty="0" err="1">
+                      <a:solidFill>
+                        <a:srgbClr val="E2E4F6"/>
+                      </a:solidFill>
+                    </a:rPr>
+                    <a:t>state</a:t>
+                  </a:r>
+                  <a:r>
+                    <a:rPr lang="hu-HU" sz="2800" dirty="0">
+                      <a:solidFill>
+                        <a:schemeClr val="accent1"/>
+                      </a:solidFill>
+                    </a:rPr>
+                    <a:t>=</a:t>
+                  </a:r>
+                  <a:r>
+                    <a:rPr lang="hu-HU" sz="2800" b="1" dirty="0" err="1">
+                      <a:solidFill>
+                        <a:srgbClr val="E2E4F6"/>
+                      </a:solidFill>
+                    </a:rPr>
+                    <a:t>regisztralt</a:t>
+                  </a:r>
+                  <a:r>
+                    <a:rPr lang="hu-HU" sz="2800" dirty="0">
+                      <a:solidFill>
+                        <a:schemeClr val="accent1"/>
+                      </a:solidFill>
+                    </a:rPr>
+                    <a:t>;</a:t>
+                  </a:r>
+                </a:p>
+                <a:p>
+                  <a:pPr algn="ctr">
+                    <a:lnSpc>
+                      <a:spcPct val="90000"/>
+                    </a:lnSpc>
+                  </a:pPr>
+                  <a:r>
+                    <a:rPr lang="hu-HU" sz="2800" b="1" dirty="0">
+                      <a:solidFill>
+                        <a:srgbClr val="E2E4F6"/>
+                      </a:solidFill>
+                    </a:rPr>
+                    <a:t>iskola </a:t>
+                  </a:r>
+                  <a:r>
+                    <a:rPr lang="hu-HU" sz="2800" b="1" dirty="0" err="1">
+                      <a:solidFill>
+                        <a:srgbClr val="E2E4F6"/>
+                      </a:solidFill>
+                    </a:rPr>
+                    <a:t>altal</a:t>
+                  </a:r>
+                  <a:r>
+                    <a:rPr lang="hu-HU" sz="2800" b="1" dirty="0">
+                      <a:solidFill>
+                        <a:srgbClr val="E2E4F6"/>
+                      </a:solidFill>
+                    </a:rPr>
+                    <a:t> </a:t>
+                  </a:r>
+                  <a:r>
+                    <a:rPr lang="hu-HU" sz="2800" b="1" dirty="0" err="1">
+                      <a:solidFill>
+                        <a:srgbClr val="E2E4F6"/>
+                      </a:solidFill>
+                    </a:rPr>
+                    <a:t>jovahagyva</a:t>
+                  </a:r>
+                  <a:r>
+                    <a:rPr lang="hu-HU" sz="2800" dirty="0">
+                      <a:solidFill>
+                        <a:schemeClr val="accent1"/>
+                      </a:solidFill>
+                    </a:rPr>
+                    <a:t>;</a:t>
+                  </a:r>
+                </a:p>
+                <a:p>
+                  <a:pPr algn="ctr">
+                    <a:lnSpc>
+                      <a:spcPct val="90000"/>
+                    </a:lnSpc>
+                  </a:pPr>
+                  <a:r>
+                    <a:rPr lang="hu-HU" sz="2800" b="1" dirty="0">
+                      <a:solidFill>
+                        <a:srgbClr val="E2E4F6"/>
+                      </a:solidFill>
+                    </a:rPr>
+                    <a:t>szervezok </a:t>
+                  </a:r>
+                  <a:r>
+                    <a:rPr lang="hu-HU" sz="2800" b="1" dirty="0" err="1">
+                      <a:solidFill>
+                        <a:srgbClr val="E2E4F6"/>
+                      </a:solidFill>
+                    </a:rPr>
+                    <a:t>altal</a:t>
+                  </a:r>
+                  <a:r>
+                    <a:rPr lang="hu-HU" sz="2800" b="1" dirty="0">
+                      <a:solidFill>
+                        <a:srgbClr val="E2E4F6"/>
+                      </a:solidFill>
+                    </a:rPr>
+                    <a:t> </a:t>
+                  </a:r>
+                  <a:r>
+                    <a:rPr lang="hu-HU" sz="2800" b="1" dirty="0" err="1">
+                      <a:solidFill>
+                        <a:srgbClr val="E2E4F6"/>
+                      </a:solidFill>
+                    </a:rPr>
+                    <a:t>jovahagyva</a:t>
+                  </a:r>
+                  <a:r>
+                    <a:rPr lang="hu-HU" sz="2800" dirty="0">
+                      <a:solidFill>
+                        <a:schemeClr val="accent1"/>
+                      </a:solidFill>
+                    </a:rPr>
+                    <a:t>;</a:t>
+                  </a:r>
+                </a:p>
+              </p:txBody>
+            </p:sp>
+          </p:grpSp>
+          <p:sp>
+            <p:nvSpPr>
+              <p:cNvPr id="18" name="Google Shape;216;p27">
+                <a:extLst>
+                  <a:ext uri="{FF2B5EF4-FFF2-40B4-BE49-F238E27FC236}">
+                    <a16:creationId xmlns:a16="http://schemas.microsoft.com/office/drawing/2014/main" id="{4B78DB04-5CB4-0C7E-BCEA-73AB4FF60E2E}"/>
+                  </a:ext>
+                </a:extLst>
+              </p:cNvPr>
+              <p:cNvSpPr/>
+              <p:nvPr/>
+            </p:nvSpPr>
+            <p:spPr>
+              <a:xfrm>
+                <a:off x="5803199" y="3064939"/>
+                <a:ext cx="5073845" cy="457066"/>
+              </a:xfrm>
+              <a:prstGeom prst="rect">
+                <a:avLst/>
+              </a:prstGeom>
+              <a:solidFill>
+                <a:srgbClr val="1E1F22"/>
+              </a:solidFill>
+              <a:ln w="9525" cap="flat" cmpd="sng">
+                <a:solidFill>
+                  <a:schemeClr val="dk1"/>
+                </a:solidFill>
+                <a:prstDash val="solid"/>
+                <a:round/>
+                <a:headEnd type="none" w="sm" len="sm"/>
+                <a:tailEnd type="none" w="sm" len="sm"/>
+              </a:ln>
+            </p:spPr>
+            <p:txBody>
+              <a:bodyPr spcFirstLastPara="1" wrap="square" lIns="91425" tIns="91425" rIns="91425" bIns="91425" anchor="ctr" anchorCtr="0">
+                <a:noAutofit/>
+              </a:bodyPr>
+              <a:lstStyle/>
+              <a:p>
+                <a:pPr marL="0" lvl="0" indent="0" algn="l" rtl="0">
+                  <a:spcBef>
+                    <a:spcPts val="0"/>
+                  </a:spcBef>
+                  <a:spcAft>
+                    <a:spcPts val="0"/>
+                  </a:spcAft>
+                  <a:buNone/>
+                </a:pPr>
+                <a:endParaRPr/>
+              </a:p>
+            </p:txBody>
+          </p:sp>
+        </p:grpSp>
+        <p:sp>
+          <p:nvSpPr>
+            <p:cNvPr id="15" name="Szövegdoboz 14">
+              <a:extLst>
+                <a:ext uri="{FF2B5EF4-FFF2-40B4-BE49-F238E27FC236}">
+                  <a16:creationId xmlns:a16="http://schemas.microsoft.com/office/drawing/2014/main" id="{98443196-9A7C-DAE1-5C43-847819CA2A05}"/>
+                </a:ext>
+              </a:extLst>
+            </p:cNvPr>
+            <p:cNvSpPr txBox="1"/>
+            <p:nvPr/>
+          </p:nvSpPr>
+          <p:spPr>
+            <a:xfrm>
+              <a:off x="4632437" y="2282638"/>
+              <a:ext cx="5214257" cy="307777"/>
+            </a:xfrm>
+            <a:prstGeom prst="rect">
+              <a:avLst/>
+            </a:prstGeom>
+            <a:noFill/>
+          </p:spPr>
+          <p:txBody>
+            <a:bodyPr wrap="square" rtlCol="0">
+              <a:spAutoFit/>
+            </a:bodyPr>
+            <a:lstStyle/>
+            <a:p>
+              <a:r>
+                <a:rPr lang="hu-HU" b="1" dirty="0">
+                  <a:solidFill>
+                    <a:srgbClr val="E2E4F6"/>
+                  </a:solidFill>
+                </a:rPr>
+                <a:t>=&gt;Állapota lehet mind a 3 (akkor is, ha nincs megadva)</a:t>
+              </a:r>
+            </a:p>
+          </p:txBody>
+        </p:sp>
+      </p:grpSp>
+      <p:grpSp>
+        <p:nvGrpSpPr>
+          <p:cNvPr id="39" name="Csoportba foglalás 38">
+            <a:extLst>
+              <a:ext uri="{FF2B5EF4-FFF2-40B4-BE49-F238E27FC236}">
+                <a16:creationId xmlns:a16="http://schemas.microsoft.com/office/drawing/2014/main" id="{59978DA3-C65D-F0CE-59B5-54E052B29EA4}"/>
+              </a:ext>
+            </a:extLst>
+          </p:cNvPr>
+          <p:cNvGrpSpPr/>
+          <p:nvPr/>
+        </p:nvGrpSpPr>
+        <p:grpSpPr>
+          <a:xfrm>
+            <a:off x="5028323" y="2558972"/>
+            <a:ext cx="5231485" cy="1910190"/>
+            <a:chOff x="4883127" y="2597657"/>
+            <a:chExt cx="5231485" cy="1910190"/>
+          </a:xfrm>
+        </p:grpSpPr>
+        <p:grpSp>
+          <p:nvGrpSpPr>
+            <p:cNvPr id="37" name="Csoportba foglalás 36">
+              <a:extLst>
+                <a:ext uri="{FF2B5EF4-FFF2-40B4-BE49-F238E27FC236}">
+                  <a16:creationId xmlns:a16="http://schemas.microsoft.com/office/drawing/2014/main" id="{A176135C-31AA-DF46-08AD-93CCD4742F7F}"/>
+                </a:ext>
+              </a:extLst>
+            </p:cNvPr>
+            <p:cNvGrpSpPr/>
+            <p:nvPr/>
+          </p:nvGrpSpPr>
+          <p:grpSpPr>
+            <a:xfrm>
+              <a:off x="4883127" y="2597657"/>
+              <a:ext cx="5231485" cy="1910190"/>
+              <a:chOff x="6711927" y="3208107"/>
+              <a:chExt cx="5231485" cy="1910190"/>
+            </a:xfrm>
+          </p:grpSpPr>
+          <p:grpSp>
+            <p:nvGrpSpPr>
+              <p:cNvPr id="36" name="Csoportba foglalás 35">
+                <a:extLst>
+                  <a:ext uri="{FF2B5EF4-FFF2-40B4-BE49-F238E27FC236}">
+                    <a16:creationId xmlns:a16="http://schemas.microsoft.com/office/drawing/2014/main" id="{AB2AEC34-57FA-6D52-A728-A48CB4190B2F}"/>
+                  </a:ext>
+                </a:extLst>
+              </p:cNvPr>
+              <p:cNvGrpSpPr/>
+              <p:nvPr/>
+            </p:nvGrpSpPr>
+            <p:grpSpPr>
+              <a:xfrm>
+                <a:off x="6711927" y="3227292"/>
+                <a:ext cx="5231485" cy="1891005"/>
+                <a:chOff x="6255142" y="2421248"/>
+                <a:chExt cx="5231485" cy="1891005"/>
+              </a:xfrm>
+            </p:grpSpPr>
+            <p:grpSp>
+              <p:nvGrpSpPr>
+                <p:cNvPr id="21" name="Csoportba foglalás 20">
+                  <a:extLst>
+                    <a:ext uri="{FF2B5EF4-FFF2-40B4-BE49-F238E27FC236}">
+                      <a16:creationId xmlns:a16="http://schemas.microsoft.com/office/drawing/2014/main" id="{F88FC93F-58CB-7ED6-B113-CF4E7B949E97}"/>
+                    </a:ext>
+                  </a:extLst>
+                </p:cNvPr>
+                <p:cNvGrpSpPr/>
+                <p:nvPr/>
+              </p:nvGrpSpPr>
+              <p:grpSpPr>
+                <a:xfrm>
+                  <a:off x="6255142" y="2421248"/>
+                  <a:ext cx="5231485" cy="1195899"/>
+                  <a:chOff x="4612227" y="630808"/>
+                  <a:chExt cx="5231485" cy="1195899"/>
+                </a:xfrm>
+              </p:grpSpPr>
+              <p:grpSp>
+                <p:nvGrpSpPr>
+                  <p:cNvPr id="22" name="Csoportba foglalás 21">
+                    <a:extLst>
+                      <a:ext uri="{FF2B5EF4-FFF2-40B4-BE49-F238E27FC236}">
+                        <a16:creationId xmlns:a16="http://schemas.microsoft.com/office/drawing/2014/main" id="{CB26D9F1-2738-FE8F-8618-49CB862BB7F4}"/>
+                      </a:ext>
+                    </a:extLst>
+                  </p:cNvPr>
+                  <p:cNvGrpSpPr/>
+                  <p:nvPr/>
+                </p:nvGrpSpPr>
+                <p:grpSpPr>
+                  <a:xfrm>
+                    <a:off x="4612227" y="630808"/>
+                    <a:ext cx="5073883" cy="1195899"/>
+                    <a:chOff x="5803199" y="1497416"/>
+                    <a:chExt cx="5073883" cy="1195899"/>
+                  </a:xfrm>
+                </p:grpSpPr>
+                <p:grpSp>
+                  <p:nvGrpSpPr>
+                    <p:cNvPr id="24" name="Csoportba foglalás 23">
+                      <a:extLst>
+                        <a:ext uri="{FF2B5EF4-FFF2-40B4-BE49-F238E27FC236}">
+                          <a16:creationId xmlns:a16="http://schemas.microsoft.com/office/drawing/2014/main" id="{22D19CA5-47CD-DBAF-DA83-AF491B9DCEC8}"/>
+                        </a:ext>
+                      </a:extLst>
+                    </p:cNvPr>
+                    <p:cNvGrpSpPr/>
+                    <p:nvPr/>
+                  </p:nvGrpSpPr>
+                  <p:grpSpPr>
+                    <a:xfrm>
+                      <a:off x="5803218" y="1497416"/>
+                      <a:ext cx="5073864" cy="746646"/>
+                      <a:chOff x="6849418" y="1309976"/>
+                      <a:chExt cx="1864832" cy="764439"/>
+                    </a:xfrm>
+                  </p:grpSpPr>
+                  <p:grpSp>
+                    <p:nvGrpSpPr>
+                      <p:cNvPr id="26" name="Google Shape;214;p27">
+                        <a:extLst>
+                          <a:ext uri="{FF2B5EF4-FFF2-40B4-BE49-F238E27FC236}">
+                            <a16:creationId xmlns:a16="http://schemas.microsoft.com/office/drawing/2014/main" id="{B311A07F-C921-0A61-80DE-B84934F76837}"/>
+                          </a:ext>
+                        </a:extLst>
+                      </p:cNvPr>
+                      <p:cNvGrpSpPr/>
+                      <p:nvPr/>
+                    </p:nvGrpSpPr>
+                    <p:grpSpPr>
+                      <a:xfrm>
+                        <a:off x="6849418" y="1309976"/>
+                        <a:ext cx="1864832" cy="758502"/>
+                        <a:chOff x="1054812" y="1029591"/>
+                        <a:chExt cx="3436213" cy="1812863"/>
+                      </a:xfrm>
+                    </p:grpSpPr>
+                    <p:sp>
+                      <p:nvSpPr>
+                        <p:cNvPr id="28" name="Google Shape;215;p27">
+                          <a:extLst>
+                            <a:ext uri="{FF2B5EF4-FFF2-40B4-BE49-F238E27FC236}">
+                              <a16:creationId xmlns:a16="http://schemas.microsoft.com/office/drawing/2014/main" id="{860C1238-D8B2-2ECD-E622-61C6F24D7EAB}"/>
+                            </a:ext>
+                          </a:extLst>
+                        </p:cNvPr>
+                        <p:cNvSpPr/>
+                        <p:nvPr/>
+                      </p:nvSpPr>
+                      <p:spPr>
+                        <a:xfrm>
+                          <a:off x="1054812" y="1029618"/>
+                          <a:ext cx="3436200" cy="1812836"/>
+                        </a:xfrm>
+                        <a:prstGeom prst="rect">
+                          <a:avLst/>
+                        </a:prstGeom>
+                        <a:solidFill>
+                          <a:schemeClr val="lt1"/>
+                        </a:solidFill>
+                        <a:ln w="9525" cap="flat" cmpd="sng">
+                          <a:solidFill>
+                            <a:schemeClr val="dk1"/>
+                          </a:solidFill>
+                          <a:prstDash val="solid"/>
+                          <a:round/>
+                          <a:headEnd type="none" w="sm" len="sm"/>
+                          <a:tailEnd type="none" w="sm" len="sm"/>
+                        </a:ln>
+                      </p:spPr>
+                      <p:txBody>
+                        <a:bodyPr spcFirstLastPara="1" wrap="square" lIns="91425" tIns="91425" rIns="91425" bIns="91425" anchor="ctr" anchorCtr="0">
+                          <a:noAutofit/>
+                        </a:bodyPr>
+                        <a:lstStyle/>
+                        <a:p>
+                          <a:pPr marL="0" lvl="0" indent="0" algn="l" rtl="0">
+                            <a:spcBef>
+                              <a:spcPts val="0"/>
+                            </a:spcBef>
+                            <a:spcAft>
+                              <a:spcPts val="0"/>
+                            </a:spcAft>
+                            <a:buNone/>
+                          </a:pPr>
+                          <a:endParaRPr/>
+                        </a:p>
+                      </p:txBody>
+                    </p:sp>
+                    <p:sp>
+                      <p:nvSpPr>
+                        <p:cNvPr id="29" name="Google Shape;216;p27">
+                          <a:extLst>
+                            <a:ext uri="{FF2B5EF4-FFF2-40B4-BE49-F238E27FC236}">
+                              <a16:creationId xmlns:a16="http://schemas.microsoft.com/office/drawing/2014/main" id="{CD808B1D-A2CC-0070-2E45-B40B7593C000}"/>
+                            </a:ext>
+                          </a:extLst>
+                        </p:cNvPr>
+                        <p:cNvSpPr/>
+                        <p:nvPr/>
+                      </p:nvSpPr>
+                      <p:spPr>
+                        <a:xfrm>
+                          <a:off x="1054825" y="1029591"/>
+                          <a:ext cx="3436200" cy="768646"/>
+                        </a:xfrm>
+                        <a:prstGeom prst="rect">
+                          <a:avLst/>
+                        </a:prstGeom>
+                        <a:solidFill>
+                          <a:srgbClr val="1E1F22"/>
+                        </a:solidFill>
+                        <a:ln w="9525" cap="flat" cmpd="sng">
+                          <a:solidFill>
+                            <a:schemeClr val="dk1"/>
+                          </a:solidFill>
+                          <a:prstDash val="solid"/>
+                          <a:round/>
+                          <a:headEnd type="none" w="sm" len="sm"/>
+                          <a:tailEnd type="none" w="sm" len="sm"/>
+                        </a:ln>
+                      </p:spPr>
+                      <p:txBody>
+                        <a:bodyPr spcFirstLastPara="1" wrap="square" lIns="91425" tIns="91425" rIns="91425" bIns="91425" anchor="ctr" anchorCtr="0">
+                          <a:noAutofit/>
+                        </a:bodyPr>
+                        <a:lstStyle/>
+                        <a:p>
+                          <a:pPr marL="0" lvl="0" indent="0" algn="l" rtl="0">
+                            <a:spcBef>
+                              <a:spcPts val="0"/>
+                            </a:spcBef>
+                            <a:spcAft>
+                              <a:spcPts val="0"/>
+                            </a:spcAft>
+                            <a:buNone/>
+                          </a:pPr>
+                          <a:endParaRPr/>
+                        </a:p>
+                      </p:txBody>
+                    </p:sp>
+                  </p:grpSp>
+                  <p:sp>
+                    <p:nvSpPr>
+                      <p:cNvPr id="27" name="Google Shape;219;p27">
+                        <a:extLst>
+                          <a:ext uri="{FF2B5EF4-FFF2-40B4-BE49-F238E27FC236}">
+                            <a16:creationId xmlns:a16="http://schemas.microsoft.com/office/drawing/2014/main" id="{2DADFA0A-A88B-14D3-2150-396D5D83C07B}"/>
+                          </a:ext>
+                        </a:extLst>
+                      </p:cNvPr>
+                      <p:cNvSpPr txBox="1"/>
+                      <p:nvPr/>
+                    </p:nvSpPr>
+                    <p:spPr>
+                      <a:xfrm>
+                        <a:off x="6895843" y="1609261"/>
+                        <a:ext cx="1814683" cy="465154"/>
+                      </a:xfrm>
+                      <a:prstGeom prst="rect">
+                        <a:avLst/>
+                      </a:prstGeom>
+                      <a:noFill/>
+                      <a:ln>
+                        <a:noFill/>
+                      </a:ln>
+                    </p:spPr>
+                    <p:txBody>
+                      <a:bodyPr spcFirstLastPara="1" wrap="square" lIns="91425" tIns="91425" rIns="91425" bIns="91425" anchor="t" anchorCtr="0">
+                        <a:noAutofit/>
+                      </a:bodyPr>
+                      <a:lstStyle/>
+                      <a:p>
+                        <a:pPr algn="r">
+                          <a:lnSpc>
+                            <a:spcPct val="90000"/>
+                          </a:lnSpc>
+                        </a:pPr>
+                        <a:r>
+                          <a:rPr lang="hu-HU" sz="1800" b="1" dirty="0">
+                            <a:solidFill>
+                              <a:srgbClr val="E2E4F6"/>
+                            </a:solidFill>
+                          </a:rPr>
+                          <a:t>=&gt;Póttagnak lennie kell</a:t>
+                        </a:r>
+                      </a:p>
+                    </p:txBody>
+                  </p:sp>
+                </p:grpSp>
+                <p:sp>
+                  <p:nvSpPr>
+                    <p:cNvPr id="25" name="Google Shape;216;p27">
+                      <a:extLst>
+                        <a:ext uri="{FF2B5EF4-FFF2-40B4-BE49-F238E27FC236}">
+                          <a16:creationId xmlns:a16="http://schemas.microsoft.com/office/drawing/2014/main" id="{82194243-9DCE-82A3-713A-5910B7833738}"/>
+                        </a:ext>
+                      </a:extLst>
+                    </p:cNvPr>
+                    <p:cNvSpPr/>
+                    <p:nvPr/>
+                  </p:nvSpPr>
+                  <p:spPr>
+                    <a:xfrm>
+                      <a:off x="5803199" y="2199984"/>
+                      <a:ext cx="5073845" cy="493331"/>
+                    </a:xfrm>
+                    <a:prstGeom prst="rect">
+                      <a:avLst/>
+                    </a:prstGeom>
+                    <a:solidFill>
+                      <a:srgbClr val="1E1F22"/>
+                    </a:solidFill>
+                    <a:ln w="9525" cap="flat" cmpd="sng">
+                      <a:solidFill>
+                        <a:schemeClr val="dk1"/>
+                      </a:solidFill>
+                      <a:prstDash val="solid"/>
+                      <a:round/>
+                      <a:headEnd type="none" w="sm" len="sm"/>
+                      <a:tailEnd type="none" w="sm" len="sm"/>
+                    </a:ln>
+                  </p:spPr>
+                  <p:txBody>
+                    <a:bodyPr spcFirstLastPara="1" wrap="square" lIns="91425" tIns="91425" rIns="91425" bIns="91425" anchor="ctr" anchorCtr="0">
+                      <a:noAutofit/>
+                    </a:bodyPr>
+                    <a:lstStyle/>
+                    <a:p>
+                      <a:pPr marL="0" lvl="0" indent="0" algn="l" rtl="0">
+                        <a:spcBef>
+                          <a:spcPts val="0"/>
+                        </a:spcBef>
+                        <a:spcAft>
+                          <a:spcPts val="0"/>
+                        </a:spcAft>
+                        <a:buNone/>
+                      </a:pPr>
+                      <a:endParaRPr dirty="0"/>
+                    </a:p>
+                  </p:txBody>
+                </p:sp>
+              </p:grpSp>
+              <p:sp>
+                <p:nvSpPr>
+                  <p:cNvPr id="23" name="Szövegdoboz 22">
+                    <a:extLst>
+                      <a:ext uri="{FF2B5EF4-FFF2-40B4-BE49-F238E27FC236}">
+                        <a16:creationId xmlns:a16="http://schemas.microsoft.com/office/drawing/2014/main" id="{AA1EDD5F-F28A-1872-D804-1BE5037B394C}"/>
+                      </a:ext>
+                    </a:extLst>
+                  </p:cNvPr>
+                  <p:cNvSpPr txBox="1"/>
+                  <p:nvPr/>
+                </p:nvSpPr>
+                <p:spPr>
+                  <a:xfrm>
+                    <a:off x="4629455" y="1390775"/>
+                    <a:ext cx="5214257" cy="369332"/>
+                  </a:xfrm>
+                  <a:prstGeom prst="rect">
+                    <a:avLst/>
+                  </a:prstGeom>
+                  <a:noFill/>
+                </p:spPr>
+                <p:txBody>
+                  <a:bodyPr wrap="square" rtlCol="0">
+                    <a:spAutoFit/>
+                  </a:bodyPr>
+                  <a:lstStyle/>
+                  <a:p>
+                    <a:r>
+                      <a:rPr lang="hu-HU" sz="1800" b="1" dirty="0">
+                        <a:solidFill>
+                          <a:srgbClr val="E2E4F6"/>
+                        </a:solidFill>
+                      </a:rPr>
+                      <a:t>&amp;contestant4=Nincs</a:t>
+                    </a:r>
+                  </a:p>
+                </p:txBody>
+              </p:sp>
+            </p:grpSp>
+            <p:sp>
+              <p:nvSpPr>
+                <p:cNvPr id="35" name="Google Shape;216;p27">
+                  <a:extLst>
+                    <a:ext uri="{FF2B5EF4-FFF2-40B4-BE49-F238E27FC236}">
+                      <a16:creationId xmlns:a16="http://schemas.microsoft.com/office/drawing/2014/main" id="{F169DDEB-1903-39F0-BC51-2737E1DBF837}"/>
+                    </a:ext>
+                  </a:extLst>
+                </p:cNvPr>
+                <p:cNvSpPr/>
+                <p:nvPr/>
+              </p:nvSpPr>
+              <p:spPr>
+                <a:xfrm>
+                  <a:off x="6255142" y="3571417"/>
+                  <a:ext cx="5073845" cy="740836"/>
+                </a:xfrm>
+                <a:prstGeom prst="rect">
+                  <a:avLst/>
+                </a:prstGeom>
+                <a:solidFill>
+                  <a:srgbClr val="2D323C"/>
+                </a:solidFill>
+                <a:ln w="9525" cap="flat" cmpd="sng">
+                  <a:solidFill>
+                    <a:schemeClr val="dk1"/>
+                  </a:solidFill>
+                  <a:prstDash val="solid"/>
+                  <a:round/>
+                  <a:headEnd type="none" w="sm" len="sm"/>
+                  <a:tailEnd type="none" w="sm" len="sm"/>
+                </a:ln>
+              </p:spPr>
+              <p:txBody>
+                <a:bodyPr spcFirstLastPara="1" wrap="square" lIns="91425" tIns="91425" rIns="91425" bIns="91425" anchor="ctr" anchorCtr="0">
+                  <a:noAutofit/>
+                </a:bodyPr>
+                <a:lstStyle/>
+                <a:p>
+                  <a:pPr marL="0" lvl="0" indent="0" algn="l" rtl="0">
+                    <a:spcBef>
+                      <a:spcPts val="0"/>
+                    </a:spcBef>
+                    <a:spcAft>
+                      <a:spcPts val="0"/>
+                    </a:spcAft>
+                    <a:buNone/>
+                  </a:pPr>
+                  <a:endParaRPr dirty="0"/>
+                </a:p>
+              </p:txBody>
+            </p:sp>
+          </p:grpSp>
+          <p:sp>
+            <p:nvSpPr>
+              <p:cNvPr id="30" name="Szövegdoboz 29">
+                <a:extLst>
+                  <a:ext uri="{FF2B5EF4-FFF2-40B4-BE49-F238E27FC236}">
+                    <a16:creationId xmlns:a16="http://schemas.microsoft.com/office/drawing/2014/main" id="{7B1A7319-82B1-79ED-3CB2-C1BA06E0DFC1}"/>
+                  </a:ext>
+                </a:extLst>
+              </p:cNvPr>
+              <p:cNvSpPr txBox="1"/>
+              <p:nvPr/>
+            </p:nvSpPr>
+            <p:spPr>
+              <a:xfrm>
+                <a:off x="6758424" y="3208107"/>
+                <a:ext cx="2204450" cy="369332"/>
+              </a:xfrm>
+              <a:prstGeom prst="rect">
+                <a:avLst/>
+              </a:prstGeom>
+              <a:noFill/>
+            </p:spPr>
+            <p:txBody>
+              <a:bodyPr wrap="none" rtlCol="0">
+                <a:spAutoFit/>
+              </a:bodyPr>
+              <a:lstStyle/>
+              <a:p>
+                <a:r>
+                  <a:rPr lang="hu-HU" sz="1800" b="1" dirty="0">
+                    <a:solidFill>
+                      <a:srgbClr val="E2E4F6"/>
+                    </a:solidFill>
+                  </a:rPr>
+                  <a:t>&amp;contestant4=Van</a:t>
+                </a:r>
+              </a:p>
+            </p:txBody>
+          </p:sp>
+        </p:grpSp>
+        <p:sp>
+          <p:nvSpPr>
+            <p:cNvPr id="16" name="Szövegdoboz 15">
+              <a:extLst>
+                <a:ext uri="{FF2B5EF4-FFF2-40B4-BE49-F238E27FC236}">
+                  <a16:creationId xmlns:a16="http://schemas.microsoft.com/office/drawing/2014/main" id="{8654107F-3C43-CA5A-C72B-3DBBC9CC0956}"/>
+                </a:ext>
+              </a:extLst>
+            </p:cNvPr>
+            <p:cNvSpPr txBox="1"/>
+            <p:nvPr/>
+          </p:nvSpPr>
+          <p:spPr>
+            <a:xfrm>
+              <a:off x="5009461" y="3799755"/>
+              <a:ext cx="4937419" cy="646331"/>
+            </a:xfrm>
+            <a:prstGeom prst="rect">
+              <a:avLst/>
+            </a:prstGeom>
+            <a:noFill/>
+          </p:spPr>
+          <p:txBody>
+            <a:bodyPr wrap="square" rtlCol="0">
+              <a:spAutoFit/>
+            </a:bodyPr>
+            <a:lstStyle/>
+            <a:p>
+              <a:pPr algn="r"/>
+              <a:r>
+                <a:rPr lang="hu-HU" sz="1800" b="1" dirty="0">
+                  <a:solidFill>
+                    <a:srgbClr val="E2E4F6"/>
+                  </a:solidFill>
+                </a:rPr>
+                <a:t>=&gt;Póttagnak nem kell lennie</a:t>
+              </a:r>
+            </a:p>
+            <a:p>
+              <a:pPr algn="r"/>
+              <a:r>
+                <a:rPr lang="hu-HU" sz="1800" b="1" dirty="0">
+                  <a:solidFill>
+                    <a:srgbClr val="E2E4F6"/>
+                  </a:solidFill>
+                </a:rPr>
+                <a:t>Ha nincs megadva: bármi lehet</a:t>
+              </a:r>
+            </a:p>
+          </p:txBody>
+        </p:sp>
+      </p:grpSp>
+      <p:grpSp>
+        <p:nvGrpSpPr>
+          <p:cNvPr id="41" name="Csoportba foglalás 40">
+            <a:extLst>
+              <a:ext uri="{FF2B5EF4-FFF2-40B4-BE49-F238E27FC236}">
+                <a16:creationId xmlns:a16="http://schemas.microsoft.com/office/drawing/2014/main" id="{11A00079-70DD-7221-983E-8B4D81BA109B}"/>
+              </a:ext>
+            </a:extLst>
+          </p:cNvPr>
+          <p:cNvGrpSpPr/>
+          <p:nvPr/>
+        </p:nvGrpSpPr>
+        <p:grpSpPr>
+          <a:xfrm>
+            <a:off x="2806274" y="5345109"/>
+            <a:ext cx="5533876" cy="1215084"/>
+            <a:chOff x="6711927" y="3208107"/>
+            <a:chExt cx="5248713" cy="1215084"/>
+          </a:xfrm>
+        </p:grpSpPr>
+        <p:grpSp>
+          <p:nvGrpSpPr>
+            <p:cNvPr id="45" name="Csoportba foglalás 44">
+              <a:extLst>
+                <a:ext uri="{FF2B5EF4-FFF2-40B4-BE49-F238E27FC236}">
+                  <a16:creationId xmlns:a16="http://schemas.microsoft.com/office/drawing/2014/main" id="{80A15975-8093-5D85-2047-C9E1BB91F2B2}"/>
+                </a:ext>
+              </a:extLst>
+            </p:cNvPr>
+            <p:cNvGrpSpPr/>
+            <p:nvPr/>
+          </p:nvGrpSpPr>
+          <p:grpSpPr>
+            <a:xfrm>
+              <a:off x="6711927" y="3227292"/>
+              <a:ext cx="5248713" cy="1195899"/>
+              <a:chOff x="4612227" y="630808"/>
+              <a:chExt cx="5248713" cy="1195899"/>
+            </a:xfrm>
+          </p:grpSpPr>
+          <p:grpSp>
+            <p:nvGrpSpPr>
+              <p:cNvPr id="47" name="Csoportba foglalás 46">
+                <a:extLst>
+                  <a:ext uri="{FF2B5EF4-FFF2-40B4-BE49-F238E27FC236}">
+                    <a16:creationId xmlns:a16="http://schemas.microsoft.com/office/drawing/2014/main" id="{F882EE70-CB35-71EA-4014-CDD1DE814FB6}"/>
+                  </a:ext>
+                </a:extLst>
+              </p:cNvPr>
+              <p:cNvGrpSpPr/>
+              <p:nvPr/>
+            </p:nvGrpSpPr>
+            <p:grpSpPr>
+              <a:xfrm>
+                <a:off x="4612227" y="630808"/>
+                <a:ext cx="5073883" cy="1195899"/>
+                <a:chOff x="5803199" y="1497416"/>
+                <a:chExt cx="5073883" cy="1195899"/>
+              </a:xfrm>
+            </p:grpSpPr>
+            <p:grpSp>
+              <p:nvGrpSpPr>
+                <p:cNvPr id="49" name="Csoportba foglalás 48">
+                  <a:extLst>
+                    <a:ext uri="{FF2B5EF4-FFF2-40B4-BE49-F238E27FC236}">
+                      <a16:creationId xmlns:a16="http://schemas.microsoft.com/office/drawing/2014/main" id="{23593C50-16DA-A6B4-18B7-3A3CA1A74B4B}"/>
+                    </a:ext>
+                  </a:extLst>
+                </p:cNvPr>
+                <p:cNvGrpSpPr/>
+                <p:nvPr/>
+              </p:nvGrpSpPr>
+              <p:grpSpPr>
+                <a:xfrm>
+                  <a:off x="5803218" y="1497416"/>
+                  <a:ext cx="5073864" cy="746646"/>
+                  <a:chOff x="6849418" y="1309976"/>
+                  <a:chExt cx="1864832" cy="764439"/>
+                </a:xfrm>
+              </p:grpSpPr>
+              <p:grpSp>
+                <p:nvGrpSpPr>
+                  <p:cNvPr id="51" name="Google Shape;214;p27">
+                    <a:extLst>
+                      <a:ext uri="{FF2B5EF4-FFF2-40B4-BE49-F238E27FC236}">
+                        <a16:creationId xmlns:a16="http://schemas.microsoft.com/office/drawing/2014/main" id="{7BFEE186-07E7-4AF1-D536-F057519F856E}"/>
+                      </a:ext>
+                    </a:extLst>
+                  </p:cNvPr>
+                  <p:cNvGrpSpPr/>
+                  <p:nvPr/>
+                </p:nvGrpSpPr>
+                <p:grpSpPr>
+                  <a:xfrm>
+                    <a:off x="6849418" y="1309976"/>
+                    <a:ext cx="1864832" cy="758502"/>
+                    <a:chOff x="1054812" y="1029591"/>
+                    <a:chExt cx="3436213" cy="1812863"/>
+                  </a:xfrm>
+                </p:grpSpPr>
+                <p:sp>
+                  <p:nvSpPr>
+                    <p:cNvPr id="53" name="Google Shape;215;p27">
+                      <a:extLst>
+                        <a:ext uri="{FF2B5EF4-FFF2-40B4-BE49-F238E27FC236}">
+                          <a16:creationId xmlns:a16="http://schemas.microsoft.com/office/drawing/2014/main" id="{C0D2B70F-3467-0BF8-1242-E7D67512DBC3}"/>
+                        </a:ext>
+                      </a:extLst>
+                    </p:cNvPr>
+                    <p:cNvSpPr/>
+                    <p:nvPr/>
+                  </p:nvSpPr>
+                  <p:spPr>
+                    <a:xfrm>
+                      <a:off x="1054812" y="1029618"/>
+                      <a:ext cx="3436200" cy="1812836"/>
+                    </a:xfrm>
+                    <a:prstGeom prst="rect">
+                      <a:avLst/>
+                    </a:prstGeom>
+                    <a:solidFill>
+                      <a:srgbClr val="1E1F22"/>
+                    </a:solidFill>
+                    <a:ln w="9525" cap="flat" cmpd="sng">
+                      <a:solidFill>
+                        <a:schemeClr val="dk1"/>
+                      </a:solidFill>
+                      <a:prstDash val="solid"/>
+                      <a:round/>
+                      <a:headEnd type="none" w="sm" len="sm"/>
+                      <a:tailEnd type="none" w="sm" len="sm"/>
+                    </a:ln>
+                  </p:spPr>
+                  <p:txBody>
+                    <a:bodyPr spcFirstLastPara="1" wrap="square" lIns="91425" tIns="91425" rIns="91425" bIns="91425" anchor="ctr" anchorCtr="0">
+                      <a:noAutofit/>
+                    </a:bodyPr>
+                    <a:lstStyle/>
+                    <a:p>
+                      <a:pPr marL="0" lvl="0" indent="0" algn="l" rtl="0">
+                        <a:spcBef>
+                          <a:spcPts val="0"/>
+                        </a:spcBef>
+                        <a:spcAft>
+                          <a:spcPts val="0"/>
+                        </a:spcAft>
+                        <a:buNone/>
+                      </a:pPr>
+                      <a:endParaRPr/>
+                    </a:p>
+                  </p:txBody>
+                </p:sp>
+                <p:sp>
+                  <p:nvSpPr>
+                    <p:cNvPr id="54" name="Google Shape;216;p27">
+                      <a:extLst>
+                        <a:ext uri="{FF2B5EF4-FFF2-40B4-BE49-F238E27FC236}">
+                          <a16:creationId xmlns:a16="http://schemas.microsoft.com/office/drawing/2014/main" id="{3F88E03B-C06A-B033-4BC4-5ED04CA56973}"/>
+                        </a:ext>
+                      </a:extLst>
+                    </p:cNvPr>
+                    <p:cNvSpPr/>
+                    <p:nvPr/>
+                  </p:nvSpPr>
+                  <p:spPr>
+                    <a:xfrm>
+                      <a:off x="1054825" y="1029591"/>
+                      <a:ext cx="3436200" cy="768646"/>
+                    </a:xfrm>
+                    <a:prstGeom prst="rect">
+                      <a:avLst/>
+                    </a:prstGeom>
+                    <a:solidFill>
+                      <a:srgbClr val="1E1F22"/>
+                    </a:solidFill>
+                    <a:ln w="9525" cap="flat" cmpd="sng">
+                      <a:solidFill>
+                        <a:schemeClr val="dk1"/>
+                      </a:solidFill>
+                      <a:prstDash val="solid"/>
+                      <a:round/>
+                      <a:headEnd type="none" w="sm" len="sm"/>
+                      <a:tailEnd type="none" w="sm" len="sm"/>
+                    </a:ln>
+                  </p:spPr>
+                  <p:txBody>
+                    <a:bodyPr spcFirstLastPara="1" wrap="square" lIns="91425" tIns="91425" rIns="91425" bIns="91425" anchor="ctr" anchorCtr="0">
+                      <a:noAutofit/>
+                    </a:bodyPr>
+                    <a:lstStyle/>
+                    <a:p>
+                      <a:pPr marL="0" lvl="0" indent="0" algn="l" rtl="0">
+                        <a:spcBef>
+                          <a:spcPts val="0"/>
+                        </a:spcBef>
+                        <a:spcAft>
+                          <a:spcPts val="0"/>
+                        </a:spcAft>
+                        <a:buNone/>
+                      </a:pPr>
+                      <a:endParaRPr/>
+                    </a:p>
+                  </p:txBody>
+                </p:sp>
+              </p:grpSp>
+              <p:sp>
+                <p:nvSpPr>
+                  <p:cNvPr id="52" name="Google Shape;219;p27">
+                    <a:extLst>
+                      <a:ext uri="{FF2B5EF4-FFF2-40B4-BE49-F238E27FC236}">
+                        <a16:creationId xmlns:a16="http://schemas.microsoft.com/office/drawing/2014/main" id="{8A24A1F7-B631-CC09-FC7D-D92047D97E80}"/>
+                      </a:ext>
+                    </a:extLst>
+                  </p:cNvPr>
+                  <p:cNvSpPr txBox="1"/>
+                  <p:nvPr/>
+                </p:nvSpPr>
+                <p:spPr>
+                  <a:xfrm>
+                    <a:off x="6853120" y="1609261"/>
+                    <a:ext cx="1834305" cy="465154"/>
+                  </a:xfrm>
+                  <a:prstGeom prst="rect">
+                    <a:avLst/>
+                  </a:prstGeom>
+                  <a:noFill/>
+                  <a:ln>
+                    <a:noFill/>
+                  </a:ln>
+                </p:spPr>
+                <p:txBody>
+                  <a:bodyPr spcFirstLastPara="1" wrap="square" lIns="91425" tIns="91425" rIns="91425" bIns="91425" anchor="t" anchorCtr="0">
+                    <a:noAutofit/>
+                  </a:bodyPr>
+                  <a:lstStyle/>
+                  <a:p>
+                    <a:pPr>
+                      <a:lnSpc>
+                        <a:spcPct val="90000"/>
+                      </a:lnSpc>
+                    </a:pPr>
+                    <a:r>
+                      <a:rPr lang="hu-HU" sz="1800" b="1" dirty="0">
+                        <a:solidFill>
+                          <a:srgbClr val="E2E4F6"/>
+                        </a:solidFill>
+                      </a:rPr>
+                      <a:t>&amp;</a:t>
+                    </a:r>
+                    <a:r>
+                      <a:rPr lang="hu-HU" sz="1800" b="1" dirty="0" err="1">
+                        <a:solidFill>
+                          <a:srgbClr val="E2E4F6"/>
+                        </a:solidFill>
+                      </a:rPr>
+                      <a:t>language</a:t>
+                    </a:r>
+                    <a:r>
+                      <a:rPr lang="hu-HU" sz="1800" b="1" dirty="0">
+                        <a:solidFill>
+                          <a:srgbClr val="E2E4F6"/>
+                        </a:solidFill>
+                      </a:rPr>
+                      <a:t>=</a:t>
+                    </a:r>
+                    <a:r>
+                      <a:rPr lang="hu-HU" sz="1800" b="1" dirty="0" err="1">
+                        <a:solidFill>
+                          <a:srgbClr val="E2E4F6"/>
+                        </a:solidFill>
+                      </a:rPr>
+                      <a:t>Python;PHP;C</a:t>
+                    </a:r>
+                    <a:r>
+                      <a:rPr lang="hu-HU" sz="1800" b="1" dirty="0">
+                        <a:solidFill>
+                          <a:srgbClr val="E2E4F6"/>
+                        </a:solidFill>
+                      </a:rPr>
+                      <a:t>#;JavaScript;Java;&amp;</a:t>
+                    </a:r>
+                  </a:p>
+                </p:txBody>
+              </p:sp>
+            </p:grpSp>
+            <p:sp>
+              <p:nvSpPr>
+                <p:cNvPr id="50" name="Google Shape;216;p27">
+                  <a:extLst>
+                    <a:ext uri="{FF2B5EF4-FFF2-40B4-BE49-F238E27FC236}">
+                      <a16:creationId xmlns:a16="http://schemas.microsoft.com/office/drawing/2014/main" id="{A19BBD97-3C85-7BD5-B05B-5B261C3F5B51}"/>
+                    </a:ext>
+                  </a:extLst>
+                </p:cNvPr>
+                <p:cNvSpPr/>
+                <p:nvPr/>
+              </p:nvSpPr>
+              <p:spPr>
+                <a:xfrm>
+                  <a:off x="5803199" y="2199984"/>
+                  <a:ext cx="5073845" cy="493331"/>
+                </a:xfrm>
+                <a:prstGeom prst="rect">
+                  <a:avLst/>
+                </a:prstGeom>
+                <a:solidFill>
+                  <a:schemeClr val="lt1"/>
+                </a:solidFill>
+                <a:ln w="9525" cap="flat" cmpd="sng">
+                  <a:solidFill>
+                    <a:schemeClr val="dk1"/>
+                  </a:solidFill>
+                  <a:prstDash val="solid"/>
+                  <a:round/>
+                  <a:headEnd type="none" w="sm" len="sm"/>
+                  <a:tailEnd type="none" w="sm" len="sm"/>
+                </a:ln>
+              </p:spPr>
+              <p:txBody>
+                <a:bodyPr spcFirstLastPara="1" wrap="square" lIns="91425" tIns="91425" rIns="91425" bIns="91425" anchor="ctr" anchorCtr="0">
+                  <a:noAutofit/>
+                </a:bodyPr>
+                <a:lstStyle/>
+                <a:p>
+                  <a:pPr marL="0" lvl="0" indent="0" algn="l" rtl="0">
+                    <a:spcBef>
+                      <a:spcPts val="0"/>
+                    </a:spcBef>
+                    <a:spcAft>
+                      <a:spcPts val="0"/>
+                    </a:spcAft>
+                    <a:buNone/>
+                  </a:pPr>
+                  <a:endParaRPr dirty="0"/>
+                </a:p>
+              </p:txBody>
+            </p:sp>
+          </p:grpSp>
+          <p:sp>
+            <p:nvSpPr>
+              <p:cNvPr id="48" name="Szövegdoboz 47">
+                <a:extLst>
+                  <a:ext uri="{FF2B5EF4-FFF2-40B4-BE49-F238E27FC236}">
+                    <a16:creationId xmlns:a16="http://schemas.microsoft.com/office/drawing/2014/main" id="{93D8AB47-386D-E5FD-36CD-3AFE118DC8B5}"/>
+                  </a:ext>
+                </a:extLst>
+              </p:cNvPr>
+              <p:cNvSpPr txBox="1"/>
+              <p:nvPr/>
+            </p:nvSpPr>
+            <p:spPr>
+              <a:xfrm>
+                <a:off x="4646683" y="1445292"/>
+                <a:ext cx="5214257" cy="307777"/>
+              </a:xfrm>
+              <a:prstGeom prst="rect">
+                <a:avLst/>
+              </a:prstGeom>
+              <a:noFill/>
+            </p:spPr>
+            <p:txBody>
+              <a:bodyPr wrap="square" rtlCol="0">
+                <a:spAutoFit/>
+              </a:bodyPr>
+              <a:lstStyle/>
+              <a:p>
+                <a:r>
+                  <a:rPr lang="hu-HU" b="1" dirty="0">
+                    <a:solidFill>
+                      <a:srgbClr val="E2E4F6"/>
+                    </a:solidFill>
+                  </a:rPr>
+                  <a:t>=&gt;Ha valamelyik nincs megadva, akkor az bármi lehet</a:t>
+                </a:r>
+              </a:p>
+            </p:txBody>
+          </p:sp>
+        </p:grpSp>
+        <p:sp>
+          <p:nvSpPr>
+            <p:cNvPr id="44" name="Szövegdoboz 43">
+              <a:extLst>
+                <a:ext uri="{FF2B5EF4-FFF2-40B4-BE49-F238E27FC236}">
+                  <a16:creationId xmlns:a16="http://schemas.microsoft.com/office/drawing/2014/main" id="{D2C9435F-BEED-0DF9-0FB7-E741EB64C8D6}"/>
+                </a:ext>
+              </a:extLst>
+            </p:cNvPr>
+            <p:cNvSpPr txBox="1"/>
+            <p:nvPr/>
+          </p:nvSpPr>
+          <p:spPr>
+            <a:xfrm>
+              <a:off x="6758424" y="3208107"/>
+              <a:ext cx="4346062" cy="369332"/>
+            </a:xfrm>
+            <a:prstGeom prst="rect">
+              <a:avLst/>
+            </a:prstGeom>
+            <a:noFill/>
+          </p:spPr>
+          <p:txBody>
+            <a:bodyPr wrap="none" rtlCol="0">
+              <a:spAutoFit/>
+            </a:bodyPr>
+            <a:lstStyle/>
+            <a:p>
+              <a:r>
+                <a:rPr lang="hu-HU" sz="1800" b="1" dirty="0">
+                  <a:solidFill>
+                    <a:srgbClr val="E2E4F6"/>
+                  </a:solidFill>
+                </a:rPr>
+                <a:t>&amp;</a:t>
+              </a:r>
+              <a:r>
+                <a:rPr lang="hu-HU" sz="1800" b="1" dirty="0" err="1">
+                  <a:solidFill>
+                    <a:srgbClr val="E2E4F6"/>
+                  </a:solidFill>
+                </a:rPr>
+                <a:t>category</a:t>
+              </a:r>
+              <a:r>
+                <a:rPr lang="hu-HU" sz="1800" b="1" dirty="0">
+                  <a:solidFill>
+                    <a:srgbClr val="E2E4F6"/>
+                  </a:solidFill>
+                </a:rPr>
+                <a:t>=</a:t>
+              </a:r>
+              <a:r>
+                <a:rPr lang="hu-HU" sz="1800" b="1" dirty="0" err="1">
+                  <a:solidFill>
+                    <a:srgbClr val="E2E4F6"/>
+                  </a:solidFill>
+                </a:rPr>
+                <a:t>Web;Mobil;Hagyományos</a:t>
+              </a:r>
+              <a:r>
+                <a:rPr lang="hu-HU" sz="1800" b="1" dirty="0">
+                  <a:solidFill>
+                    <a:srgbClr val="E2E4F6"/>
+                  </a:solidFill>
+                </a:rPr>
+                <a:t>;</a:t>
+              </a:r>
+            </a:p>
+          </p:txBody>
+        </p:sp>
+      </p:grpSp>
+    </p:spTree>
+    <p:extLst>
+      <p:ext uri="{BB962C8B-B14F-4D97-AF65-F5344CB8AC3E}">
+        <p14:creationId xmlns:p14="http://schemas.microsoft.com/office/powerpoint/2010/main" val="3725552319"/>
+      </p:ext>
+    </p:extLst>
+  </p:cSld>
+  <p:clrMapOvr>
+    <a:masterClrMapping/>
+  </p:clrMapOvr>
+</p:sld>
+</file>
+
+<file path=ppt/slides/slide8.xml><?xml version="1.0" encoding="utf-8"?>
 <p:sld xmlns:a="http://schemas.openxmlformats.org/drawingml/2006/main" xmlns:r="http://schemas.openxmlformats.org/officeDocument/2006/relationships" xmlns:p="http://schemas.openxmlformats.org/presentationml/2006/main">
   <p:cSld>
     <p:spTree>
@@ -38436,7 +42861,7 @@
 </p:sld>
 </file>
 
-<file path=ppt/slides/slide8.xml><?xml version="1.0" encoding="utf-8"?>
+<file path=ppt/slides/slide9.xml><?xml version="1.0" encoding="utf-8"?>
 <p:sld xmlns:a="http://schemas.openxmlformats.org/drawingml/2006/main" xmlns:r="http://schemas.openxmlformats.org/officeDocument/2006/relationships" xmlns:p="http://schemas.openxmlformats.org/presentationml/2006/main">
   <p:cSld>
     <p:spTree>
@@ -42627,1207 +47052,6 @@
 </p:sld>
 </file>
 
-<file path=ppt/slides/slide9.xml><?xml version="1.0" encoding="utf-8"?>
-<p:sld xmlns:a="http://schemas.openxmlformats.org/drawingml/2006/main" xmlns:r="http://schemas.openxmlformats.org/officeDocument/2006/relationships" xmlns:p="http://schemas.openxmlformats.org/presentationml/2006/main" show="0">
-  <p:cSld>
-    <p:spTree>
-      <p:nvGrpSpPr>
-        <p:cNvPr id="1" name="Shape 440"/>
-        <p:cNvGrpSpPr/>
-        <p:nvPr/>
-      </p:nvGrpSpPr>
-      <p:grpSpPr>
-        <a:xfrm>
-          <a:off x="0" y="0"/>
-          <a:ext cx="0" cy="0"/>
-          <a:chOff x="0" y="0"/>
-          <a:chExt cx="0" cy="0"/>
-        </a:xfrm>
-      </p:grpSpPr>
-      <p:sp>
-        <p:nvSpPr>
-          <p:cNvPr id="441" name="Google Shape;441;p41"/>
-          <p:cNvSpPr txBox="1"/>
-          <p:nvPr/>
-        </p:nvSpPr>
-        <p:spPr>
-          <a:xfrm flipH="1">
-            <a:off x="961833" y="1492192"/>
-            <a:ext cx="2477200" cy="1338400"/>
-          </a:xfrm>
-          <a:prstGeom prst="rect">
-            <a:avLst/>
-          </a:prstGeom>
-          <a:noFill/>
-          <a:ln>
-            <a:noFill/>
-          </a:ln>
-        </p:spPr>
-        <p:txBody>
-          <a:bodyPr spcFirstLastPara="1" wrap="square" lIns="121900" tIns="121900" rIns="121900" bIns="121900" anchor="t" anchorCtr="0">
-            <a:noAutofit/>
-          </a:bodyPr>
-          <a:lstStyle/>
-          <a:p>
-            <a:pPr algn="ctr"/>
-            <a:r>
-              <a:rPr lang="en" sz="1600" dirty="0">
-                <a:solidFill>
-                  <a:schemeClr val="dk1"/>
-                </a:solidFill>
-                <a:latin typeface="Source Code Pro"/>
-                <a:ea typeface="Source Code Pro"/>
-                <a:cs typeface="Source Code Pro"/>
-                <a:sym typeface="Source Code Pro"/>
-              </a:rPr>
-              <a:t>Provide a brief overview of the pitch deck's content</a:t>
-            </a:r>
-            <a:endParaRPr sz="1600" dirty="0">
-              <a:solidFill>
-                <a:schemeClr val="dk1"/>
-              </a:solidFill>
-              <a:latin typeface="Source Code Pro"/>
-              <a:ea typeface="Source Code Pro"/>
-              <a:cs typeface="Source Code Pro"/>
-              <a:sym typeface="Source Code Pro"/>
-            </a:endParaRPr>
-          </a:p>
-        </p:txBody>
-      </p:sp>
-      <p:sp>
-        <p:nvSpPr>
-          <p:cNvPr id="442" name="Google Shape;442;p41"/>
-          <p:cNvSpPr txBox="1"/>
-          <p:nvPr/>
-        </p:nvSpPr>
-        <p:spPr>
-          <a:xfrm flipH="1">
-            <a:off x="3559189" y="1492192"/>
-            <a:ext cx="2477200" cy="1338400"/>
-          </a:xfrm>
-          <a:prstGeom prst="rect">
-            <a:avLst/>
-          </a:prstGeom>
-          <a:noFill/>
-          <a:ln>
-            <a:noFill/>
-          </a:ln>
-        </p:spPr>
-        <p:txBody>
-          <a:bodyPr spcFirstLastPara="1" wrap="square" lIns="121900" tIns="121900" rIns="121900" bIns="121900" anchor="t" anchorCtr="0">
-            <a:noAutofit/>
-          </a:bodyPr>
-          <a:lstStyle/>
-          <a:p>
-            <a:pPr algn="ctr"/>
-            <a:r>
-              <a:rPr lang="en" sz="1600">
-                <a:solidFill>
-                  <a:schemeClr val="dk1"/>
-                </a:solidFill>
-                <a:latin typeface="Source Code Pro"/>
-                <a:ea typeface="Source Code Pro"/>
-                <a:cs typeface="Source Code Pro"/>
-                <a:sym typeface="Source Code Pro"/>
-              </a:rPr>
-              <a:t>Engage the audience with a compelling introduction</a:t>
-            </a:r>
-            <a:endParaRPr sz="1600">
-              <a:solidFill>
-                <a:schemeClr val="dk1"/>
-              </a:solidFill>
-              <a:latin typeface="Source Code Pro"/>
-              <a:ea typeface="Source Code Pro"/>
-              <a:cs typeface="Source Code Pro"/>
-              <a:sym typeface="Source Code Pro"/>
-            </a:endParaRPr>
-          </a:p>
-        </p:txBody>
-      </p:sp>
-      <p:sp>
-        <p:nvSpPr>
-          <p:cNvPr id="443" name="Google Shape;443;p41"/>
-          <p:cNvSpPr txBox="1"/>
-          <p:nvPr/>
-        </p:nvSpPr>
-        <p:spPr>
-          <a:xfrm flipH="1">
-            <a:off x="6156544" y="1492192"/>
-            <a:ext cx="2477200" cy="1338400"/>
-          </a:xfrm>
-          <a:prstGeom prst="rect">
-            <a:avLst/>
-          </a:prstGeom>
-          <a:noFill/>
-          <a:ln>
-            <a:noFill/>
-          </a:ln>
-        </p:spPr>
-        <p:txBody>
-          <a:bodyPr spcFirstLastPara="1" wrap="square" lIns="121900" tIns="121900" rIns="121900" bIns="121900" anchor="t" anchorCtr="0">
-            <a:noAutofit/>
-          </a:bodyPr>
-          <a:lstStyle/>
-          <a:p>
-            <a:pPr algn="ctr"/>
-            <a:r>
-              <a:rPr lang="en" sz="1600">
-                <a:solidFill>
-                  <a:schemeClr val="dk1"/>
-                </a:solidFill>
-                <a:latin typeface="Source Code Pro"/>
-                <a:ea typeface="Source Code Pro"/>
-                <a:cs typeface="Source Code Pro"/>
-                <a:sym typeface="Source Code Pro"/>
-              </a:rPr>
-              <a:t>Identify the customer's pain points</a:t>
-            </a:r>
-            <a:endParaRPr sz="1600">
-              <a:solidFill>
-                <a:schemeClr val="dk1"/>
-              </a:solidFill>
-              <a:latin typeface="Source Code Pro"/>
-              <a:ea typeface="Source Code Pro"/>
-              <a:cs typeface="Source Code Pro"/>
-              <a:sym typeface="Source Code Pro"/>
-            </a:endParaRPr>
-          </a:p>
-          <a:p>
-            <a:pPr algn="ctr"/>
-            <a:r>
-              <a:rPr lang="en" sz="1600">
-                <a:solidFill>
-                  <a:schemeClr val="dk1"/>
-                </a:solidFill>
-                <a:latin typeface="Source Code Pro"/>
-                <a:ea typeface="Source Code Pro"/>
-                <a:cs typeface="Source Code Pro"/>
-                <a:sym typeface="Source Code Pro"/>
-              </a:rPr>
-              <a:t>and challenges</a:t>
-            </a:r>
-            <a:endParaRPr sz="1600">
-              <a:solidFill>
-                <a:schemeClr val="dk1"/>
-              </a:solidFill>
-              <a:latin typeface="Source Code Pro"/>
-              <a:ea typeface="Source Code Pro"/>
-              <a:cs typeface="Source Code Pro"/>
-              <a:sym typeface="Source Code Pro"/>
-            </a:endParaRPr>
-          </a:p>
-        </p:txBody>
-      </p:sp>
-      <p:sp>
-        <p:nvSpPr>
-          <p:cNvPr id="444" name="Google Shape;444;p41"/>
-          <p:cNvSpPr txBox="1"/>
-          <p:nvPr/>
-        </p:nvSpPr>
-        <p:spPr>
-          <a:xfrm flipH="1">
-            <a:off x="8753900" y="1492192"/>
-            <a:ext cx="2477200" cy="1338400"/>
-          </a:xfrm>
-          <a:prstGeom prst="rect">
-            <a:avLst/>
-          </a:prstGeom>
-          <a:noFill/>
-          <a:ln>
-            <a:noFill/>
-          </a:ln>
-        </p:spPr>
-        <p:txBody>
-          <a:bodyPr spcFirstLastPara="1" wrap="square" lIns="121900" tIns="121900" rIns="121900" bIns="121900" anchor="t" anchorCtr="0">
-            <a:noAutofit/>
-          </a:bodyPr>
-          <a:lstStyle/>
-          <a:p>
-            <a:pPr algn="ctr"/>
-            <a:r>
-              <a:rPr lang="en" sz="1600">
-                <a:solidFill>
-                  <a:schemeClr val="dk1"/>
-                </a:solidFill>
-                <a:latin typeface="Source Code Pro"/>
-                <a:ea typeface="Source Code Pro"/>
-                <a:cs typeface="Source Code Pro"/>
-                <a:sym typeface="Source Code Pro"/>
-              </a:rPr>
-              <a:t>Describe how your product or service can solve the problem</a:t>
-            </a:r>
-            <a:endParaRPr sz="1600">
-              <a:solidFill>
-                <a:schemeClr val="dk1"/>
-              </a:solidFill>
-              <a:latin typeface="Source Code Pro"/>
-              <a:ea typeface="Source Code Pro"/>
-              <a:cs typeface="Source Code Pro"/>
-              <a:sym typeface="Source Code Pro"/>
-            </a:endParaRPr>
-          </a:p>
-        </p:txBody>
-      </p:sp>
-      <p:sp>
-        <p:nvSpPr>
-          <p:cNvPr id="445" name="Google Shape;445;p41"/>
-          <p:cNvSpPr txBox="1">
-            <a:spLocks noGrp="1"/>
-          </p:cNvSpPr>
-          <p:nvPr>
-            <p:ph type="title"/>
-          </p:nvPr>
-        </p:nvSpPr>
-        <p:spPr>
-          <a:xfrm>
-            <a:off x="959984" y="612171"/>
-            <a:ext cx="10272000" cy="763600"/>
-          </a:xfrm>
-          <a:prstGeom prst="rect">
-            <a:avLst/>
-          </a:prstGeom>
-        </p:spPr>
-        <p:txBody>
-          <a:bodyPr spcFirstLastPara="1" wrap="square" lIns="121900" tIns="121900" rIns="121900" bIns="121900" anchor="t" anchorCtr="0">
-            <a:noAutofit/>
-          </a:bodyPr>
-          <a:lstStyle/>
-          <a:p>
-            <a:r>
-              <a:rPr lang="en">
-                <a:solidFill>
-                  <a:schemeClr val="lt2"/>
-                </a:solidFill>
-              </a:rPr>
-              <a:t>&lt;/ </a:t>
-            </a:r>
-            <a:r>
-              <a:rPr lang="en"/>
-              <a:t>Timeline of your presentation</a:t>
-            </a:r>
-            <a:endParaRPr/>
-          </a:p>
-        </p:txBody>
-      </p:sp>
-      <p:sp>
-        <p:nvSpPr>
-          <p:cNvPr id="446" name="Google Shape;446;p41"/>
-          <p:cNvSpPr/>
-          <p:nvPr/>
-        </p:nvSpPr>
-        <p:spPr>
-          <a:xfrm>
-            <a:off x="2082833" y="3161159"/>
-            <a:ext cx="235200" cy="235200"/>
-          </a:xfrm>
-          <a:prstGeom prst="rect">
-            <a:avLst/>
-          </a:prstGeom>
-          <a:solidFill>
-            <a:schemeClr val="accent2"/>
-          </a:solidFill>
-          <a:ln>
-            <a:noFill/>
-          </a:ln>
-        </p:spPr>
-        <p:txBody>
-          <a:bodyPr spcFirstLastPara="1" wrap="square" lIns="121900" tIns="121900" rIns="121900" bIns="121900" anchor="ctr" anchorCtr="0">
-            <a:noAutofit/>
-          </a:bodyPr>
-          <a:lstStyle/>
-          <a:p>
-            <a:endParaRPr sz="1867"/>
-          </a:p>
-        </p:txBody>
-      </p:sp>
-      <p:sp>
-        <p:nvSpPr>
-          <p:cNvPr id="447" name="Google Shape;447;p41"/>
-          <p:cNvSpPr/>
-          <p:nvPr/>
-        </p:nvSpPr>
-        <p:spPr>
-          <a:xfrm>
-            <a:off x="4680189" y="3161159"/>
-            <a:ext cx="235200" cy="235200"/>
-          </a:xfrm>
-          <a:prstGeom prst="rect">
-            <a:avLst/>
-          </a:prstGeom>
-          <a:solidFill>
-            <a:schemeClr val="lt2"/>
-          </a:solidFill>
-          <a:ln>
-            <a:noFill/>
-          </a:ln>
-        </p:spPr>
-        <p:txBody>
-          <a:bodyPr spcFirstLastPara="1" wrap="square" lIns="121900" tIns="121900" rIns="121900" bIns="121900" anchor="ctr" anchorCtr="0">
-            <a:noAutofit/>
-          </a:bodyPr>
-          <a:lstStyle/>
-          <a:p>
-            <a:endParaRPr sz="1867"/>
-          </a:p>
-        </p:txBody>
-      </p:sp>
-      <p:sp>
-        <p:nvSpPr>
-          <p:cNvPr id="448" name="Google Shape;448;p41"/>
-          <p:cNvSpPr/>
-          <p:nvPr/>
-        </p:nvSpPr>
-        <p:spPr>
-          <a:xfrm>
-            <a:off x="7277544" y="3161159"/>
-            <a:ext cx="235200" cy="235200"/>
-          </a:xfrm>
-          <a:prstGeom prst="rect">
-            <a:avLst/>
-          </a:prstGeom>
-          <a:solidFill>
-            <a:schemeClr val="accent1"/>
-          </a:solidFill>
-          <a:ln>
-            <a:noFill/>
-          </a:ln>
-        </p:spPr>
-        <p:txBody>
-          <a:bodyPr spcFirstLastPara="1" wrap="square" lIns="121900" tIns="121900" rIns="121900" bIns="121900" anchor="ctr" anchorCtr="0">
-            <a:noAutofit/>
-          </a:bodyPr>
-          <a:lstStyle/>
-          <a:p>
-            <a:endParaRPr sz="1867"/>
-          </a:p>
-        </p:txBody>
-      </p:sp>
-      <p:sp>
-        <p:nvSpPr>
-          <p:cNvPr id="449" name="Google Shape;449;p41"/>
-          <p:cNvSpPr/>
-          <p:nvPr/>
-        </p:nvSpPr>
-        <p:spPr>
-          <a:xfrm>
-            <a:off x="9874900" y="3161159"/>
-            <a:ext cx="235200" cy="235200"/>
-          </a:xfrm>
-          <a:prstGeom prst="rect">
-            <a:avLst/>
-          </a:prstGeom>
-          <a:solidFill>
-            <a:schemeClr val="accent3"/>
-          </a:solidFill>
-          <a:ln>
-            <a:noFill/>
-          </a:ln>
-        </p:spPr>
-        <p:txBody>
-          <a:bodyPr spcFirstLastPara="1" wrap="square" lIns="121900" tIns="121900" rIns="121900" bIns="121900" anchor="ctr" anchorCtr="0">
-            <a:noAutofit/>
-          </a:bodyPr>
-          <a:lstStyle/>
-          <a:p>
-            <a:endParaRPr sz="1867"/>
-          </a:p>
-        </p:txBody>
-      </p:sp>
-      <p:cxnSp>
-        <p:nvCxnSpPr>
-          <p:cNvPr id="450" name="Google Shape;450;p41"/>
-          <p:cNvCxnSpPr>
-            <a:stCxn id="446" idx="3"/>
-            <a:endCxn id="447" idx="1"/>
-          </p:cNvCxnSpPr>
-          <p:nvPr/>
-        </p:nvCxnSpPr>
-        <p:spPr>
-          <a:xfrm>
-            <a:off x="2318033" y="3278759"/>
-            <a:ext cx="2362000" cy="0"/>
-          </a:xfrm>
-          <a:prstGeom prst="straightConnector1">
-            <a:avLst/>
-          </a:prstGeom>
-          <a:noFill/>
-          <a:ln w="9525" cap="flat" cmpd="sng">
-            <a:solidFill>
-              <a:schemeClr val="dk1"/>
-            </a:solidFill>
-            <a:prstDash val="solid"/>
-            <a:round/>
-            <a:headEnd type="none" w="med" len="med"/>
-            <a:tailEnd type="none" w="med" len="med"/>
-          </a:ln>
-        </p:spPr>
-      </p:cxnSp>
-      <p:cxnSp>
-        <p:nvCxnSpPr>
-          <p:cNvPr id="451" name="Google Shape;451;p41"/>
-          <p:cNvCxnSpPr>
-            <a:stCxn id="447" idx="3"/>
-            <a:endCxn id="448" idx="1"/>
-          </p:cNvCxnSpPr>
-          <p:nvPr/>
-        </p:nvCxnSpPr>
-        <p:spPr>
-          <a:xfrm>
-            <a:off x="4915389" y="3278759"/>
-            <a:ext cx="2362000" cy="0"/>
-          </a:xfrm>
-          <a:prstGeom prst="straightConnector1">
-            <a:avLst/>
-          </a:prstGeom>
-          <a:noFill/>
-          <a:ln w="9525" cap="flat" cmpd="sng">
-            <a:solidFill>
-              <a:schemeClr val="dk1"/>
-            </a:solidFill>
-            <a:prstDash val="solid"/>
-            <a:round/>
-            <a:headEnd type="none" w="med" len="med"/>
-            <a:tailEnd type="none" w="med" len="med"/>
-          </a:ln>
-        </p:spPr>
-      </p:cxnSp>
-      <p:cxnSp>
-        <p:nvCxnSpPr>
-          <p:cNvPr id="452" name="Google Shape;452;p41"/>
-          <p:cNvCxnSpPr>
-            <a:stCxn id="448" idx="3"/>
-            <a:endCxn id="449" idx="1"/>
-          </p:cNvCxnSpPr>
-          <p:nvPr/>
-        </p:nvCxnSpPr>
-        <p:spPr>
-          <a:xfrm>
-            <a:off x="7512744" y="3278759"/>
-            <a:ext cx="2362000" cy="0"/>
-          </a:xfrm>
-          <a:prstGeom prst="straightConnector1">
-            <a:avLst/>
-          </a:prstGeom>
-          <a:noFill/>
-          <a:ln w="9525" cap="flat" cmpd="sng">
-            <a:solidFill>
-              <a:schemeClr val="dk1"/>
-            </a:solidFill>
-            <a:prstDash val="solid"/>
-            <a:round/>
-            <a:headEnd type="none" w="med" len="med"/>
-            <a:tailEnd type="none" w="med" len="med"/>
-          </a:ln>
-        </p:spPr>
-      </p:cxnSp>
-      <p:cxnSp>
-        <p:nvCxnSpPr>
-          <p:cNvPr id="453" name="Google Shape;453;p41"/>
-          <p:cNvCxnSpPr>
-            <a:stCxn id="446" idx="0"/>
-            <a:endCxn id="441" idx="2"/>
-          </p:cNvCxnSpPr>
-          <p:nvPr/>
-        </p:nvCxnSpPr>
-        <p:spPr>
-          <a:xfrm rot="10800000">
-            <a:off x="2200433" y="2830759"/>
-            <a:ext cx="0" cy="330400"/>
-          </a:xfrm>
-          <a:prstGeom prst="straightConnector1">
-            <a:avLst/>
-          </a:prstGeom>
-          <a:noFill/>
-          <a:ln w="9525" cap="flat" cmpd="sng">
-            <a:solidFill>
-              <a:schemeClr val="dk1"/>
-            </a:solidFill>
-            <a:prstDash val="solid"/>
-            <a:round/>
-            <a:headEnd type="none" w="med" len="med"/>
-            <a:tailEnd type="none" w="med" len="med"/>
-          </a:ln>
-        </p:spPr>
-      </p:cxnSp>
-      <p:cxnSp>
-        <p:nvCxnSpPr>
-          <p:cNvPr id="454" name="Google Shape;454;p41"/>
-          <p:cNvCxnSpPr>
-            <a:stCxn id="447" idx="0"/>
-            <a:endCxn id="442" idx="2"/>
-          </p:cNvCxnSpPr>
-          <p:nvPr/>
-        </p:nvCxnSpPr>
-        <p:spPr>
-          <a:xfrm rot="10800000">
-            <a:off x="4797789" y="2830759"/>
-            <a:ext cx="0" cy="330400"/>
-          </a:xfrm>
-          <a:prstGeom prst="straightConnector1">
-            <a:avLst/>
-          </a:prstGeom>
-          <a:noFill/>
-          <a:ln w="9525" cap="flat" cmpd="sng">
-            <a:solidFill>
-              <a:schemeClr val="dk1"/>
-            </a:solidFill>
-            <a:prstDash val="solid"/>
-            <a:round/>
-            <a:headEnd type="none" w="med" len="med"/>
-            <a:tailEnd type="none" w="med" len="med"/>
-          </a:ln>
-        </p:spPr>
-      </p:cxnSp>
-      <p:cxnSp>
-        <p:nvCxnSpPr>
-          <p:cNvPr id="455" name="Google Shape;455;p41"/>
-          <p:cNvCxnSpPr>
-            <a:stCxn id="448" idx="0"/>
-            <a:endCxn id="443" idx="2"/>
-          </p:cNvCxnSpPr>
-          <p:nvPr/>
-        </p:nvCxnSpPr>
-        <p:spPr>
-          <a:xfrm rot="10800000">
-            <a:off x="7395144" y="2830759"/>
-            <a:ext cx="0" cy="330400"/>
-          </a:xfrm>
-          <a:prstGeom prst="straightConnector1">
-            <a:avLst/>
-          </a:prstGeom>
-          <a:noFill/>
-          <a:ln w="9525" cap="flat" cmpd="sng">
-            <a:solidFill>
-              <a:schemeClr val="dk1"/>
-            </a:solidFill>
-            <a:prstDash val="solid"/>
-            <a:round/>
-            <a:headEnd type="none" w="med" len="med"/>
-            <a:tailEnd type="none" w="med" len="med"/>
-          </a:ln>
-        </p:spPr>
-      </p:cxnSp>
-      <p:cxnSp>
-        <p:nvCxnSpPr>
-          <p:cNvPr id="456" name="Google Shape;456;p41"/>
-          <p:cNvCxnSpPr>
-            <a:stCxn id="449" idx="0"/>
-            <a:endCxn id="444" idx="2"/>
-          </p:cNvCxnSpPr>
-          <p:nvPr/>
-        </p:nvCxnSpPr>
-        <p:spPr>
-          <a:xfrm rot="10800000">
-            <a:off x="9992500" y="2830759"/>
-            <a:ext cx="0" cy="330400"/>
-          </a:xfrm>
-          <a:prstGeom prst="straightConnector1">
-            <a:avLst/>
-          </a:prstGeom>
-          <a:noFill/>
-          <a:ln w="9525" cap="flat" cmpd="sng">
-            <a:solidFill>
-              <a:schemeClr val="dk1"/>
-            </a:solidFill>
-            <a:prstDash val="solid"/>
-            <a:round/>
-            <a:headEnd type="none" w="med" len="med"/>
-            <a:tailEnd type="none" w="med" len="med"/>
-          </a:ln>
-        </p:spPr>
-      </p:cxnSp>
-      <p:sp>
-        <p:nvSpPr>
-          <p:cNvPr id="457" name="Google Shape;457;p41"/>
-          <p:cNvSpPr/>
-          <p:nvPr/>
-        </p:nvSpPr>
-        <p:spPr>
-          <a:xfrm>
-            <a:off x="2082833" y="3981492"/>
-            <a:ext cx="235200" cy="235200"/>
-          </a:xfrm>
-          <a:prstGeom prst="rect">
-            <a:avLst/>
-          </a:prstGeom>
-          <a:solidFill>
-            <a:schemeClr val="accent2"/>
-          </a:solidFill>
-          <a:ln>
-            <a:noFill/>
-          </a:ln>
-        </p:spPr>
-        <p:txBody>
-          <a:bodyPr spcFirstLastPara="1" wrap="square" lIns="121900" tIns="121900" rIns="121900" bIns="121900" anchor="ctr" anchorCtr="0">
-            <a:noAutofit/>
-          </a:bodyPr>
-          <a:lstStyle/>
-          <a:p>
-            <a:endParaRPr sz="1867"/>
-          </a:p>
-        </p:txBody>
-      </p:sp>
-      <p:sp>
-        <p:nvSpPr>
-          <p:cNvPr id="458" name="Google Shape;458;p41"/>
-          <p:cNvSpPr/>
-          <p:nvPr/>
-        </p:nvSpPr>
-        <p:spPr>
-          <a:xfrm>
-            <a:off x="4680189" y="3981492"/>
-            <a:ext cx="235200" cy="235200"/>
-          </a:xfrm>
-          <a:prstGeom prst="rect">
-            <a:avLst/>
-          </a:prstGeom>
-          <a:solidFill>
-            <a:schemeClr val="lt2"/>
-          </a:solidFill>
-          <a:ln>
-            <a:noFill/>
-          </a:ln>
-        </p:spPr>
-        <p:txBody>
-          <a:bodyPr spcFirstLastPara="1" wrap="square" lIns="121900" tIns="121900" rIns="121900" bIns="121900" anchor="ctr" anchorCtr="0">
-            <a:noAutofit/>
-          </a:bodyPr>
-          <a:lstStyle/>
-          <a:p>
-            <a:endParaRPr sz="1867"/>
-          </a:p>
-        </p:txBody>
-      </p:sp>
-      <p:sp>
-        <p:nvSpPr>
-          <p:cNvPr id="459" name="Google Shape;459;p41"/>
-          <p:cNvSpPr/>
-          <p:nvPr/>
-        </p:nvSpPr>
-        <p:spPr>
-          <a:xfrm>
-            <a:off x="7277544" y="3981492"/>
-            <a:ext cx="235200" cy="235200"/>
-          </a:xfrm>
-          <a:prstGeom prst="rect">
-            <a:avLst/>
-          </a:prstGeom>
-          <a:solidFill>
-            <a:schemeClr val="accent1"/>
-          </a:solidFill>
-          <a:ln>
-            <a:noFill/>
-          </a:ln>
-        </p:spPr>
-        <p:txBody>
-          <a:bodyPr spcFirstLastPara="1" wrap="square" lIns="121900" tIns="121900" rIns="121900" bIns="121900" anchor="ctr" anchorCtr="0">
-            <a:noAutofit/>
-          </a:bodyPr>
-          <a:lstStyle/>
-          <a:p>
-            <a:endParaRPr sz="1867"/>
-          </a:p>
-        </p:txBody>
-      </p:sp>
-      <p:sp>
-        <p:nvSpPr>
-          <p:cNvPr id="460" name="Google Shape;460;p41"/>
-          <p:cNvSpPr/>
-          <p:nvPr/>
-        </p:nvSpPr>
-        <p:spPr>
-          <a:xfrm>
-            <a:off x="9874900" y="3981492"/>
-            <a:ext cx="235200" cy="235200"/>
-          </a:xfrm>
-          <a:prstGeom prst="rect">
-            <a:avLst/>
-          </a:prstGeom>
-          <a:solidFill>
-            <a:schemeClr val="accent3"/>
-          </a:solidFill>
-          <a:ln>
-            <a:noFill/>
-          </a:ln>
-        </p:spPr>
-        <p:txBody>
-          <a:bodyPr spcFirstLastPara="1" wrap="square" lIns="121900" tIns="121900" rIns="121900" bIns="121900" anchor="ctr" anchorCtr="0">
-            <a:noAutofit/>
-          </a:bodyPr>
-          <a:lstStyle/>
-          <a:p>
-            <a:endParaRPr sz="1867"/>
-          </a:p>
-        </p:txBody>
-      </p:sp>
-      <p:sp>
-        <p:nvSpPr>
-          <p:cNvPr id="461" name="Google Shape;461;p41"/>
-          <p:cNvSpPr txBox="1"/>
-          <p:nvPr/>
-        </p:nvSpPr>
-        <p:spPr>
-          <a:xfrm flipH="1">
-            <a:off x="961833" y="4483059"/>
-            <a:ext cx="2477200" cy="1338400"/>
-          </a:xfrm>
-          <a:prstGeom prst="rect">
-            <a:avLst/>
-          </a:prstGeom>
-          <a:noFill/>
-          <a:ln>
-            <a:noFill/>
-          </a:ln>
-        </p:spPr>
-        <p:txBody>
-          <a:bodyPr spcFirstLastPara="1" wrap="square" lIns="121900" tIns="121900" rIns="121900" bIns="121900" anchor="t" anchorCtr="0">
-            <a:noAutofit/>
-          </a:bodyPr>
-          <a:lstStyle/>
-          <a:p>
-            <a:pPr algn="ctr"/>
-            <a:r>
-              <a:rPr lang="en" sz="1600">
-                <a:solidFill>
-                  <a:schemeClr val="dk1"/>
-                </a:solidFill>
-                <a:latin typeface="Source Code Pro"/>
-                <a:ea typeface="Source Code Pro"/>
-                <a:cs typeface="Source Code Pro"/>
-                <a:sym typeface="Source Code Pro"/>
-              </a:rPr>
-              <a:t>Highlight the unique value proposition and benefits of your  specific solution</a:t>
-            </a:r>
-            <a:endParaRPr sz="1600">
-              <a:solidFill>
-                <a:schemeClr val="dk1"/>
-              </a:solidFill>
-              <a:latin typeface="Source Code Pro"/>
-              <a:ea typeface="Source Code Pro"/>
-              <a:cs typeface="Source Code Pro"/>
-              <a:sym typeface="Source Code Pro"/>
-            </a:endParaRPr>
-          </a:p>
-        </p:txBody>
-      </p:sp>
-      <p:sp>
-        <p:nvSpPr>
-          <p:cNvPr id="462" name="Google Shape;462;p41"/>
-          <p:cNvSpPr txBox="1"/>
-          <p:nvPr/>
-        </p:nvSpPr>
-        <p:spPr>
-          <a:xfrm flipH="1">
-            <a:off x="3559189" y="4483059"/>
-            <a:ext cx="2477200" cy="1338400"/>
-          </a:xfrm>
-          <a:prstGeom prst="rect">
-            <a:avLst/>
-          </a:prstGeom>
-          <a:noFill/>
-          <a:ln>
-            <a:noFill/>
-          </a:ln>
-        </p:spPr>
-        <p:txBody>
-          <a:bodyPr spcFirstLastPara="1" wrap="square" lIns="121900" tIns="121900" rIns="121900" bIns="121900" anchor="t" anchorCtr="0">
-            <a:noAutofit/>
-          </a:bodyPr>
-          <a:lstStyle/>
-          <a:p>
-            <a:pPr algn="ctr"/>
-            <a:r>
-              <a:rPr lang="en" sz="1600">
-                <a:solidFill>
-                  <a:schemeClr val="dk1"/>
-                </a:solidFill>
-                <a:latin typeface="Source Code Pro"/>
-                <a:ea typeface="Source Code Pro"/>
-                <a:cs typeface="Source Code Pro"/>
-                <a:sym typeface="Source Code Pro"/>
-              </a:rPr>
-              <a:t>Analyze the target market size, growth potential, and competition briefly</a:t>
-            </a:r>
-            <a:endParaRPr sz="1600">
-              <a:solidFill>
-                <a:schemeClr val="dk1"/>
-              </a:solidFill>
-              <a:latin typeface="Source Code Pro"/>
-              <a:ea typeface="Source Code Pro"/>
-              <a:cs typeface="Source Code Pro"/>
-              <a:sym typeface="Source Code Pro"/>
-            </a:endParaRPr>
-          </a:p>
-        </p:txBody>
-      </p:sp>
-      <p:sp>
-        <p:nvSpPr>
-          <p:cNvPr id="463" name="Google Shape;463;p41"/>
-          <p:cNvSpPr txBox="1"/>
-          <p:nvPr/>
-        </p:nvSpPr>
-        <p:spPr>
-          <a:xfrm flipH="1">
-            <a:off x="6156544" y="4483059"/>
-            <a:ext cx="2477200" cy="1338400"/>
-          </a:xfrm>
-          <a:prstGeom prst="rect">
-            <a:avLst/>
-          </a:prstGeom>
-          <a:noFill/>
-          <a:ln>
-            <a:noFill/>
-          </a:ln>
-        </p:spPr>
-        <p:txBody>
-          <a:bodyPr spcFirstLastPara="1" wrap="square" lIns="121900" tIns="121900" rIns="121900" bIns="121900" anchor="t" anchorCtr="0">
-            <a:noAutofit/>
-          </a:bodyPr>
-          <a:lstStyle/>
-          <a:p>
-            <a:pPr algn="ctr"/>
-            <a:r>
-              <a:rPr lang="en" sz="1600">
-                <a:solidFill>
-                  <a:schemeClr val="dk1"/>
-                </a:solidFill>
-                <a:latin typeface="Source Code Pro"/>
-                <a:ea typeface="Source Code Pro"/>
-                <a:cs typeface="Source Code Pro"/>
-                <a:sym typeface="Source Code Pro"/>
-              </a:rPr>
-              <a:t>Explain your financial needs and briefly outline your</a:t>
-            </a:r>
-            <a:endParaRPr sz="1600">
-              <a:solidFill>
-                <a:schemeClr val="dk1"/>
-              </a:solidFill>
-              <a:latin typeface="Source Code Pro"/>
-              <a:ea typeface="Source Code Pro"/>
-              <a:cs typeface="Source Code Pro"/>
-              <a:sym typeface="Source Code Pro"/>
-            </a:endParaRPr>
-          </a:p>
-          <a:p>
-            <a:pPr algn="ctr"/>
-            <a:r>
-              <a:rPr lang="en" sz="1600">
-                <a:solidFill>
-                  <a:schemeClr val="dk1"/>
-                </a:solidFill>
-                <a:latin typeface="Source Code Pro"/>
-                <a:ea typeface="Source Code Pro"/>
-                <a:cs typeface="Source Code Pro"/>
-                <a:sym typeface="Source Code Pro"/>
-              </a:rPr>
-              <a:t>funding allocation</a:t>
-            </a:r>
-            <a:endParaRPr sz="1600">
-              <a:solidFill>
-                <a:schemeClr val="dk1"/>
-              </a:solidFill>
-              <a:latin typeface="Source Code Pro"/>
-              <a:ea typeface="Source Code Pro"/>
-              <a:cs typeface="Source Code Pro"/>
-              <a:sym typeface="Source Code Pro"/>
-            </a:endParaRPr>
-          </a:p>
-        </p:txBody>
-      </p:sp>
-      <p:sp>
-        <p:nvSpPr>
-          <p:cNvPr id="464" name="Google Shape;464;p41"/>
-          <p:cNvSpPr txBox="1"/>
-          <p:nvPr/>
-        </p:nvSpPr>
-        <p:spPr>
-          <a:xfrm flipH="1">
-            <a:off x="8753900" y="4483059"/>
-            <a:ext cx="2477200" cy="1338400"/>
-          </a:xfrm>
-          <a:prstGeom prst="rect">
-            <a:avLst/>
-          </a:prstGeom>
-          <a:noFill/>
-          <a:ln>
-            <a:noFill/>
-          </a:ln>
-        </p:spPr>
-        <p:txBody>
-          <a:bodyPr spcFirstLastPara="1" wrap="square" lIns="121900" tIns="121900" rIns="121900" bIns="121900" anchor="t" anchorCtr="0">
-            <a:noAutofit/>
-          </a:bodyPr>
-          <a:lstStyle/>
-          <a:p>
-            <a:pPr algn="ctr"/>
-            <a:r>
-              <a:rPr lang="en" sz="1600">
-                <a:solidFill>
-                  <a:schemeClr val="dk1"/>
-                </a:solidFill>
-                <a:latin typeface="Source Code Pro"/>
-                <a:ea typeface="Source Code Pro"/>
-                <a:cs typeface="Source Code Pro"/>
-                <a:sym typeface="Source Code Pro"/>
-              </a:rPr>
-              <a:t>End with a clear and concise call to action</a:t>
-            </a:r>
-            <a:endParaRPr sz="1600">
-              <a:solidFill>
-                <a:schemeClr val="dk1"/>
-              </a:solidFill>
-              <a:latin typeface="Source Code Pro"/>
-              <a:ea typeface="Source Code Pro"/>
-              <a:cs typeface="Source Code Pro"/>
-              <a:sym typeface="Source Code Pro"/>
-            </a:endParaRPr>
-          </a:p>
-        </p:txBody>
-      </p:sp>
-      <p:cxnSp>
-        <p:nvCxnSpPr>
-          <p:cNvPr id="465" name="Google Shape;465;p41"/>
-          <p:cNvCxnSpPr>
-            <a:stCxn id="457" idx="3"/>
-            <a:endCxn id="458" idx="1"/>
-          </p:cNvCxnSpPr>
-          <p:nvPr/>
-        </p:nvCxnSpPr>
-        <p:spPr>
-          <a:xfrm>
-            <a:off x="2318033" y="4099092"/>
-            <a:ext cx="2362000" cy="0"/>
-          </a:xfrm>
-          <a:prstGeom prst="straightConnector1">
-            <a:avLst/>
-          </a:prstGeom>
-          <a:noFill/>
-          <a:ln w="9525" cap="flat" cmpd="sng">
-            <a:solidFill>
-              <a:schemeClr val="dk1"/>
-            </a:solidFill>
-            <a:prstDash val="solid"/>
-            <a:round/>
-            <a:headEnd type="none" w="med" len="med"/>
-            <a:tailEnd type="none" w="med" len="med"/>
-          </a:ln>
-        </p:spPr>
-      </p:cxnSp>
-      <p:cxnSp>
-        <p:nvCxnSpPr>
-          <p:cNvPr id="466" name="Google Shape;466;p41"/>
-          <p:cNvCxnSpPr>
-            <a:stCxn id="458" idx="3"/>
-            <a:endCxn id="459" idx="1"/>
-          </p:cNvCxnSpPr>
-          <p:nvPr/>
-        </p:nvCxnSpPr>
-        <p:spPr>
-          <a:xfrm>
-            <a:off x="4915389" y="4099092"/>
-            <a:ext cx="2362000" cy="0"/>
-          </a:xfrm>
-          <a:prstGeom prst="straightConnector1">
-            <a:avLst/>
-          </a:prstGeom>
-          <a:noFill/>
-          <a:ln w="9525" cap="flat" cmpd="sng">
-            <a:solidFill>
-              <a:schemeClr val="dk1"/>
-            </a:solidFill>
-            <a:prstDash val="solid"/>
-            <a:round/>
-            <a:headEnd type="none" w="med" len="med"/>
-            <a:tailEnd type="none" w="med" len="med"/>
-          </a:ln>
-        </p:spPr>
-      </p:cxnSp>
-      <p:cxnSp>
-        <p:nvCxnSpPr>
-          <p:cNvPr id="467" name="Google Shape;467;p41"/>
-          <p:cNvCxnSpPr>
-            <a:stCxn id="459" idx="3"/>
-            <a:endCxn id="460" idx="1"/>
-          </p:cNvCxnSpPr>
-          <p:nvPr/>
-        </p:nvCxnSpPr>
-        <p:spPr>
-          <a:xfrm>
-            <a:off x="7512744" y="4099092"/>
-            <a:ext cx="2362000" cy="0"/>
-          </a:xfrm>
-          <a:prstGeom prst="straightConnector1">
-            <a:avLst/>
-          </a:prstGeom>
-          <a:noFill/>
-          <a:ln w="9525" cap="flat" cmpd="sng">
-            <a:solidFill>
-              <a:schemeClr val="dk1"/>
-            </a:solidFill>
-            <a:prstDash val="solid"/>
-            <a:round/>
-            <a:headEnd type="none" w="med" len="med"/>
-            <a:tailEnd type="none" w="med" len="med"/>
-          </a:ln>
-        </p:spPr>
-      </p:cxnSp>
-      <p:cxnSp>
-        <p:nvCxnSpPr>
-          <p:cNvPr id="468" name="Google Shape;468;p41"/>
-          <p:cNvCxnSpPr>
-            <a:stCxn id="457" idx="2"/>
-            <a:endCxn id="461" idx="0"/>
-          </p:cNvCxnSpPr>
-          <p:nvPr/>
-        </p:nvCxnSpPr>
-        <p:spPr>
-          <a:xfrm>
-            <a:off x="2200433" y="4216692"/>
-            <a:ext cx="0" cy="266400"/>
-          </a:xfrm>
-          <a:prstGeom prst="straightConnector1">
-            <a:avLst/>
-          </a:prstGeom>
-          <a:noFill/>
-          <a:ln w="9525" cap="flat" cmpd="sng">
-            <a:solidFill>
-              <a:schemeClr val="dk1"/>
-            </a:solidFill>
-            <a:prstDash val="solid"/>
-            <a:round/>
-            <a:headEnd type="none" w="med" len="med"/>
-            <a:tailEnd type="none" w="med" len="med"/>
-          </a:ln>
-        </p:spPr>
-      </p:cxnSp>
-      <p:cxnSp>
-        <p:nvCxnSpPr>
-          <p:cNvPr id="469" name="Google Shape;469;p41"/>
-          <p:cNvCxnSpPr>
-            <a:stCxn id="458" idx="2"/>
-            <a:endCxn id="462" idx="0"/>
-          </p:cNvCxnSpPr>
-          <p:nvPr/>
-        </p:nvCxnSpPr>
-        <p:spPr>
-          <a:xfrm>
-            <a:off x="4797789" y="4216692"/>
-            <a:ext cx="0" cy="266400"/>
-          </a:xfrm>
-          <a:prstGeom prst="straightConnector1">
-            <a:avLst/>
-          </a:prstGeom>
-          <a:noFill/>
-          <a:ln w="9525" cap="flat" cmpd="sng">
-            <a:solidFill>
-              <a:schemeClr val="dk1"/>
-            </a:solidFill>
-            <a:prstDash val="solid"/>
-            <a:round/>
-            <a:headEnd type="none" w="med" len="med"/>
-            <a:tailEnd type="none" w="med" len="med"/>
-          </a:ln>
-        </p:spPr>
-      </p:cxnSp>
-      <p:cxnSp>
-        <p:nvCxnSpPr>
-          <p:cNvPr id="470" name="Google Shape;470;p41"/>
-          <p:cNvCxnSpPr>
-            <a:stCxn id="459" idx="2"/>
-            <a:endCxn id="463" idx="0"/>
-          </p:cNvCxnSpPr>
-          <p:nvPr/>
-        </p:nvCxnSpPr>
-        <p:spPr>
-          <a:xfrm>
-            <a:off x="7395144" y="4216692"/>
-            <a:ext cx="0" cy="266400"/>
-          </a:xfrm>
-          <a:prstGeom prst="straightConnector1">
-            <a:avLst/>
-          </a:prstGeom>
-          <a:noFill/>
-          <a:ln w="9525" cap="flat" cmpd="sng">
-            <a:solidFill>
-              <a:schemeClr val="dk1"/>
-            </a:solidFill>
-            <a:prstDash val="solid"/>
-            <a:round/>
-            <a:headEnd type="none" w="med" len="med"/>
-            <a:tailEnd type="none" w="med" len="med"/>
-          </a:ln>
-        </p:spPr>
-      </p:cxnSp>
-      <p:cxnSp>
-        <p:nvCxnSpPr>
-          <p:cNvPr id="471" name="Google Shape;471;p41"/>
-          <p:cNvCxnSpPr>
-            <a:stCxn id="460" idx="2"/>
-            <a:endCxn id="464" idx="0"/>
-          </p:cNvCxnSpPr>
-          <p:nvPr/>
-        </p:nvCxnSpPr>
-        <p:spPr>
-          <a:xfrm>
-            <a:off x="9992500" y="4216692"/>
-            <a:ext cx="0" cy="266400"/>
-          </a:xfrm>
-          <a:prstGeom prst="straightConnector1">
-            <a:avLst/>
-          </a:prstGeom>
-          <a:noFill/>
-          <a:ln w="9525" cap="flat" cmpd="sng">
-            <a:solidFill>
-              <a:schemeClr val="dk1"/>
-            </a:solidFill>
-            <a:prstDash val="solid"/>
-            <a:round/>
-            <a:headEnd type="none" w="med" len="med"/>
-            <a:tailEnd type="none" w="med" len="med"/>
-          </a:ln>
-        </p:spPr>
-      </p:cxnSp>
-      <p:cxnSp>
-        <p:nvCxnSpPr>
-          <p:cNvPr id="472" name="Google Shape;472;p41"/>
-          <p:cNvCxnSpPr>
-            <a:stCxn id="449" idx="3"/>
-            <a:endCxn id="457" idx="1"/>
-          </p:cNvCxnSpPr>
-          <p:nvPr/>
-        </p:nvCxnSpPr>
-        <p:spPr>
-          <a:xfrm flipH="1">
-            <a:off x="2082900" y="3278759"/>
-            <a:ext cx="8027200" cy="820400"/>
-          </a:xfrm>
-          <a:prstGeom prst="bentConnector5">
-            <a:avLst>
-              <a:gd name="adj1" fmla="val -3955"/>
-              <a:gd name="adj2" fmla="val 49996"/>
-              <a:gd name="adj3" fmla="val 103956"/>
-            </a:avLst>
-          </a:prstGeom>
-          <a:noFill/>
-          <a:ln w="9525" cap="flat" cmpd="sng">
-            <a:solidFill>
-              <a:schemeClr val="dk1"/>
-            </a:solidFill>
-            <a:prstDash val="solid"/>
-            <a:round/>
-            <a:headEnd type="none" w="med" len="med"/>
-            <a:tailEnd type="none" w="med" len="med"/>
-          </a:ln>
-        </p:spPr>
-      </p:cxnSp>
-    </p:spTree>
-  </p:cSld>
-  <p:clrMapOvr>
-    <a:masterClrMapping/>
-  </p:clrMapOvr>
-</p:sld>
-</file>
-
 <file path=ppt/theme/theme1.xml><?xml version="1.0" encoding="utf-8"?>
 <a:theme xmlns:a="http://schemas.openxmlformats.org/drawingml/2006/main" name="New Operating System Design Pitch Deck by Slidesgo">
   <a:themeElements>
@@ -44703,4 +47927,319 @@
     </a:ext>
   </a:extLst>
 </a:theme>
+</file>
+
+<file path=ppt/theme/theme4.xml><?xml version="1.0" encoding="utf-8"?>
+<a:theme xmlns:a="http://schemas.openxmlformats.org/drawingml/2006/main" name="Office-téma">
+  <a:themeElements>
+    <a:clrScheme name="Office">
+      <a:dk1>
+        <a:sysClr val="windowText" lastClr="000000"/>
+      </a:dk1>
+      <a:lt1>
+        <a:sysClr val="window" lastClr="FFFFFF"/>
+      </a:lt1>
+      <a:dk2>
+        <a:srgbClr val="0E2841"/>
+      </a:dk2>
+      <a:lt2>
+        <a:srgbClr val="E8E8E8"/>
+      </a:lt2>
+      <a:accent1>
+        <a:srgbClr val="156082"/>
+      </a:accent1>
+      <a:accent2>
+        <a:srgbClr val="E97132"/>
+      </a:accent2>
+      <a:accent3>
+        <a:srgbClr val="196B24"/>
+      </a:accent3>
+      <a:accent4>
+        <a:srgbClr val="0F9ED5"/>
+      </a:accent4>
+      <a:accent5>
+        <a:srgbClr val="A02B93"/>
+      </a:accent5>
+      <a:accent6>
+        <a:srgbClr val="4EA72E"/>
+      </a:accent6>
+      <a:hlink>
+        <a:srgbClr val="467886"/>
+      </a:hlink>
+      <a:folHlink>
+        <a:srgbClr val="96607D"/>
+      </a:folHlink>
+    </a:clrScheme>
+    <a:fontScheme name="Office">
+      <a:majorFont>
+        <a:latin typeface="Aptos Display" panose="02110004020202020204"/>
+        <a:ea typeface=""/>
+        <a:cs typeface=""/>
+        <a:font script="Jpan" typeface="游ゴシック Light"/>
+        <a:font script="Hang" typeface="맑은 고딕"/>
+        <a:font script="Hans" typeface="等线 Light"/>
+        <a:font script="Hant" typeface="新細明體"/>
+        <a:font script="Arab" typeface="Times New Roman"/>
+        <a:font script="Hebr" typeface="Times New Roman"/>
+        <a:font script="Thai" typeface="Angsana New"/>
+        <a:font script="Ethi" typeface="Nyala"/>
+        <a:font script="Beng" typeface="Vrinda"/>
+        <a:font script="Gujr" typeface="Shruti"/>
+        <a:font script="Khmr" typeface="MoolBoran"/>
+        <a:font script="Knda" typeface="Tunga"/>
+        <a:font script="Guru" typeface="Raavi"/>
+        <a:font script="Cans" typeface="Euphemia"/>
+        <a:font script="Cher" typeface="Plantagenet Cherokee"/>
+        <a:font script="Yiii" typeface="Microsoft Yi Baiti"/>
+        <a:font script="Tibt" typeface="Microsoft Himalaya"/>
+        <a:font script="Thaa" typeface="MV Boli"/>
+        <a:font script="Deva" typeface="Mangal"/>
+        <a:font script="Telu" typeface="Gautami"/>
+        <a:font script="Taml" typeface="Latha"/>
+        <a:font script="Syrc" typeface="Estrangelo Edessa"/>
+        <a:font script="Orya" typeface="Kalinga"/>
+        <a:font script="Mlym" typeface="Kartika"/>
+        <a:font script="Laoo" typeface="DokChampa"/>
+        <a:font script="Sinh" typeface="Iskoola Pota"/>
+        <a:font script="Mong" typeface="Mongolian Baiti"/>
+        <a:font script="Viet" typeface="Times New Roman"/>
+        <a:font script="Uigh" typeface="Microsoft Uighur"/>
+        <a:font script="Geor" typeface="Sylfaen"/>
+        <a:font script="Armn" typeface="Arial"/>
+        <a:font script="Bugi" typeface="Leelawadee UI"/>
+        <a:font script="Bopo" typeface="Microsoft JhengHei"/>
+        <a:font script="Java" typeface="Javanese Text"/>
+        <a:font script="Lisu" typeface="Segoe UI"/>
+        <a:font script="Mymr" typeface="Myanmar Text"/>
+        <a:font script="Nkoo" typeface="Ebrima"/>
+        <a:font script="Olck" typeface="Nirmala UI"/>
+        <a:font script="Osma" typeface="Ebrima"/>
+        <a:font script="Phag" typeface="Phagspa"/>
+        <a:font script="Syrn" typeface="Estrangelo Edessa"/>
+        <a:font script="Syrj" typeface="Estrangelo Edessa"/>
+        <a:font script="Syre" typeface="Estrangelo Edessa"/>
+        <a:font script="Sora" typeface="Nirmala UI"/>
+        <a:font script="Tale" typeface="Microsoft Tai Le"/>
+        <a:font script="Talu" typeface="Microsoft New Tai Lue"/>
+        <a:font script="Tfng" typeface="Ebrima"/>
+      </a:majorFont>
+      <a:minorFont>
+        <a:latin typeface="Aptos" panose="02110004020202020204"/>
+        <a:ea typeface=""/>
+        <a:cs typeface=""/>
+        <a:font script="Jpan" typeface="游ゴシック"/>
+        <a:font script="Hang" typeface="맑은 고딕"/>
+        <a:font script="Hans" typeface="等线"/>
+        <a:font script="Hant" typeface="新細明體"/>
+        <a:font script="Arab" typeface="Arial"/>
+        <a:font script="Hebr" typeface="Arial"/>
+        <a:font script="Thai" typeface="Cordia New"/>
+        <a:font script="Ethi" typeface="Nyala"/>
+        <a:font script="Beng" typeface="Vrinda"/>
+        <a:font script="Gujr" typeface="Shruti"/>
+        <a:font script="Khmr" typeface="DaunPenh"/>
+        <a:font script="Knda" typeface="Tunga"/>
+        <a:font script="Guru" typeface="Raavi"/>
+        <a:font script="Cans" typeface="Euphemia"/>
+        <a:font script="Cher" typeface="Plantagenet Cherokee"/>
+        <a:font script="Yiii" typeface="Microsoft Yi Baiti"/>
+        <a:font script="Tibt" typeface="Microsoft Himalaya"/>
+        <a:font script="Thaa" typeface="MV Boli"/>
+        <a:font script="Deva" typeface="Mangal"/>
+        <a:font script="Telu" typeface="Gautami"/>
+        <a:font script="Taml" typeface="Latha"/>
+        <a:font script="Syrc" typeface="Estrangelo Edessa"/>
+        <a:font script="Orya" typeface="Kalinga"/>
+        <a:font script="Mlym" typeface="Kartika"/>
+        <a:font script="Laoo" typeface="DokChampa"/>
+        <a:font script="Sinh" typeface="Iskoola Pota"/>
+        <a:font script="Mong" typeface="Mongolian Baiti"/>
+        <a:font script="Viet" typeface="Arial"/>
+        <a:font script="Uigh" typeface="Microsoft Uighur"/>
+        <a:font script="Geor" typeface="Sylfaen"/>
+        <a:font script="Armn" typeface="Arial"/>
+        <a:font script="Bugi" typeface="Leelawadee UI"/>
+        <a:font script="Bopo" typeface="Microsoft JhengHei"/>
+        <a:font script="Java" typeface="Javanese Text"/>
+        <a:font script="Lisu" typeface="Segoe UI"/>
+        <a:font script="Mymr" typeface="Myanmar Text"/>
+        <a:font script="Nkoo" typeface="Ebrima"/>
+        <a:font script="Olck" typeface="Nirmala UI"/>
+        <a:font script="Osma" typeface="Ebrima"/>
+        <a:font script="Phag" typeface="Phagspa"/>
+        <a:font script="Syrn" typeface="Estrangelo Edessa"/>
+        <a:font script="Syrj" typeface="Estrangelo Edessa"/>
+        <a:font script="Syre" typeface="Estrangelo Edessa"/>
+        <a:font script="Sora" typeface="Nirmala UI"/>
+        <a:font script="Tale" typeface="Microsoft Tai Le"/>
+        <a:font script="Talu" typeface="Microsoft New Tai Lue"/>
+        <a:font script="Tfng" typeface="Ebrima"/>
+      </a:minorFont>
+    </a:fontScheme>
+    <a:fmtScheme name="Office">
+      <a:fillStyleLst>
+        <a:solidFill>
+          <a:schemeClr val="phClr"/>
+        </a:solidFill>
+        <a:gradFill rotWithShape="1">
+          <a:gsLst>
+            <a:gs pos="0">
+              <a:schemeClr val="phClr">
+                <a:lumMod val="110000"/>
+                <a:satMod val="105000"/>
+                <a:tint val="67000"/>
+              </a:schemeClr>
+            </a:gs>
+            <a:gs pos="50000">
+              <a:schemeClr val="phClr">
+                <a:lumMod val="105000"/>
+                <a:satMod val="103000"/>
+                <a:tint val="73000"/>
+              </a:schemeClr>
+            </a:gs>
+            <a:gs pos="100000">
+              <a:schemeClr val="phClr">
+                <a:lumMod val="105000"/>
+                <a:satMod val="109000"/>
+                <a:tint val="81000"/>
+              </a:schemeClr>
+            </a:gs>
+          </a:gsLst>
+          <a:lin ang="5400000" scaled="0"/>
+        </a:gradFill>
+        <a:gradFill rotWithShape="1">
+          <a:gsLst>
+            <a:gs pos="0">
+              <a:schemeClr val="phClr">
+                <a:satMod val="103000"/>
+                <a:lumMod val="102000"/>
+                <a:tint val="94000"/>
+              </a:schemeClr>
+            </a:gs>
+            <a:gs pos="50000">
+              <a:schemeClr val="phClr">
+                <a:satMod val="110000"/>
+                <a:lumMod val="100000"/>
+                <a:shade val="100000"/>
+              </a:schemeClr>
+            </a:gs>
+            <a:gs pos="100000">
+              <a:schemeClr val="phClr">
+                <a:lumMod val="99000"/>
+                <a:satMod val="120000"/>
+                <a:shade val="78000"/>
+              </a:schemeClr>
+            </a:gs>
+          </a:gsLst>
+          <a:lin ang="5400000" scaled="0"/>
+        </a:gradFill>
+      </a:fillStyleLst>
+      <a:lnStyleLst>
+        <a:ln w="12700" cap="flat" cmpd="sng" algn="ctr">
+          <a:solidFill>
+            <a:schemeClr val="phClr"/>
+          </a:solidFill>
+          <a:prstDash val="solid"/>
+          <a:miter lim="800000"/>
+        </a:ln>
+        <a:ln w="19050" cap="flat" cmpd="sng" algn="ctr">
+          <a:solidFill>
+            <a:schemeClr val="phClr"/>
+          </a:solidFill>
+          <a:prstDash val="solid"/>
+          <a:miter lim="800000"/>
+        </a:ln>
+        <a:ln w="25400" cap="flat" cmpd="sng" algn="ctr">
+          <a:solidFill>
+            <a:schemeClr val="phClr"/>
+          </a:solidFill>
+          <a:prstDash val="solid"/>
+          <a:miter lim="800000"/>
+        </a:ln>
+      </a:lnStyleLst>
+      <a:effectStyleLst>
+        <a:effectStyle>
+          <a:effectLst/>
+        </a:effectStyle>
+        <a:effectStyle>
+          <a:effectLst/>
+        </a:effectStyle>
+        <a:effectStyle>
+          <a:effectLst>
+            <a:outerShdw blurRad="57150" dist="19050" dir="5400000" algn="ctr" rotWithShape="0">
+              <a:srgbClr val="000000">
+                <a:alpha val="63000"/>
+              </a:srgbClr>
+            </a:outerShdw>
+          </a:effectLst>
+        </a:effectStyle>
+      </a:effectStyleLst>
+      <a:bgFillStyleLst>
+        <a:solidFill>
+          <a:schemeClr val="phClr"/>
+        </a:solidFill>
+        <a:solidFill>
+          <a:schemeClr val="phClr">
+            <a:tint val="95000"/>
+            <a:satMod val="170000"/>
+          </a:schemeClr>
+        </a:solidFill>
+        <a:gradFill rotWithShape="1">
+          <a:gsLst>
+            <a:gs pos="0">
+              <a:schemeClr val="phClr">
+                <a:tint val="93000"/>
+                <a:satMod val="150000"/>
+                <a:shade val="98000"/>
+                <a:lumMod val="102000"/>
+              </a:schemeClr>
+            </a:gs>
+            <a:gs pos="50000">
+              <a:schemeClr val="phClr">
+                <a:tint val="98000"/>
+                <a:satMod val="130000"/>
+                <a:shade val="90000"/>
+                <a:lumMod val="103000"/>
+              </a:schemeClr>
+            </a:gs>
+            <a:gs pos="100000">
+              <a:schemeClr val="phClr">
+                <a:shade val="63000"/>
+                <a:satMod val="120000"/>
+              </a:schemeClr>
+            </a:gs>
+          </a:gsLst>
+          <a:lin ang="5400000" scaled="0"/>
+        </a:gradFill>
+      </a:bgFillStyleLst>
+    </a:fmtScheme>
+  </a:themeElements>
+  <a:objectDefaults>
+    <a:lnDef>
+      <a:spPr/>
+      <a:bodyPr/>
+      <a:lstStyle/>
+      <a:style>
+        <a:lnRef idx="2">
+          <a:schemeClr val="accent1"/>
+        </a:lnRef>
+        <a:fillRef idx="0">
+          <a:schemeClr val="accent1"/>
+        </a:fillRef>
+        <a:effectRef idx="1">
+          <a:schemeClr val="accent1"/>
+        </a:effectRef>
+        <a:fontRef idx="minor">
+          <a:schemeClr val="tx1"/>
+        </a:fontRef>
+      </a:style>
+    </a:lnDef>
+  </a:objectDefaults>
+  <a:extraClrSchemeLst/>
+  <a:extLst>
+    <a:ext uri="{05A4C25C-085E-4340-85A3-A5531E510DB2}">
+      <thm15:themeFamily xmlns:thm15="http://schemas.microsoft.com/office/thememl/2012/main" name="Office Theme" id="{2E142A2C-CD16-42D6-873A-C26D2A0506FA}" vid="{1BDDFF52-6CD6-40A5-AB3C-68EB2F1E4D0A}"/>
+    </a:ext>
+  </a:extLst>
+</a:theme>
 </file>
--- a/Hell yeah ppt.pptx
+++ b/Hell yeah ppt.pptx
@@ -32944,7 +32944,7 @@
                 <a:cs typeface="Quantico"/>
                 <a:sym typeface="Quantico"/>
               </a:rPr>
-              <a:t>Színvakmód</a:t>
+              <a:t>Könnyű kezelés</a:t>
             </a:r>
             <a:endParaRPr sz="2400" dirty="0">
               <a:solidFill>
@@ -33085,7 +33085,7 @@
                 <a:cs typeface="Quantico"/>
                 <a:sym typeface="Quantico"/>
               </a:rPr>
-              <a:t>Folyamatos frissítés</a:t>
+              <a:t>Hibák</a:t>
             </a:r>
             <a:endParaRPr sz="2400" dirty="0">
               <a:solidFill>
@@ -33107,8 +33107,8 @@
         </p:nvSpPr>
         <p:spPr>
           <a:xfrm>
-            <a:off x="965200" y="2113631"/>
-            <a:ext cx="2924000" cy="559600"/>
+            <a:off x="965199" y="2113630"/>
+            <a:ext cx="3148581" cy="1082503"/>
           </a:xfrm>
           <a:prstGeom prst="rect">
             <a:avLst/>
@@ -33125,7 +33125,7 @@
           <a:lstStyle/>
           <a:p>
             <a:r>
-              <a:rPr lang="en" sz="1600" dirty="0">
+              <a:rPr lang="hu-HU" sz="1600" dirty="0">
                 <a:solidFill>
                   <a:schemeClr val="dk1"/>
                 </a:solidFill>
@@ -33134,7 +33134,7 @@
                 <a:cs typeface="Source Code Pro"/>
                 <a:sym typeface="Source Code Pro"/>
               </a:rPr>
-              <a:t>Showcase the design of your product</a:t>
+              <a:t>Csapatok és egyéb adatok megjelenítésének átdolgozása</a:t>
             </a:r>
             <a:endParaRPr sz="1600" dirty="0">
               <a:solidFill>
@@ -33156,8 +33156,8 @@
         </p:nvSpPr>
         <p:spPr>
           <a:xfrm>
-            <a:off x="965200" y="3635661"/>
-            <a:ext cx="2924000" cy="559600"/>
+            <a:off x="965200" y="3635660"/>
+            <a:ext cx="3167694" cy="1170527"/>
           </a:xfrm>
           <a:prstGeom prst="rect">
             <a:avLst/>
@@ -33174,7 +33174,7 @@
           <a:lstStyle/>
           <a:p>
             <a:r>
-              <a:rPr lang="en" sz="1600">
+              <a:rPr lang="hu-HU" sz="1600" dirty="0">
                 <a:solidFill>
                   <a:schemeClr val="dk1"/>
                 </a:solidFill>
@@ -33183,9 +33183,9 @@
                 <a:cs typeface="Source Code Pro"/>
                 <a:sym typeface="Source Code Pro"/>
               </a:rPr>
-              <a:t>Share the cost and price with investors</a:t>
-            </a:r>
-            <a:endParaRPr sz="1600">
+              <a:t>Igazgató tudjon törölni csapatot, jelszó megváltoztatása</a:t>
+            </a:r>
+            <a:endParaRPr sz="1600" dirty="0">
               <a:solidFill>
                 <a:schemeClr val="dk1"/>
               </a:solidFill>
@@ -33223,7 +33223,7 @@
           <a:lstStyle/>
           <a:p>
             <a:r>
-              <a:rPr lang="en" sz="1600">
+              <a:rPr lang="hu-HU" sz="1600" dirty="0">
                 <a:solidFill>
                   <a:schemeClr val="dk1"/>
                 </a:solidFill>
@@ -33232,9 +33232,9 @@
                 <a:cs typeface="Source Code Pro"/>
                 <a:sym typeface="Source Code Pro"/>
               </a:rPr>
-              <a:t>When is the product expected to be ready?</a:t>
-            </a:r>
-            <a:endParaRPr sz="1600">
+              <a:t>Tabulátoros navigáció</a:t>
+            </a:r>
+            <a:endParaRPr sz="1600" dirty="0">
               <a:solidFill>
                 <a:schemeClr val="dk1"/>
               </a:solidFill>
@@ -33273,7 +33273,7 @@
           <a:p>
             <a:pPr algn="r"/>
             <a:r>
-              <a:rPr lang="en" sz="1600">
+              <a:rPr lang="hu-HU" sz="1600" dirty="0">
                 <a:solidFill>
                   <a:schemeClr val="dk1"/>
                 </a:solidFill>
@@ -33282,9 +33282,9 @@
                 <a:cs typeface="Source Code Pro"/>
                 <a:sym typeface="Source Code Pro"/>
               </a:rPr>
-              <a:t>What makes you product unique?</a:t>
-            </a:r>
-            <a:endParaRPr sz="1600">
+              <a:t>Statisztika, javított hiányjelzésrendszer</a:t>
+            </a:r>
+            <a:endParaRPr sz="1600" dirty="0">
               <a:solidFill>
                 <a:schemeClr val="dk1"/>
               </a:solidFill>
@@ -33323,7 +33323,7 @@
           <a:p>
             <a:pPr algn="r"/>
             <a:r>
-              <a:rPr lang="en" sz="1600">
+              <a:rPr lang="hu-HU" sz="1600" dirty="0">
                 <a:solidFill>
                   <a:schemeClr val="dk1"/>
                 </a:solidFill>
@@ -33332,9 +33332,9 @@
                 <a:cs typeface="Source Code Pro"/>
                 <a:sym typeface="Source Code Pro"/>
               </a:rPr>
-              <a:t>Speak about the target audience</a:t>
-            </a:r>
-            <a:endParaRPr sz="1600">
+              <a:t>Javított főoldal</a:t>
+            </a:r>
+            <a:endParaRPr sz="1600" dirty="0">
               <a:solidFill>
                 <a:schemeClr val="dk1"/>
               </a:solidFill>
@@ -33354,8 +33354,8 @@
         </p:nvSpPr>
         <p:spPr>
           <a:xfrm>
-            <a:off x="8302503" y="5157696"/>
-            <a:ext cx="2924000" cy="559600"/>
+            <a:off x="8029947" y="5157696"/>
+            <a:ext cx="3196556" cy="862104"/>
           </a:xfrm>
           <a:prstGeom prst="rect">
             <a:avLst/>
@@ -33373,7 +33373,7 @@
           <a:p>
             <a:pPr algn="r"/>
             <a:r>
-              <a:rPr lang="en" sz="1600">
+              <a:rPr lang="hu-HU" sz="1600" dirty="0">
                 <a:solidFill>
                   <a:schemeClr val="dk1"/>
                 </a:solidFill>
@@ -33382,9 +33382,33 @@
                 <a:cs typeface="Source Code Pro"/>
                 <a:sym typeface="Source Code Pro"/>
               </a:rPr>
-              <a:t>Do you plan on updating it?</a:t>
-            </a:r>
-            <a:endParaRPr sz="1600">
+              <a:t>CASCADE-</a:t>
+            </a:r>
+            <a:r>
+              <a:rPr lang="hu-HU" sz="1600" dirty="0" err="1">
+                <a:solidFill>
+                  <a:schemeClr val="dk1"/>
+                </a:solidFill>
+                <a:latin typeface="Source Code Pro"/>
+                <a:ea typeface="Source Code Pro"/>
+                <a:cs typeface="Source Code Pro"/>
+                <a:sym typeface="Source Code Pro"/>
+              </a:rPr>
+              <a:t>elt</a:t>
+            </a:r>
+            <a:r>
+              <a:rPr lang="hu-HU" sz="1600" dirty="0">
+                <a:solidFill>
+                  <a:schemeClr val="dk1"/>
+                </a:solidFill>
+                <a:latin typeface="Source Code Pro"/>
+                <a:ea typeface="Source Code Pro"/>
+                <a:cs typeface="Source Code Pro"/>
+                <a:sym typeface="Source Code Pro"/>
+              </a:rPr>
+              <a:t> adatbázis kapcsolatok kijavítása</a:t>
+            </a:r>
+            <a:endParaRPr sz="1600" dirty="0">
               <a:solidFill>
                 <a:schemeClr val="dk1"/>
               </a:solidFill>
@@ -33699,6 +33723,58 @@
           </a:p>
         </p:txBody>
       </p:sp>
+      <p:sp>
+        <p:nvSpPr>
+          <p:cNvPr id="3" name="Téglalap 2">
+            <a:extLst>
+              <a:ext uri="{FF2B5EF4-FFF2-40B4-BE49-F238E27FC236}">
+                <a16:creationId xmlns:a16="http://schemas.microsoft.com/office/drawing/2014/main" id="{AB3B52FA-98F4-D1C7-7ECD-E03920FEB4EF}"/>
+              </a:ext>
+            </a:extLst>
+          </p:cNvPr>
+          <p:cNvSpPr/>
+          <p:nvPr/>
+        </p:nvSpPr>
+        <p:spPr>
+          <a:xfrm>
+            <a:off x="5201520" y="2393431"/>
+            <a:ext cx="1787155" cy="2100943"/>
+          </a:xfrm>
+          <a:prstGeom prst="rect">
+            <a:avLst/>
+          </a:prstGeom>
+          <a:solidFill>
+            <a:srgbClr val="2D323C"/>
+          </a:solidFill>
+          <a:ln>
+            <a:noFill/>
+          </a:ln>
+        </p:spPr>
+        <p:style>
+          <a:lnRef idx="2">
+            <a:schemeClr val="accent1">
+              <a:shade val="15000"/>
+            </a:schemeClr>
+          </a:lnRef>
+          <a:fillRef idx="1">
+            <a:schemeClr val="accent1"/>
+          </a:fillRef>
+          <a:effectRef idx="0">
+            <a:schemeClr val="accent1"/>
+          </a:effectRef>
+          <a:fontRef idx="minor">
+            <a:schemeClr val="lt1"/>
+          </a:fontRef>
+        </p:style>
+        <p:txBody>
+          <a:bodyPr rtlCol="0" anchor="ctr"/>
+          <a:lstStyle/>
+          <a:p>
+            <a:pPr algn="ctr"/>
+            <a:endParaRPr lang="hu-HU"/>
+          </a:p>
+        </p:txBody>
+      </p:sp>
     </p:spTree>
   </p:cSld>
   <p:clrMapOvr>
@@ -33708,7 +33784,7 @@
 </file>
 
 <file path=ppt/slides/slide22.xml><?xml version="1.0" encoding="utf-8"?>
-<p:sld xmlns:a="http://schemas.openxmlformats.org/drawingml/2006/main" xmlns:r="http://schemas.openxmlformats.org/officeDocument/2006/relationships" xmlns:p="http://schemas.openxmlformats.org/presentationml/2006/main" show="0">
+<p:sld xmlns:a="http://schemas.openxmlformats.org/drawingml/2006/main" xmlns:r="http://schemas.openxmlformats.org/officeDocument/2006/relationships" xmlns:p="http://schemas.openxmlformats.org/presentationml/2006/main">
   <p:cSld>
     <p:spTree>
       <p:nvGrpSpPr>
@@ -33744,14 +33820,14 @@
           </a:ln>
         </p:spPr>
         <p:txBody>
-          <a:bodyPr spcFirstLastPara="1" wrap="square" lIns="121900" tIns="121900" rIns="121900" bIns="121900" anchor="t" anchorCtr="0">
+          <a:bodyPr spcFirstLastPara="1" wrap="square" lIns="121900" tIns="121900" rIns="121900" bIns="121900" anchor="b" anchorCtr="0">
             <a:noAutofit/>
           </a:bodyPr>
           <a:lstStyle/>
           <a:p>
             <a:pPr algn="ctr"/>
             <a:r>
-              <a:rPr lang="en" sz="1600" dirty="0">
+              <a:rPr lang="hu-HU" sz="1600" dirty="0">
                 <a:solidFill>
                   <a:schemeClr val="dk1"/>
                 </a:solidFill>
@@ -33760,7 +33836,7 @@
                 <a:cs typeface="Source Code Pro"/>
                 <a:sym typeface="Source Code Pro"/>
               </a:rPr>
-              <a:t>Provide a brief overview of the pitch deck's content</a:t>
+              <a:t>Struktúra megtervezése</a:t>
             </a:r>
             <a:endParaRPr sz="1600" dirty="0">
               <a:solidFill>
@@ -33794,14 +33870,14 @@
           </a:ln>
         </p:spPr>
         <p:txBody>
-          <a:bodyPr spcFirstLastPara="1" wrap="square" lIns="121900" tIns="121900" rIns="121900" bIns="121900" anchor="t" anchorCtr="0">
+          <a:bodyPr spcFirstLastPara="1" wrap="square" lIns="121900" tIns="121900" rIns="121900" bIns="121900" anchor="b" anchorCtr="0">
             <a:noAutofit/>
           </a:bodyPr>
           <a:lstStyle/>
           <a:p>
             <a:pPr algn="ctr"/>
             <a:r>
-              <a:rPr lang="en" sz="1600">
+              <a:rPr lang="hu-HU" sz="1600" dirty="0">
                 <a:solidFill>
                   <a:schemeClr val="dk1"/>
                 </a:solidFill>
@@ -33810,9 +33886,9 @@
                 <a:cs typeface="Source Code Pro"/>
                 <a:sym typeface="Source Code Pro"/>
               </a:rPr>
-              <a:t>Engage the audience with a compelling introduction</a:t>
-            </a:r>
-            <a:endParaRPr sz="1600">
+              <a:t>Munkaelosztás</a:t>
+            </a:r>
+            <a:endParaRPr sz="1600" dirty="0">
               <a:solidFill>
                 <a:schemeClr val="dk1"/>
               </a:solidFill>
@@ -33844,14 +33920,14 @@
           </a:ln>
         </p:spPr>
         <p:txBody>
-          <a:bodyPr spcFirstLastPara="1" wrap="square" lIns="121900" tIns="121900" rIns="121900" bIns="121900" anchor="t" anchorCtr="0">
+          <a:bodyPr spcFirstLastPara="1" wrap="square" lIns="121900" tIns="121900" rIns="121900" bIns="121900" anchor="b" anchorCtr="0">
             <a:noAutofit/>
           </a:bodyPr>
           <a:lstStyle/>
           <a:p>
             <a:pPr algn="ctr"/>
             <a:r>
-              <a:rPr lang="en" sz="1600">
+              <a:rPr lang="hu-HU" sz="1600">
                 <a:solidFill>
                   <a:schemeClr val="dk1"/>
                 </a:solidFill>
@@ -33860,33 +33936,9 @@
                 <a:cs typeface="Source Code Pro"/>
                 <a:sym typeface="Source Code Pro"/>
               </a:rPr>
-              <a:t>Identify the customer's pain points</a:t>
-            </a:r>
-            <a:endParaRPr sz="1600">
-              <a:solidFill>
-                <a:schemeClr val="dk1"/>
-              </a:solidFill>
-              <a:latin typeface="Source Code Pro"/>
-              <a:ea typeface="Source Code Pro"/>
-              <a:cs typeface="Source Code Pro"/>
-              <a:sym typeface="Source Code Pro"/>
-            </a:endParaRPr>
-          </a:p>
-          <a:p>
-            <a:pPr algn="ctr"/>
-            <a:r>
-              <a:rPr lang="en" sz="1600">
-                <a:solidFill>
-                  <a:schemeClr val="dk1"/>
-                </a:solidFill>
-                <a:latin typeface="Source Code Pro"/>
-                <a:ea typeface="Source Code Pro"/>
-                <a:cs typeface="Source Code Pro"/>
-                <a:sym typeface="Source Code Pro"/>
-              </a:rPr>
-              <a:t>and challenges</a:t>
-            </a:r>
-            <a:endParaRPr sz="1600">
+              <a:t>Adatbázis, controller-ek és template-ek felépítése</a:t>
+            </a:r>
+            <a:endParaRPr lang="hu-HU" sz="1600" dirty="0">
               <a:solidFill>
                 <a:schemeClr val="dk1"/>
               </a:solidFill>
@@ -33918,14 +33970,14 @@
           </a:ln>
         </p:spPr>
         <p:txBody>
-          <a:bodyPr spcFirstLastPara="1" wrap="square" lIns="121900" tIns="121900" rIns="121900" bIns="121900" anchor="t" anchorCtr="0">
+          <a:bodyPr spcFirstLastPara="1" wrap="square" lIns="121900" tIns="121900" rIns="121900" bIns="121900" anchor="b" anchorCtr="0">
             <a:noAutofit/>
           </a:bodyPr>
           <a:lstStyle/>
           <a:p>
             <a:pPr algn="ctr"/>
             <a:r>
-              <a:rPr lang="en" sz="1600">
+              <a:rPr lang="hu-HU" sz="1600" dirty="0">
                 <a:solidFill>
                   <a:schemeClr val="dk1"/>
                 </a:solidFill>
@@ -33934,9 +33986,9 @@
                 <a:cs typeface="Source Code Pro"/>
                 <a:sym typeface="Source Code Pro"/>
               </a:rPr>
-              <a:t>Describe how your product or service can solve the problem</a:t>
-            </a:r>
-            <a:endParaRPr sz="1600">
+              <a:t>Funkciók megtervezése</a:t>
+            </a:r>
+            <a:endParaRPr sz="1600" dirty="0">
               <a:solidFill>
                 <a:schemeClr val="dk1"/>
               </a:solidFill>
@@ -33970,7 +34022,7 @@
           <a:lstStyle/>
           <a:p>
             <a:r>
-              <a:rPr lang="en">
+              <a:rPr lang="en" dirty="0">
                 <a:solidFill>
                   <a:schemeClr val="lt2"/>
                 </a:solidFill>
@@ -33978,10 +34030,10 @@
               <a:t>&lt;/ </a:t>
             </a:r>
             <a:r>
-              <a:rPr lang="en"/>
-              <a:t>Timeline of your presentation</a:t>
-            </a:r>
-            <a:endParaRPr/>
+              <a:rPr lang="hu-HU" dirty="0"/>
+              <a:t>Fejlesztési út</a:t>
+            </a:r>
+            <a:endParaRPr dirty="0"/>
           </a:p>
         </p:txBody>
       </p:sp>
@@ -34463,7 +34515,7 @@
           <a:p>
             <a:pPr algn="ctr"/>
             <a:r>
-              <a:rPr lang="en" sz="1600">
+              <a:rPr lang="hu-HU" sz="1600" dirty="0">
                 <a:solidFill>
                   <a:schemeClr val="dk1"/>
                 </a:solidFill>
@@ -34472,9 +34524,9 @@
                 <a:cs typeface="Source Code Pro"/>
                 <a:sym typeface="Source Code Pro"/>
               </a:rPr>
-              <a:t>Highlight the unique value proposition and benefits of your  specific solution</a:t>
-            </a:r>
-            <a:endParaRPr sz="1600">
+              <a:t>Oldalakhoz tartozó frontend megírása</a:t>
+            </a:r>
+            <a:endParaRPr sz="1600" dirty="0">
               <a:solidFill>
                 <a:schemeClr val="dk1"/>
               </a:solidFill>
@@ -34513,7 +34565,7 @@
           <a:p>
             <a:pPr algn="ctr"/>
             <a:r>
-              <a:rPr lang="en" sz="1600">
+              <a:rPr lang="hu-HU" sz="1600">
                 <a:solidFill>
                   <a:schemeClr val="dk1"/>
                 </a:solidFill>
@@ -34522,9 +34574,9 @@
                 <a:cs typeface="Source Code Pro"/>
                 <a:sym typeface="Source Code Pro"/>
               </a:rPr>
-              <a:t>Analyze the target market size, growth potential, and competition briefly</a:t>
-            </a:r>
-            <a:endParaRPr sz="1600">
+              <a:t>Tesztelés</a:t>
+            </a:r>
+            <a:endParaRPr lang="hu-HU" sz="1600" dirty="0">
               <a:solidFill>
                 <a:schemeClr val="dk1"/>
               </a:solidFill>
@@ -34563,7 +34615,7 @@
           <a:p>
             <a:pPr algn="ctr"/>
             <a:r>
-              <a:rPr lang="en" sz="1600" dirty="0">
+              <a:rPr lang="hu-HU" sz="1600" dirty="0">
                 <a:solidFill>
                   <a:schemeClr val="dk1"/>
                 </a:solidFill>
@@ -34572,31 +34624,7 @@
                 <a:cs typeface="Source Code Pro"/>
                 <a:sym typeface="Source Code Pro"/>
               </a:rPr>
-              <a:t>Explain your financial needs and briefly outline your</a:t>
-            </a:r>
-            <a:endParaRPr sz="1600" dirty="0">
-              <a:solidFill>
-                <a:schemeClr val="dk1"/>
-              </a:solidFill>
-              <a:latin typeface="Source Code Pro"/>
-              <a:ea typeface="Source Code Pro"/>
-              <a:cs typeface="Source Code Pro"/>
-              <a:sym typeface="Source Code Pro"/>
-            </a:endParaRPr>
-          </a:p>
-          <a:p>
-            <a:pPr algn="ctr"/>
-            <a:r>
-              <a:rPr lang="en" sz="1600" dirty="0">
-                <a:solidFill>
-                  <a:schemeClr val="dk1"/>
-                </a:solidFill>
-                <a:latin typeface="Source Code Pro"/>
-                <a:ea typeface="Source Code Pro"/>
-                <a:cs typeface="Source Code Pro"/>
-                <a:sym typeface="Source Code Pro"/>
-              </a:rPr>
-              <a:t>funding allocation</a:t>
+              <a:t>Hibajavítás</a:t>
             </a:r>
             <a:endParaRPr sz="1600" dirty="0">
               <a:solidFill>
@@ -34637,7 +34665,7 @@
           <a:p>
             <a:pPr algn="ctr"/>
             <a:r>
-              <a:rPr lang="en" sz="1600">
+              <a:rPr lang="hu-HU" sz="1600" dirty="0">
                 <a:solidFill>
                   <a:schemeClr val="dk1"/>
                 </a:solidFill>
@@ -34646,9 +34674,33 @@
                 <a:cs typeface="Source Code Pro"/>
                 <a:sym typeface="Source Code Pro"/>
               </a:rPr>
-              <a:t>End with a clear and concise call to action</a:t>
-            </a:r>
-            <a:endParaRPr sz="1600">
+              <a:t>Dokumentáció és </a:t>
+            </a:r>
+            <a:r>
+              <a:rPr lang="hu-HU" sz="1600" dirty="0" err="1">
+                <a:solidFill>
+                  <a:schemeClr val="dk1"/>
+                </a:solidFill>
+                <a:latin typeface="Source Code Pro"/>
+                <a:ea typeface="Source Code Pro"/>
+                <a:cs typeface="Source Code Pro"/>
+                <a:sym typeface="Source Code Pro"/>
+              </a:rPr>
+              <a:t>demo</a:t>
+            </a:r>
+            <a:r>
+              <a:rPr lang="hu-HU" sz="1600" dirty="0">
+                <a:solidFill>
+                  <a:schemeClr val="dk1"/>
+                </a:solidFill>
+                <a:latin typeface="Source Code Pro"/>
+                <a:ea typeface="Source Code Pro"/>
+                <a:cs typeface="Source Code Pro"/>
+                <a:sym typeface="Source Code Pro"/>
+              </a:rPr>
+              <a:t> adatok létrehozása</a:t>
+            </a:r>
+            <a:endParaRPr sz="1600" dirty="0">
               <a:solidFill>
                 <a:schemeClr val="dk1"/>
               </a:solidFill>
@@ -34780,6 +34832,7 @@
         <p:nvCxnSpPr>
           <p:cNvPr id="469" name="Google Shape;469;p41"/>
           <p:cNvCxnSpPr>
+            <a:cxnSpLocks/>
             <a:stCxn id="458" idx="2"/>
             <a:endCxn id="462" idx="0"/>
           </p:cNvCxnSpPr>

--- a/Hell yeah ppt.pptx
+++ b/Hell yeah ppt.pptx
@@ -429,7 +429,7 @@
           <a:p>
             <a:fld id="{AAEC4482-6CC8-4041-8D23-D01C5F81C5FE}" type="datetimeFigureOut">
               <a:rPr lang="hu-HU" smtClean="0"/>
-              <a:t>2024. 11. 28.</a:t>
+              <a:t>2024. 11. 29.</a:t>
             </a:fld>
             <a:endParaRPr lang="hu-HU"/>
           </a:p>
@@ -606,7 +606,7 @@
           <a:p>
             <a:fld id="{AEC7956B-A1E9-4E44-91C5-703ED5768F15}" type="datetimeFigureOut">
               <a:rPr lang="hu-HU" smtClean="0"/>
-              <a:t>2024. 11. 28.</a:t>
+              <a:t>2024. 11. 29.</a:t>
             </a:fld>
             <a:endParaRPr lang="hu-HU"/>
           </a:p>
@@ -1021,15 +1021,7 @@
           <a:p>
             <a:r>
               <a:rPr lang="hu-HU" dirty="0"/>
-              <a:t>A munkafolyamat úgy nézett ki, hogy mikor a srácok elkészültek egy adott funkcióval én elkezdtem annak a frontendjén dolgozni, így vetésforgóban, szinte sosem volt időm pihenni (kivéve amikor nem ment valami, és az Urak kellett, hogy segítsenek). A hullámokat </a:t>
-            </a:r>
-            <a:r>
-              <a:rPr lang="hu-HU" dirty="0" err="1"/>
-              <a:t>svg</a:t>
-            </a:r>
-            <a:r>
-              <a:rPr lang="hu-HU" dirty="0"/>
-              <a:t>-vel készítettem el, melyekbe belehelyeztem az adott tartalmat. A </a:t>
+              <a:t>A munkafolyamat úgy nézett ki, hogy mikor a srácok elkészültek egy adott funkcióval én elkezdtem annak a frontendjén dolgozni, szinte sosem volt időm pihenni (kivéve amikor nem ment valami, és az Urak kellett, hogy segítsenek). A </a:t>
             </a:r>
             <a:r>
               <a:rPr lang="hu-HU" dirty="0" err="1"/>
@@ -1306,7 +1298,7 @@
           <a:p>
             <a:r>
               <a:rPr lang="hu-HU" dirty="0"/>
-              <a:t>Talán a szervező kezelőfelülete a leglátványosabb: itt lehet új versenyt létrehozni, különböző kategóriákkal és nyelvekkel, továbbá, ha lejjebb görgetünk, láthatók a statisztikák, amiket Gál Attila segítségével készítettem el. Itt kördiagrammok láthatók amik segítségével meg lehet állapítani, hogy a milyen arányban vannak használt nyelvek és a kategóriák a nevezett csapatokban.</a:t>
+              <a:t>Talán a szervező kezelőfelülete a leglátványosabb: itt lehet új versenyt létrehozni, különböző kategóriákkal és nyelvekkel, továbbá, ha lejjebb görgetünk, láthatók a statisztikák, amiket Gál Attila segítségével készítettem el. Itt kördiagrammok láthatóak, amik segítségével meg lehet állapítani, hogy milyen arányban vannak használt nyelvek és a kategóriák a nevezett csapatokban.</a:t>
             </a:r>
           </a:p>
         </p:txBody>
@@ -2822,7 +2814,15 @@
             </a:r>
             <a:r>
               <a:rPr lang="hu-HU" dirty="0"/>
-              <a:t> a fejlesztés során. A barátságos megjelenéhez azt találtam ki, hogy: HULLÁMOK. Mikor a terv megvolt, jöhetett a fekete leves. </a:t>
+              <a:t> a fejlesztés során. A barátságos megjelenéshez azt találtam ki, hogy legyenek HULLÁMOK. A hullámokat </a:t>
+            </a:r>
+            <a:r>
+              <a:rPr lang="hu-HU" dirty="0" err="1"/>
+              <a:t>svg</a:t>
+            </a:r>
+            <a:r>
+              <a:rPr lang="hu-HU" dirty="0"/>
+              <a:t>-vel készítettem el, melyekbe belehelyeztem az adott tartalmat. </a:t>
             </a:r>
           </a:p>
         </p:txBody>
@@ -14933,7 +14933,7 @@
           <a:p>
             <a:fld id="{B9601981-2AC6-4D49-9A74-04A505B00AD0}" type="datetimeFigureOut">
               <a:rPr lang="hu-HU" smtClean="0"/>
-              <a:t>2024. 11. 28.</a:t>
+              <a:t>2024. 11. 29.</a:t>
             </a:fld>
             <a:endParaRPr lang="hu-HU"/>
           </a:p>
@@ -23926,7 +23926,7 @@
             </a:pPr>
             <a:r>
               <a:rPr lang="hu-HU" dirty="0"/>
-              <a:t>Letisztul megjelenést</a:t>
+              <a:t>Letisztult megjelenés</a:t>
             </a:r>
           </a:p>
         </p:txBody>
@@ -24261,6 +24261,60 @@
               <a:t>Koncepció</a:t>
             </a:r>
             <a:endParaRPr lang="en-US" dirty="0"/>
+          </a:p>
+        </p:txBody>
+      </p:sp>
+      <p:sp>
+        <p:nvSpPr>
+          <p:cNvPr id="3" name="Téglalap 2">
+            <a:extLst>
+              <a:ext uri="{FF2B5EF4-FFF2-40B4-BE49-F238E27FC236}">
+                <a16:creationId xmlns:a16="http://schemas.microsoft.com/office/drawing/2014/main" id="{B9E5279D-F881-0B54-C2BF-9F756D1C2C98}"/>
+              </a:ext>
+            </a:extLst>
+          </p:cNvPr>
+          <p:cNvSpPr/>
+          <p:nvPr/>
+        </p:nvSpPr>
+        <p:spPr>
+          <a:xfrm>
+            <a:off x="533400" y="230981"/>
+            <a:ext cx="640653" cy="330994"/>
+          </a:xfrm>
+          <a:prstGeom prst="rect">
+            <a:avLst/>
+          </a:prstGeom>
+          <a:solidFill>
+            <a:srgbClr val="00B050"/>
+          </a:solidFill>
+          <a:ln w="12700">
+            <a:solidFill>
+              <a:srgbClr val="E2E4F6"/>
+            </a:solidFill>
+          </a:ln>
+        </p:spPr>
+        <p:style>
+          <a:lnRef idx="2">
+            <a:schemeClr val="accent1">
+              <a:shade val="15000"/>
+            </a:schemeClr>
+          </a:lnRef>
+          <a:fillRef idx="1">
+            <a:schemeClr val="accent1"/>
+          </a:fillRef>
+          <a:effectRef idx="0">
+            <a:schemeClr val="accent1"/>
+          </a:effectRef>
+          <a:fontRef idx="minor">
+            <a:schemeClr val="lt1"/>
+          </a:fontRef>
+        </p:style>
+        <p:txBody>
+          <a:bodyPr rtlCol="0" anchor="ctr"/>
+          <a:lstStyle/>
+          <a:p>
+            <a:pPr algn="ctr"/>
+            <a:endParaRPr lang="hu-HU"/>
           </a:p>
         </p:txBody>
       </p:sp>
@@ -24584,7 +24638,7 @@
           <a:p>
             <a:r>
               <a:rPr lang="hu-HU" dirty="0"/>
-              <a:t>Hullámok</a:t>
+              <a:t>SVG Hullámok</a:t>
             </a:r>
           </a:p>
         </p:txBody>
@@ -24922,6 +24976,60 @@
           </a:p>
         </p:txBody>
       </p:sp>
+      <p:sp>
+        <p:nvSpPr>
+          <p:cNvPr id="5" name="Téglalap 4">
+            <a:extLst>
+              <a:ext uri="{FF2B5EF4-FFF2-40B4-BE49-F238E27FC236}">
+                <a16:creationId xmlns:a16="http://schemas.microsoft.com/office/drawing/2014/main" id="{4C0FDF2C-E943-EBBD-999A-292C3730C698}"/>
+              </a:ext>
+            </a:extLst>
+          </p:cNvPr>
+          <p:cNvSpPr/>
+          <p:nvPr/>
+        </p:nvSpPr>
+        <p:spPr>
+          <a:xfrm>
+            <a:off x="533401" y="230981"/>
+            <a:ext cx="1574800" cy="330994"/>
+          </a:xfrm>
+          <a:prstGeom prst="rect">
+            <a:avLst/>
+          </a:prstGeom>
+          <a:solidFill>
+            <a:srgbClr val="00B050"/>
+          </a:solidFill>
+          <a:ln w="12700">
+            <a:solidFill>
+              <a:srgbClr val="E2E4F6"/>
+            </a:solidFill>
+          </a:ln>
+        </p:spPr>
+        <p:style>
+          <a:lnRef idx="2">
+            <a:schemeClr val="accent1">
+              <a:shade val="15000"/>
+            </a:schemeClr>
+          </a:lnRef>
+          <a:fillRef idx="1">
+            <a:schemeClr val="accent1"/>
+          </a:fillRef>
+          <a:effectRef idx="0">
+            <a:schemeClr val="accent1"/>
+          </a:effectRef>
+          <a:fontRef idx="minor">
+            <a:schemeClr val="lt1"/>
+          </a:fontRef>
+        </p:style>
+        <p:txBody>
+          <a:bodyPr rtlCol="0" anchor="ctr"/>
+          <a:lstStyle/>
+          <a:p>
+            <a:pPr algn="ctr"/>
+            <a:endParaRPr lang="hu-HU"/>
+          </a:p>
+        </p:txBody>
+      </p:sp>
     </p:spTree>
     <p:extLst>
       <p:ext uri="{BB962C8B-B14F-4D97-AF65-F5344CB8AC3E}">
@@ -24932,6 +25040,18 @@
   <p:clrMapOvr>
     <a:masterClrMapping/>
   </p:clrMapOvr>
+  <mc:AlternateContent xmlns:mc="http://schemas.openxmlformats.org/markup-compatibility/2006" xmlns:p159="http://schemas.microsoft.com/office/powerpoint/2015/09/main">
+    <mc:Choice Requires="p159">
+      <p:transition xmlns:p14="http://schemas.microsoft.com/office/powerpoint/2010/main" spd="slow" p14:dur="2000">
+        <p159:morph option="byObject"/>
+      </p:transition>
+    </mc:Choice>
+    <mc:Fallback xmlns="">
+      <p:transition spd="slow">
+        <p:fade/>
+      </p:transition>
+    </mc:Fallback>
+  </mc:AlternateContent>
   <p:timing>
     <p:tnLst>
       <p:par>
@@ -25112,16 +25232,6 @@
               <a:buChar char="•"/>
             </a:pPr>
             <a:r>
-              <a:rPr lang="hu-HU" dirty="0"/>
-              <a:t>SVG hullámok</a:t>
-            </a:r>
-          </a:p>
-          <a:p>
-            <a:pPr>
-              <a:buFont typeface="Arial" panose="020B0604020202020204" pitchFamily="34" charset="0"/>
-              <a:buChar char="•"/>
-            </a:pPr>
-            <a:r>
               <a:rPr lang="hu-HU" dirty="0" err="1"/>
               <a:t>Navbar</a:t>
             </a:r>
@@ -25188,7 +25298,7 @@
         </p:blipFill>
         <p:spPr>
           <a:xfrm>
-            <a:off x="3024554" y="2199293"/>
+            <a:off x="3024554" y="2221202"/>
             <a:ext cx="9167446" cy="4658707"/>
           </a:xfrm>
           <a:prstGeom prst="rect">
@@ -25499,6 +25609,60 @@
           </a:p>
         </p:txBody>
       </p:sp>
+      <p:sp>
+        <p:nvSpPr>
+          <p:cNvPr id="2" name="Téglalap 1">
+            <a:extLst>
+              <a:ext uri="{FF2B5EF4-FFF2-40B4-BE49-F238E27FC236}">
+                <a16:creationId xmlns:a16="http://schemas.microsoft.com/office/drawing/2014/main" id="{631B1068-FEFC-68C5-679F-811AA0314358}"/>
+              </a:ext>
+            </a:extLst>
+          </p:cNvPr>
+          <p:cNvSpPr/>
+          <p:nvPr/>
+        </p:nvSpPr>
+        <p:spPr>
+          <a:xfrm>
+            <a:off x="533401" y="230981"/>
+            <a:ext cx="3314700" cy="330994"/>
+          </a:xfrm>
+          <a:prstGeom prst="rect">
+            <a:avLst/>
+          </a:prstGeom>
+          <a:solidFill>
+            <a:srgbClr val="00B050"/>
+          </a:solidFill>
+          <a:ln w="12700">
+            <a:solidFill>
+              <a:srgbClr val="E2E4F6"/>
+            </a:solidFill>
+          </a:ln>
+        </p:spPr>
+        <p:style>
+          <a:lnRef idx="2">
+            <a:schemeClr val="accent1">
+              <a:shade val="15000"/>
+            </a:schemeClr>
+          </a:lnRef>
+          <a:fillRef idx="1">
+            <a:schemeClr val="accent1"/>
+          </a:fillRef>
+          <a:effectRef idx="0">
+            <a:schemeClr val="accent1"/>
+          </a:effectRef>
+          <a:fontRef idx="minor">
+            <a:schemeClr val="lt1"/>
+          </a:fontRef>
+        </p:style>
+        <p:txBody>
+          <a:bodyPr rtlCol="0" anchor="ctr"/>
+          <a:lstStyle/>
+          <a:p>
+            <a:pPr algn="ctr"/>
+            <a:endParaRPr lang="hu-HU"/>
+          </a:p>
+        </p:txBody>
+      </p:sp>
     </p:spTree>
     <p:extLst>
       <p:ext uri="{BB962C8B-B14F-4D97-AF65-F5344CB8AC3E}">
@@ -25509,6 +25673,18 @@
   <p:clrMapOvr>
     <a:masterClrMapping/>
   </p:clrMapOvr>
+  <mc:AlternateContent xmlns:mc="http://schemas.openxmlformats.org/markup-compatibility/2006" xmlns:p159="http://schemas.microsoft.com/office/powerpoint/2015/09/main">
+    <mc:Choice Requires="p159">
+      <p:transition xmlns:p14="http://schemas.microsoft.com/office/powerpoint/2010/main" spd="slow" p14:dur="2000">
+        <p159:morph option="byObject"/>
+      </p:transition>
+    </mc:Choice>
+    <mc:Fallback xmlns="">
+      <p:transition spd="slow">
+        <p:fade/>
+      </p:transition>
+    </mc:Fallback>
+  </mc:AlternateContent>
   <p:timing>
     <p:tnLst>
       <p:par>
@@ -25530,7 +25706,7 @@
                             </p:stCondLst>
                             <p:childTnLst>
                               <p:par>
-                                <p:cTn id="5" presetID="1" presetClass="entr" presetSubtype="0" fill="hold" nodeType="clickEffect">
+                                <p:cTn id="5" presetID="6" presetClass="entr" presetSubtype="32" fill="hold" nodeType="clickEffect">
                                   <p:stCondLst>
                                     <p:cond delay="0"/>
                                   </p:stCondLst>
@@ -25553,6 +25729,14 @@
                                         <p:strVal val="visible"/>
                                       </p:to>
                                     </p:set>
+                                    <p:animEffect transition="in" filter="circle(out)">
+                                      <p:cBhvr>
+                                        <p:cTn id="7" dur="2000"/>
+                                        <p:tgtEl>
+                                          <p:spTgt spid="5"/>
+                                        </p:tgtEl>
+                                      </p:cBhvr>
+                                    </p:animEffect>
                                   </p:childTnLst>
                                 </p:cTn>
                               </p:par>
@@ -26674,6 +26858,60 @@
           </p:spPr>
         </p:pic>
       </p:grpSp>
+      <p:sp>
+        <p:nvSpPr>
+          <p:cNvPr id="2" name="Téglalap 1">
+            <a:extLst>
+              <a:ext uri="{FF2B5EF4-FFF2-40B4-BE49-F238E27FC236}">
+                <a16:creationId xmlns:a16="http://schemas.microsoft.com/office/drawing/2014/main" id="{7D3406F9-B9D5-A1A1-F4CE-318068A38AE8}"/>
+              </a:ext>
+            </a:extLst>
+          </p:cNvPr>
+          <p:cNvSpPr/>
+          <p:nvPr/>
+        </p:nvSpPr>
+        <p:spPr>
+          <a:xfrm>
+            <a:off x="533400" y="230981"/>
+            <a:ext cx="4775200" cy="330994"/>
+          </a:xfrm>
+          <a:prstGeom prst="rect">
+            <a:avLst/>
+          </a:prstGeom>
+          <a:solidFill>
+            <a:srgbClr val="00B050"/>
+          </a:solidFill>
+          <a:ln w="12700">
+            <a:solidFill>
+              <a:srgbClr val="E2E4F6"/>
+            </a:solidFill>
+          </a:ln>
+        </p:spPr>
+        <p:style>
+          <a:lnRef idx="2">
+            <a:schemeClr val="accent1">
+              <a:shade val="15000"/>
+            </a:schemeClr>
+          </a:lnRef>
+          <a:fillRef idx="1">
+            <a:schemeClr val="accent1"/>
+          </a:fillRef>
+          <a:effectRef idx="0">
+            <a:schemeClr val="accent1"/>
+          </a:effectRef>
+          <a:fontRef idx="minor">
+            <a:schemeClr val="lt1"/>
+          </a:fontRef>
+        </p:style>
+        <p:txBody>
+          <a:bodyPr rtlCol="0" anchor="ctr"/>
+          <a:lstStyle/>
+          <a:p>
+            <a:pPr algn="ctr"/>
+            <a:endParaRPr lang="hu-HU"/>
+          </a:p>
+        </p:txBody>
+      </p:sp>
     </p:spTree>
     <p:extLst>
       <p:ext uri="{BB962C8B-B14F-4D97-AF65-F5344CB8AC3E}">
@@ -26684,6 +26922,18 @@
   <p:clrMapOvr>
     <a:masterClrMapping/>
   </p:clrMapOvr>
+  <mc:AlternateContent xmlns:mc="http://schemas.openxmlformats.org/markup-compatibility/2006" xmlns:p159="http://schemas.microsoft.com/office/powerpoint/2015/09/main">
+    <mc:Choice Requires="p159">
+      <p:transition xmlns:p14="http://schemas.microsoft.com/office/powerpoint/2010/main" spd="slow" p14:dur="2000">
+        <p159:morph option="byObject"/>
+      </p:transition>
+    </mc:Choice>
+    <mc:Fallback xmlns="">
+      <p:transition spd="slow">
+        <p:fade/>
+      </p:transition>
+    </mc:Fallback>
+  </mc:AlternateContent>
 </p:sld>
 </file>
 
@@ -27126,6 +27376,60 @@
           </a:p>
         </p:txBody>
       </p:sp>
+      <p:sp>
+        <p:nvSpPr>
+          <p:cNvPr id="2" name="Téglalap 1">
+            <a:extLst>
+              <a:ext uri="{FF2B5EF4-FFF2-40B4-BE49-F238E27FC236}">
+                <a16:creationId xmlns:a16="http://schemas.microsoft.com/office/drawing/2014/main" id="{B1B5CDFF-A116-E6B6-DA8B-DEBC11022F10}"/>
+              </a:ext>
+            </a:extLst>
+          </p:cNvPr>
+          <p:cNvSpPr/>
+          <p:nvPr/>
+        </p:nvSpPr>
+        <p:spPr>
+          <a:xfrm>
+            <a:off x="533401" y="230981"/>
+            <a:ext cx="5867400" cy="330994"/>
+          </a:xfrm>
+          <a:prstGeom prst="rect">
+            <a:avLst/>
+          </a:prstGeom>
+          <a:solidFill>
+            <a:srgbClr val="00B050"/>
+          </a:solidFill>
+          <a:ln w="12700">
+            <a:solidFill>
+              <a:srgbClr val="E2E4F6"/>
+            </a:solidFill>
+          </a:ln>
+        </p:spPr>
+        <p:style>
+          <a:lnRef idx="2">
+            <a:schemeClr val="accent1">
+              <a:shade val="15000"/>
+            </a:schemeClr>
+          </a:lnRef>
+          <a:fillRef idx="1">
+            <a:schemeClr val="accent1"/>
+          </a:fillRef>
+          <a:effectRef idx="0">
+            <a:schemeClr val="accent1"/>
+          </a:effectRef>
+          <a:fontRef idx="minor">
+            <a:schemeClr val="lt1"/>
+          </a:fontRef>
+        </p:style>
+        <p:txBody>
+          <a:bodyPr rtlCol="0" anchor="ctr"/>
+          <a:lstStyle/>
+          <a:p>
+            <a:pPr algn="ctr"/>
+            <a:endParaRPr lang="hu-HU"/>
+          </a:p>
+        </p:txBody>
+      </p:sp>
     </p:spTree>
     <p:extLst>
       <p:ext uri="{BB962C8B-B14F-4D97-AF65-F5344CB8AC3E}">
@@ -27136,6 +27440,18 @@
   <p:clrMapOvr>
     <a:masterClrMapping/>
   </p:clrMapOvr>
+  <mc:AlternateContent xmlns:mc="http://schemas.openxmlformats.org/markup-compatibility/2006" xmlns:p159="http://schemas.microsoft.com/office/powerpoint/2015/09/main">
+    <mc:Choice Requires="p159">
+      <p:transition xmlns:p14="http://schemas.microsoft.com/office/powerpoint/2010/main" spd="slow" p14:dur="2000">
+        <p159:morph option="byObject"/>
+      </p:transition>
+    </mc:Choice>
+    <mc:Fallback xmlns="">
+      <p:transition spd="slow">
+        <p:fade/>
+      </p:transition>
+    </mc:Fallback>
+  </mc:AlternateContent>
   <p:timing>
     <p:tnLst>
       <p:par>
@@ -27436,6 +27752,60 @@
           </a:prstGeom>
         </p:spPr>
       </p:pic>
+      <p:sp>
+        <p:nvSpPr>
+          <p:cNvPr id="6" name="Téglalap 5">
+            <a:extLst>
+              <a:ext uri="{FF2B5EF4-FFF2-40B4-BE49-F238E27FC236}">
+                <a16:creationId xmlns:a16="http://schemas.microsoft.com/office/drawing/2014/main" id="{DABA0E07-E581-DDD3-2D22-AC2A3890F66B}"/>
+              </a:ext>
+            </a:extLst>
+          </p:cNvPr>
+          <p:cNvSpPr/>
+          <p:nvPr/>
+        </p:nvSpPr>
+        <p:spPr>
+          <a:xfrm>
+            <a:off x="533400" y="230981"/>
+            <a:ext cx="8356600" cy="330994"/>
+          </a:xfrm>
+          <a:prstGeom prst="rect">
+            <a:avLst/>
+          </a:prstGeom>
+          <a:solidFill>
+            <a:srgbClr val="00B050"/>
+          </a:solidFill>
+          <a:ln w="12700">
+            <a:solidFill>
+              <a:srgbClr val="E2E4F6"/>
+            </a:solidFill>
+          </a:ln>
+        </p:spPr>
+        <p:style>
+          <a:lnRef idx="2">
+            <a:schemeClr val="accent1">
+              <a:shade val="15000"/>
+            </a:schemeClr>
+          </a:lnRef>
+          <a:fillRef idx="1">
+            <a:schemeClr val="accent1"/>
+          </a:fillRef>
+          <a:effectRef idx="0">
+            <a:schemeClr val="accent1"/>
+          </a:effectRef>
+          <a:fontRef idx="minor">
+            <a:schemeClr val="lt1"/>
+          </a:fontRef>
+        </p:style>
+        <p:txBody>
+          <a:bodyPr rtlCol="0" anchor="ctr"/>
+          <a:lstStyle/>
+          <a:p>
+            <a:pPr algn="ctr"/>
+            <a:endParaRPr lang="hu-HU"/>
+          </a:p>
+        </p:txBody>
+      </p:sp>
     </p:spTree>
     <p:extLst>
       <p:ext uri="{BB962C8B-B14F-4D97-AF65-F5344CB8AC3E}">
@@ -27446,6 +27816,18 @@
   <p:clrMapOvr>
     <a:masterClrMapping/>
   </p:clrMapOvr>
+  <mc:AlternateContent xmlns:mc="http://schemas.openxmlformats.org/markup-compatibility/2006" xmlns:p159="http://schemas.microsoft.com/office/powerpoint/2015/09/main">
+    <mc:Choice Requires="p159">
+      <p:transition xmlns:p14="http://schemas.microsoft.com/office/powerpoint/2010/main" spd="slow" p14:dur="2000">
+        <p159:morph option="byObject"/>
+      </p:transition>
+    </mc:Choice>
+    <mc:Fallback xmlns="">
+      <p:transition spd="slow">
+        <p:fade/>
+      </p:transition>
+    </mc:Fallback>
+  </mc:AlternateContent>
   <p:timing>
     <p:tnLst>
       <p:par>
@@ -27933,6 +28315,60 @@
           </a:p>
         </p:txBody>
       </p:sp>
+      <p:sp>
+        <p:nvSpPr>
+          <p:cNvPr id="2" name="Téglalap 1">
+            <a:extLst>
+              <a:ext uri="{FF2B5EF4-FFF2-40B4-BE49-F238E27FC236}">
+                <a16:creationId xmlns:a16="http://schemas.microsoft.com/office/drawing/2014/main" id="{9A3B00EB-9F35-4D01-4AB7-83CFBA1E3B13}"/>
+              </a:ext>
+            </a:extLst>
+          </p:cNvPr>
+          <p:cNvSpPr/>
+          <p:nvPr/>
+        </p:nvSpPr>
+        <p:spPr>
+          <a:xfrm>
+            <a:off x="533400" y="230981"/>
+            <a:ext cx="9626600" cy="330994"/>
+          </a:xfrm>
+          <a:prstGeom prst="rect">
+            <a:avLst/>
+          </a:prstGeom>
+          <a:solidFill>
+            <a:srgbClr val="00B050"/>
+          </a:solidFill>
+          <a:ln w="12700">
+            <a:solidFill>
+              <a:srgbClr val="E2E4F6"/>
+            </a:solidFill>
+          </a:ln>
+        </p:spPr>
+        <p:style>
+          <a:lnRef idx="2">
+            <a:schemeClr val="accent1">
+              <a:shade val="15000"/>
+            </a:schemeClr>
+          </a:lnRef>
+          <a:fillRef idx="1">
+            <a:schemeClr val="accent1"/>
+          </a:fillRef>
+          <a:effectRef idx="0">
+            <a:schemeClr val="accent1"/>
+          </a:effectRef>
+          <a:fontRef idx="minor">
+            <a:schemeClr val="lt1"/>
+          </a:fontRef>
+        </p:style>
+        <p:txBody>
+          <a:bodyPr rtlCol="0" anchor="ctr"/>
+          <a:lstStyle/>
+          <a:p>
+            <a:pPr algn="ctr"/>
+            <a:endParaRPr lang="hu-HU"/>
+          </a:p>
+        </p:txBody>
+      </p:sp>
     </p:spTree>
     <p:extLst>
       <p:ext uri="{BB962C8B-B14F-4D97-AF65-F5344CB8AC3E}">
@@ -27943,6 +28379,18 @@
   <p:clrMapOvr>
     <a:masterClrMapping/>
   </p:clrMapOvr>
+  <mc:AlternateContent xmlns:mc="http://schemas.openxmlformats.org/markup-compatibility/2006" xmlns:p159="http://schemas.microsoft.com/office/powerpoint/2015/09/main">
+    <mc:Choice Requires="p159">
+      <p:transition xmlns:p14="http://schemas.microsoft.com/office/powerpoint/2010/main" spd="slow" p14:dur="2000">
+        <p159:morph option="byObject"/>
+      </p:transition>
+    </mc:Choice>
+    <mc:Fallback xmlns="">
+      <p:transition spd="slow">
+        <p:fade/>
+      </p:transition>
+    </mc:Fallback>
+  </mc:AlternateContent>
   <p:timing>
     <p:tnLst>
       <p:par>
@@ -29166,6 +29614,60 @@
           </a:p>
         </p:txBody>
       </p:sp>
+      <p:sp>
+        <p:nvSpPr>
+          <p:cNvPr id="2" name="Téglalap 1">
+            <a:extLst>
+              <a:ext uri="{FF2B5EF4-FFF2-40B4-BE49-F238E27FC236}">
+                <a16:creationId xmlns:a16="http://schemas.microsoft.com/office/drawing/2014/main" id="{44FC20B1-BCA6-D3DD-7851-0962D3339F33}"/>
+              </a:ext>
+            </a:extLst>
+          </p:cNvPr>
+          <p:cNvSpPr/>
+          <p:nvPr/>
+        </p:nvSpPr>
+        <p:spPr>
+          <a:xfrm>
+            <a:off x="533400" y="230981"/>
+            <a:ext cx="11137106" cy="330994"/>
+          </a:xfrm>
+          <a:prstGeom prst="rect">
+            <a:avLst/>
+          </a:prstGeom>
+          <a:solidFill>
+            <a:srgbClr val="00B050"/>
+          </a:solidFill>
+          <a:ln w="12700">
+            <a:solidFill>
+              <a:srgbClr val="E2E4F6"/>
+            </a:solidFill>
+          </a:ln>
+        </p:spPr>
+        <p:style>
+          <a:lnRef idx="2">
+            <a:schemeClr val="accent1">
+              <a:shade val="15000"/>
+            </a:schemeClr>
+          </a:lnRef>
+          <a:fillRef idx="1">
+            <a:schemeClr val="accent1"/>
+          </a:fillRef>
+          <a:effectRef idx="0">
+            <a:schemeClr val="accent1"/>
+          </a:effectRef>
+          <a:fontRef idx="minor">
+            <a:schemeClr val="lt1"/>
+          </a:fontRef>
+        </p:style>
+        <p:txBody>
+          <a:bodyPr rtlCol="0" anchor="ctr"/>
+          <a:lstStyle/>
+          <a:p>
+            <a:pPr algn="ctr"/>
+            <a:endParaRPr lang="hu-HU"/>
+          </a:p>
+        </p:txBody>
+      </p:sp>
     </p:spTree>
     <p:extLst>
       <p:ext uri="{BB962C8B-B14F-4D97-AF65-F5344CB8AC3E}">
@@ -29176,6 +29678,18 @@
   <p:clrMapOvr>
     <a:masterClrMapping/>
   </p:clrMapOvr>
+  <mc:AlternateContent xmlns:mc="http://schemas.openxmlformats.org/markup-compatibility/2006" xmlns:p159="http://schemas.microsoft.com/office/powerpoint/2015/09/main">
+    <mc:Choice Requires="p159">
+      <p:transition xmlns:p14="http://schemas.microsoft.com/office/powerpoint/2010/main" spd="slow" p14:dur="2000">
+        <p159:morph option="byObject"/>
+      </p:transition>
+    </mc:Choice>
+    <mc:Fallback xmlns="">
+      <p:transition spd="slow">
+        <p:fade/>
+      </p:transition>
+    </mc:Fallback>
+  </mc:AlternateContent>
   <p:timing>
     <p:tnLst>
       <p:par>
@@ -40159,13 +40673,8 @@
           <a:p>
             <a:r>
               <a:rPr lang="hu-HU" dirty="0"/>
-              <a:t>Titkos </a:t>
+              <a:t>Szerepkör</a:t>
             </a:r>
-            <a:r>
-              <a:rPr lang="hu-HU" dirty="0" err="1"/>
-              <a:t>mikkentyű</a:t>
-            </a:r>
-            <a:endParaRPr lang="hu-HU" dirty="0"/>
           </a:p>
         </p:txBody>
       </p:sp>
@@ -40723,11 +41232,65 @@
             </a:r>
             <a:r>
               <a:rPr lang="hu-HU" dirty="0"/>
-              <a:t>Az én szerepem</a:t>
+              <a:t>Munkamenet</a:t>
             </a:r>
           </a:p>
           <a:p>
             <a:endParaRPr lang="hu-HU" dirty="0"/>
+          </a:p>
+        </p:txBody>
+      </p:sp>
+      <p:sp>
+        <p:nvSpPr>
+          <p:cNvPr id="4" name="Téglalap 3">
+            <a:extLst>
+              <a:ext uri="{FF2B5EF4-FFF2-40B4-BE49-F238E27FC236}">
+                <a16:creationId xmlns:a16="http://schemas.microsoft.com/office/drawing/2014/main" id="{7033E65E-9416-8D19-70B4-801338FD5C15}"/>
+              </a:ext>
+            </a:extLst>
+          </p:cNvPr>
+          <p:cNvSpPr/>
+          <p:nvPr/>
+        </p:nvSpPr>
+        <p:spPr>
+          <a:xfrm>
+            <a:off x="533400" y="230981"/>
+            <a:ext cx="640653" cy="330994"/>
+          </a:xfrm>
+          <a:prstGeom prst="rect">
+            <a:avLst/>
+          </a:prstGeom>
+          <a:solidFill>
+            <a:srgbClr val="7030A0"/>
+          </a:solidFill>
+          <a:ln w="12700">
+            <a:solidFill>
+              <a:srgbClr val="E2E4F6"/>
+            </a:solidFill>
+          </a:ln>
+        </p:spPr>
+        <p:style>
+          <a:lnRef idx="2">
+            <a:schemeClr val="accent1">
+              <a:shade val="15000"/>
+            </a:schemeClr>
+          </a:lnRef>
+          <a:fillRef idx="1">
+            <a:schemeClr val="accent1"/>
+          </a:fillRef>
+          <a:effectRef idx="0">
+            <a:schemeClr val="accent1"/>
+          </a:effectRef>
+          <a:fontRef idx="minor">
+            <a:schemeClr val="lt1"/>
+          </a:fontRef>
+        </p:style>
+        <p:txBody>
+          <a:bodyPr rtlCol="0" anchor="ctr"/>
+          <a:lstStyle/>
+          <a:p>
+            <a:pPr algn="ctr"/>
+            <a:endParaRPr lang="hu-HU"/>
           </a:p>
         </p:txBody>
       </p:sp>
@@ -41143,7 +41706,7 @@
           <a:bodyPr/>
           <a:lstStyle/>
           <a:p>
-            <a:endParaRPr lang="hu-HU"/>
+            <a:endParaRPr lang="hu-HU" dirty="0"/>
           </a:p>
         </p:txBody>
       </p:sp>
@@ -41193,7 +41756,7 @@
           <a:bodyPr/>
           <a:lstStyle/>
           <a:p>
-            <a:endParaRPr lang="hu-HU"/>
+            <a:endParaRPr lang="hu-HU" dirty="0"/>
           </a:p>
         </p:txBody>
       </p:sp>
@@ -41226,6 +41789,60 @@
           </a:p>
         </p:txBody>
       </p:sp>
+      <p:sp>
+        <p:nvSpPr>
+          <p:cNvPr id="3" name="Téglalap 2">
+            <a:extLst>
+              <a:ext uri="{FF2B5EF4-FFF2-40B4-BE49-F238E27FC236}">
+                <a16:creationId xmlns:a16="http://schemas.microsoft.com/office/drawing/2014/main" id="{7BA2440B-846C-4DFE-E62F-D5ECD72441EF}"/>
+              </a:ext>
+            </a:extLst>
+          </p:cNvPr>
+          <p:cNvSpPr/>
+          <p:nvPr/>
+        </p:nvSpPr>
+        <p:spPr>
+          <a:xfrm>
+            <a:off x="533400" y="230981"/>
+            <a:ext cx="4125686" cy="330994"/>
+          </a:xfrm>
+          <a:prstGeom prst="rect">
+            <a:avLst/>
+          </a:prstGeom>
+          <a:solidFill>
+            <a:srgbClr val="7030A0"/>
+          </a:solidFill>
+          <a:ln w="12700">
+            <a:solidFill>
+              <a:srgbClr val="E2E4F6"/>
+            </a:solidFill>
+          </a:ln>
+        </p:spPr>
+        <p:style>
+          <a:lnRef idx="2">
+            <a:schemeClr val="accent1">
+              <a:shade val="15000"/>
+            </a:schemeClr>
+          </a:lnRef>
+          <a:fillRef idx="1">
+            <a:schemeClr val="accent1"/>
+          </a:fillRef>
+          <a:effectRef idx="0">
+            <a:schemeClr val="accent1"/>
+          </a:effectRef>
+          <a:fontRef idx="minor">
+            <a:schemeClr val="lt1"/>
+          </a:fontRef>
+        </p:style>
+        <p:txBody>
+          <a:bodyPr rtlCol="0" anchor="ctr"/>
+          <a:lstStyle/>
+          <a:p>
+            <a:pPr algn="ctr"/>
+            <a:endParaRPr lang="hu-HU"/>
+          </a:p>
+        </p:txBody>
+      </p:sp>
     </p:spTree>
     <p:extLst>
       <p:ext uri="{BB962C8B-B14F-4D97-AF65-F5344CB8AC3E}">
@@ -41236,6 +41853,18 @@
   <p:clrMapOvr>
     <a:masterClrMapping/>
   </p:clrMapOvr>
+  <mc:AlternateContent xmlns:mc="http://schemas.openxmlformats.org/markup-compatibility/2006" xmlns:p159="http://schemas.microsoft.com/office/powerpoint/2015/09/main">
+    <mc:Choice Requires="p159">
+      <p:transition xmlns:p14="http://schemas.microsoft.com/office/powerpoint/2010/main" spd="slow" p14:dur="2000">
+        <p159:morph option="byObject"/>
+      </p:transition>
+    </mc:Choice>
+    <mc:Fallback xmlns="">
+      <p:transition spd="slow">
+        <p:fade/>
+      </p:transition>
+    </mc:Fallback>
+  </mc:AlternateContent>
 </p:sld>
 </file>
 
@@ -41648,7 +42277,7 @@
           <a:bodyPr/>
           <a:lstStyle/>
           <a:p>
-            <a:endParaRPr lang="hu-HU"/>
+            <a:endParaRPr lang="hu-HU" dirty="0"/>
           </a:p>
         </p:txBody>
       </p:sp>
@@ -41723,7 +42352,7 @@
           <a:bodyPr/>
           <a:lstStyle/>
           <a:p>
-            <a:endParaRPr lang="hu-HU"/>
+            <a:endParaRPr lang="hu-HU" dirty="0"/>
           </a:p>
         </p:txBody>
       </p:sp>
@@ -41748,7 +42377,7 @@
           <a:bodyPr/>
           <a:lstStyle/>
           <a:p>
-            <a:endParaRPr lang="hu-HU"/>
+            <a:endParaRPr lang="hu-HU" dirty="0"/>
           </a:p>
         </p:txBody>
       </p:sp>
@@ -41777,6 +42406,60 @@
           </a:p>
         </p:txBody>
       </p:sp>
+      <p:sp>
+        <p:nvSpPr>
+          <p:cNvPr id="3" name="Téglalap 2">
+            <a:extLst>
+              <a:ext uri="{FF2B5EF4-FFF2-40B4-BE49-F238E27FC236}">
+                <a16:creationId xmlns:a16="http://schemas.microsoft.com/office/drawing/2014/main" id="{F8DB9C6F-18DB-1983-9DA9-8495FC68D920}"/>
+              </a:ext>
+            </a:extLst>
+          </p:cNvPr>
+          <p:cNvSpPr/>
+          <p:nvPr/>
+        </p:nvSpPr>
+        <p:spPr>
+          <a:xfrm>
+            <a:off x="533400" y="230981"/>
+            <a:ext cx="8719457" cy="330994"/>
+          </a:xfrm>
+          <a:prstGeom prst="rect">
+            <a:avLst/>
+          </a:prstGeom>
+          <a:solidFill>
+            <a:srgbClr val="7030A0"/>
+          </a:solidFill>
+          <a:ln w="12700">
+            <a:solidFill>
+              <a:srgbClr val="E2E4F6"/>
+            </a:solidFill>
+          </a:ln>
+        </p:spPr>
+        <p:style>
+          <a:lnRef idx="2">
+            <a:schemeClr val="accent1">
+              <a:shade val="15000"/>
+            </a:schemeClr>
+          </a:lnRef>
+          <a:fillRef idx="1">
+            <a:schemeClr val="accent1"/>
+          </a:fillRef>
+          <a:effectRef idx="0">
+            <a:schemeClr val="accent1"/>
+          </a:effectRef>
+          <a:fontRef idx="minor">
+            <a:schemeClr val="lt1"/>
+          </a:fontRef>
+        </p:style>
+        <p:txBody>
+          <a:bodyPr rtlCol="0" anchor="ctr"/>
+          <a:lstStyle/>
+          <a:p>
+            <a:pPr algn="ctr"/>
+            <a:endParaRPr lang="hu-HU"/>
+          </a:p>
+        </p:txBody>
+      </p:sp>
     </p:spTree>
     <p:extLst>
       <p:ext uri="{BB962C8B-B14F-4D97-AF65-F5344CB8AC3E}">
@@ -41787,6 +42470,18 @@
   <p:clrMapOvr>
     <a:masterClrMapping/>
   </p:clrMapOvr>
+  <mc:AlternateContent xmlns:mc="http://schemas.openxmlformats.org/markup-compatibility/2006" xmlns:p159="http://schemas.microsoft.com/office/powerpoint/2015/09/main">
+    <mc:Choice Requires="p159">
+      <p:transition xmlns:p14="http://schemas.microsoft.com/office/powerpoint/2010/main" spd="slow" p14:dur="2000">
+        <p159:morph option="byObject"/>
+      </p:transition>
+    </mc:Choice>
+    <mc:Fallback xmlns="">
+      <p:transition spd="slow">
+        <p:fade/>
+      </p:transition>
+    </mc:Fallback>
+  </mc:AlternateContent>
 </p:sld>
 </file>
 
@@ -42424,6 +43119,60 @@
           </a:extLst>
         </p:spPr>
       </p:pic>
+      <p:sp>
+        <p:nvSpPr>
+          <p:cNvPr id="3" name="Téglalap 2">
+            <a:extLst>
+              <a:ext uri="{FF2B5EF4-FFF2-40B4-BE49-F238E27FC236}">
+                <a16:creationId xmlns:a16="http://schemas.microsoft.com/office/drawing/2014/main" id="{334B9741-9AF9-92FC-1B6C-E8A41016FFEC}"/>
+              </a:ext>
+            </a:extLst>
+          </p:cNvPr>
+          <p:cNvSpPr/>
+          <p:nvPr/>
+        </p:nvSpPr>
+        <p:spPr>
+          <a:xfrm>
+            <a:off x="533400" y="230981"/>
+            <a:ext cx="11146971" cy="330994"/>
+          </a:xfrm>
+          <a:prstGeom prst="rect">
+            <a:avLst/>
+          </a:prstGeom>
+          <a:solidFill>
+            <a:srgbClr val="7030A0"/>
+          </a:solidFill>
+          <a:ln w="12700">
+            <a:solidFill>
+              <a:srgbClr val="E2E4F6"/>
+            </a:solidFill>
+          </a:ln>
+        </p:spPr>
+        <p:style>
+          <a:lnRef idx="2">
+            <a:schemeClr val="accent1">
+              <a:shade val="15000"/>
+            </a:schemeClr>
+          </a:lnRef>
+          <a:fillRef idx="1">
+            <a:schemeClr val="accent1"/>
+          </a:fillRef>
+          <a:effectRef idx="0">
+            <a:schemeClr val="accent1"/>
+          </a:effectRef>
+          <a:fontRef idx="minor">
+            <a:schemeClr val="lt1"/>
+          </a:fontRef>
+        </p:style>
+        <p:txBody>
+          <a:bodyPr rtlCol="0" anchor="ctr"/>
+          <a:lstStyle/>
+          <a:p>
+            <a:pPr algn="ctr"/>
+            <a:endParaRPr lang="hu-HU"/>
+          </a:p>
+        </p:txBody>
+      </p:sp>
     </p:spTree>
     <p:extLst>
       <p:ext uri="{BB962C8B-B14F-4D97-AF65-F5344CB8AC3E}">
@@ -42434,6 +43183,18 @@
   <p:clrMapOvr>
     <a:masterClrMapping/>
   </p:clrMapOvr>
+  <mc:AlternateContent xmlns:mc="http://schemas.openxmlformats.org/markup-compatibility/2006" xmlns:p159="http://schemas.microsoft.com/office/powerpoint/2015/09/main">
+    <mc:Choice Requires="p159">
+      <p:transition xmlns:p14="http://schemas.microsoft.com/office/powerpoint/2010/main" spd="slow" p14:dur="2000">
+        <p159:morph option="byObject"/>
+      </p:transition>
+    </mc:Choice>
+    <mc:Fallback xmlns="">
+      <p:transition spd="slow">
+        <p:fade/>
+      </p:transition>
+    </mc:Fallback>
+  </mc:AlternateContent>
 </p:sld>
 </file>
 

--- a/Hell yeah ppt.pptx
+++ b/Hell yeah ppt.pptx
@@ -49437,60 +49437,6 @@
           </a:p>
         </p:txBody>
       </p:sp>
-      <p:sp>
-        <p:nvSpPr>
-          <p:cNvPr id="453" name="Téglalap 452">
-            <a:extLst>
-              <a:ext uri="{FF2B5EF4-FFF2-40B4-BE49-F238E27FC236}">
-                <a16:creationId xmlns:a16="http://schemas.microsoft.com/office/drawing/2014/main" id="{4EB5919E-E761-ED31-9DB3-A4FDF3F67635}"/>
-              </a:ext>
-            </a:extLst>
-          </p:cNvPr>
-          <p:cNvSpPr/>
-          <p:nvPr/>
-        </p:nvSpPr>
-        <p:spPr>
-          <a:xfrm>
-            <a:off x="533400" y="230981"/>
-            <a:ext cx="9076200" cy="330994"/>
-          </a:xfrm>
-          <a:prstGeom prst="rect">
-            <a:avLst/>
-          </a:prstGeom>
-          <a:solidFill>
-            <a:srgbClr val="00B0F0"/>
-          </a:solidFill>
-          <a:ln w="12700">
-            <a:solidFill>
-              <a:srgbClr val="E2E4F6"/>
-            </a:solidFill>
-          </a:ln>
-        </p:spPr>
-        <p:style>
-          <a:lnRef idx="2">
-            <a:schemeClr val="accent1">
-              <a:shade val="15000"/>
-            </a:schemeClr>
-          </a:lnRef>
-          <a:fillRef idx="1">
-            <a:schemeClr val="accent1"/>
-          </a:fillRef>
-          <a:effectRef idx="0">
-            <a:schemeClr val="accent1"/>
-          </a:effectRef>
-          <a:fontRef idx="minor">
-            <a:schemeClr val="lt1"/>
-          </a:fontRef>
-        </p:style>
-        <p:txBody>
-          <a:bodyPr rtlCol="0" anchor="ctr"/>
-          <a:lstStyle/>
-          <a:p>
-            <a:pPr algn="ctr"/>
-            <a:endParaRPr lang="hu-HU"/>
-          </a:p>
-        </p:txBody>
-      </p:sp>
     </p:spTree>
     <p:extLst>
       <p:ext uri="{BB962C8B-B14F-4D97-AF65-F5344CB8AC3E}">

--- a/Hell yeah ppt.pptx
+++ b/Hell yeah ppt.pptx
@@ -5,40 +5,38 @@
     <p:sldMasterId id="2147483660" r:id="rId1"/>
   </p:sldMasterIdLst>
   <p:notesMasterIdLst>
-    <p:notesMasterId r:id="rId30"/>
+    <p:notesMasterId r:id="rId28"/>
   </p:notesMasterIdLst>
   <p:handoutMasterIdLst>
-    <p:handoutMasterId r:id="rId31"/>
+    <p:handoutMasterId r:id="rId29"/>
   </p:handoutMasterIdLst>
   <p:sldIdLst>
     <p:sldId id="256" r:id="rId2"/>
     <p:sldId id="275" r:id="rId3"/>
     <p:sldId id="291" r:id="rId4"/>
     <p:sldId id="292" r:id="rId5"/>
-    <p:sldId id="289" r:id="rId6"/>
-    <p:sldId id="293" r:id="rId7"/>
-    <p:sldId id="294" r:id="rId8"/>
-    <p:sldId id="280" r:id="rId9"/>
-    <p:sldId id="296" r:id="rId10"/>
-    <p:sldId id="281" r:id="rId11"/>
-    <p:sldId id="295" r:id="rId12"/>
+    <p:sldId id="293" r:id="rId6"/>
+    <p:sldId id="294" r:id="rId7"/>
+    <p:sldId id="280" r:id="rId8"/>
+    <p:sldId id="296" r:id="rId9"/>
+    <p:sldId id="281" r:id="rId10"/>
+    <p:sldId id="295" r:id="rId11"/>
+    <p:sldId id="297" r:id="rId12"/>
     <p:sldId id="259" r:id="rId13"/>
     <p:sldId id="261" r:id="rId14"/>
     <p:sldId id="258" r:id="rId15"/>
-    <p:sldId id="271" r:id="rId16"/>
-    <p:sldId id="274" r:id="rId17"/>
-    <p:sldId id="282" r:id="rId18"/>
-    <p:sldId id="283" r:id="rId19"/>
-    <p:sldId id="284" r:id="rId20"/>
-    <p:sldId id="285" r:id="rId21"/>
-    <p:sldId id="263" r:id="rId22"/>
-    <p:sldId id="286" r:id="rId23"/>
-    <p:sldId id="287" r:id="rId24"/>
-    <p:sldId id="262" r:id="rId25"/>
-    <p:sldId id="288" r:id="rId26"/>
-    <p:sldId id="269" r:id="rId27"/>
-    <p:sldId id="270" r:id="rId28"/>
-    <p:sldId id="257" r:id="rId29"/>
+    <p:sldId id="274" r:id="rId16"/>
+    <p:sldId id="282" r:id="rId17"/>
+    <p:sldId id="283" r:id="rId18"/>
+    <p:sldId id="284" r:id="rId19"/>
+    <p:sldId id="285" r:id="rId20"/>
+    <p:sldId id="263" r:id="rId21"/>
+    <p:sldId id="287" r:id="rId22"/>
+    <p:sldId id="262" r:id="rId23"/>
+    <p:sldId id="288" r:id="rId24"/>
+    <p:sldId id="269" r:id="rId25"/>
+    <p:sldId id="270" r:id="rId26"/>
+    <p:sldId id="257" r:id="rId27"/>
   </p:sldIdLst>
   <p:sldSz cx="12192000" cy="6858000"/>
   <p:notesSz cx="6858000" cy="9144000"/>
@@ -284,7 +282,6 @@
           <p14:sldIdLst>
             <p14:sldId id="291"/>
             <p14:sldId id="292"/>
-            <p14:sldId id="289"/>
             <p14:sldId id="293"/>
             <p14:sldId id="294"/>
             <p14:sldId id="280"/>
@@ -295,10 +292,10 @@
         </p14:section>
         <p14:section name="Pápa" id="{35504621-78CD-4089-90C1-2A4EC5845F6F}">
           <p14:sldIdLst>
+            <p14:sldId id="297"/>
             <p14:sldId id="259"/>
             <p14:sldId id="261"/>
             <p14:sldId id="258"/>
-            <p14:sldId id="271"/>
             <p14:sldId id="274"/>
           </p14:sldIdLst>
         </p14:section>
@@ -309,7 +306,6 @@
             <p14:sldId id="284"/>
             <p14:sldId id="285"/>
             <p14:sldId id="263"/>
-            <p14:sldId id="286"/>
             <p14:sldId id="287"/>
             <p14:sldId id="262"/>
             <p14:sldId id="288"/>
@@ -990,6 +986,132 @@
   <p:cSld>
     <p:spTree>
       <p:nvGrpSpPr>
+        <p:cNvPr id="1" name="">
+          <a:extLst>
+            <a:ext uri="{FF2B5EF4-FFF2-40B4-BE49-F238E27FC236}">
+              <a16:creationId xmlns:a16="http://schemas.microsoft.com/office/drawing/2014/main" id="{CBD40C7D-8078-1DBB-6FB3-DB02ACC4AB17}"/>
+            </a:ext>
+          </a:extLst>
+        </p:cNvPr>
+        <p:cNvGrpSpPr/>
+        <p:nvPr/>
+      </p:nvGrpSpPr>
+      <p:grpSpPr>
+        <a:xfrm>
+          <a:off x="0" y="0"/>
+          <a:ext cx="0" cy="0"/>
+          <a:chOff x="0" y="0"/>
+          <a:chExt cx="0" cy="0"/>
+        </a:xfrm>
+      </p:grpSpPr>
+      <p:sp>
+        <p:nvSpPr>
+          <p:cNvPr id="2" name="Diakép helye 1">
+            <a:extLst>
+              <a:ext uri="{FF2B5EF4-FFF2-40B4-BE49-F238E27FC236}">
+                <a16:creationId xmlns:a16="http://schemas.microsoft.com/office/drawing/2014/main" id="{C662B317-C354-B80F-1D86-6DC57499F758}"/>
+              </a:ext>
+            </a:extLst>
+          </p:cNvPr>
+          <p:cNvSpPr>
+            <a:spLocks noGrp="1" noRot="1" noChangeAspect="1"/>
+          </p:cNvSpPr>
+          <p:nvPr>
+            <p:ph type="sldImg"/>
+          </p:nvPr>
+        </p:nvSpPr>
+        <p:spPr/>
+      </p:sp>
+      <p:sp>
+        <p:nvSpPr>
+          <p:cNvPr id="3" name="Jegyzetek helye 2">
+            <a:extLst>
+              <a:ext uri="{FF2B5EF4-FFF2-40B4-BE49-F238E27FC236}">
+                <a16:creationId xmlns:a16="http://schemas.microsoft.com/office/drawing/2014/main" id="{B5511FEB-0AC4-DCCE-16BD-FDAA6729AC1C}"/>
+              </a:ext>
+            </a:extLst>
+          </p:cNvPr>
+          <p:cNvSpPr>
+            <a:spLocks noGrp="1"/>
+          </p:cNvSpPr>
+          <p:nvPr>
+            <p:ph type="body" idx="1"/>
+          </p:nvPr>
+        </p:nvSpPr>
+        <p:spPr/>
+        <p:txBody>
+          <a:bodyPr/>
+          <a:lstStyle/>
+          <a:p>
+            <a:br>
+              <a:rPr lang="hu-HU" b="0" i="0" dirty="0">
+                <a:solidFill>
+                  <a:srgbClr val="1C1E21"/>
+                </a:solidFill>
+                <a:effectLst/>
+                <a:latin typeface="Segoe UI Historic" panose="020B0502040204020203" pitchFamily="34" charset="0"/>
+              </a:rPr>
+            </a:br>
+            <a:br>
+              <a:rPr lang="hu-HU" b="0" i="0" dirty="0">
+                <a:solidFill>
+                  <a:srgbClr val="1C1E21"/>
+                </a:solidFill>
+                <a:effectLst/>
+                <a:latin typeface="Segoe UI Historic" panose="020B0502040204020203" pitchFamily="34" charset="0"/>
+              </a:rPr>
+            </a:br>
+            <a:endParaRPr lang="hu-HU" dirty="0"/>
+          </a:p>
+        </p:txBody>
+      </p:sp>
+      <p:sp>
+        <p:nvSpPr>
+          <p:cNvPr id="4" name="Dia számának helye 3">
+            <a:extLst>
+              <a:ext uri="{FF2B5EF4-FFF2-40B4-BE49-F238E27FC236}">
+                <a16:creationId xmlns:a16="http://schemas.microsoft.com/office/drawing/2014/main" id="{F4E32C22-AD04-5F63-4A45-222B9F1A0E1A}"/>
+              </a:ext>
+            </a:extLst>
+          </p:cNvPr>
+          <p:cNvSpPr>
+            <a:spLocks noGrp="1"/>
+          </p:cNvSpPr>
+          <p:nvPr>
+            <p:ph type="sldNum" sz="quarter" idx="5"/>
+          </p:nvPr>
+        </p:nvSpPr>
+        <p:spPr/>
+        <p:txBody>
+          <a:bodyPr/>
+          <a:lstStyle/>
+          <a:p>
+            <a:fld id="{D92A17DE-FA40-49B6-8AC1-4C94A51AEE7E}" type="slidenum">
+              <a:rPr lang="hu-HU" smtClean="0"/>
+              <a:t>11</a:t>
+            </a:fld>
+            <a:endParaRPr lang="hu-HU"/>
+          </a:p>
+        </p:txBody>
+      </p:sp>
+    </p:spTree>
+    <p:extLst>
+      <p:ext uri="{BB962C8B-B14F-4D97-AF65-F5344CB8AC3E}">
+        <p14:creationId xmlns:p14="http://schemas.microsoft.com/office/powerpoint/2010/main" val="2908401845"/>
+      </p:ext>
+    </p:extLst>
+  </p:cSld>
+  <p:clrMapOvr>
+    <a:masterClrMapping/>
+  </p:clrMapOvr>
+</p:notes>
+</file>
+
+<file path=ppt/notesSlides/notesSlide11.xml><?xml version="1.0" encoding="utf-8"?>
+<p:notes xmlns:a="http://schemas.openxmlformats.org/drawingml/2006/main" xmlns:r="http://schemas.openxmlformats.org/officeDocument/2006/relationships" xmlns:p="http://schemas.openxmlformats.org/presentationml/2006/main">
+  <p:cSld>
+    <p:spTree>
+      <p:nvGrpSpPr>
         <p:cNvPr id="1" name=""/>
         <p:cNvGrpSpPr/>
         <p:nvPr/>
@@ -1161,9 +1283,34 @@
             </a:r>
           </a:p>
           <a:p>
+            <a:pPr marL="0" marR="0" lvl="0" indent="0" algn="l" defTabSz="914400" rtl="0" eaLnBrk="1" fontAlgn="auto" latinLnBrk="0" hangingPunct="1">
+              <a:lnSpc>
+                <a:spcPct val="100000"/>
+              </a:lnSpc>
+              <a:spcBef>
+                <a:spcPts val="0"/>
+              </a:spcBef>
+              <a:spcAft>
+                <a:spcPts val="0"/>
+              </a:spcAft>
+              <a:buClrTx/>
+              <a:buSzTx/>
+              <a:buFontTx/>
+              <a:buNone/>
+              <a:tabLst/>
+              <a:defRPr/>
+            </a:pPr>
             <a:r>
               <a:rPr lang="hu-HU" dirty="0"/>
-              <a:t>Képen: alul jelenik meg a hibaüzenet, stb..</a:t>
+              <a:t>Képen: Mindenféle regisztráláshoz és bejelentkezéshez ugyan azt a  </a:t>
+            </a:r>
+            <a:r>
+              <a:rPr lang="hu-HU" dirty="0" err="1"/>
+              <a:t>form</a:t>
+            </a:r>
+            <a:r>
+              <a:rPr lang="hu-HU" dirty="0"/>
+              <a:t>-ot használtam, így ezek kinézete csak kicsit tér el.</a:t>
             </a:r>
           </a:p>
         </p:txBody>
@@ -1204,7 +1351,7 @@
 </p:notes>
 </file>
 
-<file path=ppt/notesSlides/notesSlide11.xml><?xml version="1.0" encoding="utf-8"?>
+<file path=ppt/notesSlides/notesSlide12.xml><?xml version="1.0" encoding="utf-8"?>
 <p:notes xmlns:a="http://schemas.openxmlformats.org/drawingml/2006/main" xmlns:r="http://schemas.openxmlformats.org/officeDocument/2006/relationships" xmlns:p="http://schemas.openxmlformats.org/presentationml/2006/main">
   <p:cSld>
     <p:spTree>
@@ -1424,7 +1571,7 @@
 </p:notes>
 </file>
 
-<file path=ppt/notesSlides/notesSlide12.xml><?xml version="1.0" encoding="utf-8"?>
+<file path=ppt/notesSlides/notesSlide13.xml><?xml version="1.0" encoding="utf-8"?>
 <p:notes xmlns:a="http://schemas.openxmlformats.org/drawingml/2006/main" xmlns:r="http://schemas.openxmlformats.org/officeDocument/2006/relationships" xmlns:p="http://schemas.openxmlformats.org/presentationml/2006/main">
   <p:cSld>
     <p:spTree>
@@ -1620,110 +1767,6 @@
 </p:notes>
 </file>
 
-<file path=ppt/notesSlides/notesSlide13.xml><?xml version="1.0" encoding="utf-8"?>
-<p:notes xmlns:a="http://schemas.openxmlformats.org/drawingml/2006/main" xmlns:r="http://schemas.openxmlformats.org/officeDocument/2006/relationships" xmlns:p="http://schemas.openxmlformats.org/presentationml/2006/main" showMasterSp="0" showMasterPhAnim="0">
-  <p:cSld>
-    <p:spTree>
-      <p:nvGrpSpPr>
-        <p:cNvPr id="1" name="Shape 473"/>
-        <p:cNvGrpSpPr/>
-        <p:nvPr/>
-      </p:nvGrpSpPr>
-      <p:grpSpPr>
-        <a:xfrm>
-          <a:off x="0" y="0"/>
-          <a:ext cx="0" cy="0"/>
-          <a:chOff x="0" y="0"/>
-          <a:chExt cx="0" cy="0"/>
-        </a:xfrm>
-      </p:grpSpPr>
-      <p:sp>
-        <p:nvSpPr>
-          <p:cNvPr id="474" name="Google Shape;474;g210f7c66770_0_83:notes"/>
-          <p:cNvSpPr>
-            <a:spLocks noGrp="1" noRot="1" noChangeAspect="1"/>
-          </p:cNvSpPr>
-          <p:nvPr>
-            <p:ph type="sldImg" idx="2"/>
-          </p:nvPr>
-        </p:nvSpPr>
-        <p:spPr>
-          <a:xfrm>
-            <a:off x="381000" y="685800"/>
-            <a:ext cx="6096000" cy="3429000"/>
-          </a:xfrm>
-          <a:custGeom>
-            <a:avLst/>
-            <a:gdLst/>
-            <a:ahLst/>
-            <a:cxnLst/>
-            <a:rect l="l" t="t" r="r" b="b"/>
-            <a:pathLst>
-              <a:path w="120000" h="120000" extrusionOk="0">
-                <a:moveTo>
-                  <a:pt x="0" y="0"/>
-                </a:moveTo>
-                <a:lnTo>
-                  <a:pt x="120000" y="0"/>
-                </a:lnTo>
-                <a:lnTo>
-                  <a:pt x="120000" y="120000"/>
-                </a:lnTo>
-                <a:lnTo>
-                  <a:pt x="0" y="120000"/>
-                </a:lnTo>
-                <a:close/>
-              </a:path>
-            </a:pathLst>
-          </a:custGeom>
-        </p:spPr>
-      </p:sp>
-      <p:sp>
-        <p:nvSpPr>
-          <p:cNvPr id="475" name="Google Shape;475;g210f7c66770_0_83:notes"/>
-          <p:cNvSpPr txBox="1">
-            <a:spLocks noGrp="1"/>
-          </p:cNvSpPr>
-          <p:nvPr>
-            <p:ph type="body" idx="1"/>
-          </p:nvPr>
-        </p:nvSpPr>
-        <p:spPr>
-          <a:xfrm>
-            <a:off x="685800" y="4343400"/>
-            <a:ext cx="5486400" cy="4114800"/>
-          </a:xfrm>
-          <a:prstGeom prst="rect">
-            <a:avLst/>
-          </a:prstGeom>
-        </p:spPr>
-        <p:txBody>
-          <a:bodyPr spcFirstLastPara="1" wrap="square" lIns="91425" tIns="91425" rIns="91425" bIns="91425" anchor="t" anchorCtr="0">
-            <a:noAutofit/>
-          </a:bodyPr>
-          <a:lstStyle/>
-          <a:p>
-            <a:pPr marL="0" lvl="0" indent="0" algn="l" rtl="0">
-              <a:spcBef>
-                <a:spcPts val="0"/>
-              </a:spcBef>
-              <a:spcAft>
-                <a:spcPts val="0"/>
-              </a:spcAft>
-              <a:buNone/>
-            </a:pPr>
-            <a:endParaRPr dirty="0"/>
-          </a:p>
-        </p:txBody>
-      </p:sp>
-    </p:spTree>
-  </p:cSld>
-  <p:clrMapOvr>
-    <a:masterClrMapping/>
-  </p:clrMapOvr>
-</p:notes>
-</file>
-
 <file path=ppt/notesSlides/notesSlide14.xml><?xml version="1.0" encoding="utf-8"?>
 <p:notes xmlns:a="http://schemas.openxmlformats.org/drawingml/2006/main" xmlns:r="http://schemas.openxmlformats.org/officeDocument/2006/relationships" xmlns:p="http://schemas.openxmlformats.org/presentationml/2006/main">
   <p:cSld>
@@ -1843,6 +1886,26 @@
               <a:t>A Póttag résznél csak akkor tudjuk módosítani a Tartalmazza opciót, ha kivesszük a pipát az Összes opcióból, hiszen az Összessel nem csak azokat kapjuk meg, amelyikben benne van VAGY nincs benne, hanem mindegyiket</a:t>
             </a:r>
           </a:p>
+          <a:p>
+            <a:r>
+              <a:rPr lang="hu-HU" dirty="0"/>
+              <a:t>ZSÓTI:</a:t>
+            </a:r>
+          </a:p>
+          <a:p>
+            <a:r>
+              <a:rPr lang="hu-HU" dirty="0"/>
+              <a:t>Nyilacska megváltozik, balról beúszik, listák </a:t>
+            </a:r>
+            <a:r>
+              <a:rPr lang="hu-HU" dirty="0" err="1"/>
+              <a:t>lenyilnak</a:t>
+            </a:r>
+            <a:r>
+              <a:rPr lang="hu-HU" dirty="0"/>
+              <a:t> animálva</a:t>
+            </a:r>
+          </a:p>
         </p:txBody>
       </p:sp>
       <p:sp>
@@ -1862,7 +1925,7 @@
           <a:p>
             <a:fld id="{D92A17DE-FA40-49B6-8AC1-4C94A51AEE7E}" type="slidenum">
               <a:rPr lang="hu-HU" smtClean="0"/>
-              <a:t>16</a:t>
+              <a:t>15</a:t>
             </a:fld>
             <a:endParaRPr lang="hu-HU"/>
           </a:p>
@@ -2034,7 +2097,7 @@
           <a:p>
             <a:fld id="{D92A17DE-FA40-49B6-8AC1-4C94A51AEE7E}" type="slidenum">
               <a:rPr lang="hu-HU" smtClean="0"/>
-              <a:t>17</a:t>
+              <a:t>16</a:t>
             </a:fld>
             <a:endParaRPr lang="hu-HU"/>
           </a:p>
@@ -2171,7 +2234,7 @@
           <a:p>
             <a:fld id="{D92A17DE-FA40-49B6-8AC1-4C94A51AEE7E}" type="slidenum">
               <a:rPr lang="hu-HU" smtClean="0"/>
-              <a:t>18</a:t>
+              <a:t>17</a:t>
             </a:fld>
             <a:endParaRPr lang="hu-HU"/>
           </a:p>
@@ -2282,7 +2345,7 @@
           <a:p>
             <a:fld id="{D92A17DE-FA40-49B6-8AC1-4C94A51AEE7E}" type="slidenum">
               <a:rPr lang="hu-HU" smtClean="0"/>
-              <a:t>19</a:t>
+              <a:t>18</a:t>
             </a:fld>
             <a:endParaRPr lang="hu-HU"/>
           </a:p>
@@ -2347,7 +2410,7 @@
           <a:p>
             <a:r>
               <a:rPr lang="hu-HU" dirty="0"/>
-              <a:t>A munkafolyamat úgy nézett ki, hogy mikor a srácok elkészültek egy adott funkcióval én elkezdtem annak a frontendjén dolgozni, szinte sosem volt időm pihenni (kivéve amikor nem ment valami, és az Urak kellett, hogy segítsenek). A </a:t>
+              <a:t>A munkafolyamat úgy nézett ki, hogy mikor a társaim elkészültek egy adott funkcióval én elkezdtem annak a frontendjén dolgozni, szinte sosem volt időm pihenni (kivéve amikor nem ment valami, és az Urak kellett, hogy segítsenek). A </a:t>
             </a:r>
             <a:r>
               <a:rPr lang="hu-HU" dirty="0" err="1"/>
@@ -2377,7 +2440,7 @@
           <a:p>
             <a:fld id="{D92A17DE-FA40-49B6-8AC1-4C94A51AEE7E}" type="slidenum">
               <a:rPr lang="hu-HU" smtClean="0"/>
-              <a:t>20</a:t>
+              <a:t>19</a:t>
             </a:fld>
             <a:endParaRPr lang="hu-HU"/>
           </a:p>
@@ -2442,16 +2505,96 @@
           <a:p>
             <a:r>
               <a:rPr lang="hu-HU" dirty="0"/>
-              <a:t>Mindenféle regisztráláshoz és bejelentkezéshez ugyan azt a  </a:t>
+              <a:t>1.kép:for </a:t>
             </a:r>
             <a:r>
               <a:rPr lang="hu-HU" dirty="0" err="1"/>
-              <a:t>form</a:t>
+              <a:t>loop</a:t>
             </a:r>
             <a:r>
               <a:rPr lang="hu-HU" dirty="0"/>
-              <a:t>-ot használtam, így ezek kinézete csak kicsit tér el.</a:t>
+              <a:t>, adatok beillesztése, </a:t>
             </a:r>
+            <a:r>
+              <a:rPr lang="hu-HU" dirty="0" err="1"/>
+              <a:t>for</a:t>
+            </a:r>
+            <a:r>
+              <a:rPr lang="hu-HU" dirty="0"/>
+              <a:t> </a:t>
+            </a:r>
+            <a:r>
+              <a:rPr lang="hu-HU" dirty="0" err="1"/>
+              <a:t>loop</a:t>
+            </a:r>
+            <a:r>
+              <a:rPr lang="hu-HU" dirty="0"/>
+              <a:t> hossza</a:t>
+            </a:r>
+          </a:p>
+          <a:p>
+            <a:r>
+              <a:rPr lang="hu-HU" dirty="0"/>
+              <a:t>2.kép:pagination </a:t>
+            </a:r>
+            <a:r>
+              <a:rPr lang="hu-HU" dirty="0" err="1"/>
+              <a:t>objecktum</a:t>
+            </a:r>
+            <a:endParaRPr lang="hu-HU" dirty="0"/>
+          </a:p>
+          <a:p>
+            <a:pPr marL="0" marR="0" lvl="0" indent="0" algn="l" defTabSz="914400" rtl="0" eaLnBrk="1" fontAlgn="auto" latinLnBrk="0" hangingPunct="1">
+              <a:lnSpc>
+                <a:spcPct val="100000"/>
+              </a:lnSpc>
+              <a:spcBef>
+                <a:spcPts val="0"/>
+              </a:spcBef>
+              <a:spcAft>
+                <a:spcPts val="0"/>
+              </a:spcAft>
+              <a:buClrTx/>
+              <a:buSzTx/>
+              <a:buFontTx/>
+              <a:buNone/>
+              <a:tabLst/>
+              <a:defRPr/>
+            </a:pPr>
+            <a:r>
+              <a:rPr lang="hu-HU" dirty="0"/>
+              <a:t>3.kép:Block, </a:t>
+            </a:r>
+            <a:r>
+              <a:rPr lang="hu-HU" dirty="0" err="1"/>
+              <a:t>include</a:t>
+            </a:r>
+            <a:r>
+              <a:rPr lang="hu-HU" dirty="0"/>
+              <a:t>, </a:t>
+            </a:r>
+            <a:r>
+              <a:rPr lang="hu-HU" dirty="0" err="1"/>
+              <a:t>url</a:t>
+            </a:r>
+            <a:r>
+              <a:rPr lang="hu-HU" dirty="0"/>
+              <a:t> ami ráutal az </a:t>
+            </a:r>
+            <a:r>
+              <a:rPr lang="hu-HU" dirty="0" err="1"/>
+              <a:t>url-re</a:t>
+            </a:r>
+            <a:r>
+              <a:rPr lang="hu-HU" dirty="0"/>
+              <a:t> (mivel az csak egy név)</a:t>
+            </a:r>
+          </a:p>
+          <a:p>
+            <a:endParaRPr lang="hu-HU" dirty="0"/>
+          </a:p>
+          <a:p>
+            <a:endParaRPr lang="hu-HU" dirty="0"/>
           </a:p>
         </p:txBody>
       </p:sp>
@@ -2472,7 +2615,7 @@
           <a:p>
             <a:fld id="{D92A17DE-FA40-49B6-8AC1-4C94A51AEE7E}" type="slidenum">
               <a:rPr lang="hu-HU" smtClean="0"/>
-              <a:t>22</a:t>
+              <a:t>20</a:t>
             </a:fld>
             <a:endParaRPr lang="hu-HU"/>
           </a:p>
@@ -2481,7 +2624,7 @@
     </p:spTree>
     <p:extLst>
       <p:ext uri="{BB962C8B-B14F-4D97-AF65-F5344CB8AC3E}">
-        <p14:creationId xmlns:p14="http://schemas.microsoft.com/office/powerpoint/2010/main" val="912757488"/>
+        <p14:creationId xmlns:p14="http://schemas.microsoft.com/office/powerpoint/2010/main" val="3552037147"/>
       </p:ext>
     </p:extLst>
   </p:cSld>
@@ -2661,7 +2804,7 @@
           <a:p>
             <a:fld id="{D92A17DE-FA40-49B6-8AC1-4C94A51AEE7E}" type="slidenum">
               <a:rPr lang="hu-HU" smtClean="0"/>
-              <a:t>23</a:t>
+              <a:t>21</a:t>
             </a:fld>
             <a:endParaRPr lang="hu-HU"/>
           </a:p>
@@ -2748,7 +2891,7 @@
           <a:p>
             <a:fld id="{D92A17DE-FA40-49B6-8AC1-4C94A51AEE7E}" type="slidenum">
               <a:rPr lang="hu-HU" smtClean="0"/>
-              <a:t>24</a:t>
+              <a:t>22</a:t>
             </a:fld>
             <a:endParaRPr lang="hu-HU"/>
           </a:p>
@@ -2859,7 +3002,11 @@
               </a:spcAft>
               <a:buNone/>
             </a:pPr>
-            <a:endParaRPr/>
+            <a:r>
+              <a:rPr lang="hu-HU" dirty="0"/>
+              <a:t>Könnyű kezelés: színvak mód, kisegítő lehetőségek</a:t>
+            </a:r>
+            <a:endParaRPr dirty="0"/>
           </a:p>
         </p:txBody>
       </p:sp>
@@ -3148,7 +3295,7 @@
           <a:p>
             <a:fld id="{D92A17DE-FA40-49B6-8AC1-4C94A51AEE7E}" type="slidenum">
               <a:rPr lang="hu-HU" smtClean="0"/>
-              <a:t>6</a:t>
+              <a:t>5</a:t>
             </a:fld>
             <a:endParaRPr lang="hu-HU"/>
           </a:p>
@@ -3235,7 +3382,7 @@
           <a:p>
             <a:fld id="{D92A17DE-FA40-49B6-8AC1-4C94A51AEE7E}" type="slidenum">
               <a:rPr lang="hu-HU" smtClean="0"/>
-              <a:t>7</a:t>
+              <a:t>6</a:t>
             </a:fld>
             <a:endParaRPr lang="hu-HU"/>
           </a:p>
@@ -3327,7 +3474,7 @@
           <a:p>
             <a:fld id="{D92A17DE-FA40-49B6-8AC1-4C94A51AEE7E}" type="slidenum">
               <a:rPr lang="hu-HU" smtClean="0"/>
-              <a:t>8</a:t>
+              <a:t>7</a:t>
             </a:fld>
             <a:endParaRPr lang="hu-HU"/>
           </a:p>
@@ -3538,7 +3685,7 @@
           <a:p>
             <a:fld id="{D92A17DE-FA40-49B6-8AC1-4C94A51AEE7E}" type="slidenum">
               <a:rPr lang="hu-HU" smtClean="0"/>
-              <a:t>10</a:t>
+              <a:t>9</a:t>
             </a:fld>
             <a:endParaRPr lang="hu-HU"/>
           </a:p>
@@ -3622,7 +3769,7 @@
           <a:p>
             <a:fld id="{D92A17DE-FA40-49B6-8AC1-4C94A51AEE7E}" type="slidenum">
               <a:rPr lang="hu-HU" smtClean="0"/>
-              <a:t>11</a:t>
+              <a:t>10</a:t>
             </a:fld>
             <a:endParaRPr lang="hu-HU"/>
           </a:p>
@@ -3956,72 +4103,14 @@
       </p:sp>
       <p:sp>
         <p:nvSpPr>
-          <p:cNvPr id="11" name="Google Shape;11;p2"/>
-          <p:cNvSpPr txBox="1"/>
-          <p:nvPr/>
-        </p:nvSpPr>
-        <p:spPr>
-          <a:xfrm>
-            <a:off x="459067" y="6338245"/>
-            <a:ext cx="11304800" cy="240400"/>
-          </a:xfrm>
-          <a:prstGeom prst="rect">
-            <a:avLst/>
-          </a:prstGeom>
-          <a:noFill/>
-          <a:ln>
-            <a:noFill/>
-          </a:ln>
-        </p:spPr>
-        <p:txBody>
-          <a:bodyPr spcFirstLastPara="1" wrap="square" lIns="121900" tIns="121900" rIns="121900" bIns="121900" anchor="ctr" anchorCtr="0">
-            <a:noAutofit/>
-          </a:bodyPr>
-          <a:lstStyle/>
-          <a:p>
-            <a:pPr marL="0" lvl="0" indent="0" algn="ctr" rtl="0">
-              <a:spcBef>
-                <a:spcPts val="0"/>
-              </a:spcBef>
-              <a:spcAft>
-                <a:spcPts val="0"/>
-              </a:spcAft>
-              <a:buNone/>
-            </a:pPr>
-            <a:r>
-              <a:rPr lang="en" sz="1333">
-                <a:solidFill>
-                  <a:schemeClr val="dk1"/>
-                </a:solidFill>
-                <a:latin typeface="Source Code Pro"/>
-                <a:ea typeface="Source Code Pro"/>
-                <a:cs typeface="Source Code Pro"/>
-                <a:sym typeface="Source Code Pro"/>
-              </a:rPr>
-              <a:t>1 0 1 1   0 1 1   0 1   1 0 1 1 0 0 1   1 0   1 1 0 1 1   0 1 1   0 1   1 1 0 1 1 0   1 1 0 1 1 1   1 1 0 1 </a:t>
-            </a:r>
-            <a:endParaRPr sz="1333">
-              <a:solidFill>
-                <a:schemeClr val="dk1"/>
-              </a:solidFill>
-              <a:latin typeface="Source Code Pro"/>
-              <a:ea typeface="Source Code Pro"/>
-              <a:cs typeface="Source Code Pro"/>
-              <a:sym typeface="Source Code Pro"/>
-            </a:endParaRPr>
-          </a:p>
-        </p:txBody>
-      </p:sp>
-      <p:sp>
-        <p:nvSpPr>
           <p:cNvPr id="12" name="Google Shape;12;p2"/>
           <p:cNvSpPr/>
           <p:nvPr/>
         </p:nvSpPr>
         <p:spPr>
           <a:xfrm>
-            <a:off x="15433" y="0"/>
-            <a:ext cx="4064800" cy="553200"/>
+            <a:off x="15434" y="0"/>
+            <a:ext cx="2370434" cy="553200"/>
           </a:xfrm>
           <a:prstGeom prst="rect">
             <a:avLst/>
@@ -4060,8 +4149,8 @@
         </p:nvSpPr>
         <p:spPr>
           <a:xfrm>
-            <a:off x="4079067" y="0"/>
-            <a:ext cx="8112800" cy="553200"/>
+            <a:off x="2385868" y="0"/>
+            <a:ext cx="9806000" cy="553200"/>
           </a:xfrm>
           <a:prstGeom prst="rect">
             <a:avLst/>
@@ -4089,6 +4178,119 @@
               <a:buNone/>
             </a:pPr>
             <a:endParaRPr sz="2400"/>
+          </a:p>
+        </p:txBody>
+      </p:sp>
+      <p:sp>
+        <p:nvSpPr>
+          <p:cNvPr id="4" name="Szövegdoboz 3">
+            <a:extLst>
+              <a:ext uri="{FF2B5EF4-FFF2-40B4-BE49-F238E27FC236}">
+                <a16:creationId xmlns:a16="http://schemas.microsoft.com/office/drawing/2014/main" id="{6B41F683-F9D4-3142-6CB3-2B01DF8BB397}"/>
+              </a:ext>
+            </a:extLst>
+          </p:cNvPr>
+          <p:cNvSpPr txBox="1"/>
+          <p:nvPr userDrawn="1"/>
+        </p:nvSpPr>
+        <p:spPr>
+          <a:xfrm>
+            <a:off x="80817" y="95250"/>
+            <a:ext cx="2521844" cy="400110"/>
+          </a:xfrm>
+          <a:prstGeom prst="rect">
+            <a:avLst/>
+          </a:prstGeom>
+          <a:noFill/>
+        </p:spPr>
+        <p:txBody>
+          <a:bodyPr wrap="none" rtlCol="0">
+            <a:spAutoFit/>
+          </a:bodyPr>
+          <a:lstStyle/>
+          <a:p>
+            <a:r>
+              <a:rPr lang="hu-HU" sz="2000" dirty="0" err="1">
+                <a:solidFill>
+                  <a:schemeClr val="tx1"/>
+                </a:solidFill>
+                <a:latin typeface="Quantico" panose="020B0604020202020204" charset="0"/>
+              </a:rPr>
+              <a:t>Dusza</a:t>
+            </a:r>
+            <a:r>
+              <a:rPr lang="hu-HU" sz="2000" dirty="0">
+                <a:solidFill>
+                  <a:schemeClr val="tx1"/>
+                </a:solidFill>
+                <a:latin typeface="Quantico" panose="020B0604020202020204" charset="0"/>
+              </a:rPr>
+              <a:t> 2024.verseny</a:t>
+            </a:r>
+          </a:p>
+        </p:txBody>
+      </p:sp>
+      <p:sp>
+        <p:nvSpPr>
+          <p:cNvPr id="2" name="Google Shape;11;p2">
+            <a:extLst>
+              <a:ext uri="{FF2B5EF4-FFF2-40B4-BE49-F238E27FC236}">
+                <a16:creationId xmlns:a16="http://schemas.microsoft.com/office/drawing/2014/main" id="{1BE759A9-CF52-F9F3-3E74-21F3CA040746}"/>
+              </a:ext>
+            </a:extLst>
+          </p:cNvPr>
+          <p:cNvSpPr txBox="1"/>
+          <p:nvPr userDrawn="1"/>
+        </p:nvSpPr>
+        <p:spPr>
+          <a:xfrm>
+            <a:off x="0" y="6338245"/>
+            <a:ext cx="12191867" cy="240400"/>
+          </a:xfrm>
+          <a:prstGeom prst="rect">
+            <a:avLst/>
+          </a:prstGeom>
+          <a:noFill/>
+          <a:ln>
+            <a:noFill/>
+          </a:ln>
+        </p:spPr>
+        <p:txBody>
+          <a:bodyPr spcFirstLastPara="1" wrap="square" lIns="121900" tIns="121900" rIns="121900" bIns="121900" anchor="ctr" anchorCtr="0">
+            <a:noAutofit/>
+          </a:bodyPr>
+          <a:lstStyle/>
+          <a:p>
+            <a:pPr marL="0" lvl="0" indent="0" algn="ctr" rtl="0">
+              <a:spcBef>
+                <a:spcPts val="0"/>
+              </a:spcBef>
+              <a:spcAft>
+                <a:spcPts val="0"/>
+              </a:spcAft>
+              <a:buNone/>
+            </a:pPr>
+            <a:r>
+              <a:rPr lang="hu-HU" sz="1250" dirty="0">
+                <a:solidFill>
+                  <a:schemeClr val="dk1"/>
+                </a:solidFill>
+                <a:latin typeface="Source Code Pro"/>
+                <a:ea typeface="Source Code Pro"/>
+                <a:cs typeface="Source Code Pro"/>
+                <a:sym typeface="Source Code Pro"/>
+              </a:rPr>
+              <a:t>0 1 1 0   1 0 0 0   0 1 1 0   0 0 0 1   0 1 1 0   1 1 0 0   1 1 0 0   0 0 1 1   1 0 1 0   0 0 0 1   0 1 1 0   1 1 0 0</a:t>
+            </a:r>
+            <a:endParaRPr lang="en" sz="1250" dirty="0">
+              <a:solidFill>
+                <a:schemeClr val="dk1"/>
+              </a:solidFill>
+              <a:latin typeface="Source Code Pro"/>
+              <a:ea typeface="Source Code Pro"/>
+              <a:cs typeface="Source Code Pro"/>
+              <a:sym typeface="Source Code Pro"/>
+            </a:endParaRPr>
           </a:p>
         </p:txBody>
       </p:sp>
@@ -4415,64 +4617,6 @@
       </p:sp>
       <p:sp>
         <p:nvSpPr>
-          <p:cNvPr id="72" name="Google Shape;72;p11"/>
-          <p:cNvSpPr txBox="1"/>
-          <p:nvPr/>
-        </p:nvSpPr>
-        <p:spPr>
-          <a:xfrm>
-            <a:off x="459067" y="6338245"/>
-            <a:ext cx="11304800" cy="240400"/>
-          </a:xfrm>
-          <a:prstGeom prst="rect">
-            <a:avLst/>
-          </a:prstGeom>
-          <a:noFill/>
-          <a:ln>
-            <a:noFill/>
-          </a:ln>
-        </p:spPr>
-        <p:txBody>
-          <a:bodyPr spcFirstLastPara="1" wrap="square" lIns="121900" tIns="121900" rIns="121900" bIns="121900" anchor="ctr" anchorCtr="0">
-            <a:noAutofit/>
-          </a:bodyPr>
-          <a:lstStyle/>
-          <a:p>
-            <a:pPr marL="0" lvl="0" indent="0" algn="ctr" rtl="0">
-              <a:spcBef>
-                <a:spcPts val="0"/>
-              </a:spcBef>
-              <a:spcAft>
-                <a:spcPts val="0"/>
-              </a:spcAft>
-              <a:buNone/>
-            </a:pPr>
-            <a:r>
-              <a:rPr lang="en" sz="1333">
-                <a:solidFill>
-                  <a:schemeClr val="dk1"/>
-                </a:solidFill>
-                <a:latin typeface="Source Code Pro"/>
-                <a:ea typeface="Source Code Pro"/>
-                <a:cs typeface="Source Code Pro"/>
-                <a:sym typeface="Source Code Pro"/>
-              </a:rPr>
-              <a:t>1 0 1 1   0 1 1   0 1   1 0 1 1 0 0 1   1 0   1 1 0 1 1   0 1 1   0 1   1 1 0 1 1 0   1 1 0 1 1 1   1 1 0 1 </a:t>
-            </a:r>
-            <a:endParaRPr sz="1333">
-              <a:solidFill>
-                <a:schemeClr val="dk1"/>
-              </a:solidFill>
-              <a:latin typeface="Source Code Pro"/>
-              <a:ea typeface="Source Code Pro"/>
-              <a:cs typeface="Source Code Pro"/>
-              <a:sym typeface="Source Code Pro"/>
-            </a:endParaRPr>
-          </a:p>
-        </p:txBody>
-      </p:sp>
-      <p:sp>
-        <p:nvSpPr>
           <p:cNvPr id="73" name="Google Shape;73;p11"/>
           <p:cNvSpPr/>
           <p:nvPr/>
@@ -4548,6 +4692,70 @@
               <a:buNone/>
             </a:pPr>
             <a:endParaRPr sz="2400"/>
+          </a:p>
+        </p:txBody>
+      </p:sp>
+      <p:sp>
+        <p:nvSpPr>
+          <p:cNvPr id="2" name="Google Shape;11;p2">
+            <a:extLst>
+              <a:ext uri="{FF2B5EF4-FFF2-40B4-BE49-F238E27FC236}">
+                <a16:creationId xmlns:a16="http://schemas.microsoft.com/office/drawing/2014/main" id="{0C22F497-2724-7E9C-D906-4E01F25FBC3B}"/>
+              </a:ext>
+            </a:extLst>
+          </p:cNvPr>
+          <p:cNvSpPr txBox="1"/>
+          <p:nvPr userDrawn="1"/>
+        </p:nvSpPr>
+        <p:spPr>
+          <a:xfrm>
+            <a:off x="0" y="6338245"/>
+            <a:ext cx="12191867" cy="240400"/>
+          </a:xfrm>
+          <a:prstGeom prst="rect">
+            <a:avLst/>
+          </a:prstGeom>
+          <a:noFill/>
+          <a:ln>
+            <a:noFill/>
+          </a:ln>
+        </p:spPr>
+        <p:txBody>
+          <a:bodyPr spcFirstLastPara="1" wrap="square" lIns="121900" tIns="121900" rIns="121900" bIns="121900" anchor="ctr" anchorCtr="0">
+            <a:noAutofit/>
+          </a:bodyPr>
+          <a:lstStyle/>
+          <a:p>
+            <a:pPr marL="0" lvl="0" indent="0" algn="ctr" rtl="0">
+              <a:spcBef>
+                <a:spcPts val="0"/>
+              </a:spcBef>
+              <a:spcAft>
+                <a:spcPts val="0"/>
+              </a:spcAft>
+              <a:buNone/>
+            </a:pPr>
+            <a:r>
+              <a:rPr lang="hu-HU" sz="1250" dirty="0">
+                <a:solidFill>
+                  <a:schemeClr val="dk1"/>
+                </a:solidFill>
+                <a:latin typeface="Source Code Pro"/>
+                <a:ea typeface="Source Code Pro"/>
+                <a:cs typeface="Source Code Pro"/>
+                <a:sym typeface="Source Code Pro"/>
+              </a:rPr>
+              <a:t>0 1 1 0   1 0 0 0   0 1 1 0   0 0 0 1   0 1 1 0   1 1 0 0   1 1 0 0   0 0 1 1   1 0 1 0   0 0 0 1   0 1 1 0   1 1 0 0</a:t>
+            </a:r>
+            <a:endParaRPr lang="en" sz="1250" dirty="0">
+              <a:solidFill>
+                <a:schemeClr val="dk1"/>
+              </a:solidFill>
+              <a:latin typeface="Source Code Pro"/>
+              <a:ea typeface="Source Code Pro"/>
+              <a:cs typeface="Source Code Pro"/>
+              <a:sym typeface="Source Code Pro"/>
+            </a:endParaRPr>
           </a:p>
         </p:txBody>
       </p:sp>
@@ -7337,14 +7545,20 @@
       </p:sp>
       <p:sp>
         <p:nvSpPr>
-          <p:cNvPr id="93" name="Google Shape;93;p13"/>
+          <p:cNvPr id="2" name="Google Shape;11;p2">
+            <a:extLst>
+              <a:ext uri="{FF2B5EF4-FFF2-40B4-BE49-F238E27FC236}">
+                <a16:creationId xmlns:a16="http://schemas.microsoft.com/office/drawing/2014/main" id="{8A8B3AE7-13C0-7B57-563E-81A6FD076D87}"/>
+              </a:ext>
+            </a:extLst>
+          </p:cNvPr>
           <p:cNvSpPr txBox="1"/>
-          <p:nvPr/>
+          <p:nvPr userDrawn="1"/>
         </p:nvSpPr>
         <p:spPr>
           <a:xfrm>
-            <a:off x="459067" y="6338245"/>
-            <a:ext cx="11304800" cy="240400"/>
+            <a:off x="0" y="6338245"/>
+            <a:ext cx="12191867" cy="240400"/>
           </a:xfrm>
           <a:prstGeom prst="rect">
             <a:avLst/>
@@ -7370,7 +7584,7 @@
               <a:buNone/>
             </a:pPr>
             <a:r>
-              <a:rPr lang="en" sz="1333">
+              <a:rPr lang="hu-HU" sz="1250" dirty="0">
                 <a:solidFill>
                   <a:schemeClr val="dk1"/>
                 </a:solidFill>
@@ -7379,9 +7593,9 @@
                 <a:cs typeface="Source Code Pro"/>
                 <a:sym typeface="Source Code Pro"/>
               </a:rPr>
-              <a:t>1 0 1 1   0 1 1   0 1   1 0 1 1 0 0 1   1 0   1 1 0 1 1   0 1 1   0 1   1 1 0 1 1 0   1 1 0 1 1 1   1 1 0 1 </a:t>
+              <a:t>0 1 1 0   1 0 0 0   0 1 1 0   0 0 0 1   0 1 1 0   1 1 0 0   1 1 0 0   0 0 1 1   1 0 1 0   0 0 0 1   0 1 1 0   1 1 0 0</a:t>
             </a:r>
-            <a:endParaRPr sz="1333">
+            <a:endParaRPr lang="en" sz="1250" dirty="0">
               <a:solidFill>
                 <a:schemeClr val="dk1"/>
               </a:solidFill>
@@ -8544,14 +8758,20 @@
       </p:sp>
       <p:sp>
         <p:nvSpPr>
-          <p:cNvPr id="119" name="Google Shape;119;p16"/>
+          <p:cNvPr id="2" name="Google Shape;11;p2">
+            <a:extLst>
+              <a:ext uri="{FF2B5EF4-FFF2-40B4-BE49-F238E27FC236}">
+                <a16:creationId xmlns:a16="http://schemas.microsoft.com/office/drawing/2014/main" id="{6A74A36F-CA49-67F7-1D94-B1B247F04C81}"/>
+              </a:ext>
+            </a:extLst>
+          </p:cNvPr>
           <p:cNvSpPr txBox="1"/>
-          <p:nvPr/>
+          <p:nvPr userDrawn="1"/>
         </p:nvSpPr>
         <p:spPr>
           <a:xfrm>
-            <a:off x="459067" y="6338245"/>
-            <a:ext cx="11304800" cy="240400"/>
+            <a:off x="0" y="6338245"/>
+            <a:ext cx="12191867" cy="240400"/>
           </a:xfrm>
           <a:prstGeom prst="rect">
             <a:avLst/>
@@ -8577,7 +8797,7 @@
               <a:buNone/>
             </a:pPr>
             <a:r>
-              <a:rPr lang="en" sz="1333">
+              <a:rPr lang="hu-HU" sz="1250" dirty="0">
                 <a:solidFill>
                   <a:schemeClr val="dk1"/>
                 </a:solidFill>
@@ -8586,9 +8806,9 @@
                 <a:cs typeface="Source Code Pro"/>
                 <a:sym typeface="Source Code Pro"/>
               </a:rPr>
-              <a:t>1 0 1 1   0 1 1   0 1   1 0 1 1 0 0 1   1 0   1 1 0 1 1   0 1 1   0 1   1 1 0 1 1 0   1 1 0 1 1 1   1 1 0 1 </a:t>
+              <a:t>0 1 1 0   1 0 0 0   0 1 1 0   0 0 0 1   0 1 1 0   1 1 0 0   1 1 0 0   0 0 1 1   1 0 1 0   0 0 0 1   0 1 1 0   1 1 0 0</a:t>
             </a:r>
-            <a:endParaRPr sz="1333">
+            <a:endParaRPr lang="en" sz="1250" dirty="0">
               <a:solidFill>
                 <a:schemeClr val="dk1"/>
               </a:solidFill>
@@ -10044,14 +10264,20 @@
       </p:sp>
       <p:sp>
         <p:nvSpPr>
-          <p:cNvPr id="133" name="Google Shape;133;p17"/>
+          <p:cNvPr id="2" name="Google Shape;11;p2">
+            <a:extLst>
+              <a:ext uri="{FF2B5EF4-FFF2-40B4-BE49-F238E27FC236}">
+                <a16:creationId xmlns:a16="http://schemas.microsoft.com/office/drawing/2014/main" id="{80691E4B-ABE9-E168-9A26-3635D825AC52}"/>
+              </a:ext>
+            </a:extLst>
+          </p:cNvPr>
           <p:cNvSpPr txBox="1"/>
-          <p:nvPr/>
+          <p:nvPr userDrawn="1"/>
         </p:nvSpPr>
         <p:spPr>
           <a:xfrm>
-            <a:off x="459067" y="6338245"/>
-            <a:ext cx="11304800" cy="240400"/>
+            <a:off x="0" y="6338245"/>
+            <a:ext cx="12191867" cy="240400"/>
           </a:xfrm>
           <a:prstGeom prst="rect">
             <a:avLst/>
@@ -10077,7 +10303,7 @@
               <a:buNone/>
             </a:pPr>
             <a:r>
-              <a:rPr lang="en" sz="1333">
+              <a:rPr lang="hu-HU" sz="1250" dirty="0">
                 <a:solidFill>
                   <a:schemeClr val="dk1"/>
                 </a:solidFill>
@@ -10086,9 +10312,9 @@
                 <a:cs typeface="Source Code Pro"/>
                 <a:sym typeface="Source Code Pro"/>
               </a:rPr>
-              <a:t>1 0 1 1   0 1 1   0 1   1 0 1 1 0 0 1   1 0   1 1 0 1 1   0 1 1   0 1   1 1 0 1 1 0   1 1 0 1 1 1   1 1 0 1 </a:t>
+              <a:t>0 1 1 0   1 0 0 0   0 1 1 0   0 0 0 1   0 1 1 0   1 1 0 0   1 1 0 0   0 0 1 1   1 0 1 0   0 0 0 1   0 1 1 0   1 1 0 0</a:t>
             </a:r>
-            <a:endParaRPr sz="1333">
+            <a:endParaRPr lang="en" sz="1250" dirty="0">
               <a:solidFill>
                 <a:schemeClr val="dk1"/>
               </a:solidFill>
@@ -12130,14 +12356,20 @@
       </p:sp>
       <p:sp>
         <p:nvSpPr>
-          <p:cNvPr id="151" name="Google Shape;151;p18"/>
+          <p:cNvPr id="2" name="Google Shape;11;p2">
+            <a:extLst>
+              <a:ext uri="{FF2B5EF4-FFF2-40B4-BE49-F238E27FC236}">
+                <a16:creationId xmlns:a16="http://schemas.microsoft.com/office/drawing/2014/main" id="{08E4D65F-D9BD-BA20-DFEE-5BD6FDA4BD44}"/>
+              </a:ext>
+            </a:extLst>
+          </p:cNvPr>
           <p:cNvSpPr txBox="1"/>
-          <p:nvPr/>
+          <p:nvPr userDrawn="1"/>
         </p:nvSpPr>
         <p:spPr>
           <a:xfrm>
-            <a:off x="459067" y="6338245"/>
-            <a:ext cx="11304800" cy="240400"/>
+            <a:off x="0" y="6338245"/>
+            <a:ext cx="12191867" cy="240400"/>
           </a:xfrm>
           <a:prstGeom prst="rect">
             <a:avLst/>
@@ -12163,7 +12395,7 @@
               <a:buNone/>
             </a:pPr>
             <a:r>
-              <a:rPr lang="en" sz="1333">
+              <a:rPr lang="hu-HU" sz="1250" dirty="0">
                 <a:solidFill>
                   <a:schemeClr val="dk1"/>
                 </a:solidFill>
@@ -12172,9 +12404,9 @@
                 <a:cs typeface="Source Code Pro"/>
                 <a:sym typeface="Source Code Pro"/>
               </a:rPr>
-              <a:t>1 0 1 1   0 1 1   0 1   1 0 1 1 0 0 1   1 0   1 1 0 1 1   0 1 1   0 1   1 1 0 1 1 0   1 1 0 1 1 1   1 1 0 1 </a:t>
+              <a:t>0 1 1 0   1 0 0 0   0 1 1 0   0 0 0 1   0 1 1 0   1 1 0 0   1 1 0 0   0 0 1 1   1 0 1 0   0 0 0 1   0 1 1 0   1 1 0 0</a:t>
             </a:r>
-            <a:endParaRPr sz="1333">
+            <a:endParaRPr lang="en" sz="1250" dirty="0">
               <a:solidFill>
                 <a:schemeClr val="dk1"/>
               </a:solidFill>
@@ -13327,14 +13559,20 @@
       </p:sp>
       <p:sp>
         <p:nvSpPr>
-          <p:cNvPr id="162" name="Google Shape;162;p19"/>
+          <p:cNvPr id="2" name="Google Shape;11;p2">
+            <a:extLst>
+              <a:ext uri="{FF2B5EF4-FFF2-40B4-BE49-F238E27FC236}">
+                <a16:creationId xmlns:a16="http://schemas.microsoft.com/office/drawing/2014/main" id="{7272E248-F95C-118C-F69D-35403BC56FC3}"/>
+              </a:ext>
+            </a:extLst>
+          </p:cNvPr>
           <p:cNvSpPr txBox="1"/>
-          <p:nvPr/>
+          <p:nvPr userDrawn="1"/>
         </p:nvSpPr>
         <p:spPr>
           <a:xfrm>
-            <a:off x="459067" y="6338245"/>
-            <a:ext cx="11304800" cy="240400"/>
+            <a:off x="0" y="6338245"/>
+            <a:ext cx="12191867" cy="240400"/>
           </a:xfrm>
           <a:prstGeom prst="rect">
             <a:avLst/>
@@ -13360,7 +13598,7 @@
               <a:buNone/>
             </a:pPr>
             <a:r>
-              <a:rPr lang="en" sz="1333">
+              <a:rPr lang="hu-HU" sz="1250" dirty="0">
                 <a:solidFill>
                   <a:schemeClr val="dk1"/>
                 </a:solidFill>
@@ -13369,9 +13607,9 @@
                 <a:cs typeface="Source Code Pro"/>
                 <a:sym typeface="Source Code Pro"/>
               </a:rPr>
-              <a:t>1 0 1 1   0 1 1   0 1   1 0 1 1 0 0 1   1 0   1 1 0 1 1   0 1 1   0 1   1 1 0 1 1 0   1 1 0 1 1 1   1 1 0 1 </a:t>
+              <a:t>0 1 1 0   1 0 0 0   0 1 1 0   0 0 0 1   0 1 1 0   1 1 0 0   1 1 0 0   0 0 1 1   1 0 1 0   0 0 0 1   0 1 1 0   1 1 0 0</a:t>
             </a:r>
-            <a:endParaRPr sz="1333">
+            <a:endParaRPr lang="en" sz="1250" dirty="0">
               <a:solidFill>
                 <a:schemeClr val="dk1"/>
               </a:solidFill>
@@ -13655,14 +13893,20 @@
       </p:sp>
       <p:sp>
         <p:nvSpPr>
-          <p:cNvPr id="168" name="Google Shape;168;p20"/>
+          <p:cNvPr id="2" name="Google Shape;11;p2">
+            <a:extLst>
+              <a:ext uri="{FF2B5EF4-FFF2-40B4-BE49-F238E27FC236}">
+                <a16:creationId xmlns:a16="http://schemas.microsoft.com/office/drawing/2014/main" id="{65273489-8060-086F-7BF1-D501153794D2}"/>
+              </a:ext>
+            </a:extLst>
+          </p:cNvPr>
           <p:cNvSpPr txBox="1"/>
-          <p:nvPr/>
+          <p:nvPr userDrawn="1"/>
         </p:nvSpPr>
         <p:spPr>
           <a:xfrm>
-            <a:off x="459067" y="6338245"/>
-            <a:ext cx="11304800" cy="240400"/>
+            <a:off x="0" y="6338245"/>
+            <a:ext cx="12191867" cy="240400"/>
           </a:xfrm>
           <a:prstGeom prst="rect">
             <a:avLst/>
@@ -13688,7 +13932,7 @@
               <a:buNone/>
             </a:pPr>
             <a:r>
-              <a:rPr lang="en" sz="1333">
+              <a:rPr lang="hu-HU" sz="1250" dirty="0">
                 <a:solidFill>
                   <a:schemeClr val="dk1"/>
                 </a:solidFill>
@@ -13697,9 +13941,9 @@
                 <a:cs typeface="Source Code Pro"/>
                 <a:sym typeface="Source Code Pro"/>
               </a:rPr>
-              <a:t>1 0 1 1   0 1 1   0 1   1 0 1 1 0 0 1   1 0   1 1 0 1 1   0 1 1   0 1   1 1 0 1 1 0   1 1 0 1 1 1   1 1 0 1 </a:t>
+              <a:t>0 1 1 0   1 0 0 0   0 1 1 0   0 0 0 1   0 1 1 0   1 1 0 0   1 1 0 0   0 0 1 1   1 0 1 0   0 0 0 1   0 1 1 0   1 1 0 0</a:t>
             </a:r>
-            <a:endParaRPr sz="1333">
+            <a:endParaRPr lang="en" sz="1250" dirty="0">
               <a:solidFill>
                 <a:schemeClr val="dk1"/>
               </a:solidFill>
@@ -14413,64 +14657,6 @@
       </p:sp>
       <p:sp>
         <p:nvSpPr>
-          <p:cNvPr id="179" name="Google Shape;179;p21"/>
-          <p:cNvSpPr txBox="1"/>
-          <p:nvPr/>
-        </p:nvSpPr>
-        <p:spPr>
-          <a:xfrm>
-            <a:off x="459067" y="6338245"/>
-            <a:ext cx="11304800" cy="240400"/>
-          </a:xfrm>
-          <a:prstGeom prst="rect">
-            <a:avLst/>
-          </a:prstGeom>
-          <a:noFill/>
-          <a:ln>
-            <a:noFill/>
-          </a:ln>
-        </p:spPr>
-        <p:txBody>
-          <a:bodyPr spcFirstLastPara="1" wrap="square" lIns="121900" tIns="121900" rIns="121900" bIns="121900" anchor="ctr" anchorCtr="0">
-            <a:noAutofit/>
-          </a:bodyPr>
-          <a:lstStyle/>
-          <a:p>
-            <a:pPr marL="0" lvl="0" indent="0" algn="ctr" rtl="0">
-              <a:spcBef>
-                <a:spcPts val="0"/>
-              </a:spcBef>
-              <a:spcAft>
-                <a:spcPts val="0"/>
-              </a:spcAft>
-              <a:buNone/>
-            </a:pPr>
-            <a:r>
-              <a:rPr lang="en" sz="1333">
-                <a:solidFill>
-                  <a:schemeClr val="dk1"/>
-                </a:solidFill>
-                <a:latin typeface="Source Code Pro"/>
-                <a:ea typeface="Source Code Pro"/>
-                <a:cs typeface="Source Code Pro"/>
-                <a:sym typeface="Source Code Pro"/>
-              </a:rPr>
-              <a:t>1 0 1 1   0 1 1   0 1   1 0 1 1 0 0 1   1 0   1 1 0 1 1   0 1 1   0 1   1 1 0 1 1 0   1 1 0 1 1 1   1 1 0 1 </a:t>
-            </a:r>
-            <a:endParaRPr sz="1333">
-              <a:solidFill>
-                <a:schemeClr val="dk1"/>
-              </a:solidFill>
-              <a:latin typeface="Source Code Pro"/>
-              <a:ea typeface="Source Code Pro"/>
-              <a:cs typeface="Source Code Pro"/>
-              <a:sym typeface="Source Code Pro"/>
-            </a:endParaRPr>
-          </a:p>
-        </p:txBody>
-      </p:sp>
-      <p:sp>
-        <p:nvSpPr>
           <p:cNvPr id="180" name="Google Shape;180;p21"/>
           <p:cNvSpPr/>
           <p:nvPr/>
@@ -14546,6 +14732,70 @@
               <a:buNone/>
             </a:pPr>
             <a:endParaRPr sz="2400"/>
+          </a:p>
+        </p:txBody>
+      </p:sp>
+      <p:sp>
+        <p:nvSpPr>
+          <p:cNvPr id="2" name="Google Shape;11;p2">
+            <a:extLst>
+              <a:ext uri="{FF2B5EF4-FFF2-40B4-BE49-F238E27FC236}">
+                <a16:creationId xmlns:a16="http://schemas.microsoft.com/office/drawing/2014/main" id="{7B568FC8-87A2-10E4-EC23-B5224319AA5C}"/>
+              </a:ext>
+            </a:extLst>
+          </p:cNvPr>
+          <p:cNvSpPr txBox="1"/>
+          <p:nvPr userDrawn="1"/>
+        </p:nvSpPr>
+        <p:spPr>
+          <a:xfrm>
+            <a:off x="0" y="6338245"/>
+            <a:ext cx="12191867" cy="240400"/>
+          </a:xfrm>
+          <a:prstGeom prst="rect">
+            <a:avLst/>
+          </a:prstGeom>
+          <a:noFill/>
+          <a:ln>
+            <a:noFill/>
+          </a:ln>
+        </p:spPr>
+        <p:txBody>
+          <a:bodyPr spcFirstLastPara="1" wrap="square" lIns="121900" tIns="121900" rIns="121900" bIns="121900" anchor="ctr" anchorCtr="0">
+            <a:noAutofit/>
+          </a:bodyPr>
+          <a:lstStyle/>
+          <a:p>
+            <a:pPr marL="0" lvl="0" indent="0" algn="ctr" rtl="0">
+              <a:spcBef>
+                <a:spcPts val="0"/>
+              </a:spcBef>
+              <a:spcAft>
+                <a:spcPts val="0"/>
+              </a:spcAft>
+              <a:buNone/>
+            </a:pPr>
+            <a:r>
+              <a:rPr lang="hu-HU" sz="1250" dirty="0">
+                <a:solidFill>
+                  <a:schemeClr val="dk1"/>
+                </a:solidFill>
+                <a:latin typeface="Source Code Pro"/>
+                <a:ea typeface="Source Code Pro"/>
+                <a:cs typeface="Source Code Pro"/>
+                <a:sym typeface="Source Code Pro"/>
+              </a:rPr>
+              <a:t>0 1 1 0   1 0 0 0   0 1 1 0   0 0 0 1   0 1 1 0   1 1 0 0   1 1 0 0   0 0 1 1   1 0 1 0   0 0 0 1   0 1 1 0   1 1 0 0</a:t>
+            </a:r>
+            <a:endParaRPr lang="en" sz="1250" dirty="0">
+              <a:solidFill>
+                <a:schemeClr val="dk1"/>
+              </a:solidFill>
+              <a:latin typeface="Source Code Pro"/>
+              <a:ea typeface="Source Code Pro"/>
+              <a:cs typeface="Source Code Pro"/>
+              <a:sym typeface="Source Code Pro"/>
+            </a:endParaRPr>
           </a:p>
         </p:txBody>
       </p:sp>
@@ -14793,64 +15043,6 @@
           </p:txBody>
         </p:sp>
       </p:grpSp>
-      <p:sp>
-        <p:nvSpPr>
-          <p:cNvPr id="189" name="Google Shape;189;p22"/>
-          <p:cNvSpPr txBox="1"/>
-          <p:nvPr/>
-        </p:nvSpPr>
-        <p:spPr>
-          <a:xfrm>
-            <a:off x="459067" y="6338245"/>
-            <a:ext cx="11304800" cy="240400"/>
-          </a:xfrm>
-          <a:prstGeom prst="rect">
-            <a:avLst/>
-          </a:prstGeom>
-          <a:noFill/>
-          <a:ln>
-            <a:noFill/>
-          </a:ln>
-        </p:spPr>
-        <p:txBody>
-          <a:bodyPr spcFirstLastPara="1" wrap="square" lIns="121900" tIns="121900" rIns="121900" bIns="121900" anchor="ctr" anchorCtr="0">
-            <a:noAutofit/>
-          </a:bodyPr>
-          <a:lstStyle/>
-          <a:p>
-            <a:pPr marL="0" lvl="0" indent="0" algn="ctr" rtl="0">
-              <a:spcBef>
-                <a:spcPts val="0"/>
-              </a:spcBef>
-              <a:spcAft>
-                <a:spcPts val="0"/>
-              </a:spcAft>
-              <a:buNone/>
-            </a:pPr>
-            <a:r>
-              <a:rPr lang="en" sz="1333">
-                <a:solidFill>
-                  <a:schemeClr val="dk1"/>
-                </a:solidFill>
-                <a:latin typeface="Source Code Pro"/>
-                <a:ea typeface="Source Code Pro"/>
-                <a:cs typeface="Source Code Pro"/>
-                <a:sym typeface="Source Code Pro"/>
-              </a:rPr>
-              <a:t>1 0 1 1   0 1 1   0 1   1 0 1 1 0 0 1   1 0   1 1 0 1 1   0 1 1   0 1   1 1 0 1 1 0   1 1 0 1 1 1   1 1 0 1 </a:t>
-            </a:r>
-            <a:endParaRPr sz="1333">
-              <a:solidFill>
-                <a:schemeClr val="dk1"/>
-              </a:solidFill>
-              <a:latin typeface="Source Code Pro"/>
-              <a:ea typeface="Source Code Pro"/>
-              <a:cs typeface="Source Code Pro"/>
-              <a:sym typeface="Source Code Pro"/>
-            </a:endParaRPr>
-          </a:p>
-        </p:txBody>
-      </p:sp>
       <p:grpSp>
         <p:nvGrpSpPr>
           <p:cNvPr id="190" name="Google Shape;190;p22"/>
@@ -14946,6 +15138,70 @@
           </p:txBody>
         </p:sp>
       </p:grpSp>
+      <p:sp>
+        <p:nvSpPr>
+          <p:cNvPr id="2" name="Google Shape;11;p2">
+            <a:extLst>
+              <a:ext uri="{FF2B5EF4-FFF2-40B4-BE49-F238E27FC236}">
+                <a16:creationId xmlns:a16="http://schemas.microsoft.com/office/drawing/2014/main" id="{16A85D27-745F-0ED9-28B0-CBA3D3CA27D5}"/>
+              </a:ext>
+            </a:extLst>
+          </p:cNvPr>
+          <p:cNvSpPr txBox="1"/>
+          <p:nvPr userDrawn="1"/>
+        </p:nvSpPr>
+        <p:spPr>
+          <a:xfrm>
+            <a:off x="0" y="6338245"/>
+            <a:ext cx="12191867" cy="240400"/>
+          </a:xfrm>
+          <a:prstGeom prst="rect">
+            <a:avLst/>
+          </a:prstGeom>
+          <a:noFill/>
+          <a:ln>
+            <a:noFill/>
+          </a:ln>
+        </p:spPr>
+        <p:txBody>
+          <a:bodyPr spcFirstLastPara="1" wrap="square" lIns="121900" tIns="121900" rIns="121900" bIns="121900" anchor="ctr" anchorCtr="0">
+            <a:noAutofit/>
+          </a:bodyPr>
+          <a:lstStyle/>
+          <a:p>
+            <a:pPr marL="0" lvl="0" indent="0" algn="ctr" rtl="0">
+              <a:spcBef>
+                <a:spcPts val="0"/>
+              </a:spcBef>
+              <a:spcAft>
+                <a:spcPts val="0"/>
+              </a:spcAft>
+              <a:buNone/>
+            </a:pPr>
+            <a:r>
+              <a:rPr lang="hu-HU" sz="1250" dirty="0">
+                <a:solidFill>
+                  <a:schemeClr val="dk1"/>
+                </a:solidFill>
+                <a:latin typeface="Source Code Pro"/>
+                <a:ea typeface="Source Code Pro"/>
+                <a:cs typeface="Source Code Pro"/>
+                <a:sym typeface="Source Code Pro"/>
+              </a:rPr>
+              <a:t>0 1 1 0   1 0 0 0   0 1 1 0   0 0 0 1   0 1 1 0   1 1 0 0   1 1 0 0   0 0 1 1   1 0 1 0   0 0 0 1   0 1 1 0   1 1 0 0</a:t>
+            </a:r>
+            <a:endParaRPr lang="en" sz="1250" dirty="0">
+              <a:solidFill>
+                <a:schemeClr val="dk1"/>
+              </a:solidFill>
+              <a:latin typeface="Source Code Pro"/>
+              <a:ea typeface="Source Code Pro"/>
+              <a:cs typeface="Source Code Pro"/>
+              <a:sym typeface="Source Code Pro"/>
+            </a:endParaRPr>
+          </a:p>
+        </p:txBody>
+      </p:sp>
     </p:spTree>
     <p:extLst>
       <p:ext uri="{BB962C8B-B14F-4D97-AF65-F5344CB8AC3E}">
@@ -15242,64 +15498,6 @@
       </p:sp>
       <p:sp>
         <p:nvSpPr>
-          <p:cNvPr id="17" name="Google Shape;17;p3"/>
-          <p:cNvSpPr txBox="1"/>
-          <p:nvPr/>
-        </p:nvSpPr>
-        <p:spPr>
-          <a:xfrm>
-            <a:off x="459067" y="6338245"/>
-            <a:ext cx="11304800" cy="240400"/>
-          </a:xfrm>
-          <a:prstGeom prst="rect">
-            <a:avLst/>
-          </a:prstGeom>
-          <a:noFill/>
-          <a:ln>
-            <a:noFill/>
-          </a:ln>
-        </p:spPr>
-        <p:txBody>
-          <a:bodyPr spcFirstLastPara="1" wrap="square" lIns="121900" tIns="121900" rIns="121900" bIns="121900" anchor="ctr" anchorCtr="0">
-            <a:noAutofit/>
-          </a:bodyPr>
-          <a:lstStyle/>
-          <a:p>
-            <a:pPr marL="0" lvl="0" indent="0" algn="ctr" rtl="0">
-              <a:spcBef>
-                <a:spcPts val="0"/>
-              </a:spcBef>
-              <a:spcAft>
-                <a:spcPts val="0"/>
-              </a:spcAft>
-              <a:buNone/>
-            </a:pPr>
-            <a:r>
-              <a:rPr lang="en" sz="1333">
-                <a:solidFill>
-                  <a:schemeClr val="dk1"/>
-                </a:solidFill>
-                <a:latin typeface="Source Code Pro"/>
-                <a:ea typeface="Source Code Pro"/>
-                <a:cs typeface="Source Code Pro"/>
-                <a:sym typeface="Source Code Pro"/>
-              </a:rPr>
-              <a:t>1 0 1 1   0 1 1   0 1   1 0 1 1 0 0 1   1 0   1 1 0 1 1   0 1 1   0 1   1 1 0 1 1 0   1 1 0 1 1 1   1 1 0 1 </a:t>
-            </a:r>
-            <a:endParaRPr sz="1333">
-              <a:solidFill>
-                <a:schemeClr val="dk1"/>
-              </a:solidFill>
-              <a:latin typeface="Source Code Pro"/>
-              <a:ea typeface="Source Code Pro"/>
-              <a:cs typeface="Source Code Pro"/>
-              <a:sym typeface="Source Code Pro"/>
-            </a:endParaRPr>
-          </a:p>
-        </p:txBody>
-      </p:sp>
-      <p:sp>
-        <p:nvSpPr>
           <p:cNvPr id="18" name="Google Shape;18;p3"/>
           <p:cNvSpPr/>
           <p:nvPr/>
@@ -15375,6 +15573,70 @@
               <a:buNone/>
             </a:pPr>
             <a:endParaRPr sz="2400"/>
+          </a:p>
+        </p:txBody>
+      </p:sp>
+      <p:sp>
+        <p:nvSpPr>
+          <p:cNvPr id="3" name="Google Shape;11;p2">
+            <a:extLst>
+              <a:ext uri="{FF2B5EF4-FFF2-40B4-BE49-F238E27FC236}">
+                <a16:creationId xmlns:a16="http://schemas.microsoft.com/office/drawing/2014/main" id="{C12C6CBF-7CB8-1F34-77FD-D582431ACD06}"/>
+              </a:ext>
+            </a:extLst>
+          </p:cNvPr>
+          <p:cNvSpPr txBox="1"/>
+          <p:nvPr userDrawn="1"/>
+        </p:nvSpPr>
+        <p:spPr>
+          <a:xfrm>
+            <a:off x="0" y="6338245"/>
+            <a:ext cx="12191867" cy="240400"/>
+          </a:xfrm>
+          <a:prstGeom prst="rect">
+            <a:avLst/>
+          </a:prstGeom>
+          <a:noFill/>
+          <a:ln>
+            <a:noFill/>
+          </a:ln>
+        </p:spPr>
+        <p:txBody>
+          <a:bodyPr spcFirstLastPara="1" wrap="square" lIns="121900" tIns="121900" rIns="121900" bIns="121900" anchor="ctr" anchorCtr="0">
+            <a:noAutofit/>
+          </a:bodyPr>
+          <a:lstStyle/>
+          <a:p>
+            <a:pPr marL="0" lvl="0" indent="0" algn="ctr" rtl="0">
+              <a:spcBef>
+                <a:spcPts val="0"/>
+              </a:spcBef>
+              <a:spcAft>
+                <a:spcPts val="0"/>
+              </a:spcAft>
+              <a:buNone/>
+            </a:pPr>
+            <a:r>
+              <a:rPr lang="hu-HU" sz="1250" dirty="0">
+                <a:solidFill>
+                  <a:schemeClr val="dk1"/>
+                </a:solidFill>
+                <a:latin typeface="Source Code Pro"/>
+                <a:ea typeface="Source Code Pro"/>
+                <a:cs typeface="Source Code Pro"/>
+                <a:sym typeface="Source Code Pro"/>
+              </a:rPr>
+              <a:t>0 1 1 0   1 0 0 0   0 1 1 0   0 0 0 1   0 1 1 0   1 1 0 0   1 1 0 0   0 0 1 1   1 0 1 0   0 0 0 1   0 1 1 0   1 1 0 0</a:t>
+            </a:r>
+            <a:endParaRPr lang="en" sz="1250" dirty="0">
+              <a:solidFill>
+                <a:schemeClr val="dk1"/>
+              </a:solidFill>
+              <a:latin typeface="Source Code Pro"/>
+              <a:ea typeface="Source Code Pro"/>
+              <a:cs typeface="Source Code Pro"/>
+              <a:sym typeface="Source Code Pro"/>
+            </a:endParaRPr>
           </a:p>
         </p:txBody>
       </p:sp>
@@ -15517,14 +15779,20 @@
       </p:grpSp>
       <p:sp>
         <p:nvSpPr>
-          <p:cNvPr id="197" name="Google Shape;197;p23"/>
+          <p:cNvPr id="2" name="Google Shape;11;p2">
+            <a:extLst>
+              <a:ext uri="{FF2B5EF4-FFF2-40B4-BE49-F238E27FC236}">
+                <a16:creationId xmlns:a16="http://schemas.microsoft.com/office/drawing/2014/main" id="{97D4AC68-4354-999B-9D6E-D84A72212735}"/>
+              </a:ext>
+            </a:extLst>
+          </p:cNvPr>
           <p:cNvSpPr txBox="1"/>
-          <p:nvPr/>
+          <p:nvPr userDrawn="1"/>
         </p:nvSpPr>
         <p:spPr>
           <a:xfrm>
-            <a:off x="459067" y="6338245"/>
-            <a:ext cx="11304800" cy="240400"/>
+            <a:off x="0" y="6338245"/>
+            <a:ext cx="12191867" cy="240400"/>
           </a:xfrm>
           <a:prstGeom prst="rect">
             <a:avLst/>
@@ -15550,7 +15818,7 @@
               <a:buNone/>
             </a:pPr>
             <a:r>
-              <a:rPr lang="en" sz="1333">
+              <a:rPr lang="hu-HU" sz="1250" dirty="0">
                 <a:solidFill>
                   <a:schemeClr val="dk1"/>
                 </a:solidFill>
@@ -15559,9 +15827,9 @@
                 <a:cs typeface="Source Code Pro"/>
                 <a:sym typeface="Source Code Pro"/>
               </a:rPr>
-              <a:t>1 0 1 1   0 1 1   0 1   1 0 1 1 0 0 1   1 0   1 1 0 1 1   0 1 1   0 1   1 1 0 1 1 0   1 1 0 1 1 1   1 1 0 1 </a:t>
+              <a:t>0 1 1 0   1 0 0 0   0 1 1 0   0 0 0 1   0 1 1 0   1 1 0 0   1 1 0 0   0 0 1 1   1 0 1 0   0 0 0 1   0 1 1 0   1 1 0 0</a:t>
             </a:r>
-            <a:endParaRPr sz="1333">
+            <a:endParaRPr lang="en" sz="1250" dirty="0">
               <a:solidFill>
                 <a:schemeClr val="dk1"/>
               </a:solidFill>
@@ -16176,14 +16444,20 @@
       </p:sp>
       <p:sp>
         <p:nvSpPr>
-          <p:cNvPr id="26" name="Google Shape;26;p4"/>
+          <p:cNvPr id="3" name="Google Shape;11;p2">
+            <a:extLst>
+              <a:ext uri="{FF2B5EF4-FFF2-40B4-BE49-F238E27FC236}">
+                <a16:creationId xmlns:a16="http://schemas.microsoft.com/office/drawing/2014/main" id="{6BDD917B-9209-3FFE-86BD-B43CE22C96BD}"/>
+              </a:ext>
+            </a:extLst>
+          </p:cNvPr>
           <p:cNvSpPr txBox="1"/>
-          <p:nvPr/>
+          <p:nvPr userDrawn="1"/>
         </p:nvSpPr>
         <p:spPr>
           <a:xfrm>
-            <a:off x="459067" y="6338245"/>
-            <a:ext cx="11304800" cy="240400"/>
+            <a:off x="0" y="6338245"/>
+            <a:ext cx="12191867" cy="240400"/>
           </a:xfrm>
           <a:prstGeom prst="rect">
             <a:avLst/>
@@ -16209,7 +16483,7 @@
               <a:buNone/>
             </a:pPr>
             <a:r>
-              <a:rPr lang="en" sz="1333">
+              <a:rPr lang="hu-HU" sz="1250" dirty="0">
                 <a:solidFill>
                   <a:schemeClr val="dk1"/>
                 </a:solidFill>
@@ -16218,9 +16492,9 @@
                 <a:cs typeface="Source Code Pro"/>
                 <a:sym typeface="Source Code Pro"/>
               </a:rPr>
-              <a:t>1 0 1 1   0 1 1   0 1   1 0 1 1 0 0 1   1 0   1 1 0 1 1   0 1 1   0 1   1 1 0 1 1 0   1 1 0 1 1 1   1 1 0 1 </a:t>
+              <a:t>0 1 1 0   1 0 0 0   0 1 1 0   0 0 0 1   0 1 1 0   1 1 0 0   1 1 0 0   0 0 1 1   1 0 1 0   0 0 0 1   0 1 1 0   1 1 0 0</a:t>
             </a:r>
-            <a:endParaRPr sz="1333">
+            <a:endParaRPr lang="en" sz="1250" dirty="0">
               <a:solidFill>
                 <a:schemeClr val="dk1"/>
               </a:solidFill>
@@ -17354,14 +17628,20 @@
       </p:sp>
       <p:sp>
         <p:nvSpPr>
-          <p:cNvPr id="36" name="Google Shape;36;p5"/>
+          <p:cNvPr id="2" name="Google Shape;11;p2">
+            <a:extLst>
+              <a:ext uri="{FF2B5EF4-FFF2-40B4-BE49-F238E27FC236}">
+                <a16:creationId xmlns:a16="http://schemas.microsoft.com/office/drawing/2014/main" id="{88974553-24EF-90DC-E846-0E170C333D24}"/>
+              </a:ext>
+            </a:extLst>
+          </p:cNvPr>
           <p:cNvSpPr txBox="1"/>
-          <p:nvPr/>
+          <p:nvPr userDrawn="1"/>
         </p:nvSpPr>
         <p:spPr>
           <a:xfrm>
-            <a:off x="459067" y="6338245"/>
-            <a:ext cx="11304800" cy="240400"/>
+            <a:off x="0" y="6338245"/>
+            <a:ext cx="12191867" cy="240400"/>
           </a:xfrm>
           <a:prstGeom prst="rect">
             <a:avLst/>
@@ -17387,7 +17667,7 @@
               <a:buNone/>
             </a:pPr>
             <a:r>
-              <a:rPr lang="en" sz="1333">
+              <a:rPr lang="hu-HU" sz="1250" dirty="0">
                 <a:solidFill>
                   <a:schemeClr val="dk1"/>
                 </a:solidFill>
@@ -17396,9 +17676,9 @@
                 <a:cs typeface="Source Code Pro"/>
                 <a:sym typeface="Source Code Pro"/>
               </a:rPr>
-              <a:t>1 0 1 1   0 1 1   0 1   1 0 1 1 0 0 1   1 0   1 1 0 1 1   0 1 1   0 1   1 1 0 1 1 0   1 1 0 1 1 1   1 1 0 1 </a:t>
+              <a:t>0 1 1 0   1 0 0 0   0 1 1 0   0 0 0 1   0 1 1 0   1 1 0 0   1 1 0 0   0 0 1 1   1 0 1 0   0 0 0 1   0 1 1 0   1 1 0 0</a:t>
             </a:r>
-            <a:endParaRPr sz="1333">
+            <a:endParaRPr lang="en" sz="1250" dirty="0">
               <a:solidFill>
                 <a:schemeClr val="dk1"/>
               </a:solidFill>
@@ -17682,14 +17962,20 @@
       </p:sp>
       <p:sp>
         <p:nvSpPr>
-          <p:cNvPr id="42" name="Google Shape;42;p6"/>
+          <p:cNvPr id="2" name="Google Shape;11;p2">
+            <a:extLst>
+              <a:ext uri="{FF2B5EF4-FFF2-40B4-BE49-F238E27FC236}">
+                <a16:creationId xmlns:a16="http://schemas.microsoft.com/office/drawing/2014/main" id="{BDB97894-F202-2CDF-6E2B-C5209253C1BE}"/>
+              </a:ext>
+            </a:extLst>
+          </p:cNvPr>
           <p:cNvSpPr txBox="1"/>
-          <p:nvPr/>
+          <p:nvPr userDrawn="1"/>
         </p:nvSpPr>
         <p:spPr>
           <a:xfrm>
-            <a:off x="459067" y="6338245"/>
-            <a:ext cx="11304800" cy="240400"/>
+            <a:off x="0" y="6338245"/>
+            <a:ext cx="12191867" cy="240400"/>
           </a:xfrm>
           <a:prstGeom prst="rect">
             <a:avLst/>
@@ -17715,7 +18001,7 @@
               <a:buNone/>
             </a:pPr>
             <a:r>
-              <a:rPr lang="en" sz="1333">
+              <a:rPr lang="hu-HU" sz="1250" dirty="0">
                 <a:solidFill>
                   <a:schemeClr val="dk1"/>
                 </a:solidFill>
@@ -17724,9 +18010,9 @@
                 <a:cs typeface="Source Code Pro"/>
                 <a:sym typeface="Source Code Pro"/>
               </a:rPr>
-              <a:t>1 0 1 1   0 1 1   0 1   1 0 1 1 0 0 1   1 0   1 1 0 1 1   0 1 1   0 1   1 1 0 1 1 0   1 1 0 1 1 1   1 1 0 1 </a:t>
+              <a:t>0 1 1 0   1 0 0 0   0 1 1 0   0 0 0 1   0 1 1 0   1 1 0 0   1 1 0 0   0 0 1 1   1 0 1 0   0 0 0 1   0 1 1 0   1 1 0 0</a:t>
             </a:r>
-            <a:endParaRPr sz="1333">
+            <a:endParaRPr lang="en" sz="1250" dirty="0">
               <a:solidFill>
                 <a:schemeClr val="dk1"/>
               </a:solidFill>
@@ -18178,14 +18464,20 @@
       </p:sp>
       <p:sp>
         <p:nvSpPr>
-          <p:cNvPr id="49" name="Google Shape;49;p7"/>
+          <p:cNvPr id="2" name="Google Shape;11;p2">
+            <a:extLst>
+              <a:ext uri="{FF2B5EF4-FFF2-40B4-BE49-F238E27FC236}">
+                <a16:creationId xmlns:a16="http://schemas.microsoft.com/office/drawing/2014/main" id="{F11F8587-5A07-A954-C9FC-A1CD65433C05}"/>
+              </a:ext>
+            </a:extLst>
+          </p:cNvPr>
           <p:cNvSpPr txBox="1"/>
-          <p:nvPr/>
+          <p:nvPr userDrawn="1"/>
         </p:nvSpPr>
         <p:spPr>
           <a:xfrm>
-            <a:off x="459067" y="6338245"/>
-            <a:ext cx="11304800" cy="240400"/>
+            <a:off x="0" y="6338245"/>
+            <a:ext cx="12191867" cy="240400"/>
           </a:xfrm>
           <a:prstGeom prst="rect">
             <a:avLst/>
@@ -18211,7 +18503,7 @@
               <a:buNone/>
             </a:pPr>
             <a:r>
-              <a:rPr lang="en" sz="1333">
+              <a:rPr lang="hu-HU" sz="1250" dirty="0">
                 <a:solidFill>
                   <a:schemeClr val="dk1"/>
                 </a:solidFill>
@@ -18220,9 +18512,9 @@
                 <a:cs typeface="Source Code Pro"/>
                 <a:sym typeface="Source Code Pro"/>
               </a:rPr>
-              <a:t>1 0 1 1   0 1 1   0 1   1 0 1 1 0 0 1   1 0   1 1 0 1 1   0 1 1   0 1   1 1 0 1 1 0   1 1 0 1 1 1   1 1 0 1 </a:t>
+              <a:t>0 1 1 0   1 0 0 0   0 1 1 0   0 0 0 1   0 1 1 0   1 1 0 0   1 1 0 0   0 0 1 1   1 0 1 0   0 0 0 1   0 1 1 0   1 1 0 0</a:t>
             </a:r>
-            <a:endParaRPr sz="1333">
+            <a:endParaRPr lang="en" sz="1250" dirty="0">
               <a:solidFill>
                 <a:schemeClr val="dk1"/>
               </a:solidFill>
@@ -18373,64 +18665,6 @@
       </p:grpSp>
       <p:sp>
         <p:nvSpPr>
-          <p:cNvPr id="54" name="Google Shape;54;p8"/>
-          <p:cNvSpPr txBox="1"/>
-          <p:nvPr/>
-        </p:nvSpPr>
-        <p:spPr>
-          <a:xfrm>
-            <a:off x="459067" y="6338245"/>
-            <a:ext cx="11304800" cy="240400"/>
-          </a:xfrm>
-          <a:prstGeom prst="rect">
-            <a:avLst/>
-          </a:prstGeom>
-          <a:noFill/>
-          <a:ln>
-            <a:noFill/>
-          </a:ln>
-        </p:spPr>
-        <p:txBody>
-          <a:bodyPr spcFirstLastPara="1" wrap="square" lIns="121900" tIns="121900" rIns="121900" bIns="121900" anchor="ctr" anchorCtr="0">
-            <a:noAutofit/>
-          </a:bodyPr>
-          <a:lstStyle/>
-          <a:p>
-            <a:pPr marL="0" lvl="0" indent="0" algn="ctr" rtl="0">
-              <a:spcBef>
-                <a:spcPts val="0"/>
-              </a:spcBef>
-              <a:spcAft>
-                <a:spcPts val="0"/>
-              </a:spcAft>
-              <a:buNone/>
-            </a:pPr>
-            <a:r>
-              <a:rPr lang="en" sz="1333">
-                <a:solidFill>
-                  <a:schemeClr val="dk1"/>
-                </a:solidFill>
-                <a:latin typeface="Source Code Pro"/>
-                <a:ea typeface="Source Code Pro"/>
-                <a:cs typeface="Source Code Pro"/>
-                <a:sym typeface="Source Code Pro"/>
-              </a:rPr>
-              <a:t>1 0 1 1   0 1 1   0 1   1 0 1 1 0 0 1   1 0   1 1 0 1 1   0 1 1   0 1   1 1 0 1 1 0   1 1 0 1 1 1   1 1 0 1 </a:t>
-            </a:r>
-            <a:endParaRPr sz="1333">
-              <a:solidFill>
-                <a:schemeClr val="dk1"/>
-              </a:solidFill>
-              <a:latin typeface="Source Code Pro"/>
-              <a:ea typeface="Source Code Pro"/>
-              <a:cs typeface="Source Code Pro"/>
-              <a:sym typeface="Source Code Pro"/>
-            </a:endParaRPr>
-          </a:p>
-        </p:txBody>
-      </p:sp>
-      <p:sp>
-        <p:nvSpPr>
           <p:cNvPr id="55" name="Google Shape;55;p8"/>
           <p:cNvSpPr txBox="1">
             <a:spLocks noGrp="1"/>
@@ -18559,6 +18793,70 @@
               <a:t>Mintacím szerkesztése</a:t>
             </a:r>
             <a:endParaRPr/>
+          </a:p>
+        </p:txBody>
+      </p:sp>
+      <p:sp>
+        <p:nvSpPr>
+          <p:cNvPr id="2" name="Google Shape;11;p2">
+            <a:extLst>
+              <a:ext uri="{FF2B5EF4-FFF2-40B4-BE49-F238E27FC236}">
+                <a16:creationId xmlns:a16="http://schemas.microsoft.com/office/drawing/2014/main" id="{4705CFEB-B196-C76B-E410-C5F10BFD42C0}"/>
+              </a:ext>
+            </a:extLst>
+          </p:cNvPr>
+          <p:cNvSpPr txBox="1"/>
+          <p:nvPr userDrawn="1"/>
+        </p:nvSpPr>
+        <p:spPr>
+          <a:xfrm>
+            <a:off x="0" y="6338245"/>
+            <a:ext cx="12191867" cy="240400"/>
+          </a:xfrm>
+          <a:prstGeom prst="rect">
+            <a:avLst/>
+          </a:prstGeom>
+          <a:noFill/>
+          <a:ln>
+            <a:noFill/>
+          </a:ln>
+        </p:spPr>
+        <p:txBody>
+          <a:bodyPr spcFirstLastPara="1" wrap="square" lIns="121900" tIns="121900" rIns="121900" bIns="121900" anchor="ctr" anchorCtr="0">
+            <a:noAutofit/>
+          </a:bodyPr>
+          <a:lstStyle/>
+          <a:p>
+            <a:pPr marL="0" lvl="0" indent="0" algn="ctr" rtl="0">
+              <a:spcBef>
+                <a:spcPts val="0"/>
+              </a:spcBef>
+              <a:spcAft>
+                <a:spcPts val="0"/>
+              </a:spcAft>
+              <a:buNone/>
+            </a:pPr>
+            <a:r>
+              <a:rPr lang="hu-HU" sz="1250" dirty="0">
+                <a:solidFill>
+                  <a:schemeClr val="dk1"/>
+                </a:solidFill>
+                <a:latin typeface="Source Code Pro"/>
+                <a:ea typeface="Source Code Pro"/>
+                <a:cs typeface="Source Code Pro"/>
+                <a:sym typeface="Source Code Pro"/>
+              </a:rPr>
+              <a:t>0 1 1 0   1 0 0 0   0 1 1 0   0 0 0 1   0 1 1 0   1 1 0 0   1 1 0 0   0 0 1 1   1 0 1 0   0 0 0 1   0 1 1 0   1 1 0 0</a:t>
+            </a:r>
+            <a:endParaRPr lang="en" sz="1250" dirty="0">
+              <a:solidFill>
+                <a:schemeClr val="dk1"/>
+              </a:solidFill>
+              <a:latin typeface="Source Code Pro"/>
+              <a:ea typeface="Source Code Pro"/>
+              <a:cs typeface="Source Code Pro"/>
+              <a:sym typeface="Source Code Pro"/>
+            </a:endParaRPr>
           </a:p>
         </p:txBody>
       </p:sp>
@@ -18701,64 +18999,6 @@
       </p:grpSp>
       <p:sp>
         <p:nvSpPr>
-          <p:cNvPr id="60" name="Google Shape;60;p9"/>
-          <p:cNvSpPr txBox="1"/>
-          <p:nvPr/>
-        </p:nvSpPr>
-        <p:spPr>
-          <a:xfrm>
-            <a:off x="459067" y="6338245"/>
-            <a:ext cx="11304800" cy="240400"/>
-          </a:xfrm>
-          <a:prstGeom prst="rect">
-            <a:avLst/>
-          </a:prstGeom>
-          <a:noFill/>
-          <a:ln>
-            <a:noFill/>
-          </a:ln>
-        </p:spPr>
-        <p:txBody>
-          <a:bodyPr spcFirstLastPara="1" wrap="square" lIns="121900" tIns="121900" rIns="121900" bIns="121900" anchor="ctr" anchorCtr="0">
-            <a:noAutofit/>
-          </a:bodyPr>
-          <a:lstStyle/>
-          <a:p>
-            <a:pPr marL="0" lvl="0" indent="0" algn="ctr" rtl="0">
-              <a:spcBef>
-                <a:spcPts val="0"/>
-              </a:spcBef>
-              <a:spcAft>
-                <a:spcPts val="0"/>
-              </a:spcAft>
-              <a:buNone/>
-            </a:pPr>
-            <a:r>
-              <a:rPr lang="en" sz="1333">
-                <a:solidFill>
-                  <a:schemeClr val="dk1"/>
-                </a:solidFill>
-                <a:latin typeface="Source Code Pro"/>
-                <a:ea typeface="Source Code Pro"/>
-                <a:cs typeface="Source Code Pro"/>
-                <a:sym typeface="Source Code Pro"/>
-              </a:rPr>
-              <a:t>1 0 1 1   0 1 1   0 1   1 0 1 1 0 0 1   1 0   1 1 0 1 1   0 1 1   0 1   1 1 0 1 1 0   1 1 0 1 1 1   1 1 0 1 </a:t>
-            </a:r>
-            <a:endParaRPr sz="1333">
-              <a:solidFill>
-                <a:schemeClr val="dk1"/>
-              </a:solidFill>
-              <a:latin typeface="Source Code Pro"/>
-              <a:ea typeface="Source Code Pro"/>
-              <a:cs typeface="Source Code Pro"/>
-              <a:sym typeface="Source Code Pro"/>
-            </a:endParaRPr>
-          </a:p>
-        </p:txBody>
-      </p:sp>
-      <p:sp>
-        <p:nvSpPr>
           <p:cNvPr id="61" name="Google Shape;61;p9"/>
           <p:cNvSpPr txBox="1">
             <a:spLocks noGrp="1"/>
@@ -19047,6 +19287,70 @@
               <a:t>Kattintson ide az alcím mintájának szerkesztéséhez</a:t>
             </a:r>
             <a:endParaRPr/>
+          </a:p>
+        </p:txBody>
+      </p:sp>
+      <p:sp>
+        <p:nvSpPr>
+          <p:cNvPr id="2" name="Google Shape;11;p2">
+            <a:extLst>
+              <a:ext uri="{FF2B5EF4-FFF2-40B4-BE49-F238E27FC236}">
+                <a16:creationId xmlns:a16="http://schemas.microsoft.com/office/drawing/2014/main" id="{472C1DBD-FD77-98FF-94C5-0676D10E4D0D}"/>
+              </a:ext>
+            </a:extLst>
+          </p:cNvPr>
+          <p:cNvSpPr txBox="1"/>
+          <p:nvPr userDrawn="1"/>
+        </p:nvSpPr>
+        <p:spPr>
+          <a:xfrm>
+            <a:off x="0" y="6338245"/>
+            <a:ext cx="12191867" cy="240400"/>
+          </a:xfrm>
+          <a:prstGeom prst="rect">
+            <a:avLst/>
+          </a:prstGeom>
+          <a:noFill/>
+          <a:ln>
+            <a:noFill/>
+          </a:ln>
+        </p:spPr>
+        <p:txBody>
+          <a:bodyPr spcFirstLastPara="1" wrap="square" lIns="121900" tIns="121900" rIns="121900" bIns="121900" anchor="ctr" anchorCtr="0">
+            <a:noAutofit/>
+          </a:bodyPr>
+          <a:lstStyle/>
+          <a:p>
+            <a:pPr marL="0" lvl="0" indent="0" algn="ctr" rtl="0">
+              <a:spcBef>
+                <a:spcPts val="0"/>
+              </a:spcBef>
+              <a:spcAft>
+                <a:spcPts val="0"/>
+              </a:spcAft>
+              <a:buNone/>
+            </a:pPr>
+            <a:r>
+              <a:rPr lang="hu-HU" sz="1250" dirty="0">
+                <a:solidFill>
+                  <a:schemeClr val="dk1"/>
+                </a:solidFill>
+                <a:latin typeface="Source Code Pro"/>
+                <a:ea typeface="Source Code Pro"/>
+                <a:cs typeface="Source Code Pro"/>
+                <a:sym typeface="Source Code Pro"/>
+              </a:rPr>
+              <a:t>0 1 1 0   1 0 0 0   0 1 1 0   0 0 0 1   0 1 1 0   1 1 0 0   1 1 0 0   0 0 1 1   1 0 1 0   0 0 0 1   0 1 1 0   1 1 0 0</a:t>
+            </a:r>
+            <a:endParaRPr lang="en" sz="1250" dirty="0">
+              <a:solidFill>
+                <a:schemeClr val="dk1"/>
+              </a:solidFill>
+              <a:latin typeface="Source Code Pro"/>
+              <a:ea typeface="Source Code Pro"/>
+              <a:cs typeface="Source Code Pro"/>
+              <a:sym typeface="Source Code Pro"/>
+            </a:endParaRPr>
           </a:p>
         </p:txBody>
       </p:sp>
@@ -19189,64 +19493,6 @@
       </p:grpSp>
       <p:sp>
         <p:nvSpPr>
-          <p:cNvPr id="67" name="Google Shape;67;p10"/>
-          <p:cNvSpPr txBox="1"/>
-          <p:nvPr/>
-        </p:nvSpPr>
-        <p:spPr>
-          <a:xfrm>
-            <a:off x="459067" y="6338245"/>
-            <a:ext cx="11304800" cy="240400"/>
-          </a:xfrm>
-          <a:prstGeom prst="rect">
-            <a:avLst/>
-          </a:prstGeom>
-          <a:noFill/>
-          <a:ln>
-            <a:noFill/>
-          </a:ln>
-        </p:spPr>
-        <p:txBody>
-          <a:bodyPr spcFirstLastPara="1" wrap="square" lIns="121900" tIns="121900" rIns="121900" bIns="121900" anchor="ctr" anchorCtr="0">
-            <a:noAutofit/>
-          </a:bodyPr>
-          <a:lstStyle/>
-          <a:p>
-            <a:pPr marL="0" lvl="0" indent="0" algn="ctr" rtl="0">
-              <a:spcBef>
-                <a:spcPts val="0"/>
-              </a:spcBef>
-              <a:spcAft>
-                <a:spcPts val="0"/>
-              </a:spcAft>
-              <a:buNone/>
-            </a:pPr>
-            <a:r>
-              <a:rPr lang="en" sz="1333">
-                <a:solidFill>
-                  <a:schemeClr val="dk1"/>
-                </a:solidFill>
-                <a:latin typeface="Source Code Pro"/>
-                <a:ea typeface="Source Code Pro"/>
-                <a:cs typeface="Source Code Pro"/>
-                <a:sym typeface="Source Code Pro"/>
-              </a:rPr>
-              <a:t>1 0 1 1   0 1 1   0 1   1 0 1 1 0 0 1   1 0   1 1 0 1 1   0 1 1   0 1   1 1 0 1 1 0   1 1 0 1 1 1   1 1 0 1 </a:t>
-            </a:r>
-            <a:endParaRPr sz="1333">
-              <a:solidFill>
-                <a:schemeClr val="dk1"/>
-              </a:solidFill>
-              <a:latin typeface="Source Code Pro"/>
-              <a:ea typeface="Source Code Pro"/>
-              <a:cs typeface="Source Code Pro"/>
-              <a:sym typeface="Source Code Pro"/>
-            </a:endParaRPr>
-          </a:p>
-        </p:txBody>
-      </p:sp>
-      <p:sp>
-        <p:nvSpPr>
           <p:cNvPr id="68" name="Google Shape;68;p10"/>
           <p:cNvSpPr txBox="1">
             <a:spLocks noGrp="1"/>
@@ -19376,6 +19622,70 @@
               <a:t>Mintacím szerkesztése</a:t>
             </a:r>
             <a:endParaRPr/>
+          </a:p>
+        </p:txBody>
+      </p:sp>
+      <p:sp>
+        <p:nvSpPr>
+          <p:cNvPr id="2" name="Google Shape;11;p2">
+            <a:extLst>
+              <a:ext uri="{FF2B5EF4-FFF2-40B4-BE49-F238E27FC236}">
+                <a16:creationId xmlns:a16="http://schemas.microsoft.com/office/drawing/2014/main" id="{4BE39181-EBA0-6B76-3908-AAD9E31FA902}"/>
+              </a:ext>
+            </a:extLst>
+          </p:cNvPr>
+          <p:cNvSpPr txBox="1"/>
+          <p:nvPr userDrawn="1"/>
+        </p:nvSpPr>
+        <p:spPr>
+          <a:xfrm>
+            <a:off x="0" y="6338245"/>
+            <a:ext cx="12191867" cy="240400"/>
+          </a:xfrm>
+          <a:prstGeom prst="rect">
+            <a:avLst/>
+          </a:prstGeom>
+          <a:noFill/>
+          <a:ln>
+            <a:noFill/>
+          </a:ln>
+        </p:spPr>
+        <p:txBody>
+          <a:bodyPr spcFirstLastPara="1" wrap="square" lIns="121900" tIns="121900" rIns="121900" bIns="121900" anchor="ctr" anchorCtr="0">
+            <a:noAutofit/>
+          </a:bodyPr>
+          <a:lstStyle/>
+          <a:p>
+            <a:pPr marL="0" lvl="0" indent="0" algn="ctr" rtl="0">
+              <a:spcBef>
+                <a:spcPts val="0"/>
+              </a:spcBef>
+              <a:spcAft>
+                <a:spcPts val="0"/>
+              </a:spcAft>
+              <a:buNone/>
+            </a:pPr>
+            <a:r>
+              <a:rPr lang="hu-HU" sz="1250" dirty="0">
+                <a:solidFill>
+                  <a:schemeClr val="dk1"/>
+                </a:solidFill>
+                <a:latin typeface="Source Code Pro"/>
+                <a:ea typeface="Source Code Pro"/>
+                <a:cs typeface="Source Code Pro"/>
+                <a:sym typeface="Source Code Pro"/>
+              </a:rPr>
+              <a:t>0 1 1 0   1 0 0 0   0 1 1 0   0 0 0 1   0 1 1 0   1 1 0 0   1 1 0 0   0 0 1 1   1 0 1 0   0 0 0 1   0 1 1 0   1 1 0 0</a:t>
+            </a:r>
+            <a:endParaRPr lang="en" sz="1250" dirty="0">
+              <a:solidFill>
+                <a:schemeClr val="dk1"/>
+              </a:solidFill>
+              <a:latin typeface="Source Code Pro"/>
+              <a:ea typeface="Source Code Pro"/>
+              <a:cs typeface="Source Code Pro"/>
+              <a:sym typeface="Source Code Pro"/>
+            </a:endParaRPr>
           </a:p>
         </p:txBody>
       </p:sp>
@@ -20723,55 +21033,6 @@
           </a:p>
         </p:txBody>
       </p:sp>
-      <p:sp>
-        <p:nvSpPr>
-          <p:cNvPr id="4" name="Szövegdoboz 3">
-            <a:extLst>
-              <a:ext uri="{FF2B5EF4-FFF2-40B4-BE49-F238E27FC236}">
-                <a16:creationId xmlns:a16="http://schemas.microsoft.com/office/drawing/2014/main" id="{6B41F683-F9D4-3142-6CB3-2B01DF8BB397}"/>
-              </a:ext>
-            </a:extLst>
-          </p:cNvPr>
-          <p:cNvSpPr txBox="1"/>
-          <p:nvPr/>
-        </p:nvSpPr>
-        <p:spPr>
-          <a:xfrm>
-            <a:off x="80817" y="95250"/>
-            <a:ext cx="2521844" cy="400110"/>
-          </a:xfrm>
-          <a:prstGeom prst="rect">
-            <a:avLst/>
-          </a:prstGeom>
-          <a:noFill/>
-        </p:spPr>
-        <p:txBody>
-          <a:bodyPr wrap="none" rtlCol="0">
-            <a:spAutoFit/>
-          </a:bodyPr>
-          <a:lstStyle/>
-          <a:p>
-            <a:r>
-              <a:rPr lang="hu-HU" sz="2000" dirty="0" err="1">
-                <a:solidFill>
-                  <a:schemeClr val="tx1"/>
-                </a:solidFill>
-                <a:latin typeface="Quantico" panose="020B0604020202020204" charset="0"/>
-              </a:rPr>
-              <a:t>Dusza</a:t>
-            </a:r>
-            <a:r>
-              <a:rPr lang="hu-HU" sz="2000" dirty="0">
-                <a:solidFill>
-                  <a:schemeClr val="tx1"/>
-                </a:solidFill>
-                <a:latin typeface="Quantico" panose="020B0604020202020204" charset="0"/>
-              </a:rPr>
-              <a:t> 2024.verseny</a:t>
-            </a:r>
-          </a:p>
-        </p:txBody>
-      </p:sp>
     </p:spTree>
     <p:extLst>
       <p:ext uri="{BB962C8B-B14F-4D97-AF65-F5344CB8AC3E}">
@@ -20786,176 +21047,6 @@
 </file>
 
 <file path=ppt/slides/slide10.xml><?xml version="1.0" encoding="utf-8"?>
-<p:sld xmlns:a="http://schemas.openxmlformats.org/drawingml/2006/main" xmlns:r="http://schemas.openxmlformats.org/officeDocument/2006/relationships" xmlns:p="http://schemas.openxmlformats.org/presentationml/2006/main">
-  <p:cSld>
-    <p:spTree>
-      <p:nvGrpSpPr>
-        <p:cNvPr id="1" name=""/>
-        <p:cNvGrpSpPr/>
-        <p:nvPr/>
-      </p:nvGrpSpPr>
-      <p:grpSpPr>
-        <a:xfrm>
-          <a:off x="0" y="0"/>
-          <a:ext cx="0" cy="0"/>
-          <a:chOff x="0" y="0"/>
-          <a:chExt cx="0" cy="0"/>
-        </a:xfrm>
-      </p:grpSpPr>
-      <p:sp>
-        <p:nvSpPr>
-          <p:cNvPr id="51" name="Cím 50">
-            <a:extLst>
-              <a:ext uri="{FF2B5EF4-FFF2-40B4-BE49-F238E27FC236}">
-                <a16:creationId xmlns:a16="http://schemas.microsoft.com/office/drawing/2014/main" id="{ED93C5AD-9935-7150-EB24-2D20C38BD187}"/>
-              </a:ext>
-            </a:extLst>
-          </p:cNvPr>
-          <p:cNvSpPr>
-            <a:spLocks noGrp="1"/>
-          </p:cNvSpPr>
-          <p:nvPr>
-            <p:ph type="title" idx="8"/>
-          </p:nvPr>
-        </p:nvSpPr>
-        <p:spPr>
-          <a:xfrm>
-            <a:off x="611641" y="612171"/>
-            <a:ext cx="10272000" cy="763600"/>
-          </a:xfrm>
-        </p:spPr>
-        <p:txBody>
-          <a:bodyPr/>
-          <a:lstStyle/>
-          <a:p>
-            <a:r>
-              <a:rPr lang="en-US" b="1" dirty="0">
-                <a:solidFill>
-                  <a:srgbClr val="7030A0"/>
-                </a:solidFill>
-              </a:rPr>
-              <a:t>&lt;/</a:t>
-            </a:r>
-            <a:r>
-              <a:rPr lang="hu-HU" dirty="0">
-                <a:solidFill>
-                  <a:srgbClr val="7030A0"/>
-                </a:solidFill>
-              </a:rPr>
-              <a:t> </a:t>
-            </a:r>
-            <a:r>
-              <a:rPr lang="hu-HU" dirty="0"/>
-              <a:t>Kategóriák, nyelvek kezelése</a:t>
-            </a:r>
-            <a:br>
-              <a:rPr lang="hu-HU" dirty="0"/>
-            </a:br>
-            <a:endParaRPr lang="hu-HU" dirty="0"/>
-          </a:p>
-        </p:txBody>
-      </p:sp>
-      <p:grpSp>
-        <p:nvGrpSpPr>
-          <p:cNvPr id="11" name="Csoportba foglalás 10"/>
-          <p:cNvGrpSpPr/>
-          <p:nvPr/>
-        </p:nvGrpSpPr>
-        <p:grpSpPr>
-          <a:xfrm>
-            <a:off x="2297415" y="1511573"/>
-            <a:ext cx="7696917" cy="4289078"/>
-            <a:chOff x="2369844" y="1587501"/>
-            <a:chExt cx="7696917" cy="4289078"/>
-          </a:xfrm>
-        </p:grpSpPr>
-        <p:sp>
-          <p:nvSpPr>
-            <p:cNvPr id="10" name="Folyamatábra: Feldolgozás 9"/>
-            <p:cNvSpPr/>
-            <p:nvPr/>
-          </p:nvSpPr>
-          <p:spPr>
-            <a:xfrm>
-              <a:off x="2369844" y="1587501"/>
-              <a:ext cx="7696917" cy="4279900"/>
-            </a:xfrm>
-            <a:prstGeom prst="flowChartProcess">
-              <a:avLst/>
-            </a:prstGeom>
-            <a:solidFill>
-              <a:schemeClr val="bg1"/>
-            </a:solidFill>
-            <a:ln w="12700">
-              <a:solidFill>
-                <a:schemeClr val="accent5"/>
-              </a:solidFill>
-            </a:ln>
-          </p:spPr>
-          <p:style>
-            <a:lnRef idx="2">
-              <a:schemeClr val="accent1">
-                <a:shade val="50000"/>
-              </a:schemeClr>
-            </a:lnRef>
-            <a:fillRef idx="1">
-              <a:schemeClr val="accent1"/>
-            </a:fillRef>
-            <a:effectRef idx="0">
-              <a:schemeClr val="accent1"/>
-            </a:effectRef>
-            <a:fontRef idx="minor">
-              <a:schemeClr val="lt1"/>
-            </a:fontRef>
-          </p:style>
-          <p:txBody>
-            <a:bodyPr rtlCol="0" anchor="ctr"/>
-            <a:lstStyle/>
-            <a:p>
-              <a:pPr algn="ctr"/>
-              <a:endParaRPr lang="en-US"/>
-            </a:p>
-          </p:txBody>
-        </p:sp>
-        <p:pic>
-          <p:nvPicPr>
-            <p:cNvPr id="7" name="Kép 6"/>
-            <p:cNvPicPr>
-              <a:picLocks noChangeAspect="1"/>
-            </p:cNvPicPr>
-            <p:nvPr/>
-          </p:nvPicPr>
-          <p:blipFill>
-            <a:blip r:embed="rId3"/>
-            <a:stretch>
-              <a:fillRect/>
-            </a:stretch>
-          </p:blipFill>
-          <p:spPr>
-            <a:xfrm>
-              <a:off x="2369845" y="1813921"/>
-              <a:ext cx="7696916" cy="4062658"/>
-            </a:xfrm>
-            <a:prstGeom prst="rect">
-              <a:avLst/>
-            </a:prstGeom>
-          </p:spPr>
-        </p:pic>
-      </p:grpSp>
-    </p:spTree>
-    <p:extLst>
-      <p:ext uri="{BB962C8B-B14F-4D97-AF65-F5344CB8AC3E}">
-        <p14:creationId xmlns:p14="http://schemas.microsoft.com/office/powerpoint/2010/main" val="3713438498"/>
-      </p:ext>
-    </p:extLst>
-  </p:cSld>
-  <p:clrMapOvr>
-    <a:masterClrMapping/>
-  </p:clrMapOvr>
-</p:sld>
-</file>
-
-<file path=ppt/slides/slide11.xml><?xml version="1.0" encoding="utf-8"?>
 <p:sld xmlns:a="http://schemas.openxmlformats.org/drawingml/2006/main" xmlns:r="http://schemas.openxmlformats.org/officeDocument/2006/relationships" xmlns:p="http://schemas.openxmlformats.org/presentationml/2006/main">
   <p:cSld>
     <p:spTree>
@@ -21097,10 +21188,169 @@
           </a:prstGeom>
         </p:spPr>
       </p:pic>
+      <p:sp>
+        <p:nvSpPr>
+          <p:cNvPr id="3" name="Téglalap 2">
+            <a:extLst>
+              <a:ext uri="{FF2B5EF4-FFF2-40B4-BE49-F238E27FC236}">
+                <a16:creationId xmlns:a16="http://schemas.microsoft.com/office/drawing/2014/main" id="{3198811D-84A2-4D0B-4B21-ABB18EFF0EEF}"/>
+              </a:ext>
+            </a:extLst>
+          </p:cNvPr>
+          <p:cNvSpPr/>
+          <p:nvPr/>
+        </p:nvSpPr>
+        <p:spPr>
+          <a:xfrm>
+            <a:off x="533400" y="230981"/>
+            <a:ext cx="11144249" cy="330994"/>
+          </a:xfrm>
+          <a:prstGeom prst="rect">
+            <a:avLst/>
+          </a:prstGeom>
+          <a:solidFill>
+            <a:srgbClr val="7030A0"/>
+          </a:solidFill>
+          <a:ln w="12700">
+            <a:solidFill>
+              <a:srgbClr val="E2E4F6"/>
+            </a:solidFill>
+          </a:ln>
+        </p:spPr>
+        <p:style>
+          <a:lnRef idx="2">
+            <a:schemeClr val="accent1">
+              <a:shade val="15000"/>
+            </a:schemeClr>
+          </a:lnRef>
+          <a:fillRef idx="1">
+            <a:schemeClr val="accent1"/>
+          </a:fillRef>
+          <a:effectRef idx="0">
+            <a:schemeClr val="accent1"/>
+          </a:effectRef>
+          <a:fontRef idx="minor">
+            <a:schemeClr val="lt1"/>
+          </a:fontRef>
+        </p:style>
+        <p:txBody>
+          <a:bodyPr rtlCol="0" anchor="ctr"/>
+          <a:lstStyle/>
+          <a:p>
+            <a:pPr algn="ctr"/>
+            <a:endParaRPr lang="hu-HU"/>
+          </a:p>
+        </p:txBody>
+      </p:sp>
     </p:spTree>
     <p:extLst>
       <p:ext uri="{BB962C8B-B14F-4D97-AF65-F5344CB8AC3E}">
         <p14:creationId xmlns:p14="http://schemas.microsoft.com/office/powerpoint/2010/main" val="2132348210"/>
+      </p:ext>
+    </p:extLst>
+  </p:cSld>
+  <p:clrMapOvr>
+    <a:masterClrMapping/>
+  </p:clrMapOvr>
+  <mc:AlternateContent xmlns:mc="http://schemas.openxmlformats.org/markup-compatibility/2006">
+    <mc:Choice xmlns:p159="http://schemas.microsoft.com/office/powerpoint/2015/09/main" Requires="p159">
+      <p:transition xmlns:p14="http://schemas.microsoft.com/office/powerpoint/2010/main" spd="slow" p14:dur="2000">
+        <p159:morph option="byObject"/>
+      </p:transition>
+    </mc:Choice>
+    <mc:Fallback>
+      <p:transition spd="slow">
+        <p:fade/>
+      </p:transition>
+    </mc:Fallback>
+  </mc:AlternateContent>
+</p:sld>
+</file>
+
+<file path=ppt/slides/slide11.xml><?xml version="1.0" encoding="utf-8"?>
+<p:sld xmlns:a="http://schemas.openxmlformats.org/drawingml/2006/main" xmlns:r="http://schemas.openxmlformats.org/officeDocument/2006/relationships" xmlns:p="http://schemas.openxmlformats.org/presentationml/2006/main">
+  <p:cSld>
+    <p:spTree>
+      <p:nvGrpSpPr>
+        <p:cNvPr id="1" name="">
+          <a:extLst>
+            <a:ext uri="{FF2B5EF4-FFF2-40B4-BE49-F238E27FC236}">
+              <a16:creationId xmlns:a16="http://schemas.microsoft.com/office/drawing/2014/main" id="{6BE3E3CF-FF0D-7886-99F4-53D4913AF898}"/>
+            </a:ext>
+          </a:extLst>
+        </p:cNvPr>
+        <p:cNvGrpSpPr/>
+        <p:nvPr/>
+      </p:nvGrpSpPr>
+      <p:grpSpPr>
+        <a:xfrm>
+          <a:off x="0" y="0"/>
+          <a:ext cx="0" cy="0"/>
+          <a:chOff x="0" y="0"/>
+          <a:chExt cx="0" cy="0"/>
+        </a:xfrm>
+      </p:grpSpPr>
+      <p:sp>
+        <p:nvSpPr>
+          <p:cNvPr id="2" name="Cím 1">
+            <a:extLst>
+              <a:ext uri="{FF2B5EF4-FFF2-40B4-BE49-F238E27FC236}">
+                <a16:creationId xmlns:a16="http://schemas.microsoft.com/office/drawing/2014/main" id="{E49B80A4-986D-61DE-E659-14CF4048A730}"/>
+              </a:ext>
+            </a:extLst>
+          </p:cNvPr>
+          <p:cNvSpPr>
+            <a:spLocks noGrp="1"/>
+          </p:cNvSpPr>
+          <p:nvPr>
+            <p:ph type="ctrTitle"/>
+          </p:nvPr>
+        </p:nvSpPr>
+        <p:spPr/>
+        <p:txBody>
+          <a:bodyPr/>
+          <a:lstStyle/>
+          <a:p>
+            <a:r>
+              <a:rPr lang="hu-HU" dirty="0"/>
+              <a:t>Backend</a:t>
+            </a:r>
+          </a:p>
+        </p:txBody>
+      </p:sp>
+      <p:sp>
+        <p:nvSpPr>
+          <p:cNvPr id="3" name="Alcím 2">
+            <a:extLst>
+              <a:ext uri="{FF2B5EF4-FFF2-40B4-BE49-F238E27FC236}">
+                <a16:creationId xmlns:a16="http://schemas.microsoft.com/office/drawing/2014/main" id="{C8C699DE-E195-4FFE-4580-122FB668E93A}"/>
+              </a:ext>
+            </a:extLst>
+          </p:cNvPr>
+          <p:cNvSpPr>
+            <a:spLocks noGrp="1"/>
+          </p:cNvSpPr>
+          <p:nvPr>
+            <p:ph type="subTitle" idx="1"/>
+          </p:nvPr>
+        </p:nvSpPr>
+        <p:spPr/>
+        <p:txBody>
+          <a:bodyPr/>
+          <a:lstStyle/>
+          <a:p>
+            <a:pPr algn="r"/>
+            <a:r>
+              <a:rPr lang="hu-HU" dirty="0"/>
+              <a:t>Pápa Attila</a:t>
+            </a:r>
+          </a:p>
+        </p:txBody>
+      </p:sp>
+    </p:spTree>
+    <p:extLst>
+      <p:ext uri="{BB962C8B-B14F-4D97-AF65-F5344CB8AC3E}">
+        <p14:creationId xmlns:p14="http://schemas.microsoft.com/office/powerpoint/2010/main" val="2270503903"/>
       </p:ext>
     </p:extLst>
   </p:cSld>
@@ -22356,6 +22606,96 @@
           </a:p>
         </p:txBody>
       </p:sp>
+      <p:pic>
+        <p:nvPicPr>
+          <p:cNvPr id="4" name="Kép 3">
+            <a:extLst>
+              <a:ext uri="{FF2B5EF4-FFF2-40B4-BE49-F238E27FC236}">
+                <a16:creationId xmlns:a16="http://schemas.microsoft.com/office/drawing/2014/main" id="{63A91785-0EB9-4546-A4BA-73D51AB87FAA}"/>
+              </a:ext>
+            </a:extLst>
+          </p:cNvPr>
+          <p:cNvPicPr>
+            <a:picLocks noChangeAspect="1"/>
+          </p:cNvPicPr>
+          <p:nvPr/>
+        </p:nvPicPr>
+        <p:blipFill>
+          <a:blip r:embed="rId8"/>
+          <a:stretch>
+            <a:fillRect/>
+          </a:stretch>
+        </p:blipFill>
+        <p:spPr>
+          <a:xfrm>
+            <a:off x="1142762" y="1525335"/>
+            <a:ext cx="7024279" cy="3563842"/>
+          </a:xfrm>
+          <a:prstGeom prst="rect">
+            <a:avLst/>
+          </a:prstGeom>
+        </p:spPr>
+      </p:pic>
+      <p:pic>
+        <p:nvPicPr>
+          <p:cNvPr id="6" name="Kép 5">
+            <a:extLst>
+              <a:ext uri="{FF2B5EF4-FFF2-40B4-BE49-F238E27FC236}">
+                <a16:creationId xmlns:a16="http://schemas.microsoft.com/office/drawing/2014/main" id="{749CF720-2B52-4F1A-97D7-A036D88C02D5}"/>
+              </a:ext>
+            </a:extLst>
+          </p:cNvPr>
+          <p:cNvPicPr>
+            <a:picLocks noChangeAspect="1"/>
+          </p:cNvPicPr>
+          <p:nvPr/>
+        </p:nvPicPr>
+        <p:blipFill>
+          <a:blip r:embed="rId9"/>
+          <a:stretch>
+            <a:fillRect/>
+          </a:stretch>
+        </p:blipFill>
+        <p:spPr>
+          <a:xfrm>
+            <a:off x="1170486" y="1528127"/>
+            <a:ext cx="7081470" cy="3564922"/>
+          </a:xfrm>
+          <a:prstGeom prst="rect">
+            <a:avLst/>
+          </a:prstGeom>
+        </p:spPr>
+      </p:pic>
+      <p:pic>
+        <p:nvPicPr>
+          <p:cNvPr id="8" name="Kép 7">
+            <a:extLst>
+              <a:ext uri="{FF2B5EF4-FFF2-40B4-BE49-F238E27FC236}">
+                <a16:creationId xmlns:a16="http://schemas.microsoft.com/office/drawing/2014/main" id="{5393F426-265A-4E6D-B7A0-570246A10FD5}"/>
+              </a:ext>
+            </a:extLst>
+          </p:cNvPr>
+          <p:cNvPicPr>
+            <a:picLocks noChangeAspect="1"/>
+          </p:cNvPicPr>
+          <p:nvPr/>
+        </p:nvPicPr>
+        <p:blipFill>
+          <a:blip r:embed="rId10"/>
+          <a:stretch>
+            <a:fillRect/>
+          </a:stretch>
+        </p:blipFill>
+        <p:spPr>
+          <a:xfrm>
+            <a:off x="1160902" y="1533413"/>
+            <a:ext cx="7061745" cy="3553844"/>
+          </a:xfrm>
+          <a:prstGeom prst="rect">
+            <a:avLst/>
+          </a:prstGeom>
+        </p:spPr>
+      </p:pic>
     </p:spTree>
     <p:extLst>
       <p:ext uri="{BB962C8B-B14F-4D97-AF65-F5344CB8AC3E}">
@@ -22387,7 +22727,7 @@
                             </p:stCondLst>
                             <p:childTnLst>
                               <p:par>
-                                <p:cTn id="5" presetID="6" presetClass="entr" presetSubtype="32" fill="hold" nodeType="clickEffect">
+                                <p:cTn id="5" presetID="1" presetClass="exit" presetSubtype="0" fill="hold" nodeType="clickEffect">
                                   <p:stCondLst>
                                     <p:cond delay="0"/>
                                   </p:stCondLst>
@@ -22400,7 +22740,88 @@
                                           </p:stCondLst>
                                         </p:cTn>
                                         <p:tgtEl>
-                                          <p:spTgt spid="7"/>
+                                          <p:spTgt spid="40"/>
+                                        </p:tgtEl>
+                                        <p:attrNameLst>
+                                          <p:attrName>style.visibility</p:attrName>
+                                        </p:attrNameLst>
+                                      </p:cBhvr>
+                                      <p:to>
+                                        <p:strVal val="hidden"/>
+                                      </p:to>
+                                    </p:set>
+                                  </p:childTnLst>
+                                </p:cTn>
+                              </p:par>
+                              <p:par>
+                                <p:cTn id="7" presetID="1" presetClass="exit" presetSubtype="0" fill="hold" nodeType="withEffect">
+                                  <p:stCondLst>
+                                    <p:cond delay="0"/>
+                                  </p:stCondLst>
+                                  <p:childTnLst>
+                                    <p:set>
+                                      <p:cBhvr>
+                                        <p:cTn id="8" dur="1" fill="hold">
+                                          <p:stCondLst>
+                                            <p:cond delay="0"/>
+                                          </p:stCondLst>
+                                        </p:cTn>
+                                        <p:tgtEl>
+                                          <p:spTgt spid="39"/>
+                                        </p:tgtEl>
+                                        <p:attrNameLst>
+                                          <p:attrName>style.visibility</p:attrName>
+                                        </p:attrNameLst>
+                                      </p:cBhvr>
+                                      <p:to>
+                                        <p:strVal val="hidden"/>
+                                      </p:to>
+                                    </p:set>
+                                  </p:childTnLst>
+                                </p:cTn>
+                              </p:par>
+                              <p:par>
+                                <p:cTn id="9" presetID="1" presetClass="exit" presetSubtype="0" fill="hold" nodeType="withEffect">
+                                  <p:stCondLst>
+                                    <p:cond delay="0"/>
+                                  </p:stCondLst>
+                                  <p:childTnLst>
+                                    <p:set>
+                                      <p:cBhvr>
+                                        <p:cTn id="10" dur="1" fill="hold">
+                                          <p:stCondLst>
+                                            <p:cond delay="0"/>
+                                          </p:stCondLst>
+                                        </p:cTn>
+                                        <p:tgtEl>
+                                          <p:spTgt spid="38"/>
+                                        </p:tgtEl>
+                                        <p:attrNameLst>
+                                          <p:attrName>style.visibility</p:attrName>
+                                        </p:attrNameLst>
+                                      </p:cBhvr>
+                                      <p:to>
+                                        <p:strVal val="hidden"/>
+                                      </p:to>
+                                    </p:set>
+                                  </p:childTnLst>
+                                </p:cTn>
+                              </p:par>
+                              <p:par>
+                                <p:cTn id="11" presetID="1" presetClass="entr" presetSubtype="0" fill="hold" nodeType="withEffect">
+                                  <p:stCondLst>
+                                    <p:cond delay="0"/>
+                                  </p:stCondLst>
+                                  <p:childTnLst>
+                                    <p:set>
+                                      <p:cBhvr>
+                                        <p:cTn id="12" dur="1" fill="hold">
+                                          <p:stCondLst>
+                                            <p:cond delay="0"/>
+                                          </p:stCondLst>
+                                        </p:cTn>
+                                        <p:tgtEl>
+                                          <p:spTgt spid="4"/>
                                         </p:tgtEl>
                                         <p:attrNameLst>
                                           <p:attrName>style.visibility</p:attrName>
@@ -22410,14 +22831,96 @@
                                         <p:strVal val="visible"/>
                                       </p:to>
                                     </p:set>
-                                    <p:animEffect transition="in" filter="circle(out)">
+                                  </p:childTnLst>
+                                </p:cTn>
+                              </p:par>
+                            </p:childTnLst>
+                          </p:cTn>
+                        </p:par>
+                      </p:childTnLst>
+                    </p:cTn>
+                  </p:par>
+                  <p:par>
+                    <p:cTn id="13" fill="hold">
+                      <p:stCondLst>
+                        <p:cond delay="indefinite"/>
+                      </p:stCondLst>
+                      <p:childTnLst>
+                        <p:par>
+                          <p:cTn id="14" fill="hold">
+                            <p:stCondLst>
+                              <p:cond delay="0"/>
+                            </p:stCondLst>
+                            <p:childTnLst>
+                              <p:par>
+                                <p:cTn id="15" presetID="1" presetClass="entr" presetSubtype="0" fill="hold" nodeType="clickEffect">
+                                  <p:stCondLst>
+                                    <p:cond delay="0"/>
+                                  </p:stCondLst>
+                                  <p:childTnLst>
+                                    <p:set>
                                       <p:cBhvr>
-                                        <p:cTn id="7" dur="1000"/>
+                                        <p:cTn id="16" dur="1" fill="hold">
+                                          <p:stCondLst>
+                                            <p:cond delay="0"/>
+                                          </p:stCondLst>
+                                        </p:cTn>
                                         <p:tgtEl>
-                                          <p:spTgt spid="7"/>
+                                          <p:spTgt spid="6"/>
                                         </p:tgtEl>
+                                        <p:attrNameLst>
+                                          <p:attrName>style.visibility</p:attrName>
+                                        </p:attrNameLst>
                                       </p:cBhvr>
-                                    </p:animEffect>
+                                      <p:to>
+                                        <p:strVal val="visible"/>
+                                      </p:to>
+                                    </p:set>
+                                  </p:childTnLst>
+                                </p:cTn>
+                              </p:par>
+                            </p:childTnLst>
+                          </p:cTn>
+                        </p:par>
+                      </p:childTnLst>
+                    </p:cTn>
+                  </p:par>
+                  <p:par>
+                    <p:cTn id="17" fill="hold">
+                      <p:stCondLst>
+                        <p:cond delay="indefinite"/>
+                      </p:stCondLst>
+                      <p:childTnLst>
+                        <p:par>
+                          <p:cTn id="18" fill="hold">
+                            <p:stCondLst>
+                              <p:cond delay="0"/>
+                            </p:stCondLst>
+                            <p:childTnLst>
+                              <p:par>
+                                <p:cTn id="19" presetID="1" presetClass="entr" presetSubtype="0" fill="hold" nodeType="clickEffect">
+                                  <p:stCondLst>
+                                    <p:cond delay="0"/>
+                                  </p:stCondLst>
+                                  <p:childTnLst>
+                                    <p:set>
+                                      <p:cBhvr>
+                                        <p:cTn id="20" dur="1" fill="hold">
+                                          <p:stCondLst>
+                                            <p:cond delay="0"/>
+                                          </p:stCondLst>
+                                        </p:cTn>
+                                        <p:tgtEl>
+                                          <p:spTgt spid="8"/>
+                                        </p:tgtEl>
+                                        <p:attrNameLst>
+                                          <p:attrName>style.visibility</p:attrName>
+                                        </p:attrNameLst>
+                                      </p:cBhvr>
+                                      <p:to>
+                                        <p:strVal val="visible"/>
+                                      </p:to>
+                                    </p:set>
                                   </p:childTnLst>
                                 </p:cTn>
                               </p:par>
@@ -24701,1580 +25204,6 @@
 </file>
 
 <file path=ppt/slides/slide15.xml><?xml version="1.0" encoding="utf-8"?>
-<p:sld xmlns:a="http://schemas.openxmlformats.org/drawingml/2006/main" xmlns:r="http://schemas.openxmlformats.org/officeDocument/2006/relationships" xmlns:p="http://schemas.openxmlformats.org/presentationml/2006/main">
-  <p:cSld>
-    <p:spTree>
-      <p:nvGrpSpPr>
-        <p:cNvPr id="1" name="Shape 476"/>
-        <p:cNvGrpSpPr/>
-        <p:nvPr/>
-      </p:nvGrpSpPr>
-      <p:grpSpPr>
-        <a:xfrm>
-          <a:off x="0" y="0"/>
-          <a:ext cx="0" cy="0"/>
-          <a:chOff x="0" y="0"/>
-          <a:chExt cx="0" cy="0"/>
-        </a:xfrm>
-      </p:grpSpPr>
-      <p:sp>
-        <p:nvSpPr>
-          <p:cNvPr id="486" name="Google Shape;486;p42"/>
-          <p:cNvSpPr/>
-          <p:nvPr/>
-        </p:nvSpPr>
-        <p:spPr>
-          <a:xfrm>
-            <a:off x="2430245" y="2805147"/>
-            <a:ext cx="2467275" cy="585200"/>
-          </a:xfrm>
-          <a:prstGeom prst="roundRect">
-            <a:avLst>
-              <a:gd name="adj" fmla="val 0"/>
-            </a:avLst>
-          </a:prstGeom>
-          <a:noFill/>
-          <a:ln>
-            <a:noFill/>
-          </a:ln>
-        </p:spPr>
-        <p:txBody>
-          <a:bodyPr spcFirstLastPara="1" wrap="square" lIns="121900" tIns="121900" rIns="121900" bIns="121900" anchor="ctr" anchorCtr="0">
-            <a:noAutofit/>
-          </a:bodyPr>
-          <a:lstStyle/>
-          <a:p>
-            <a:pPr algn="ctr"/>
-            <a:r>
-              <a:rPr lang="hu-HU" sz="1867" dirty="0">
-                <a:solidFill>
-                  <a:schemeClr val="dk1"/>
-                </a:solidFill>
-                <a:latin typeface="Quantico"/>
-                <a:ea typeface="Quantico"/>
-                <a:cs typeface="Quantico"/>
-                <a:sym typeface="Quantico"/>
-              </a:rPr>
-              <a:t>Hiányosságok kezelése</a:t>
-            </a:r>
-          </a:p>
-        </p:txBody>
-      </p:sp>
-      <p:sp>
-        <p:nvSpPr>
-          <p:cNvPr id="487" name="Google Shape;487;p42"/>
-          <p:cNvSpPr/>
-          <p:nvPr/>
-        </p:nvSpPr>
-        <p:spPr>
-          <a:xfrm>
-            <a:off x="4539233" y="1727395"/>
-            <a:ext cx="3115200" cy="638400"/>
-          </a:xfrm>
-          <a:prstGeom prst="roundRect">
-            <a:avLst>
-              <a:gd name="adj" fmla="val 0"/>
-            </a:avLst>
-          </a:prstGeom>
-          <a:noFill/>
-          <a:ln>
-            <a:noFill/>
-          </a:ln>
-        </p:spPr>
-        <p:txBody>
-          <a:bodyPr spcFirstLastPara="1" wrap="square" lIns="121900" tIns="121900" rIns="121900" bIns="121900" anchor="ctr" anchorCtr="0">
-            <a:noAutofit/>
-          </a:bodyPr>
-          <a:lstStyle/>
-          <a:p>
-            <a:pPr algn="ctr"/>
-            <a:r>
-              <a:rPr lang="hu-HU" sz="2133" dirty="0">
-                <a:solidFill>
-                  <a:schemeClr val="dk1"/>
-                </a:solidFill>
-                <a:latin typeface="Quantico"/>
-                <a:ea typeface="Quantico"/>
-                <a:cs typeface="Quantico"/>
-                <a:sym typeface="Quantico"/>
-              </a:rPr>
-              <a:t>Szervező</a:t>
-            </a:r>
-            <a:endParaRPr sz="2133" dirty="0">
-              <a:solidFill>
-                <a:schemeClr val="dk1"/>
-              </a:solidFill>
-              <a:latin typeface="Quantico"/>
-              <a:ea typeface="Quantico"/>
-              <a:cs typeface="Quantico"/>
-              <a:sym typeface="Quantico"/>
-            </a:endParaRPr>
-          </a:p>
-        </p:txBody>
-      </p:sp>
-      <p:sp>
-        <p:nvSpPr>
-          <p:cNvPr id="489" name="Google Shape;489;p42"/>
-          <p:cNvSpPr/>
-          <p:nvPr/>
-        </p:nvSpPr>
-        <p:spPr>
-          <a:xfrm>
-            <a:off x="4539233" y="5396288"/>
-            <a:ext cx="3115200" cy="585200"/>
-          </a:xfrm>
-          <a:prstGeom prst="roundRect">
-            <a:avLst>
-              <a:gd name="adj" fmla="val 0"/>
-            </a:avLst>
-          </a:prstGeom>
-          <a:noFill/>
-          <a:ln>
-            <a:noFill/>
-          </a:ln>
-        </p:spPr>
-        <p:txBody>
-          <a:bodyPr spcFirstLastPara="1" wrap="square" lIns="121900" tIns="121900" rIns="121900" bIns="121900" anchor="ctr" anchorCtr="0">
-            <a:noAutofit/>
-          </a:bodyPr>
-          <a:lstStyle/>
-          <a:p>
-            <a:pPr algn="ctr"/>
-            <a:r>
-              <a:rPr lang="hu-HU" sz="1867" dirty="0">
-                <a:solidFill>
-                  <a:schemeClr val="dk1"/>
-                </a:solidFill>
-                <a:latin typeface="Quantico"/>
-                <a:ea typeface="Quantico"/>
-                <a:cs typeface="Quantico"/>
-                <a:sym typeface="Quantico"/>
-              </a:rPr>
-              <a:t>Iskola létrehozása</a:t>
-            </a:r>
-            <a:endParaRPr sz="1867" dirty="0">
-              <a:solidFill>
-                <a:schemeClr val="dk1"/>
-              </a:solidFill>
-              <a:latin typeface="Quantico"/>
-              <a:ea typeface="Quantico"/>
-              <a:cs typeface="Quantico"/>
-              <a:sym typeface="Quantico"/>
-            </a:endParaRPr>
-          </a:p>
-        </p:txBody>
-      </p:sp>
-      <p:cxnSp>
-        <p:nvCxnSpPr>
-          <p:cNvPr id="490" name="Google Shape;490;p42"/>
-          <p:cNvCxnSpPr>
-            <a:cxnSpLocks/>
-            <a:stCxn id="487" idx="2"/>
-            <a:endCxn id="489" idx="0"/>
-          </p:cNvCxnSpPr>
-          <p:nvPr/>
-        </p:nvCxnSpPr>
-        <p:spPr>
-          <a:xfrm rot="5400000">
-            <a:off x="4581587" y="3881041"/>
-            <a:ext cx="3030493" cy="12700"/>
-          </a:xfrm>
-          <a:prstGeom prst="bentConnector3">
-            <a:avLst>
-              <a:gd name="adj1" fmla="val 50000"/>
-            </a:avLst>
-          </a:prstGeom>
-          <a:noFill/>
-          <a:ln w="9525" cap="flat" cmpd="sng">
-            <a:solidFill>
-              <a:schemeClr val="dk1"/>
-            </a:solidFill>
-            <a:prstDash val="solid"/>
-            <a:miter lim="8000"/>
-            <a:headEnd type="none" w="sm" len="sm"/>
-            <a:tailEnd type="none" w="sm" len="sm"/>
-          </a:ln>
-        </p:spPr>
-      </p:cxnSp>
-      <p:cxnSp>
-        <p:nvCxnSpPr>
-          <p:cNvPr id="491" name="Google Shape;491;p42"/>
-          <p:cNvCxnSpPr>
-            <a:cxnSpLocks/>
-            <a:stCxn id="486" idx="3"/>
-            <a:endCxn id="487" idx="2"/>
-          </p:cNvCxnSpPr>
-          <p:nvPr/>
-        </p:nvCxnSpPr>
-        <p:spPr>
-          <a:xfrm flipV="1">
-            <a:off x="4897520" y="2365795"/>
-            <a:ext cx="1199313" cy="731952"/>
-          </a:xfrm>
-          <a:prstGeom prst="bentConnector2">
-            <a:avLst/>
-          </a:prstGeom>
-          <a:noFill/>
-          <a:ln w="9525" cap="flat" cmpd="sng">
-            <a:solidFill>
-              <a:schemeClr val="dk1"/>
-            </a:solidFill>
-            <a:prstDash val="solid"/>
-            <a:miter lim="8000"/>
-            <a:headEnd type="none" w="sm" len="sm"/>
-            <a:tailEnd type="none" w="sm" len="sm"/>
-          </a:ln>
-        </p:spPr>
-      </p:cxnSp>
-      <p:sp>
-        <p:nvSpPr>
-          <p:cNvPr id="501" name="Google Shape;501;p42"/>
-          <p:cNvSpPr txBox="1"/>
-          <p:nvPr/>
-        </p:nvSpPr>
-        <p:spPr>
-          <a:xfrm>
-            <a:off x="9609600" y="1274700"/>
-            <a:ext cx="1622400" cy="856000"/>
-          </a:xfrm>
-          <a:prstGeom prst="rect">
-            <a:avLst/>
-          </a:prstGeom>
-          <a:noFill/>
-          <a:ln>
-            <a:noFill/>
-          </a:ln>
-        </p:spPr>
-        <p:txBody>
-          <a:bodyPr spcFirstLastPara="1" wrap="square" lIns="121900" tIns="121900" rIns="121900" bIns="121900" anchor="t" anchorCtr="0">
-            <a:noAutofit/>
-          </a:bodyPr>
-          <a:lstStyle/>
-          <a:p>
-            <a:pPr algn="ctr">
-              <a:lnSpc>
-                <a:spcPct val="90000"/>
-              </a:lnSpc>
-            </a:pPr>
-            <a:r>
-              <a:rPr lang="en" sz="4800" dirty="0">
-                <a:solidFill>
-                  <a:schemeClr val="accent2"/>
-                </a:solidFill>
-              </a:rPr>
-              <a:t>/&gt;</a:t>
-            </a:r>
-            <a:r>
-              <a:rPr lang="en" sz="4800" dirty="0">
-                <a:solidFill>
-                  <a:schemeClr val="dk1"/>
-                </a:solidFill>
-              </a:rPr>
-              <a:t> **</a:t>
-            </a:r>
-            <a:endParaRPr sz="4800" dirty="0">
-              <a:solidFill>
-                <a:schemeClr val="accent1"/>
-              </a:solidFill>
-            </a:endParaRPr>
-          </a:p>
-        </p:txBody>
-      </p:sp>
-      <p:sp>
-        <p:nvSpPr>
-          <p:cNvPr id="8" name="Google Shape;487;p42">
-            <a:extLst>
-              <a:ext uri="{FF2B5EF4-FFF2-40B4-BE49-F238E27FC236}">
-                <a16:creationId xmlns:a16="http://schemas.microsoft.com/office/drawing/2014/main" id="{FEE74F9F-9642-EB6F-D480-37640460E113}"/>
-              </a:ext>
-            </a:extLst>
-          </p:cNvPr>
-          <p:cNvSpPr/>
-          <p:nvPr/>
-        </p:nvSpPr>
-        <p:spPr>
-          <a:xfrm>
-            <a:off x="1229266" y="1771259"/>
-            <a:ext cx="3115200" cy="638400"/>
-          </a:xfrm>
-          <a:prstGeom prst="roundRect">
-            <a:avLst>
-              <a:gd name="adj" fmla="val 0"/>
-            </a:avLst>
-          </a:prstGeom>
-          <a:noFill/>
-          <a:ln>
-            <a:noFill/>
-          </a:ln>
-        </p:spPr>
-        <p:txBody>
-          <a:bodyPr spcFirstLastPara="1" wrap="square" lIns="121900" tIns="121900" rIns="121900" bIns="121900" anchor="ctr" anchorCtr="0">
-            <a:noAutofit/>
-          </a:bodyPr>
-          <a:lstStyle/>
-          <a:p>
-            <a:pPr algn="ctr"/>
-            <a:r>
-              <a:rPr lang="hu-HU" sz="2133" dirty="0">
-                <a:solidFill>
-                  <a:schemeClr val="dk1"/>
-                </a:solidFill>
-                <a:latin typeface="Quantico"/>
-                <a:ea typeface="Quantico"/>
-                <a:cs typeface="Quantico"/>
-                <a:sym typeface="Quantico"/>
-              </a:rPr>
-              <a:t>Versenyző</a:t>
-            </a:r>
-            <a:endParaRPr sz="2133" dirty="0">
-              <a:solidFill>
-                <a:schemeClr val="dk1"/>
-              </a:solidFill>
-              <a:latin typeface="Quantico"/>
-              <a:ea typeface="Quantico"/>
-              <a:cs typeface="Quantico"/>
-              <a:sym typeface="Quantico"/>
-            </a:endParaRPr>
-          </a:p>
-        </p:txBody>
-      </p:sp>
-      <p:sp>
-        <p:nvSpPr>
-          <p:cNvPr id="11" name="Google Shape;487;p42">
-            <a:extLst>
-              <a:ext uri="{FF2B5EF4-FFF2-40B4-BE49-F238E27FC236}">
-                <a16:creationId xmlns:a16="http://schemas.microsoft.com/office/drawing/2014/main" id="{E4B4E061-CAA7-9A59-1FB8-DA3FA4A09C57}"/>
-              </a:ext>
-            </a:extLst>
-          </p:cNvPr>
-          <p:cNvSpPr/>
-          <p:nvPr/>
-        </p:nvSpPr>
-        <p:spPr>
-          <a:xfrm>
-            <a:off x="9405134" y="1769671"/>
-            <a:ext cx="3115200" cy="638400"/>
-          </a:xfrm>
-          <a:prstGeom prst="roundRect">
-            <a:avLst>
-              <a:gd name="adj" fmla="val 0"/>
-            </a:avLst>
-          </a:prstGeom>
-          <a:noFill/>
-          <a:ln>
-            <a:noFill/>
-          </a:ln>
-        </p:spPr>
-        <p:txBody>
-          <a:bodyPr spcFirstLastPara="1" wrap="square" lIns="121900" tIns="121900" rIns="121900" bIns="121900" anchor="ctr" anchorCtr="0">
-            <a:noAutofit/>
-          </a:bodyPr>
-          <a:lstStyle/>
-          <a:p>
-            <a:pPr algn="ctr"/>
-            <a:r>
-              <a:rPr lang="hu-HU" sz="2133" dirty="0">
-                <a:solidFill>
-                  <a:schemeClr val="dk1"/>
-                </a:solidFill>
-                <a:latin typeface="Quantico"/>
-                <a:ea typeface="Quantico"/>
-                <a:cs typeface="Quantico"/>
-                <a:sym typeface="Quantico"/>
-              </a:rPr>
-              <a:t>Iskola</a:t>
-            </a:r>
-            <a:endParaRPr sz="2133" dirty="0">
-              <a:solidFill>
-                <a:schemeClr val="dk1"/>
-              </a:solidFill>
-              <a:latin typeface="Quantico"/>
-              <a:ea typeface="Quantico"/>
-              <a:cs typeface="Quantico"/>
-              <a:sym typeface="Quantico"/>
-            </a:endParaRPr>
-          </a:p>
-        </p:txBody>
-      </p:sp>
-      <p:cxnSp>
-        <p:nvCxnSpPr>
-          <p:cNvPr id="16" name="Google Shape;491;p42">
-            <a:extLst>
-              <a:ext uri="{FF2B5EF4-FFF2-40B4-BE49-F238E27FC236}">
-                <a16:creationId xmlns:a16="http://schemas.microsoft.com/office/drawing/2014/main" id="{DBD55236-03AF-11A4-4112-7C133B76F8C7}"/>
-              </a:ext>
-            </a:extLst>
-          </p:cNvPr>
-          <p:cNvCxnSpPr>
-            <a:cxnSpLocks/>
-            <a:stCxn id="8" idx="2"/>
-            <a:endCxn id="486" idx="0"/>
-          </p:cNvCxnSpPr>
-          <p:nvPr/>
-        </p:nvCxnSpPr>
-        <p:spPr>
-          <a:xfrm rot="16200000" flipH="1">
-            <a:off x="3027630" y="2168894"/>
-            <a:ext cx="395488" cy="877017"/>
-          </a:xfrm>
-          <a:prstGeom prst="bentConnector3">
-            <a:avLst>
-              <a:gd name="adj1" fmla="val 455"/>
-            </a:avLst>
-          </a:prstGeom>
-          <a:noFill/>
-          <a:ln w="9525" cap="flat" cmpd="sng">
-            <a:solidFill>
-              <a:schemeClr val="dk1"/>
-            </a:solidFill>
-            <a:prstDash val="solid"/>
-            <a:miter lim="8000"/>
-            <a:headEnd type="none" w="sm" len="sm"/>
-            <a:tailEnd type="none" w="sm" len="sm"/>
-          </a:ln>
-        </p:spPr>
-      </p:cxnSp>
-      <p:sp>
-        <p:nvSpPr>
-          <p:cNvPr id="28" name="Google Shape;486;p42">
-            <a:extLst>
-              <a:ext uri="{FF2B5EF4-FFF2-40B4-BE49-F238E27FC236}">
-                <a16:creationId xmlns:a16="http://schemas.microsoft.com/office/drawing/2014/main" id="{7A2FE61F-59CC-58C2-0988-773E98D3566C}"/>
-              </a:ext>
-            </a:extLst>
-          </p:cNvPr>
-          <p:cNvSpPr/>
-          <p:nvPr/>
-        </p:nvSpPr>
-        <p:spPr>
-          <a:xfrm>
-            <a:off x="546886" y="3244499"/>
-            <a:ext cx="3115200" cy="585200"/>
-          </a:xfrm>
-          <a:prstGeom prst="roundRect">
-            <a:avLst>
-              <a:gd name="adj" fmla="val 0"/>
-            </a:avLst>
-          </a:prstGeom>
-          <a:noFill/>
-          <a:ln>
-            <a:noFill/>
-          </a:ln>
-        </p:spPr>
-        <p:txBody>
-          <a:bodyPr spcFirstLastPara="1" wrap="square" lIns="121900" tIns="121900" rIns="121900" bIns="121900" anchor="ctr" anchorCtr="0">
-            <a:noAutofit/>
-          </a:bodyPr>
-          <a:lstStyle/>
-          <a:p>
-            <a:pPr algn="ctr"/>
-            <a:r>
-              <a:rPr lang="hu-HU" sz="1867" dirty="0">
-                <a:solidFill>
-                  <a:schemeClr val="dk1"/>
-                </a:solidFill>
-                <a:latin typeface="Quantico"/>
-                <a:ea typeface="Quantico"/>
-                <a:cs typeface="Quantico"/>
-                <a:sym typeface="Quantico"/>
-              </a:rPr>
-              <a:t>Csapat adatainak módosítása</a:t>
-            </a:r>
-          </a:p>
-        </p:txBody>
-      </p:sp>
-      <p:cxnSp>
-        <p:nvCxnSpPr>
-          <p:cNvPr id="29" name="Google Shape;491;p42">
-            <a:extLst>
-              <a:ext uri="{FF2B5EF4-FFF2-40B4-BE49-F238E27FC236}">
-                <a16:creationId xmlns:a16="http://schemas.microsoft.com/office/drawing/2014/main" id="{40D58F8D-D2D6-3643-6727-B4A17A1C516A}"/>
-              </a:ext>
-            </a:extLst>
-          </p:cNvPr>
-          <p:cNvCxnSpPr>
-            <a:cxnSpLocks/>
-            <a:stCxn id="8" idx="2"/>
-            <a:endCxn id="28" idx="0"/>
-          </p:cNvCxnSpPr>
-          <p:nvPr/>
-        </p:nvCxnSpPr>
-        <p:spPr>
-          <a:xfrm rot="5400000">
-            <a:off x="2028256" y="2485889"/>
-            <a:ext cx="834840" cy="682380"/>
-          </a:xfrm>
-          <a:prstGeom prst="bentConnector3">
-            <a:avLst>
-              <a:gd name="adj1" fmla="val 21314"/>
-            </a:avLst>
-          </a:prstGeom>
-          <a:noFill/>
-          <a:ln w="9525" cap="flat" cmpd="sng">
-            <a:solidFill>
-              <a:schemeClr val="dk1"/>
-            </a:solidFill>
-            <a:prstDash val="solid"/>
-            <a:miter lim="8000"/>
-            <a:headEnd type="none" w="sm" len="sm"/>
-            <a:tailEnd type="none" w="sm" len="sm"/>
-          </a:ln>
-        </p:spPr>
-      </p:cxnSp>
-      <p:sp>
-        <p:nvSpPr>
-          <p:cNvPr id="32" name="Google Shape;486;p42">
-            <a:extLst>
-              <a:ext uri="{FF2B5EF4-FFF2-40B4-BE49-F238E27FC236}">
-                <a16:creationId xmlns:a16="http://schemas.microsoft.com/office/drawing/2014/main" id="{874DD759-8FA3-B2E7-A5C9-6EDB65877E76}"/>
-              </a:ext>
-            </a:extLst>
-          </p:cNvPr>
-          <p:cNvSpPr/>
-          <p:nvPr/>
-        </p:nvSpPr>
-        <p:spPr>
-          <a:xfrm>
-            <a:off x="10186246" y="3356822"/>
-            <a:ext cx="1551252" cy="851466"/>
-          </a:xfrm>
-          <a:prstGeom prst="roundRect">
-            <a:avLst>
-              <a:gd name="adj" fmla="val 0"/>
-            </a:avLst>
-          </a:prstGeom>
-          <a:noFill/>
-          <a:ln>
-            <a:noFill/>
-          </a:ln>
-        </p:spPr>
-        <p:txBody>
-          <a:bodyPr spcFirstLastPara="1" wrap="square" lIns="121900" tIns="121900" rIns="121900" bIns="121900" anchor="ctr" anchorCtr="0">
-            <a:noAutofit/>
-          </a:bodyPr>
-          <a:lstStyle/>
-          <a:p>
-            <a:pPr algn="ctr"/>
-            <a:r>
-              <a:rPr lang="hu-HU" sz="1867" dirty="0">
-                <a:solidFill>
-                  <a:schemeClr val="dk1"/>
-                </a:solidFill>
-                <a:latin typeface="Quantico"/>
-                <a:ea typeface="Quantico"/>
-                <a:cs typeface="Quantico"/>
-                <a:sym typeface="Quantico"/>
-              </a:rPr>
-              <a:t>Iskola adatainak módosítása</a:t>
-            </a:r>
-          </a:p>
-        </p:txBody>
-      </p:sp>
-      <p:sp>
-        <p:nvSpPr>
-          <p:cNvPr id="33" name="Google Shape;486;p42">
-            <a:extLst>
-              <a:ext uri="{FF2B5EF4-FFF2-40B4-BE49-F238E27FC236}">
-                <a16:creationId xmlns:a16="http://schemas.microsoft.com/office/drawing/2014/main" id="{EA453045-7BD4-CEAB-FDF7-BE216D123656}"/>
-              </a:ext>
-            </a:extLst>
-          </p:cNvPr>
-          <p:cNvSpPr/>
-          <p:nvPr/>
-        </p:nvSpPr>
-        <p:spPr>
-          <a:xfrm>
-            <a:off x="410850" y="5398901"/>
-            <a:ext cx="2158180" cy="585200"/>
-          </a:xfrm>
-          <a:prstGeom prst="roundRect">
-            <a:avLst>
-              <a:gd name="adj" fmla="val 0"/>
-            </a:avLst>
-          </a:prstGeom>
-          <a:noFill/>
-          <a:ln>
-            <a:noFill/>
-          </a:ln>
-        </p:spPr>
-        <p:txBody>
-          <a:bodyPr spcFirstLastPara="1" wrap="square" lIns="121900" tIns="121900" rIns="121900" bIns="121900" anchor="ctr" anchorCtr="0">
-            <a:noAutofit/>
-          </a:bodyPr>
-          <a:lstStyle/>
-          <a:p>
-            <a:pPr algn="ctr"/>
-            <a:r>
-              <a:rPr lang="hu-HU" sz="1867" dirty="0">
-                <a:solidFill>
-                  <a:schemeClr val="dk1"/>
-                </a:solidFill>
-                <a:latin typeface="Quantico"/>
-                <a:ea typeface="Quantico"/>
-                <a:cs typeface="Quantico"/>
-                <a:sym typeface="Quantico"/>
-              </a:rPr>
-              <a:t>Programnyelvek, kategóriák kezelése</a:t>
-            </a:r>
-          </a:p>
-        </p:txBody>
-      </p:sp>
-      <p:sp>
-        <p:nvSpPr>
-          <p:cNvPr id="34" name="Google Shape;486;p42">
-            <a:extLst>
-              <a:ext uri="{FF2B5EF4-FFF2-40B4-BE49-F238E27FC236}">
-                <a16:creationId xmlns:a16="http://schemas.microsoft.com/office/drawing/2014/main" id="{276EE74E-8506-D1E9-E4B7-A6720A1BAB65}"/>
-              </a:ext>
-            </a:extLst>
-          </p:cNvPr>
-          <p:cNvSpPr/>
-          <p:nvPr/>
-        </p:nvSpPr>
-        <p:spPr>
-          <a:xfrm>
-            <a:off x="8382312" y="2805147"/>
-            <a:ext cx="2454575" cy="585200"/>
-          </a:xfrm>
-          <a:prstGeom prst="roundRect">
-            <a:avLst>
-              <a:gd name="adj" fmla="val 0"/>
-            </a:avLst>
-          </a:prstGeom>
-          <a:noFill/>
-          <a:ln>
-            <a:noFill/>
-          </a:ln>
-        </p:spPr>
-        <p:txBody>
-          <a:bodyPr spcFirstLastPara="1" wrap="square" lIns="121900" tIns="121900" rIns="121900" bIns="121900" anchor="ctr" anchorCtr="0">
-            <a:noAutofit/>
-          </a:bodyPr>
-          <a:lstStyle/>
-          <a:p>
-            <a:pPr algn="ctr"/>
-            <a:r>
-              <a:rPr lang="hu-HU" sz="1867" dirty="0">
-                <a:solidFill>
-                  <a:schemeClr val="dk1"/>
-                </a:solidFill>
-                <a:latin typeface="Quantico"/>
-                <a:ea typeface="Quantico"/>
-                <a:cs typeface="Quantico"/>
-                <a:sym typeface="Quantico"/>
-              </a:rPr>
-              <a:t>Csapatok jóváhagyása</a:t>
-            </a:r>
-          </a:p>
-        </p:txBody>
-      </p:sp>
-      <p:sp>
-        <p:nvSpPr>
-          <p:cNvPr id="35" name="Google Shape;486;p42">
-            <a:extLst>
-              <a:ext uri="{FF2B5EF4-FFF2-40B4-BE49-F238E27FC236}">
-                <a16:creationId xmlns:a16="http://schemas.microsoft.com/office/drawing/2014/main" id="{585911A2-F6C4-6101-1C24-3A6D7DEDA0C4}"/>
-              </a:ext>
-            </a:extLst>
-          </p:cNvPr>
-          <p:cNvSpPr/>
-          <p:nvPr/>
-        </p:nvSpPr>
-        <p:spPr>
-          <a:xfrm>
-            <a:off x="8781934" y="5402638"/>
-            <a:ext cx="2808624" cy="585200"/>
-          </a:xfrm>
-          <a:prstGeom prst="roundRect">
-            <a:avLst>
-              <a:gd name="adj" fmla="val 0"/>
-            </a:avLst>
-          </a:prstGeom>
-          <a:noFill/>
-          <a:ln>
-            <a:noFill/>
-          </a:ln>
-        </p:spPr>
-        <p:txBody>
-          <a:bodyPr spcFirstLastPara="1" wrap="square" lIns="121900" tIns="121900" rIns="121900" bIns="121900" anchor="ctr" anchorCtr="0">
-            <a:noAutofit/>
-          </a:bodyPr>
-          <a:lstStyle/>
-          <a:p>
-            <a:pPr algn="ctr"/>
-            <a:r>
-              <a:rPr lang="hu-HU" sz="1867" dirty="0">
-                <a:solidFill>
-                  <a:schemeClr val="dk1"/>
-                </a:solidFill>
-                <a:latin typeface="Quantico"/>
-                <a:ea typeface="Quantico"/>
-                <a:cs typeface="Quantico"/>
-                <a:sym typeface="Quantico"/>
-              </a:rPr>
-              <a:t>Új verseny kiírása / határidő módosítása</a:t>
-            </a:r>
-          </a:p>
-        </p:txBody>
-      </p:sp>
-      <p:cxnSp>
-        <p:nvCxnSpPr>
-          <p:cNvPr id="36" name="Google Shape;491;p42">
-            <a:extLst>
-              <a:ext uri="{FF2B5EF4-FFF2-40B4-BE49-F238E27FC236}">
-                <a16:creationId xmlns:a16="http://schemas.microsoft.com/office/drawing/2014/main" id="{2C3C74E7-5A32-38E2-594F-083F2C225164}"/>
-              </a:ext>
-            </a:extLst>
-          </p:cNvPr>
-          <p:cNvCxnSpPr>
-            <a:cxnSpLocks/>
-            <a:stCxn id="11" idx="2"/>
-            <a:endCxn id="32" idx="0"/>
-          </p:cNvCxnSpPr>
-          <p:nvPr/>
-        </p:nvCxnSpPr>
-        <p:spPr>
-          <a:xfrm rot="5400000">
-            <a:off x="10487928" y="2882015"/>
-            <a:ext cx="948751" cy="862"/>
-          </a:xfrm>
-          <a:prstGeom prst="bentConnector3">
-            <a:avLst>
-              <a:gd name="adj1" fmla="val 50000"/>
-            </a:avLst>
-          </a:prstGeom>
-          <a:noFill/>
-          <a:ln w="9525" cap="flat" cmpd="sng">
-            <a:solidFill>
-              <a:schemeClr val="dk1"/>
-            </a:solidFill>
-            <a:prstDash val="solid"/>
-            <a:miter lim="8000"/>
-            <a:headEnd type="none" w="sm" len="sm"/>
-            <a:tailEnd type="none" w="sm" len="sm"/>
-          </a:ln>
-        </p:spPr>
-      </p:cxnSp>
-      <p:cxnSp>
-        <p:nvCxnSpPr>
-          <p:cNvPr id="39" name="Google Shape;491;p42">
-            <a:extLst>
-              <a:ext uri="{FF2B5EF4-FFF2-40B4-BE49-F238E27FC236}">
-                <a16:creationId xmlns:a16="http://schemas.microsoft.com/office/drawing/2014/main" id="{527DB407-92F6-85F2-BD93-3117553F6130}"/>
-              </a:ext>
-            </a:extLst>
-          </p:cNvPr>
-          <p:cNvCxnSpPr>
-            <a:cxnSpLocks/>
-            <a:stCxn id="11" idx="2"/>
-            <a:endCxn id="34" idx="0"/>
-          </p:cNvCxnSpPr>
-          <p:nvPr/>
-        </p:nvCxnSpPr>
-        <p:spPr>
-          <a:xfrm rot="5400000">
-            <a:off x="10087629" y="1930042"/>
-            <a:ext cx="397076" cy="1353134"/>
-          </a:xfrm>
-          <a:prstGeom prst="bentConnector3">
-            <a:avLst>
-              <a:gd name="adj1" fmla="val 50000"/>
-            </a:avLst>
-          </a:prstGeom>
-          <a:noFill/>
-          <a:ln w="9525" cap="flat" cmpd="sng">
-            <a:solidFill>
-              <a:schemeClr val="dk1"/>
-            </a:solidFill>
-            <a:prstDash val="solid"/>
-            <a:miter lim="8000"/>
-            <a:headEnd type="none" w="sm" len="sm"/>
-            <a:tailEnd type="none" w="sm" len="sm"/>
-          </a:ln>
-        </p:spPr>
-      </p:cxnSp>
-      <p:cxnSp>
-        <p:nvCxnSpPr>
-          <p:cNvPr id="42" name="Google Shape;491;p42">
-            <a:extLst>
-              <a:ext uri="{FF2B5EF4-FFF2-40B4-BE49-F238E27FC236}">
-                <a16:creationId xmlns:a16="http://schemas.microsoft.com/office/drawing/2014/main" id="{E28DABD4-5CF2-8D9E-5904-9902890C0377}"/>
-              </a:ext>
-            </a:extLst>
-          </p:cNvPr>
-          <p:cNvCxnSpPr>
-            <a:cxnSpLocks/>
-            <a:stCxn id="34" idx="1"/>
-            <a:endCxn id="487" idx="2"/>
-          </p:cNvCxnSpPr>
-          <p:nvPr/>
-        </p:nvCxnSpPr>
-        <p:spPr>
-          <a:xfrm rot="10800000">
-            <a:off x="6096834" y="2365795"/>
-            <a:ext cx="2285479" cy="731952"/>
-          </a:xfrm>
-          <a:prstGeom prst="bentConnector2">
-            <a:avLst/>
-          </a:prstGeom>
-          <a:noFill/>
-          <a:ln w="9525" cap="flat" cmpd="sng">
-            <a:solidFill>
-              <a:schemeClr val="dk1"/>
-            </a:solidFill>
-            <a:prstDash val="solid"/>
-            <a:miter lim="8000"/>
-            <a:headEnd type="none" w="sm" len="sm"/>
-            <a:tailEnd type="none" w="sm" len="sm"/>
-          </a:ln>
-        </p:spPr>
-      </p:cxnSp>
-      <p:cxnSp>
-        <p:nvCxnSpPr>
-          <p:cNvPr id="47" name="Google Shape;491;p42">
-            <a:extLst>
-              <a:ext uri="{FF2B5EF4-FFF2-40B4-BE49-F238E27FC236}">
-                <a16:creationId xmlns:a16="http://schemas.microsoft.com/office/drawing/2014/main" id="{DE45A4DE-7A45-8068-554C-5818FB74CCC1}"/>
-              </a:ext>
-            </a:extLst>
-          </p:cNvPr>
-          <p:cNvCxnSpPr>
-            <a:cxnSpLocks/>
-            <a:stCxn id="35" idx="0"/>
-            <a:endCxn id="487" idx="2"/>
-          </p:cNvCxnSpPr>
-          <p:nvPr/>
-        </p:nvCxnSpPr>
-        <p:spPr>
-          <a:xfrm rot="16200000" flipV="1">
-            <a:off x="6623119" y="1839510"/>
-            <a:ext cx="3036843" cy="4089413"/>
-          </a:xfrm>
-          <a:prstGeom prst="bentConnector3">
-            <a:avLst>
-              <a:gd name="adj1" fmla="val 50000"/>
-            </a:avLst>
-          </a:prstGeom>
-          <a:noFill/>
-          <a:ln w="9525" cap="flat" cmpd="sng">
-            <a:solidFill>
-              <a:schemeClr val="dk1"/>
-            </a:solidFill>
-            <a:prstDash val="solid"/>
-            <a:miter lim="8000"/>
-            <a:headEnd type="none" w="sm" len="sm"/>
-            <a:tailEnd type="none" w="sm" len="sm"/>
-          </a:ln>
-        </p:spPr>
-      </p:cxnSp>
-      <p:cxnSp>
-        <p:nvCxnSpPr>
-          <p:cNvPr id="50" name="Google Shape;491;p42">
-            <a:extLst>
-              <a:ext uri="{FF2B5EF4-FFF2-40B4-BE49-F238E27FC236}">
-                <a16:creationId xmlns:a16="http://schemas.microsoft.com/office/drawing/2014/main" id="{53327C5F-152E-8F3B-3300-D9C350B40AEB}"/>
-              </a:ext>
-            </a:extLst>
-          </p:cNvPr>
-          <p:cNvCxnSpPr>
-            <a:cxnSpLocks/>
-            <a:stCxn id="33" idx="0"/>
-            <a:endCxn id="487" idx="2"/>
-          </p:cNvCxnSpPr>
-          <p:nvPr/>
-        </p:nvCxnSpPr>
-        <p:spPr>
-          <a:xfrm rot="5400000" flipH="1" flipV="1">
-            <a:off x="2276833" y="1578902"/>
-            <a:ext cx="3033106" cy="4606893"/>
-          </a:xfrm>
-          <a:prstGeom prst="bentConnector3">
-            <a:avLst>
-              <a:gd name="adj1" fmla="val 50000"/>
-            </a:avLst>
-          </a:prstGeom>
-          <a:noFill/>
-          <a:ln w="9525" cap="flat" cmpd="sng">
-            <a:solidFill>
-              <a:schemeClr val="dk1"/>
-            </a:solidFill>
-            <a:prstDash val="solid"/>
-            <a:miter lim="8000"/>
-            <a:headEnd type="none" w="sm" len="sm"/>
-            <a:tailEnd type="none" w="sm" len="sm"/>
-          </a:ln>
-        </p:spPr>
-      </p:cxnSp>
-      <p:sp>
-        <p:nvSpPr>
-          <p:cNvPr id="15" name="Google Shape;486;p42">
-            <a:extLst>
-              <a:ext uri="{FF2B5EF4-FFF2-40B4-BE49-F238E27FC236}">
-                <a16:creationId xmlns:a16="http://schemas.microsoft.com/office/drawing/2014/main" id="{BD1AEE8F-A454-3127-6DAE-DE08FD936861}"/>
-              </a:ext>
-            </a:extLst>
-          </p:cNvPr>
-          <p:cNvSpPr/>
-          <p:nvPr/>
-        </p:nvSpPr>
-        <p:spPr>
-          <a:xfrm>
-            <a:off x="496703" y="2297246"/>
-            <a:ext cx="1383626" cy="585200"/>
-          </a:xfrm>
-          <a:prstGeom prst="roundRect">
-            <a:avLst>
-              <a:gd name="adj" fmla="val 0"/>
-            </a:avLst>
-          </a:prstGeom>
-          <a:noFill/>
-          <a:ln>
-            <a:noFill/>
-          </a:ln>
-        </p:spPr>
-        <p:txBody>
-          <a:bodyPr spcFirstLastPara="1" wrap="square" lIns="121900" tIns="121900" rIns="121900" bIns="121900" anchor="ctr" anchorCtr="0">
-            <a:noAutofit/>
-          </a:bodyPr>
-          <a:lstStyle/>
-          <a:p>
-            <a:pPr algn="ctr"/>
-            <a:r>
-              <a:rPr lang="hu-HU" sz="1867" dirty="0">
-                <a:solidFill>
-                  <a:schemeClr val="dk1"/>
-                </a:solidFill>
-                <a:latin typeface="Quantico"/>
-                <a:ea typeface="Quantico"/>
-                <a:cs typeface="Quantico"/>
-                <a:sym typeface="Quantico"/>
-              </a:rPr>
-              <a:t>Csapat létrehozása</a:t>
-            </a:r>
-          </a:p>
-        </p:txBody>
-      </p:sp>
-      <p:cxnSp>
-        <p:nvCxnSpPr>
-          <p:cNvPr id="17" name="Google Shape;491;p42">
-            <a:extLst>
-              <a:ext uri="{FF2B5EF4-FFF2-40B4-BE49-F238E27FC236}">
-                <a16:creationId xmlns:a16="http://schemas.microsoft.com/office/drawing/2014/main" id="{477479F4-AC23-2586-2AD1-5B94ECBEFDA2}"/>
-              </a:ext>
-            </a:extLst>
-          </p:cNvPr>
-          <p:cNvCxnSpPr>
-            <a:cxnSpLocks/>
-            <a:stCxn id="8" idx="2"/>
-            <a:endCxn id="15" idx="3"/>
-          </p:cNvCxnSpPr>
-          <p:nvPr/>
-        </p:nvCxnSpPr>
-        <p:spPr>
-          <a:xfrm rot="5400000">
-            <a:off x="2243505" y="2046484"/>
-            <a:ext cx="180187" cy="906537"/>
-          </a:xfrm>
-          <a:prstGeom prst="bentConnector2">
-            <a:avLst/>
-          </a:prstGeom>
-          <a:noFill/>
-          <a:ln w="9525" cap="flat" cmpd="sng">
-            <a:solidFill>
-              <a:schemeClr val="dk1"/>
-            </a:solidFill>
-            <a:prstDash val="solid"/>
-            <a:miter lim="8000"/>
-            <a:headEnd type="none" w="sm" len="sm"/>
-            <a:tailEnd type="none" w="sm" len="sm"/>
-          </a:ln>
-        </p:spPr>
-      </p:cxnSp>
-      <p:sp>
-        <p:nvSpPr>
-          <p:cNvPr id="37" name="Google Shape;489;p42">
-            <a:extLst>
-              <a:ext uri="{FF2B5EF4-FFF2-40B4-BE49-F238E27FC236}">
-                <a16:creationId xmlns:a16="http://schemas.microsoft.com/office/drawing/2014/main" id="{CC8A9354-CC92-FC97-3238-E44DEE4B43EE}"/>
-              </a:ext>
-            </a:extLst>
-          </p:cNvPr>
-          <p:cNvSpPr/>
-          <p:nvPr/>
-        </p:nvSpPr>
-        <p:spPr>
-          <a:xfrm>
-            <a:off x="2033590" y="4496676"/>
-            <a:ext cx="3697030" cy="899611"/>
-          </a:xfrm>
-          <a:prstGeom prst="roundRect">
-            <a:avLst>
-              <a:gd name="adj" fmla="val 0"/>
-            </a:avLst>
-          </a:prstGeom>
-          <a:noFill/>
-          <a:ln>
-            <a:noFill/>
-          </a:ln>
-        </p:spPr>
-        <p:txBody>
-          <a:bodyPr spcFirstLastPara="1" wrap="square" lIns="121900" tIns="121900" rIns="121900" bIns="121900" anchor="ctr" anchorCtr="0">
-            <a:noAutofit/>
-          </a:bodyPr>
-          <a:lstStyle/>
-          <a:p>
-            <a:pPr algn="ctr"/>
-            <a:r>
-              <a:rPr lang="hu-HU" sz="1867" dirty="0">
-                <a:solidFill>
-                  <a:schemeClr val="dk1"/>
-                </a:solidFill>
-                <a:latin typeface="Quantico"/>
-                <a:ea typeface="Quantico"/>
-                <a:cs typeface="Quantico"/>
-                <a:sym typeface="Quantico"/>
-              </a:rPr>
-              <a:t>Csapatok adatainak / </a:t>
-            </a:r>
-          </a:p>
-          <a:p>
-            <a:pPr algn="ctr"/>
-            <a:r>
-              <a:rPr lang="hu-HU" sz="1867" dirty="0">
-                <a:solidFill>
-                  <a:schemeClr val="dk1"/>
-                </a:solidFill>
-                <a:latin typeface="Quantico"/>
-                <a:ea typeface="Quantico"/>
-                <a:cs typeface="Quantico"/>
-                <a:sym typeface="Quantico"/>
-              </a:rPr>
-              <a:t>Csapatok iskolai jóváhagyási dokumentumának letöltése</a:t>
-            </a:r>
-            <a:endParaRPr sz="1867" dirty="0">
-              <a:solidFill>
-                <a:schemeClr val="dk1"/>
-              </a:solidFill>
-              <a:latin typeface="Quantico"/>
-              <a:ea typeface="Quantico"/>
-              <a:cs typeface="Quantico"/>
-              <a:sym typeface="Quantico"/>
-            </a:endParaRPr>
-          </a:p>
-        </p:txBody>
-      </p:sp>
-      <p:cxnSp>
-        <p:nvCxnSpPr>
-          <p:cNvPr id="43" name="Google Shape;490;p42">
-            <a:extLst>
-              <a:ext uri="{FF2B5EF4-FFF2-40B4-BE49-F238E27FC236}">
-                <a16:creationId xmlns:a16="http://schemas.microsoft.com/office/drawing/2014/main" id="{8A776A5A-5EAD-1658-AA23-204400B25345}"/>
-              </a:ext>
-            </a:extLst>
-          </p:cNvPr>
-          <p:cNvCxnSpPr>
-            <a:cxnSpLocks/>
-            <a:stCxn id="487" idx="2"/>
-            <a:endCxn id="37" idx="0"/>
-          </p:cNvCxnSpPr>
-          <p:nvPr/>
-        </p:nvCxnSpPr>
-        <p:spPr>
-          <a:xfrm rot="5400000">
-            <a:off x="3924029" y="2323871"/>
-            <a:ext cx="2130881" cy="2214728"/>
-          </a:xfrm>
-          <a:prstGeom prst="bentConnector3">
-            <a:avLst>
-              <a:gd name="adj1" fmla="val 70945"/>
-            </a:avLst>
-          </a:prstGeom>
-          <a:noFill/>
-          <a:ln w="9525" cap="flat" cmpd="sng">
-            <a:solidFill>
-              <a:schemeClr val="dk1"/>
-            </a:solidFill>
-            <a:prstDash val="solid"/>
-            <a:miter lim="8000"/>
-            <a:headEnd type="none" w="sm" len="sm"/>
-            <a:tailEnd type="none" w="sm" len="sm"/>
-          </a:ln>
-        </p:spPr>
-      </p:cxnSp>
-      <p:sp>
-        <p:nvSpPr>
-          <p:cNvPr id="48" name="Google Shape;489;p42">
-            <a:extLst>
-              <a:ext uri="{FF2B5EF4-FFF2-40B4-BE49-F238E27FC236}">
-                <a16:creationId xmlns:a16="http://schemas.microsoft.com/office/drawing/2014/main" id="{12B771F0-0251-40FC-ADD3-9658424AE0AC}"/>
-              </a:ext>
-            </a:extLst>
-          </p:cNvPr>
-          <p:cNvSpPr/>
-          <p:nvPr/>
-        </p:nvSpPr>
-        <p:spPr>
-          <a:xfrm>
-            <a:off x="6753961" y="4817437"/>
-            <a:ext cx="3115200" cy="585200"/>
-          </a:xfrm>
-          <a:prstGeom prst="roundRect">
-            <a:avLst>
-              <a:gd name="adj" fmla="val 0"/>
-            </a:avLst>
-          </a:prstGeom>
-          <a:noFill/>
-          <a:ln>
-            <a:noFill/>
-          </a:ln>
-        </p:spPr>
-        <p:txBody>
-          <a:bodyPr spcFirstLastPara="1" wrap="square" lIns="121900" tIns="121900" rIns="121900" bIns="121900" anchor="ctr" anchorCtr="0">
-            <a:noAutofit/>
-          </a:bodyPr>
-          <a:lstStyle/>
-          <a:p>
-            <a:pPr algn="ctr"/>
-            <a:r>
-              <a:rPr lang="hu-HU" sz="1867" dirty="0">
-                <a:solidFill>
-                  <a:schemeClr val="dk1"/>
-                </a:solidFill>
-                <a:latin typeface="Quantico"/>
-                <a:ea typeface="Quantico"/>
-                <a:cs typeface="Quantico"/>
-                <a:sym typeface="Quantico"/>
-              </a:rPr>
-              <a:t>Az összes iskola és csapat megtekintése</a:t>
-            </a:r>
-            <a:endParaRPr sz="1867" dirty="0">
-              <a:solidFill>
-                <a:schemeClr val="dk1"/>
-              </a:solidFill>
-              <a:latin typeface="Quantico"/>
-              <a:ea typeface="Quantico"/>
-              <a:cs typeface="Quantico"/>
-              <a:sym typeface="Quantico"/>
-            </a:endParaRPr>
-          </a:p>
-        </p:txBody>
-      </p:sp>
-      <p:cxnSp>
-        <p:nvCxnSpPr>
-          <p:cNvPr id="49" name="Google Shape;490;p42">
-            <a:extLst>
-              <a:ext uri="{FF2B5EF4-FFF2-40B4-BE49-F238E27FC236}">
-                <a16:creationId xmlns:a16="http://schemas.microsoft.com/office/drawing/2014/main" id="{590A17F0-8305-CF3E-FB82-AB02659FAF01}"/>
-              </a:ext>
-            </a:extLst>
-          </p:cNvPr>
-          <p:cNvCxnSpPr>
-            <a:cxnSpLocks/>
-            <a:stCxn id="487" idx="2"/>
-            <a:endCxn id="48" idx="0"/>
-          </p:cNvCxnSpPr>
-          <p:nvPr/>
-        </p:nvCxnSpPr>
-        <p:spPr>
-          <a:xfrm rot="16200000" flipH="1">
-            <a:off x="5978376" y="2484252"/>
-            <a:ext cx="2451642" cy="2214728"/>
-          </a:xfrm>
-          <a:prstGeom prst="bentConnector3">
-            <a:avLst>
-              <a:gd name="adj1" fmla="val 61988"/>
-            </a:avLst>
-          </a:prstGeom>
-          <a:noFill/>
-          <a:ln w="9525" cap="flat" cmpd="sng">
-            <a:solidFill>
-              <a:schemeClr val="dk1"/>
-            </a:solidFill>
-            <a:prstDash val="solid"/>
-            <a:miter lim="8000"/>
-            <a:headEnd type="none" w="sm" len="sm"/>
-            <a:tailEnd type="none" w="sm" len="sm"/>
-          </a:ln>
-        </p:spPr>
-      </p:cxnSp>
-      <p:sp>
-        <p:nvSpPr>
-          <p:cNvPr id="452" name="Google Shape;257;p30">
-            <a:extLst>
-              <a:ext uri="{FF2B5EF4-FFF2-40B4-BE49-F238E27FC236}">
-                <a16:creationId xmlns:a16="http://schemas.microsoft.com/office/drawing/2014/main" id="{5B3ACF7A-35B7-9778-76CC-9CCC0CE108D1}"/>
-              </a:ext>
-            </a:extLst>
-          </p:cNvPr>
-          <p:cNvSpPr txBox="1">
-            <a:spLocks/>
-          </p:cNvSpPr>
-          <p:nvPr/>
-        </p:nvSpPr>
-        <p:spPr>
-          <a:xfrm>
-            <a:off x="636150" y="639285"/>
-            <a:ext cx="5094470" cy="557700"/>
-          </a:xfrm>
-          <a:prstGeom prst="rect">
-            <a:avLst/>
-          </a:prstGeom>
-          <a:noFill/>
-          <a:ln>
-            <a:noFill/>
-          </a:ln>
-        </p:spPr>
-        <p:txBody>
-          <a:bodyPr spcFirstLastPara="1" wrap="square" lIns="91425" tIns="91425" rIns="91425" bIns="91425" anchor="t" anchorCtr="0">
-            <a:noAutofit/>
-          </a:bodyPr>
-          <a:lstStyle>
-            <a:defPPr marR="0" lvl="0" algn="l" rtl="0">
-              <a:lnSpc>
-                <a:spcPct val="100000"/>
-              </a:lnSpc>
-              <a:spcBef>
-                <a:spcPts val="0"/>
-              </a:spcBef>
-              <a:spcAft>
-                <a:spcPts val="0"/>
-              </a:spcAft>
-            </a:defPPr>
-            <a:lvl1pPr marR="0" lvl="0" algn="l" rtl="0" eaLnBrk="1" hangingPunct="1">
-              <a:lnSpc>
-                <a:spcPct val="100000"/>
-              </a:lnSpc>
-              <a:spcBef>
-                <a:spcPts val="0"/>
-              </a:spcBef>
-              <a:spcAft>
-                <a:spcPts val="0"/>
-              </a:spcAft>
-              <a:buClr>
-                <a:schemeClr val="dk1"/>
-              </a:buClr>
-              <a:buSzPts val="3300"/>
-              <a:buFont typeface="Quantico"/>
-              <a:buNone/>
-              <a:defRPr sz="3300" b="0" i="0" u="none" strike="noStrike" cap="none">
-                <a:solidFill>
-                  <a:schemeClr val="dk1"/>
-                </a:solidFill>
-                <a:latin typeface="Quantico"/>
-                <a:ea typeface="Quantico"/>
-                <a:cs typeface="Quantico"/>
-                <a:sym typeface="Quantico"/>
-              </a:defRPr>
-            </a:lvl1pPr>
-            <a:lvl2pPr marR="0" lvl="1" algn="l" rtl="0" eaLnBrk="1" hangingPunct="1">
-              <a:lnSpc>
-                <a:spcPct val="100000"/>
-              </a:lnSpc>
-              <a:spcBef>
-                <a:spcPts val="0"/>
-              </a:spcBef>
-              <a:spcAft>
-                <a:spcPts val="0"/>
-              </a:spcAft>
-              <a:buClr>
-                <a:schemeClr val="dk1"/>
-              </a:buClr>
-              <a:buSzPts val="3300"/>
-              <a:buFont typeface="Quantico"/>
-              <a:buNone/>
-              <a:defRPr sz="3300" b="1" i="0" u="none" strike="noStrike" cap="none">
-                <a:solidFill>
-                  <a:schemeClr val="dk1"/>
-                </a:solidFill>
-                <a:latin typeface="Quantico"/>
-                <a:ea typeface="Quantico"/>
-                <a:cs typeface="Quantico"/>
-                <a:sym typeface="Quantico"/>
-              </a:defRPr>
-            </a:lvl2pPr>
-            <a:lvl3pPr marR="0" lvl="2" algn="l" rtl="0" eaLnBrk="1" hangingPunct="1">
-              <a:lnSpc>
-                <a:spcPct val="100000"/>
-              </a:lnSpc>
-              <a:spcBef>
-                <a:spcPts val="0"/>
-              </a:spcBef>
-              <a:spcAft>
-                <a:spcPts val="0"/>
-              </a:spcAft>
-              <a:buClr>
-                <a:schemeClr val="dk1"/>
-              </a:buClr>
-              <a:buSzPts val="3300"/>
-              <a:buFont typeface="Quantico"/>
-              <a:buNone/>
-              <a:defRPr sz="3300" b="1" i="0" u="none" strike="noStrike" cap="none">
-                <a:solidFill>
-                  <a:schemeClr val="dk1"/>
-                </a:solidFill>
-                <a:latin typeface="Quantico"/>
-                <a:ea typeface="Quantico"/>
-                <a:cs typeface="Quantico"/>
-                <a:sym typeface="Quantico"/>
-              </a:defRPr>
-            </a:lvl3pPr>
-            <a:lvl4pPr marR="0" lvl="3" algn="l" rtl="0" eaLnBrk="1" hangingPunct="1">
-              <a:lnSpc>
-                <a:spcPct val="100000"/>
-              </a:lnSpc>
-              <a:spcBef>
-                <a:spcPts val="0"/>
-              </a:spcBef>
-              <a:spcAft>
-                <a:spcPts val="0"/>
-              </a:spcAft>
-              <a:buClr>
-                <a:schemeClr val="dk1"/>
-              </a:buClr>
-              <a:buSzPts val="3300"/>
-              <a:buFont typeface="Quantico"/>
-              <a:buNone/>
-              <a:defRPr sz="3300" b="1" i="0" u="none" strike="noStrike" cap="none">
-                <a:solidFill>
-                  <a:schemeClr val="dk1"/>
-                </a:solidFill>
-                <a:latin typeface="Quantico"/>
-                <a:ea typeface="Quantico"/>
-                <a:cs typeface="Quantico"/>
-                <a:sym typeface="Quantico"/>
-              </a:defRPr>
-            </a:lvl4pPr>
-            <a:lvl5pPr marR="0" lvl="4" algn="l" rtl="0" eaLnBrk="1" hangingPunct="1">
-              <a:lnSpc>
-                <a:spcPct val="100000"/>
-              </a:lnSpc>
-              <a:spcBef>
-                <a:spcPts val="0"/>
-              </a:spcBef>
-              <a:spcAft>
-                <a:spcPts val="0"/>
-              </a:spcAft>
-              <a:buClr>
-                <a:schemeClr val="dk1"/>
-              </a:buClr>
-              <a:buSzPts val="3300"/>
-              <a:buFont typeface="Quantico"/>
-              <a:buNone/>
-              <a:defRPr sz="3300" b="1" i="0" u="none" strike="noStrike" cap="none">
-                <a:solidFill>
-                  <a:schemeClr val="dk1"/>
-                </a:solidFill>
-                <a:latin typeface="Quantico"/>
-                <a:ea typeface="Quantico"/>
-                <a:cs typeface="Quantico"/>
-                <a:sym typeface="Quantico"/>
-              </a:defRPr>
-            </a:lvl5pPr>
-            <a:lvl6pPr marR="0" lvl="5" algn="l" rtl="0" eaLnBrk="1" hangingPunct="1">
-              <a:lnSpc>
-                <a:spcPct val="100000"/>
-              </a:lnSpc>
-              <a:spcBef>
-                <a:spcPts val="0"/>
-              </a:spcBef>
-              <a:spcAft>
-                <a:spcPts val="0"/>
-              </a:spcAft>
-              <a:buClr>
-                <a:schemeClr val="dk1"/>
-              </a:buClr>
-              <a:buSzPts val="3300"/>
-              <a:buFont typeface="Quantico"/>
-              <a:buNone/>
-              <a:defRPr sz="3300" b="1" i="0" u="none" strike="noStrike" cap="none">
-                <a:solidFill>
-                  <a:schemeClr val="dk1"/>
-                </a:solidFill>
-                <a:latin typeface="Quantico"/>
-                <a:ea typeface="Quantico"/>
-                <a:cs typeface="Quantico"/>
-                <a:sym typeface="Quantico"/>
-              </a:defRPr>
-            </a:lvl6pPr>
-            <a:lvl7pPr marR="0" lvl="6" algn="l" rtl="0" eaLnBrk="1" hangingPunct="1">
-              <a:lnSpc>
-                <a:spcPct val="100000"/>
-              </a:lnSpc>
-              <a:spcBef>
-                <a:spcPts val="0"/>
-              </a:spcBef>
-              <a:spcAft>
-                <a:spcPts val="0"/>
-              </a:spcAft>
-              <a:buClr>
-                <a:schemeClr val="dk1"/>
-              </a:buClr>
-              <a:buSzPts val="3300"/>
-              <a:buFont typeface="Quantico"/>
-              <a:buNone/>
-              <a:defRPr sz="3300" b="1" i="0" u="none" strike="noStrike" cap="none">
-                <a:solidFill>
-                  <a:schemeClr val="dk1"/>
-                </a:solidFill>
-                <a:latin typeface="Quantico"/>
-                <a:ea typeface="Quantico"/>
-                <a:cs typeface="Quantico"/>
-                <a:sym typeface="Quantico"/>
-              </a:defRPr>
-            </a:lvl7pPr>
-            <a:lvl8pPr marR="0" lvl="7" algn="l" rtl="0" eaLnBrk="1" hangingPunct="1">
-              <a:lnSpc>
-                <a:spcPct val="100000"/>
-              </a:lnSpc>
-              <a:spcBef>
-                <a:spcPts val="0"/>
-              </a:spcBef>
-              <a:spcAft>
-                <a:spcPts val="0"/>
-              </a:spcAft>
-              <a:buClr>
-                <a:schemeClr val="dk1"/>
-              </a:buClr>
-              <a:buSzPts val="3300"/>
-              <a:buFont typeface="Quantico"/>
-              <a:buNone/>
-              <a:defRPr sz="3300" b="1" i="0" u="none" strike="noStrike" cap="none">
-                <a:solidFill>
-                  <a:schemeClr val="dk1"/>
-                </a:solidFill>
-                <a:latin typeface="Quantico"/>
-                <a:ea typeface="Quantico"/>
-                <a:cs typeface="Quantico"/>
-                <a:sym typeface="Quantico"/>
-              </a:defRPr>
-            </a:lvl8pPr>
-            <a:lvl9pPr marR="0" lvl="8" algn="l" rtl="0" eaLnBrk="1" hangingPunct="1">
-              <a:lnSpc>
-                <a:spcPct val="100000"/>
-              </a:lnSpc>
-              <a:spcBef>
-                <a:spcPts val="0"/>
-              </a:spcBef>
-              <a:spcAft>
-                <a:spcPts val="0"/>
-              </a:spcAft>
-              <a:buClr>
-                <a:schemeClr val="dk1"/>
-              </a:buClr>
-              <a:buSzPts val="3300"/>
-              <a:buFont typeface="Quantico"/>
-              <a:buNone/>
-              <a:defRPr sz="3300" b="1" i="0" u="none" strike="noStrike" cap="none">
-                <a:solidFill>
-                  <a:schemeClr val="dk1"/>
-                </a:solidFill>
-                <a:latin typeface="Quantico"/>
-                <a:ea typeface="Quantico"/>
-                <a:cs typeface="Quantico"/>
-                <a:sym typeface="Quantico"/>
-              </a:defRPr>
-            </a:lvl9pPr>
-          </a:lstStyle>
-          <a:p>
-            <a:r>
-              <a:rPr lang="en" b="1" dirty="0">
-                <a:solidFill>
-                  <a:srgbClr val="00B0F0"/>
-                </a:solidFill>
-              </a:rPr>
-              <a:t>&lt;/</a:t>
-            </a:r>
-            <a:r>
-              <a:rPr lang="en" dirty="0">
-                <a:solidFill>
-                  <a:schemeClr val="accent1"/>
-                </a:solidFill>
-              </a:rPr>
-              <a:t> </a:t>
-            </a:r>
-            <a:r>
-              <a:rPr lang="hu-HU" dirty="0"/>
-              <a:t>Jogosultságok felépítése</a:t>
-            </a:r>
-            <a:endParaRPr lang="en-US" dirty="0"/>
-          </a:p>
-        </p:txBody>
-      </p:sp>
-      <p:sp>
-        <p:nvSpPr>
-          <p:cNvPr id="453" name="Téglalap 452">
-            <a:extLst>
-              <a:ext uri="{FF2B5EF4-FFF2-40B4-BE49-F238E27FC236}">
-                <a16:creationId xmlns:a16="http://schemas.microsoft.com/office/drawing/2014/main" id="{3A1F818D-2730-905B-2DDD-F6DFD14197EC}"/>
-              </a:ext>
-            </a:extLst>
-          </p:cNvPr>
-          <p:cNvSpPr/>
-          <p:nvPr/>
-        </p:nvSpPr>
-        <p:spPr>
-          <a:xfrm>
-            <a:off x="533400" y="230981"/>
-            <a:ext cx="9076200" cy="330994"/>
-          </a:xfrm>
-          <a:prstGeom prst="rect">
-            <a:avLst/>
-          </a:prstGeom>
-          <a:solidFill>
-            <a:srgbClr val="00B0F0"/>
-          </a:solidFill>
-          <a:ln w="12700">
-            <a:solidFill>
-              <a:srgbClr val="E2E4F6"/>
-            </a:solidFill>
-          </a:ln>
-        </p:spPr>
-        <p:style>
-          <a:lnRef idx="2">
-            <a:schemeClr val="accent1">
-              <a:shade val="15000"/>
-            </a:schemeClr>
-          </a:lnRef>
-          <a:fillRef idx="1">
-            <a:schemeClr val="accent1"/>
-          </a:fillRef>
-          <a:effectRef idx="0">
-            <a:schemeClr val="accent1"/>
-          </a:effectRef>
-          <a:fontRef idx="minor">
-            <a:schemeClr val="lt1"/>
-          </a:fontRef>
-        </p:style>
-        <p:txBody>
-          <a:bodyPr rtlCol="0" anchor="ctr"/>
-          <a:lstStyle/>
-          <a:p>
-            <a:pPr algn="ctr"/>
-            <a:endParaRPr lang="hu-HU"/>
-          </a:p>
-        </p:txBody>
-      </p:sp>
-    </p:spTree>
-  </p:cSld>
-  <p:clrMapOvr>
-    <a:masterClrMapping/>
-  </p:clrMapOvr>
-  <mc:AlternateContent xmlns:mc="http://schemas.openxmlformats.org/markup-compatibility/2006" xmlns:p159="http://schemas.microsoft.com/office/powerpoint/2015/09/main">
-    <mc:Choice Requires="p159">
-      <p:transition xmlns:p14="http://schemas.microsoft.com/office/powerpoint/2010/main" spd="slow" p14:dur="2000">
-        <p159:morph option="byObject"/>
-      </p:transition>
-    </mc:Choice>
-    <mc:Fallback xmlns="">
-      <p:transition spd="slow">
-        <p:fade/>
-      </p:transition>
-    </mc:Fallback>
-  </mc:AlternateContent>
-</p:sld>
-</file>
-
-<file path=ppt/slides/slide16.xml><?xml version="1.0" encoding="utf-8"?>
 <p:sld xmlns:a="http://schemas.openxmlformats.org/drawingml/2006/main" xmlns:r="http://schemas.openxmlformats.org/officeDocument/2006/relationships" xmlns:p="http://schemas.openxmlformats.org/presentationml/2006/main">
   <p:cSld>
     <p:spTree>
@@ -28372,7 +27301,7 @@
 </p:sld>
 </file>
 
-<file path=ppt/slides/slide17.xml><?xml version="1.0" encoding="utf-8"?>
+<file path=ppt/slides/slide16.xml><?xml version="1.0" encoding="utf-8"?>
 <p:sld xmlns:a="http://schemas.openxmlformats.org/drawingml/2006/main" xmlns:r="http://schemas.openxmlformats.org/officeDocument/2006/relationships" xmlns:p="http://schemas.openxmlformats.org/presentationml/2006/main">
   <p:cSld>
     <p:spTree>
@@ -28438,59 +27367,10 @@
           <a:bodyPr/>
           <a:lstStyle/>
           <a:p>
+            <a:pPr algn="r"/>
             <a:r>
-              <a:rPr lang="hu-HU" dirty="0" err="1"/>
-              <a:t>SigMazsola</a:t>
-            </a:r>
-            <a:endParaRPr lang="hu-HU" dirty="0"/>
-          </a:p>
-        </p:txBody>
-      </p:sp>
-      <p:sp>
-        <p:nvSpPr>
-          <p:cNvPr id="4" name="Szövegdoboz 3">
-            <a:extLst>
-              <a:ext uri="{FF2B5EF4-FFF2-40B4-BE49-F238E27FC236}">
-                <a16:creationId xmlns:a16="http://schemas.microsoft.com/office/drawing/2014/main" id="{6B41F683-F9D4-3142-6CB3-2B01DF8BB397}"/>
-              </a:ext>
-            </a:extLst>
-          </p:cNvPr>
-          <p:cNvSpPr txBox="1"/>
-          <p:nvPr/>
-        </p:nvSpPr>
-        <p:spPr>
-          <a:xfrm>
-            <a:off x="80817" y="95250"/>
-            <a:ext cx="2521844" cy="400110"/>
-          </a:xfrm>
-          <a:prstGeom prst="rect">
-            <a:avLst/>
-          </a:prstGeom>
-          <a:noFill/>
-        </p:spPr>
-        <p:txBody>
-          <a:bodyPr wrap="none" rtlCol="0">
-            <a:spAutoFit/>
-          </a:bodyPr>
-          <a:lstStyle/>
-          <a:p>
-            <a:r>
-              <a:rPr lang="hu-HU" sz="2000" dirty="0" err="1">
-                <a:solidFill>
-                  <a:schemeClr val="tx1"/>
-                </a:solidFill>
-                <a:latin typeface="Quantico" panose="020B0604020202020204" charset="0"/>
-              </a:rPr>
-              <a:t>Dusza</a:t>
-            </a:r>
-            <a:r>
-              <a:rPr lang="hu-HU" sz="2000" dirty="0">
-                <a:solidFill>
-                  <a:schemeClr val="tx1"/>
-                </a:solidFill>
-                <a:latin typeface="Quantico" panose="020B0604020202020204" charset="0"/>
-              </a:rPr>
-              <a:t> 2024.verseny</a:t>
+              <a:rPr lang="hu-HU" dirty="0"/>
+              <a:t>Magi Zsolt</a:t>
             </a:r>
           </a:p>
         </p:txBody>
@@ -28508,7 +27388,7 @@
 </p:sld>
 </file>
 
-<file path=ppt/slides/slide18.xml><?xml version="1.0" encoding="utf-8"?>
+<file path=ppt/slides/slide17.xml><?xml version="1.0" encoding="utf-8"?>
 <p:sld xmlns:a="http://schemas.openxmlformats.org/drawingml/2006/main" xmlns:r="http://schemas.openxmlformats.org/officeDocument/2006/relationships" xmlns:p="http://schemas.openxmlformats.org/presentationml/2006/main">
   <p:cSld>
     <p:spTree>
@@ -29291,7 +28171,7 @@
 </p:sld>
 </file>
 
-<file path=ppt/slides/slide19.xml><?xml version="1.0" encoding="utf-8"?>
+<file path=ppt/slides/slide18.xml><?xml version="1.0" encoding="utf-8"?>
 <p:sld xmlns:a="http://schemas.openxmlformats.org/drawingml/2006/main" xmlns:r="http://schemas.openxmlformats.org/officeDocument/2006/relationships" xmlns:p="http://schemas.openxmlformats.org/presentationml/2006/main">
   <p:cSld>
     <p:spTree>
@@ -29872,6 +28752,598 @@
 </p:sld>
 </file>
 
+<file path=ppt/slides/slide19.xml><?xml version="1.0" encoding="utf-8"?>
+<p:sld xmlns:a="http://schemas.openxmlformats.org/drawingml/2006/main" xmlns:r="http://schemas.openxmlformats.org/officeDocument/2006/relationships" xmlns:p="http://schemas.openxmlformats.org/presentationml/2006/main">
+  <p:cSld>
+    <p:spTree>
+      <p:nvGrpSpPr>
+        <p:cNvPr id="1" name=""/>
+        <p:cNvGrpSpPr/>
+        <p:nvPr/>
+      </p:nvGrpSpPr>
+      <p:grpSpPr>
+        <a:xfrm>
+          <a:off x="0" y="0"/>
+          <a:ext cx="0" cy="0"/>
+          <a:chOff x="0" y="0"/>
+          <a:chExt cx="0" cy="0"/>
+        </a:xfrm>
+      </p:grpSpPr>
+      <p:sp>
+        <p:nvSpPr>
+          <p:cNvPr id="3" name="Szöveg helye 2">
+            <a:extLst>
+              <a:ext uri="{FF2B5EF4-FFF2-40B4-BE49-F238E27FC236}">
+                <a16:creationId xmlns:a16="http://schemas.microsoft.com/office/drawing/2014/main" id="{F25695E7-89AB-4B78-9935-B2FE21EC5478}"/>
+              </a:ext>
+            </a:extLst>
+          </p:cNvPr>
+          <p:cNvSpPr>
+            <a:spLocks noGrp="1"/>
+          </p:cNvSpPr>
+          <p:nvPr>
+            <p:ph type="body" idx="1"/>
+          </p:nvPr>
+        </p:nvSpPr>
+        <p:spPr/>
+        <p:txBody>
+          <a:bodyPr/>
+          <a:lstStyle/>
+          <a:p>
+            <a:pPr>
+              <a:buFont typeface="Arial" panose="020B0604020202020204" pitchFamily="34" charset="0"/>
+              <a:buChar char="•"/>
+            </a:pPr>
+            <a:r>
+              <a:rPr lang="hu-HU" dirty="0"/>
+              <a:t>Munkafolyamat</a:t>
+            </a:r>
+          </a:p>
+          <a:p>
+            <a:pPr>
+              <a:buFont typeface="Arial" panose="020B0604020202020204" pitchFamily="34" charset="0"/>
+              <a:buChar char="•"/>
+            </a:pPr>
+            <a:r>
+              <a:rPr lang="hu-HU" dirty="0" err="1"/>
+              <a:t>Navbar</a:t>
+            </a:r>
+            <a:endParaRPr lang="hu-HU" dirty="0"/>
+          </a:p>
+          <a:p>
+            <a:pPr>
+              <a:buFont typeface="Arial" panose="020B0604020202020204" pitchFamily="34" charset="0"/>
+              <a:buChar char="•"/>
+            </a:pPr>
+            <a:endParaRPr lang="hu-HU" dirty="0"/>
+          </a:p>
+        </p:txBody>
+      </p:sp>
+      <p:pic>
+        <p:nvPicPr>
+          <p:cNvPr id="4" name="Kép 3">
+            <a:extLst>
+              <a:ext uri="{FF2B5EF4-FFF2-40B4-BE49-F238E27FC236}">
+                <a16:creationId xmlns:a16="http://schemas.microsoft.com/office/drawing/2014/main" id="{EECEB897-5487-4DD8-AFCB-AE4A49340F8D}"/>
+              </a:ext>
+            </a:extLst>
+          </p:cNvPr>
+          <p:cNvPicPr>
+            <a:picLocks noChangeAspect="1"/>
+          </p:cNvPicPr>
+          <p:nvPr/>
+        </p:nvPicPr>
+        <p:blipFill>
+          <a:blip r:embed="rId3"/>
+          <a:stretch>
+            <a:fillRect/>
+          </a:stretch>
+        </p:blipFill>
+        <p:spPr>
+          <a:xfrm>
+            <a:off x="3024554" y="2221202"/>
+            <a:ext cx="9167446" cy="4636798"/>
+          </a:xfrm>
+          <a:prstGeom prst="rect">
+            <a:avLst/>
+          </a:prstGeom>
+        </p:spPr>
+      </p:pic>
+      <p:pic>
+        <p:nvPicPr>
+          <p:cNvPr id="5" name="Kép 4">
+            <a:extLst>
+              <a:ext uri="{FF2B5EF4-FFF2-40B4-BE49-F238E27FC236}">
+                <a16:creationId xmlns:a16="http://schemas.microsoft.com/office/drawing/2014/main" id="{C3E7007A-24BA-4AFE-9624-F8E3073970BB}"/>
+              </a:ext>
+            </a:extLst>
+          </p:cNvPr>
+          <p:cNvPicPr>
+            <a:picLocks noChangeAspect="1"/>
+          </p:cNvPicPr>
+          <p:nvPr/>
+        </p:nvPicPr>
+        <p:blipFill>
+          <a:blip r:embed="rId4"/>
+          <a:stretch>
+            <a:fillRect/>
+          </a:stretch>
+        </p:blipFill>
+        <p:spPr>
+          <a:xfrm>
+            <a:off x="3024554" y="2221202"/>
+            <a:ext cx="9167446" cy="4658707"/>
+          </a:xfrm>
+          <a:prstGeom prst="rect">
+            <a:avLst/>
+          </a:prstGeom>
+        </p:spPr>
+      </p:pic>
+      <p:sp>
+        <p:nvSpPr>
+          <p:cNvPr id="6" name="Google Shape;257;p30">
+            <a:extLst>
+              <a:ext uri="{FF2B5EF4-FFF2-40B4-BE49-F238E27FC236}">
+                <a16:creationId xmlns:a16="http://schemas.microsoft.com/office/drawing/2014/main" id="{98A6B6BD-AF9C-218B-8307-614113056BB8}"/>
+              </a:ext>
+            </a:extLst>
+          </p:cNvPr>
+          <p:cNvSpPr txBox="1">
+            <a:spLocks/>
+          </p:cNvSpPr>
+          <p:nvPr/>
+        </p:nvSpPr>
+        <p:spPr>
+          <a:xfrm>
+            <a:off x="636150" y="639285"/>
+            <a:ext cx="7704000" cy="557700"/>
+          </a:xfrm>
+          <a:prstGeom prst="rect">
+            <a:avLst/>
+          </a:prstGeom>
+          <a:noFill/>
+          <a:ln>
+            <a:noFill/>
+          </a:ln>
+        </p:spPr>
+        <p:txBody>
+          <a:bodyPr spcFirstLastPara="1" wrap="square" lIns="91425" tIns="91425" rIns="91425" bIns="91425" anchor="t" anchorCtr="0">
+            <a:noAutofit/>
+          </a:bodyPr>
+          <a:lstStyle>
+            <a:defPPr marR="0" lvl="0" algn="l" rtl="0">
+              <a:lnSpc>
+                <a:spcPct val="100000"/>
+              </a:lnSpc>
+              <a:spcBef>
+                <a:spcPts val="0"/>
+              </a:spcBef>
+              <a:spcAft>
+                <a:spcPts val="0"/>
+              </a:spcAft>
+            </a:defPPr>
+            <a:lvl1pPr marR="0" lvl="0" algn="l" rtl="0" eaLnBrk="1" hangingPunct="1">
+              <a:lnSpc>
+                <a:spcPct val="100000"/>
+              </a:lnSpc>
+              <a:spcBef>
+                <a:spcPts val="0"/>
+              </a:spcBef>
+              <a:spcAft>
+                <a:spcPts val="0"/>
+              </a:spcAft>
+              <a:buClr>
+                <a:schemeClr val="dk1"/>
+              </a:buClr>
+              <a:buSzPts val="3300"/>
+              <a:buFont typeface="Quantico"/>
+              <a:buNone/>
+              <a:defRPr sz="3300" b="0" i="0" u="none" strike="noStrike" cap="none">
+                <a:solidFill>
+                  <a:schemeClr val="dk1"/>
+                </a:solidFill>
+                <a:latin typeface="Quantico"/>
+                <a:ea typeface="Quantico"/>
+                <a:cs typeface="Quantico"/>
+                <a:sym typeface="Quantico"/>
+              </a:defRPr>
+            </a:lvl1pPr>
+            <a:lvl2pPr marR="0" lvl="1" algn="l" rtl="0" eaLnBrk="1" hangingPunct="1">
+              <a:lnSpc>
+                <a:spcPct val="100000"/>
+              </a:lnSpc>
+              <a:spcBef>
+                <a:spcPts val="0"/>
+              </a:spcBef>
+              <a:spcAft>
+                <a:spcPts val="0"/>
+              </a:spcAft>
+              <a:buClr>
+                <a:schemeClr val="dk1"/>
+              </a:buClr>
+              <a:buSzPts val="3300"/>
+              <a:buFont typeface="Quantico"/>
+              <a:buNone/>
+              <a:defRPr sz="3300" b="1" i="0" u="none" strike="noStrike" cap="none">
+                <a:solidFill>
+                  <a:schemeClr val="dk1"/>
+                </a:solidFill>
+                <a:latin typeface="Quantico"/>
+                <a:ea typeface="Quantico"/>
+                <a:cs typeface="Quantico"/>
+                <a:sym typeface="Quantico"/>
+              </a:defRPr>
+            </a:lvl2pPr>
+            <a:lvl3pPr marR="0" lvl="2" algn="l" rtl="0" eaLnBrk="1" hangingPunct="1">
+              <a:lnSpc>
+                <a:spcPct val="100000"/>
+              </a:lnSpc>
+              <a:spcBef>
+                <a:spcPts val="0"/>
+              </a:spcBef>
+              <a:spcAft>
+                <a:spcPts val="0"/>
+              </a:spcAft>
+              <a:buClr>
+                <a:schemeClr val="dk1"/>
+              </a:buClr>
+              <a:buSzPts val="3300"/>
+              <a:buFont typeface="Quantico"/>
+              <a:buNone/>
+              <a:defRPr sz="3300" b="1" i="0" u="none" strike="noStrike" cap="none">
+                <a:solidFill>
+                  <a:schemeClr val="dk1"/>
+                </a:solidFill>
+                <a:latin typeface="Quantico"/>
+                <a:ea typeface="Quantico"/>
+                <a:cs typeface="Quantico"/>
+                <a:sym typeface="Quantico"/>
+              </a:defRPr>
+            </a:lvl3pPr>
+            <a:lvl4pPr marR="0" lvl="3" algn="l" rtl="0" eaLnBrk="1" hangingPunct="1">
+              <a:lnSpc>
+                <a:spcPct val="100000"/>
+              </a:lnSpc>
+              <a:spcBef>
+                <a:spcPts val="0"/>
+              </a:spcBef>
+              <a:spcAft>
+                <a:spcPts val="0"/>
+              </a:spcAft>
+              <a:buClr>
+                <a:schemeClr val="dk1"/>
+              </a:buClr>
+              <a:buSzPts val="3300"/>
+              <a:buFont typeface="Quantico"/>
+              <a:buNone/>
+              <a:defRPr sz="3300" b="1" i="0" u="none" strike="noStrike" cap="none">
+                <a:solidFill>
+                  <a:schemeClr val="dk1"/>
+                </a:solidFill>
+                <a:latin typeface="Quantico"/>
+                <a:ea typeface="Quantico"/>
+                <a:cs typeface="Quantico"/>
+                <a:sym typeface="Quantico"/>
+              </a:defRPr>
+            </a:lvl4pPr>
+            <a:lvl5pPr marR="0" lvl="4" algn="l" rtl="0" eaLnBrk="1" hangingPunct="1">
+              <a:lnSpc>
+                <a:spcPct val="100000"/>
+              </a:lnSpc>
+              <a:spcBef>
+                <a:spcPts val="0"/>
+              </a:spcBef>
+              <a:spcAft>
+                <a:spcPts val="0"/>
+              </a:spcAft>
+              <a:buClr>
+                <a:schemeClr val="dk1"/>
+              </a:buClr>
+              <a:buSzPts val="3300"/>
+              <a:buFont typeface="Quantico"/>
+              <a:buNone/>
+              <a:defRPr sz="3300" b="1" i="0" u="none" strike="noStrike" cap="none">
+                <a:solidFill>
+                  <a:schemeClr val="dk1"/>
+                </a:solidFill>
+                <a:latin typeface="Quantico"/>
+                <a:ea typeface="Quantico"/>
+                <a:cs typeface="Quantico"/>
+                <a:sym typeface="Quantico"/>
+              </a:defRPr>
+            </a:lvl5pPr>
+            <a:lvl6pPr marR="0" lvl="5" algn="l" rtl="0" eaLnBrk="1" hangingPunct="1">
+              <a:lnSpc>
+                <a:spcPct val="100000"/>
+              </a:lnSpc>
+              <a:spcBef>
+                <a:spcPts val="0"/>
+              </a:spcBef>
+              <a:spcAft>
+                <a:spcPts val="0"/>
+              </a:spcAft>
+              <a:buClr>
+                <a:schemeClr val="dk1"/>
+              </a:buClr>
+              <a:buSzPts val="3300"/>
+              <a:buFont typeface="Quantico"/>
+              <a:buNone/>
+              <a:defRPr sz="3300" b="1" i="0" u="none" strike="noStrike" cap="none">
+                <a:solidFill>
+                  <a:schemeClr val="dk1"/>
+                </a:solidFill>
+                <a:latin typeface="Quantico"/>
+                <a:ea typeface="Quantico"/>
+                <a:cs typeface="Quantico"/>
+                <a:sym typeface="Quantico"/>
+              </a:defRPr>
+            </a:lvl6pPr>
+            <a:lvl7pPr marR="0" lvl="6" algn="l" rtl="0" eaLnBrk="1" hangingPunct="1">
+              <a:lnSpc>
+                <a:spcPct val="100000"/>
+              </a:lnSpc>
+              <a:spcBef>
+                <a:spcPts val="0"/>
+              </a:spcBef>
+              <a:spcAft>
+                <a:spcPts val="0"/>
+              </a:spcAft>
+              <a:buClr>
+                <a:schemeClr val="dk1"/>
+              </a:buClr>
+              <a:buSzPts val="3300"/>
+              <a:buFont typeface="Quantico"/>
+              <a:buNone/>
+              <a:defRPr sz="3300" b="1" i="0" u="none" strike="noStrike" cap="none">
+                <a:solidFill>
+                  <a:schemeClr val="dk1"/>
+                </a:solidFill>
+                <a:latin typeface="Quantico"/>
+                <a:ea typeface="Quantico"/>
+                <a:cs typeface="Quantico"/>
+                <a:sym typeface="Quantico"/>
+              </a:defRPr>
+            </a:lvl7pPr>
+            <a:lvl8pPr marR="0" lvl="7" algn="l" rtl="0" eaLnBrk="1" hangingPunct="1">
+              <a:lnSpc>
+                <a:spcPct val="100000"/>
+              </a:lnSpc>
+              <a:spcBef>
+                <a:spcPts val="0"/>
+              </a:spcBef>
+              <a:spcAft>
+                <a:spcPts val="0"/>
+              </a:spcAft>
+              <a:buClr>
+                <a:schemeClr val="dk1"/>
+              </a:buClr>
+              <a:buSzPts val="3300"/>
+              <a:buFont typeface="Quantico"/>
+              <a:buNone/>
+              <a:defRPr sz="3300" b="1" i="0" u="none" strike="noStrike" cap="none">
+                <a:solidFill>
+                  <a:schemeClr val="dk1"/>
+                </a:solidFill>
+                <a:latin typeface="Quantico"/>
+                <a:ea typeface="Quantico"/>
+                <a:cs typeface="Quantico"/>
+                <a:sym typeface="Quantico"/>
+              </a:defRPr>
+            </a:lvl8pPr>
+            <a:lvl9pPr marR="0" lvl="8" algn="l" rtl="0" eaLnBrk="1" hangingPunct="1">
+              <a:lnSpc>
+                <a:spcPct val="100000"/>
+              </a:lnSpc>
+              <a:spcBef>
+                <a:spcPts val="0"/>
+              </a:spcBef>
+              <a:spcAft>
+                <a:spcPts val="0"/>
+              </a:spcAft>
+              <a:buClr>
+                <a:schemeClr val="dk1"/>
+              </a:buClr>
+              <a:buSzPts val="3300"/>
+              <a:buFont typeface="Quantico"/>
+              <a:buNone/>
+              <a:defRPr sz="3300" b="1" i="0" u="none" strike="noStrike" cap="none">
+                <a:solidFill>
+                  <a:schemeClr val="dk1"/>
+                </a:solidFill>
+                <a:latin typeface="Quantico"/>
+                <a:ea typeface="Quantico"/>
+                <a:cs typeface="Quantico"/>
+                <a:sym typeface="Quantico"/>
+              </a:defRPr>
+            </a:lvl9pPr>
+          </a:lstStyle>
+          <a:p>
+            <a:r>
+              <a:rPr lang="en-US" b="1" dirty="0">
+                <a:solidFill>
+                  <a:srgbClr val="00B050"/>
+                </a:solidFill>
+              </a:rPr>
+              <a:t>&lt;/</a:t>
+            </a:r>
+            <a:r>
+              <a:rPr lang="en-US" dirty="0">
+                <a:solidFill>
+                  <a:schemeClr val="lt2"/>
+                </a:solidFill>
+              </a:rPr>
+              <a:t> </a:t>
+            </a:r>
+            <a:r>
+              <a:rPr lang="hu-HU" dirty="0"/>
+              <a:t>Megvalósítás</a:t>
+            </a:r>
+            <a:endParaRPr lang="en-US" dirty="0"/>
+          </a:p>
+        </p:txBody>
+      </p:sp>
+      <p:sp>
+        <p:nvSpPr>
+          <p:cNvPr id="2" name="Téglalap 1">
+            <a:extLst>
+              <a:ext uri="{FF2B5EF4-FFF2-40B4-BE49-F238E27FC236}">
+                <a16:creationId xmlns:a16="http://schemas.microsoft.com/office/drawing/2014/main" id="{631B1068-FEFC-68C5-679F-811AA0314358}"/>
+              </a:ext>
+            </a:extLst>
+          </p:cNvPr>
+          <p:cNvSpPr/>
+          <p:nvPr/>
+        </p:nvSpPr>
+        <p:spPr>
+          <a:xfrm>
+            <a:off x="533401" y="230981"/>
+            <a:ext cx="3314700" cy="330994"/>
+          </a:xfrm>
+          <a:prstGeom prst="rect">
+            <a:avLst/>
+          </a:prstGeom>
+          <a:solidFill>
+            <a:srgbClr val="00B050"/>
+          </a:solidFill>
+          <a:ln w="12700">
+            <a:solidFill>
+              <a:srgbClr val="E2E4F6"/>
+            </a:solidFill>
+          </a:ln>
+        </p:spPr>
+        <p:style>
+          <a:lnRef idx="2">
+            <a:schemeClr val="accent1">
+              <a:shade val="15000"/>
+            </a:schemeClr>
+          </a:lnRef>
+          <a:fillRef idx="1">
+            <a:schemeClr val="accent1"/>
+          </a:fillRef>
+          <a:effectRef idx="0">
+            <a:schemeClr val="accent1"/>
+          </a:effectRef>
+          <a:fontRef idx="minor">
+            <a:schemeClr val="lt1"/>
+          </a:fontRef>
+        </p:style>
+        <p:txBody>
+          <a:bodyPr rtlCol="0" anchor="ctr"/>
+          <a:lstStyle/>
+          <a:p>
+            <a:pPr algn="ctr"/>
+            <a:endParaRPr lang="hu-HU"/>
+          </a:p>
+        </p:txBody>
+      </p:sp>
+    </p:spTree>
+    <p:extLst>
+      <p:ext uri="{BB962C8B-B14F-4D97-AF65-F5344CB8AC3E}">
+        <p14:creationId xmlns:p14="http://schemas.microsoft.com/office/powerpoint/2010/main" val="884324374"/>
+      </p:ext>
+    </p:extLst>
+  </p:cSld>
+  <p:clrMapOvr>
+    <a:masterClrMapping/>
+  </p:clrMapOvr>
+  <mc:AlternateContent xmlns:mc="http://schemas.openxmlformats.org/markup-compatibility/2006" xmlns:p159="http://schemas.microsoft.com/office/powerpoint/2015/09/main">
+    <mc:Choice Requires="p159">
+      <p:transition xmlns:p14="http://schemas.microsoft.com/office/powerpoint/2010/main" spd="slow" p14:dur="2000">
+        <p159:morph option="byObject"/>
+      </p:transition>
+    </mc:Choice>
+    <mc:Fallback xmlns="">
+      <p:transition spd="slow">
+        <p:fade/>
+      </p:transition>
+    </mc:Fallback>
+  </mc:AlternateContent>
+  <p:timing>
+    <p:tnLst>
+      <p:par>
+        <p:cTn id="1" dur="indefinite" restart="never" nodeType="tmRoot">
+          <p:childTnLst>
+            <p:seq concurrent="1" nextAc="seek">
+              <p:cTn id="2" dur="indefinite" nodeType="mainSeq">
+                <p:childTnLst>
+                  <p:par>
+                    <p:cTn id="3" fill="hold">
+                      <p:stCondLst>
+                        <p:cond delay="indefinite"/>
+                      </p:stCondLst>
+                      <p:childTnLst>
+                        <p:par>
+                          <p:cTn id="4" fill="hold">
+                            <p:stCondLst>
+                              <p:cond delay="0"/>
+                            </p:stCondLst>
+                            <p:childTnLst>
+                              <p:par>
+                                <p:cTn id="5" presetID="6" presetClass="entr" presetSubtype="32" fill="hold" nodeType="clickEffect">
+                                  <p:stCondLst>
+                                    <p:cond delay="0"/>
+                                  </p:stCondLst>
+                                  <p:childTnLst>
+                                    <p:set>
+                                      <p:cBhvr>
+                                        <p:cTn id="6" dur="1" fill="hold">
+                                          <p:stCondLst>
+                                            <p:cond delay="0"/>
+                                          </p:stCondLst>
+                                        </p:cTn>
+                                        <p:tgtEl>
+                                          <p:spTgt spid="5"/>
+                                        </p:tgtEl>
+                                        <p:attrNameLst>
+                                          <p:attrName>style.visibility</p:attrName>
+                                        </p:attrNameLst>
+                                      </p:cBhvr>
+                                      <p:to>
+                                        <p:strVal val="visible"/>
+                                      </p:to>
+                                    </p:set>
+                                    <p:animEffect transition="in" filter="circle(out)">
+                                      <p:cBhvr>
+                                        <p:cTn id="7" dur="2000"/>
+                                        <p:tgtEl>
+                                          <p:spTgt spid="5"/>
+                                        </p:tgtEl>
+                                      </p:cBhvr>
+                                    </p:animEffect>
+                                  </p:childTnLst>
+                                </p:cTn>
+                              </p:par>
+                            </p:childTnLst>
+                          </p:cTn>
+                        </p:par>
+                      </p:childTnLst>
+                    </p:cTn>
+                  </p:par>
+                </p:childTnLst>
+              </p:cTn>
+              <p:prevCondLst>
+                <p:cond evt="onPrev" delay="0">
+                  <p:tgtEl>
+                    <p:sldTgt/>
+                  </p:tgtEl>
+                </p:cond>
+              </p:prevCondLst>
+              <p:nextCondLst>
+                <p:cond evt="onNext" delay="0">
+                  <p:tgtEl>
+                    <p:sldTgt/>
+                  </p:tgtEl>
+                </p:cond>
+              </p:nextCondLst>
+            </p:seq>
+          </p:childTnLst>
+        </p:cTn>
+      </p:par>
+    </p:tnLst>
+  </p:timing>
+</p:sld>
+</file>
+
 <file path=ppt/slides/slide2.xml><?xml version="1.0" encoding="utf-8"?>
 <p:sld xmlns:a="http://schemas.openxmlformats.org/drawingml/2006/main" xmlns:r="http://schemas.openxmlformats.org/officeDocument/2006/relationships" xmlns:p="http://schemas.openxmlformats.org/presentationml/2006/main">
   <p:cSld>
@@ -30171,7 +29643,7 @@
             <a:r>
               <a:rPr lang="en-US" b="1" dirty="0">
                 <a:solidFill>
-                  <a:srgbClr val="7030A0"/>
+                  <a:schemeClr val="accent2"/>
                 </a:solidFill>
               </a:rPr>
               <a:t>&lt;/</a:t>
@@ -30599,598 +30071,6 @@
       </p:grpSpPr>
       <p:sp>
         <p:nvSpPr>
-          <p:cNvPr id="3" name="Szöveg helye 2">
-            <a:extLst>
-              <a:ext uri="{FF2B5EF4-FFF2-40B4-BE49-F238E27FC236}">
-                <a16:creationId xmlns:a16="http://schemas.microsoft.com/office/drawing/2014/main" id="{F25695E7-89AB-4B78-9935-B2FE21EC5478}"/>
-              </a:ext>
-            </a:extLst>
-          </p:cNvPr>
-          <p:cNvSpPr>
-            <a:spLocks noGrp="1"/>
-          </p:cNvSpPr>
-          <p:nvPr>
-            <p:ph type="body" idx="1"/>
-          </p:nvPr>
-        </p:nvSpPr>
-        <p:spPr/>
-        <p:txBody>
-          <a:bodyPr/>
-          <a:lstStyle/>
-          <a:p>
-            <a:pPr>
-              <a:buFont typeface="Arial" panose="020B0604020202020204" pitchFamily="34" charset="0"/>
-              <a:buChar char="•"/>
-            </a:pPr>
-            <a:r>
-              <a:rPr lang="hu-HU" dirty="0"/>
-              <a:t>Munkafolyamat</a:t>
-            </a:r>
-          </a:p>
-          <a:p>
-            <a:pPr>
-              <a:buFont typeface="Arial" panose="020B0604020202020204" pitchFamily="34" charset="0"/>
-              <a:buChar char="•"/>
-            </a:pPr>
-            <a:r>
-              <a:rPr lang="hu-HU" dirty="0" err="1"/>
-              <a:t>Navbar</a:t>
-            </a:r>
-            <a:endParaRPr lang="hu-HU" dirty="0"/>
-          </a:p>
-          <a:p>
-            <a:pPr>
-              <a:buFont typeface="Arial" panose="020B0604020202020204" pitchFamily="34" charset="0"/>
-              <a:buChar char="•"/>
-            </a:pPr>
-            <a:endParaRPr lang="hu-HU" dirty="0"/>
-          </a:p>
-        </p:txBody>
-      </p:sp>
-      <p:pic>
-        <p:nvPicPr>
-          <p:cNvPr id="4" name="Kép 3">
-            <a:extLst>
-              <a:ext uri="{FF2B5EF4-FFF2-40B4-BE49-F238E27FC236}">
-                <a16:creationId xmlns:a16="http://schemas.microsoft.com/office/drawing/2014/main" id="{EECEB897-5487-4DD8-AFCB-AE4A49340F8D}"/>
-              </a:ext>
-            </a:extLst>
-          </p:cNvPr>
-          <p:cNvPicPr>
-            <a:picLocks noChangeAspect="1"/>
-          </p:cNvPicPr>
-          <p:nvPr/>
-        </p:nvPicPr>
-        <p:blipFill>
-          <a:blip r:embed="rId3"/>
-          <a:stretch>
-            <a:fillRect/>
-          </a:stretch>
-        </p:blipFill>
-        <p:spPr>
-          <a:xfrm>
-            <a:off x="3024554" y="2221202"/>
-            <a:ext cx="9167446" cy="4636798"/>
-          </a:xfrm>
-          <a:prstGeom prst="rect">
-            <a:avLst/>
-          </a:prstGeom>
-        </p:spPr>
-      </p:pic>
-      <p:pic>
-        <p:nvPicPr>
-          <p:cNvPr id="5" name="Kép 4">
-            <a:extLst>
-              <a:ext uri="{FF2B5EF4-FFF2-40B4-BE49-F238E27FC236}">
-                <a16:creationId xmlns:a16="http://schemas.microsoft.com/office/drawing/2014/main" id="{C3E7007A-24BA-4AFE-9624-F8E3073970BB}"/>
-              </a:ext>
-            </a:extLst>
-          </p:cNvPr>
-          <p:cNvPicPr>
-            <a:picLocks noChangeAspect="1"/>
-          </p:cNvPicPr>
-          <p:nvPr/>
-        </p:nvPicPr>
-        <p:blipFill>
-          <a:blip r:embed="rId4"/>
-          <a:stretch>
-            <a:fillRect/>
-          </a:stretch>
-        </p:blipFill>
-        <p:spPr>
-          <a:xfrm>
-            <a:off x="3024554" y="2221202"/>
-            <a:ext cx="9167446" cy="4658707"/>
-          </a:xfrm>
-          <a:prstGeom prst="rect">
-            <a:avLst/>
-          </a:prstGeom>
-        </p:spPr>
-      </p:pic>
-      <p:sp>
-        <p:nvSpPr>
-          <p:cNvPr id="6" name="Google Shape;257;p30">
-            <a:extLst>
-              <a:ext uri="{FF2B5EF4-FFF2-40B4-BE49-F238E27FC236}">
-                <a16:creationId xmlns:a16="http://schemas.microsoft.com/office/drawing/2014/main" id="{98A6B6BD-AF9C-218B-8307-614113056BB8}"/>
-              </a:ext>
-            </a:extLst>
-          </p:cNvPr>
-          <p:cNvSpPr txBox="1">
-            <a:spLocks/>
-          </p:cNvSpPr>
-          <p:nvPr/>
-        </p:nvSpPr>
-        <p:spPr>
-          <a:xfrm>
-            <a:off x="636150" y="639285"/>
-            <a:ext cx="7704000" cy="557700"/>
-          </a:xfrm>
-          <a:prstGeom prst="rect">
-            <a:avLst/>
-          </a:prstGeom>
-          <a:noFill/>
-          <a:ln>
-            <a:noFill/>
-          </a:ln>
-        </p:spPr>
-        <p:txBody>
-          <a:bodyPr spcFirstLastPara="1" wrap="square" lIns="91425" tIns="91425" rIns="91425" bIns="91425" anchor="t" anchorCtr="0">
-            <a:noAutofit/>
-          </a:bodyPr>
-          <a:lstStyle>
-            <a:defPPr marR="0" lvl="0" algn="l" rtl="0">
-              <a:lnSpc>
-                <a:spcPct val="100000"/>
-              </a:lnSpc>
-              <a:spcBef>
-                <a:spcPts val="0"/>
-              </a:spcBef>
-              <a:spcAft>
-                <a:spcPts val="0"/>
-              </a:spcAft>
-            </a:defPPr>
-            <a:lvl1pPr marR="0" lvl="0" algn="l" rtl="0" eaLnBrk="1" hangingPunct="1">
-              <a:lnSpc>
-                <a:spcPct val="100000"/>
-              </a:lnSpc>
-              <a:spcBef>
-                <a:spcPts val="0"/>
-              </a:spcBef>
-              <a:spcAft>
-                <a:spcPts val="0"/>
-              </a:spcAft>
-              <a:buClr>
-                <a:schemeClr val="dk1"/>
-              </a:buClr>
-              <a:buSzPts val="3300"/>
-              <a:buFont typeface="Quantico"/>
-              <a:buNone/>
-              <a:defRPr sz="3300" b="0" i="0" u="none" strike="noStrike" cap="none">
-                <a:solidFill>
-                  <a:schemeClr val="dk1"/>
-                </a:solidFill>
-                <a:latin typeface="Quantico"/>
-                <a:ea typeface="Quantico"/>
-                <a:cs typeface="Quantico"/>
-                <a:sym typeface="Quantico"/>
-              </a:defRPr>
-            </a:lvl1pPr>
-            <a:lvl2pPr marR="0" lvl="1" algn="l" rtl="0" eaLnBrk="1" hangingPunct="1">
-              <a:lnSpc>
-                <a:spcPct val="100000"/>
-              </a:lnSpc>
-              <a:spcBef>
-                <a:spcPts val="0"/>
-              </a:spcBef>
-              <a:spcAft>
-                <a:spcPts val="0"/>
-              </a:spcAft>
-              <a:buClr>
-                <a:schemeClr val="dk1"/>
-              </a:buClr>
-              <a:buSzPts val="3300"/>
-              <a:buFont typeface="Quantico"/>
-              <a:buNone/>
-              <a:defRPr sz="3300" b="1" i="0" u="none" strike="noStrike" cap="none">
-                <a:solidFill>
-                  <a:schemeClr val="dk1"/>
-                </a:solidFill>
-                <a:latin typeface="Quantico"/>
-                <a:ea typeface="Quantico"/>
-                <a:cs typeface="Quantico"/>
-                <a:sym typeface="Quantico"/>
-              </a:defRPr>
-            </a:lvl2pPr>
-            <a:lvl3pPr marR="0" lvl="2" algn="l" rtl="0" eaLnBrk="1" hangingPunct="1">
-              <a:lnSpc>
-                <a:spcPct val="100000"/>
-              </a:lnSpc>
-              <a:spcBef>
-                <a:spcPts val="0"/>
-              </a:spcBef>
-              <a:spcAft>
-                <a:spcPts val="0"/>
-              </a:spcAft>
-              <a:buClr>
-                <a:schemeClr val="dk1"/>
-              </a:buClr>
-              <a:buSzPts val="3300"/>
-              <a:buFont typeface="Quantico"/>
-              <a:buNone/>
-              <a:defRPr sz="3300" b="1" i="0" u="none" strike="noStrike" cap="none">
-                <a:solidFill>
-                  <a:schemeClr val="dk1"/>
-                </a:solidFill>
-                <a:latin typeface="Quantico"/>
-                <a:ea typeface="Quantico"/>
-                <a:cs typeface="Quantico"/>
-                <a:sym typeface="Quantico"/>
-              </a:defRPr>
-            </a:lvl3pPr>
-            <a:lvl4pPr marR="0" lvl="3" algn="l" rtl="0" eaLnBrk="1" hangingPunct="1">
-              <a:lnSpc>
-                <a:spcPct val="100000"/>
-              </a:lnSpc>
-              <a:spcBef>
-                <a:spcPts val="0"/>
-              </a:spcBef>
-              <a:spcAft>
-                <a:spcPts val="0"/>
-              </a:spcAft>
-              <a:buClr>
-                <a:schemeClr val="dk1"/>
-              </a:buClr>
-              <a:buSzPts val="3300"/>
-              <a:buFont typeface="Quantico"/>
-              <a:buNone/>
-              <a:defRPr sz="3300" b="1" i="0" u="none" strike="noStrike" cap="none">
-                <a:solidFill>
-                  <a:schemeClr val="dk1"/>
-                </a:solidFill>
-                <a:latin typeface="Quantico"/>
-                <a:ea typeface="Quantico"/>
-                <a:cs typeface="Quantico"/>
-                <a:sym typeface="Quantico"/>
-              </a:defRPr>
-            </a:lvl4pPr>
-            <a:lvl5pPr marR="0" lvl="4" algn="l" rtl="0" eaLnBrk="1" hangingPunct="1">
-              <a:lnSpc>
-                <a:spcPct val="100000"/>
-              </a:lnSpc>
-              <a:spcBef>
-                <a:spcPts val="0"/>
-              </a:spcBef>
-              <a:spcAft>
-                <a:spcPts val="0"/>
-              </a:spcAft>
-              <a:buClr>
-                <a:schemeClr val="dk1"/>
-              </a:buClr>
-              <a:buSzPts val="3300"/>
-              <a:buFont typeface="Quantico"/>
-              <a:buNone/>
-              <a:defRPr sz="3300" b="1" i="0" u="none" strike="noStrike" cap="none">
-                <a:solidFill>
-                  <a:schemeClr val="dk1"/>
-                </a:solidFill>
-                <a:latin typeface="Quantico"/>
-                <a:ea typeface="Quantico"/>
-                <a:cs typeface="Quantico"/>
-                <a:sym typeface="Quantico"/>
-              </a:defRPr>
-            </a:lvl5pPr>
-            <a:lvl6pPr marR="0" lvl="5" algn="l" rtl="0" eaLnBrk="1" hangingPunct="1">
-              <a:lnSpc>
-                <a:spcPct val="100000"/>
-              </a:lnSpc>
-              <a:spcBef>
-                <a:spcPts val="0"/>
-              </a:spcBef>
-              <a:spcAft>
-                <a:spcPts val="0"/>
-              </a:spcAft>
-              <a:buClr>
-                <a:schemeClr val="dk1"/>
-              </a:buClr>
-              <a:buSzPts val="3300"/>
-              <a:buFont typeface="Quantico"/>
-              <a:buNone/>
-              <a:defRPr sz="3300" b="1" i="0" u="none" strike="noStrike" cap="none">
-                <a:solidFill>
-                  <a:schemeClr val="dk1"/>
-                </a:solidFill>
-                <a:latin typeface="Quantico"/>
-                <a:ea typeface="Quantico"/>
-                <a:cs typeface="Quantico"/>
-                <a:sym typeface="Quantico"/>
-              </a:defRPr>
-            </a:lvl6pPr>
-            <a:lvl7pPr marR="0" lvl="6" algn="l" rtl="0" eaLnBrk="1" hangingPunct="1">
-              <a:lnSpc>
-                <a:spcPct val="100000"/>
-              </a:lnSpc>
-              <a:spcBef>
-                <a:spcPts val="0"/>
-              </a:spcBef>
-              <a:spcAft>
-                <a:spcPts val="0"/>
-              </a:spcAft>
-              <a:buClr>
-                <a:schemeClr val="dk1"/>
-              </a:buClr>
-              <a:buSzPts val="3300"/>
-              <a:buFont typeface="Quantico"/>
-              <a:buNone/>
-              <a:defRPr sz="3300" b="1" i="0" u="none" strike="noStrike" cap="none">
-                <a:solidFill>
-                  <a:schemeClr val="dk1"/>
-                </a:solidFill>
-                <a:latin typeface="Quantico"/>
-                <a:ea typeface="Quantico"/>
-                <a:cs typeface="Quantico"/>
-                <a:sym typeface="Quantico"/>
-              </a:defRPr>
-            </a:lvl7pPr>
-            <a:lvl8pPr marR="0" lvl="7" algn="l" rtl="0" eaLnBrk="1" hangingPunct="1">
-              <a:lnSpc>
-                <a:spcPct val="100000"/>
-              </a:lnSpc>
-              <a:spcBef>
-                <a:spcPts val="0"/>
-              </a:spcBef>
-              <a:spcAft>
-                <a:spcPts val="0"/>
-              </a:spcAft>
-              <a:buClr>
-                <a:schemeClr val="dk1"/>
-              </a:buClr>
-              <a:buSzPts val="3300"/>
-              <a:buFont typeface="Quantico"/>
-              <a:buNone/>
-              <a:defRPr sz="3300" b="1" i="0" u="none" strike="noStrike" cap="none">
-                <a:solidFill>
-                  <a:schemeClr val="dk1"/>
-                </a:solidFill>
-                <a:latin typeface="Quantico"/>
-                <a:ea typeface="Quantico"/>
-                <a:cs typeface="Quantico"/>
-                <a:sym typeface="Quantico"/>
-              </a:defRPr>
-            </a:lvl8pPr>
-            <a:lvl9pPr marR="0" lvl="8" algn="l" rtl="0" eaLnBrk="1" hangingPunct="1">
-              <a:lnSpc>
-                <a:spcPct val="100000"/>
-              </a:lnSpc>
-              <a:spcBef>
-                <a:spcPts val="0"/>
-              </a:spcBef>
-              <a:spcAft>
-                <a:spcPts val="0"/>
-              </a:spcAft>
-              <a:buClr>
-                <a:schemeClr val="dk1"/>
-              </a:buClr>
-              <a:buSzPts val="3300"/>
-              <a:buFont typeface="Quantico"/>
-              <a:buNone/>
-              <a:defRPr sz="3300" b="1" i="0" u="none" strike="noStrike" cap="none">
-                <a:solidFill>
-                  <a:schemeClr val="dk1"/>
-                </a:solidFill>
-                <a:latin typeface="Quantico"/>
-                <a:ea typeface="Quantico"/>
-                <a:cs typeface="Quantico"/>
-                <a:sym typeface="Quantico"/>
-              </a:defRPr>
-            </a:lvl9pPr>
-          </a:lstStyle>
-          <a:p>
-            <a:r>
-              <a:rPr lang="en-US" b="1" dirty="0">
-                <a:solidFill>
-                  <a:srgbClr val="00B050"/>
-                </a:solidFill>
-              </a:rPr>
-              <a:t>&lt;/</a:t>
-            </a:r>
-            <a:r>
-              <a:rPr lang="en-US" dirty="0">
-                <a:solidFill>
-                  <a:schemeClr val="lt2"/>
-                </a:solidFill>
-              </a:rPr>
-              <a:t> </a:t>
-            </a:r>
-            <a:r>
-              <a:rPr lang="hu-HU" dirty="0"/>
-              <a:t>Megvalósítás</a:t>
-            </a:r>
-            <a:endParaRPr lang="en-US" dirty="0"/>
-          </a:p>
-        </p:txBody>
-      </p:sp>
-      <p:sp>
-        <p:nvSpPr>
-          <p:cNvPr id="2" name="Téglalap 1">
-            <a:extLst>
-              <a:ext uri="{FF2B5EF4-FFF2-40B4-BE49-F238E27FC236}">
-                <a16:creationId xmlns:a16="http://schemas.microsoft.com/office/drawing/2014/main" id="{631B1068-FEFC-68C5-679F-811AA0314358}"/>
-              </a:ext>
-            </a:extLst>
-          </p:cNvPr>
-          <p:cNvSpPr/>
-          <p:nvPr/>
-        </p:nvSpPr>
-        <p:spPr>
-          <a:xfrm>
-            <a:off x="533401" y="230981"/>
-            <a:ext cx="3314700" cy="330994"/>
-          </a:xfrm>
-          <a:prstGeom prst="rect">
-            <a:avLst/>
-          </a:prstGeom>
-          <a:solidFill>
-            <a:srgbClr val="00B050"/>
-          </a:solidFill>
-          <a:ln w="12700">
-            <a:solidFill>
-              <a:srgbClr val="E2E4F6"/>
-            </a:solidFill>
-          </a:ln>
-        </p:spPr>
-        <p:style>
-          <a:lnRef idx="2">
-            <a:schemeClr val="accent1">
-              <a:shade val="15000"/>
-            </a:schemeClr>
-          </a:lnRef>
-          <a:fillRef idx="1">
-            <a:schemeClr val="accent1"/>
-          </a:fillRef>
-          <a:effectRef idx="0">
-            <a:schemeClr val="accent1"/>
-          </a:effectRef>
-          <a:fontRef idx="minor">
-            <a:schemeClr val="lt1"/>
-          </a:fontRef>
-        </p:style>
-        <p:txBody>
-          <a:bodyPr rtlCol="0" anchor="ctr"/>
-          <a:lstStyle/>
-          <a:p>
-            <a:pPr algn="ctr"/>
-            <a:endParaRPr lang="hu-HU"/>
-          </a:p>
-        </p:txBody>
-      </p:sp>
-    </p:spTree>
-    <p:extLst>
-      <p:ext uri="{BB962C8B-B14F-4D97-AF65-F5344CB8AC3E}">
-        <p14:creationId xmlns:p14="http://schemas.microsoft.com/office/powerpoint/2010/main" val="884324374"/>
-      </p:ext>
-    </p:extLst>
-  </p:cSld>
-  <p:clrMapOvr>
-    <a:masterClrMapping/>
-  </p:clrMapOvr>
-  <mc:AlternateContent xmlns:mc="http://schemas.openxmlformats.org/markup-compatibility/2006" xmlns:p159="http://schemas.microsoft.com/office/powerpoint/2015/09/main">
-    <mc:Choice Requires="p159">
-      <p:transition xmlns:p14="http://schemas.microsoft.com/office/powerpoint/2010/main" spd="slow" p14:dur="2000">
-        <p159:morph option="byObject"/>
-      </p:transition>
-    </mc:Choice>
-    <mc:Fallback xmlns="">
-      <p:transition spd="slow">
-        <p:fade/>
-      </p:transition>
-    </mc:Fallback>
-  </mc:AlternateContent>
-  <p:timing>
-    <p:tnLst>
-      <p:par>
-        <p:cTn id="1" dur="indefinite" restart="never" nodeType="tmRoot">
-          <p:childTnLst>
-            <p:seq concurrent="1" nextAc="seek">
-              <p:cTn id="2" dur="indefinite" nodeType="mainSeq">
-                <p:childTnLst>
-                  <p:par>
-                    <p:cTn id="3" fill="hold">
-                      <p:stCondLst>
-                        <p:cond delay="indefinite"/>
-                      </p:stCondLst>
-                      <p:childTnLst>
-                        <p:par>
-                          <p:cTn id="4" fill="hold">
-                            <p:stCondLst>
-                              <p:cond delay="0"/>
-                            </p:stCondLst>
-                            <p:childTnLst>
-                              <p:par>
-                                <p:cTn id="5" presetID="6" presetClass="entr" presetSubtype="32" fill="hold" nodeType="clickEffect">
-                                  <p:stCondLst>
-                                    <p:cond delay="0"/>
-                                  </p:stCondLst>
-                                  <p:childTnLst>
-                                    <p:set>
-                                      <p:cBhvr>
-                                        <p:cTn id="6" dur="1" fill="hold">
-                                          <p:stCondLst>
-                                            <p:cond delay="0"/>
-                                          </p:stCondLst>
-                                        </p:cTn>
-                                        <p:tgtEl>
-                                          <p:spTgt spid="5"/>
-                                        </p:tgtEl>
-                                        <p:attrNameLst>
-                                          <p:attrName>style.visibility</p:attrName>
-                                        </p:attrNameLst>
-                                      </p:cBhvr>
-                                      <p:to>
-                                        <p:strVal val="visible"/>
-                                      </p:to>
-                                    </p:set>
-                                    <p:animEffect transition="in" filter="circle(out)">
-                                      <p:cBhvr>
-                                        <p:cTn id="7" dur="2000"/>
-                                        <p:tgtEl>
-                                          <p:spTgt spid="5"/>
-                                        </p:tgtEl>
-                                      </p:cBhvr>
-                                    </p:animEffect>
-                                  </p:childTnLst>
-                                </p:cTn>
-                              </p:par>
-                            </p:childTnLst>
-                          </p:cTn>
-                        </p:par>
-                      </p:childTnLst>
-                    </p:cTn>
-                  </p:par>
-                </p:childTnLst>
-              </p:cTn>
-              <p:prevCondLst>
-                <p:cond evt="onPrev" delay="0">
-                  <p:tgtEl>
-                    <p:sldTgt/>
-                  </p:tgtEl>
-                </p:cond>
-              </p:prevCondLst>
-              <p:nextCondLst>
-                <p:cond evt="onNext" delay="0">
-                  <p:tgtEl>
-                    <p:sldTgt/>
-                  </p:tgtEl>
-                </p:cond>
-              </p:nextCondLst>
-            </p:seq>
-          </p:childTnLst>
-        </p:cTn>
-      </p:par>
-    </p:tnLst>
-  </p:timing>
-</p:sld>
-</file>
-
-<file path=ppt/slides/slide21.xml><?xml version="1.0" encoding="utf-8"?>
-<p:sld xmlns:a="http://schemas.openxmlformats.org/drawingml/2006/main" xmlns:r="http://schemas.openxmlformats.org/officeDocument/2006/relationships" xmlns:p="http://schemas.openxmlformats.org/presentationml/2006/main">
-  <p:cSld>
-    <p:spTree>
-      <p:nvGrpSpPr>
-        <p:cNvPr id="1" name=""/>
-        <p:cNvGrpSpPr/>
-        <p:nvPr/>
-      </p:nvGrpSpPr>
-      <p:grpSpPr>
-        <a:xfrm>
-          <a:off x="0" y="0"/>
-          <a:ext cx="0" cy="0"/>
-          <a:chOff x="0" y="0"/>
-          <a:chExt cx="0" cy="0"/>
-        </a:xfrm>
-      </p:grpSpPr>
-      <p:sp>
-        <p:nvSpPr>
           <p:cNvPr id="8" name="Google Shape;257;p30">
             <a:extLst>
               <a:ext uri="{FF2B5EF4-FFF2-40B4-BE49-F238E27FC236}">
@@ -31727,7 +30607,7 @@
             <p:nvPr/>
           </p:nvPicPr>
           <p:blipFill>
-            <a:blip r:embed="rId2"/>
+            <a:blip r:embed="rId3"/>
             <a:stretch>
               <a:fillRect/>
             </a:stretch>
@@ -31978,7 +30858,7 @@
             <p:nvPr/>
           </p:nvPicPr>
           <p:blipFill>
-            <a:blip r:embed="rId3">
+            <a:blip r:embed="rId4">
               <a:extLst>
                 <a:ext uri="{28A0092B-C50C-407E-A947-70E740481C1C}">
                   <a14:useLocalDpi xmlns:a14="http://schemas.microsoft.com/office/drawing/2010/main" val="0"/>
@@ -32237,7 +31117,7 @@
             <p:nvPr/>
           </p:nvPicPr>
           <p:blipFill>
-            <a:blip r:embed="rId4">
+            <a:blip r:embed="rId5">
               <a:extLst>
                 <a:ext uri="{28A0092B-C50C-407E-A947-70E740481C1C}">
                   <a14:useLocalDpi xmlns:a14="http://schemas.microsoft.com/office/drawing/2010/main" val="0"/>
@@ -32338,690 +31218,7 @@
 </p:sld>
 </file>
 
-<file path=ppt/slides/slide22.xml><?xml version="1.0" encoding="utf-8"?>
-<p:sld xmlns:a="http://schemas.openxmlformats.org/drawingml/2006/main" xmlns:r="http://schemas.openxmlformats.org/officeDocument/2006/relationships" xmlns:p="http://schemas.openxmlformats.org/presentationml/2006/main">
-  <p:cSld>
-    <p:spTree>
-      <p:nvGrpSpPr>
-        <p:cNvPr id="1" name=""/>
-        <p:cNvGrpSpPr/>
-        <p:nvPr/>
-      </p:nvGrpSpPr>
-      <p:grpSpPr>
-        <a:xfrm>
-          <a:off x="0" y="0"/>
-          <a:ext cx="0" cy="0"/>
-          <a:chOff x="0" y="0"/>
-          <a:chExt cx="0" cy="0"/>
-        </a:xfrm>
-      </p:grpSpPr>
-      <p:sp>
-        <p:nvSpPr>
-          <p:cNvPr id="3" name="Szöveg helye 2">
-            <a:extLst>
-              <a:ext uri="{FF2B5EF4-FFF2-40B4-BE49-F238E27FC236}">
-                <a16:creationId xmlns:a16="http://schemas.microsoft.com/office/drawing/2014/main" id="{3A5C6F9D-AFF6-4752-A934-E0F37312C7A2}"/>
-              </a:ext>
-            </a:extLst>
-          </p:cNvPr>
-          <p:cNvSpPr>
-            <a:spLocks noGrp="1"/>
-          </p:cNvSpPr>
-          <p:nvPr>
-            <p:ph type="body" idx="1"/>
-          </p:nvPr>
-        </p:nvSpPr>
-        <p:spPr/>
-        <p:txBody>
-          <a:bodyPr/>
-          <a:lstStyle/>
-          <a:p>
-            <a:endParaRPr lang="hu-HU"/>
-          </a:p>
-        </p:txBody>
-      </p:sp>
-      <p:pic>
-        <p:nvPicPr>
-          <p:cNvPr id="4" name="Kép 3">
-            <a:extLst>
-              <a:ext uri="{FF2B5EF4-FFF2-40B4-BE49-F238E27FC236}">
-                <a16:creationId xmlns:a16="http://schemas.microsoft.com/office/drawing/2014/main" id="{63A91785-0EB9-4546-A4BA-73D51AB87FAA}"/>
-              </a:ext>
-            </a:extLst>
-          </p:cNvPr>
-          <p:cNvPicPr>
-            <a:picLocks noChangeAspect="1"/>
-          </p:cNvPicPr>
-          <p:nvPr/>
-        </p:nvPicPr>
-        <p:blipFill>
-          <a:blip r:embed="rId3"/>
-          <a:stretch>
-            <a:fillRect/>
-          </a:stretch>
-        </p:blipFill>
-        <p:spPr>
-          <a:xfrm>
-            <a:off x="1555345" y="1493661"/>
-            <a:ext cx="9081309" cy="4607499"/>
-          </a:xfrm>
-          <a:prstGeom prst="rect">
-            <a:avLst/>
-          </a:prstGeom>
-        </p:spPr>
-      </p:pic>
-      <p:pic>
-        <p:nvPicPr>
-          <p:cNvPr id="5" name="Kép 4">
-            <a:extLst>
-              <a:ext uri="{FF2B5EF4-FFF2-40B4-BE49-F238E27FC236}">
-                <a16:creationId xmlns:a16="http://schemas.microsoft.com/office/drawing/2014/main" id="{749CF720-2B52-4F1A-97D7-A036D88C02D5}"/>
-              </a:ext>
-            </a:extLst>
-          </p:cNvPr>
-          <p:cNvPicPr>
-            <a:picLocks noChangeAspect="1"/>
-          </p:cNvPicPr>
-          <p:nvPr/>
-        </p:nvPicPr>
-        <p:blipFill>
-          <a:blip r:embed="rId4"/>
-          <a:stretch>
-            <a:fillRect/>
-          </a:stretch>
-        </p:blipFill>
-        <p:spPr>
-          <a:xfrm>
-            <a:off x="1555345" y="1492265"/>
-            <a:ext cx="9155248" cy="4608895"/>
-          </a:xfrm>
-          <a:prstGeom prst="rect">
-            <a:avLst/>
-          </a:prstGeom>
-        </p:spPr>
-      </p:pic>
-      <p:pic>
-        <p:nvPicPr>
-          <p:cNvPr id="6" name="Kép 5">
-            <a:extLst>
-              <a:ext uri="{FF2B5EF4-FFF2-40B4-BE49-F238E27FC236}">
-                <a16:creationId xmlns:a16="http://schemas.microsoft.com/office/drawing/2014/main" id="{5393F426-265A-4E6D-B7A0-570246A10FD5}"/>
-              </a:ext>
-            </a:extLst>
-          </p:cNvPr>
-          <p:cNvPicPr>
-            <a:picLocks noChangeAspect="1"/>
-          </p:cNvPicPr>
-          <p:nvPr/>
-        </p:nvPicPr>
-        <p:blipFill>
-          <a:blip r:embed="rId5"/>
-          <a:stretch>
-            <a:fillRect/>
-          </a:stretch>
-        </p:blipFill>
-        <p:spPr>
-          <a:xfrm>
-            <a:off x="1555345" y="1511614"/>
-            <a:ext cx="9129749" cy="4594573"/>
-          </a:xfrm>
-          <a:prstGeom prst="rect">
-            <a:avLst/>
-          </a:prstGeom>
-        </p:spPr>
-      </p:pic>
-      <p:sp>
-        <p:nvSpPr>
-          <p:cNvPr id="7" name="Google Shape;257;p30">
-            <a:extLst>
-              <a:ext uri="{FF2B5EF4-FFF2-40B4-BE49-F238E27FC236}">
-                <a16:creationId xmlns:a16="http://schemas.microsoft.com/office/drawing/2014/main" id="{E30AB075-AAE1-67B6-0A4F-A718F6E0CD77}"/>
-              </a:ext>
-            </a:extLst>
-          </p:cNvPr>
-          <p:cNvSpPr txBox="1">
-            <a:spLocks/>
-          </p:cNvSpPr>
-          <p:nvPr/>
-        </p:nvSpPr>
-        <p:spPr>
-          <a:xfrm>
-            <a:off x="636150" y="639285"/>
-            <a:ext cx="7704000" cy="557700"/>
-          </a:xfrm>
-          <a:prstGeom prst="rect">
-            <a:avLst/>
-          </a:prstGeom>
-          <a:noFill/>
-          <a:ln>
-            <a:noFill/>
-          </a:ln>
-        </p:spPr>
-        <p:txBody>
-          <a:bodyPr spcFirstLastPara="1" wrap="square" lIns="91425" tIns="91425" rIns="91425" bIns="91425" anchor="t" anchorCtr="0">
-            <a:noAutofit/>
-          </a:bodyPr>
-          <a:lstStyle>
-            <a:defPPr marR="0" lvl="0" algn="l" rtl="0">
-              <a:lnSpc>
-                <a:spcPct val="100000"/>
-              </a:lnSpc>
-              <a:spcBef>
-                <a:spcPts val="0"/>
-              </a:spcBef>
-              <a:spcAft>
-                <a:spcPts val="0"/>
-              </a:spcAft>
-            </a:defPPr>
-            <a:lvl1pPr marR="0" lvl="0" algn="l" rtl="0" eaLnBrk="1" hangingPunct="1">
-              <a:lnSpc>
-                <a:spcPct val="100000"/>
-              </a:lnSpc>
-              <a:spcBef>
-                <a:spcPts val="0"/>
-              </a:spcBef>
-              <a:spcAft>
-                <a:spcPts val="0"/>
-              </a:spcAft>
-              <a:buClr>
-                <a:schemeClr val="dk1"/>
-              </a:buClr>
-              <a:buSzPts val="3300"/>
-              <a:buFont typeface="Quantico"/>
-              <a:buNone/>
-              <a:defRPr sz="3300" b="0" i="0" u="none" strike="noStrike" cap="none">
-                <a:solidFill>
-                  <a:schemeClr val="dk1"/>
-                </a:solidFill>
-                <a:latin typeface="Quantico"/>
-                <a:ea typeface="Quantico"/>
-                <a:cs typeface="Quantico"/>
-                <a:sym typeface="Quantico"/>
-              </a:defRPr>
-            </a:lvl1pPr>
-            <a:lvl2pPr marR="0" lvl="1" algn="l" rtl="0" eaLnBrk="1" hangingPunct="1">
-              <a:lnSpc>
-                <a:spcPct val="100000"/>
-              </a:lnSpc>
-              <a:spcBef>
-                <a:spcPts val="0"/>
-              </a:spcBef>
-              <a:spcAft>
-                <a:spcPts val="0"/>
-              </a:spcAft>
-              <a:buClr>
-                <a:schemeClr val="dk1"/>
-              </a:buClr>
-              <a:buSzPts val="3300"/>
-              <a:buFont typeface="Quantico"/>
-              <a:buNone/>
-              <a:defRPr sz="3300" b="1" i="0" u="none" strike="noStrike" cap="none">
-                <a:solidFill>
-                  <a:schemeClr val="dk1"/>
-                </a:solidFill>
-                <a:latin typeface="Quantico"/>
-                <a:ea typeface="Quantico"/>
-                <a:cs typeface="Quantico"/>
-                <a:sym typeface="Quantico"/>
-              </a:defRPr>
-            </a:lvl2pPr>
-            <a:lvl3pPr marR="0" lvl="2" algn="l" rtl="0" eaLnBrk="1" hangingPunct="1">
-              <a:lnSpc>
-                <a:spcPct val="100000"/>
-              </a:lnSpc>
-              <a:spcBef>
-                <a:spcPts val="0"/>
-              </a:spcBef>
-              <a:spcAft>
-                <a:spcPts val="0"/>
-              </a:spcAft>
-              <a:buClr>
-                <a:schemeClr val="dk1"/>
-              </a:buClr>
-              <a:buSzPts val="3300"/>
-              <a:buFont typeface="Quantico"/>
-              <a:buNone/>
-              <a:defRPr sz="3300" b="1" i="0" u="none" strike="noStrike" cap="none">
-                <a:solidFill>
-                  <a:schemeClr val="dk1"/>
-                </a:solidFill>
-                <a:latin typeface="Quantico"/>
-                <a:ea typeface="Quantico"/>
-                <a:cs typeface="Quantico"/>
-                <a:sym typeface="Quantico"/>
-              </a:defRPr>
-            </a:lvl3pPr>
-            <a:lvl4pPr marR="0" lvl="3" algn="l" rtl="0" eaLnBrk="1" hangingPunct="1">
-              <a:lnSpc>
-                <a:spcPct val="100000"/>
-              </a:lnSpc>
-              <a:spcBef>
-                <a:spcPts val="0"/>
-              </a:spcBef>
-              <a:spcAft>
-                <a:spcPts val="0"/>
-              </a:spcAft>
-              <a:buClr>
-                <a:schemeClr val="dk1"/>
-              </a:buClr>
-              <a:buSzPts val="3300"/>
-              <a:buFont typeface="Quantico"/>
-              <a:buNone/>
-              <a:defRPr sz="3300" b="1" i="0" u="none" strike="noStrike" cap="none">
-                <a:solidFill>
-                  <a:schemeClr val="dk1"/>
-                </a:solidFill>
-                <a:latin typeface="Quantico"/>
-                <a:ea typeface="Quantico"/>
-                <a:cs typeface="Quantico"/>
-                <a:sym typeface="Quantico"/>
-              </a:defRPr>
-            </a:lvl4pPr>
-            <a:lvl5pPr marR="0" lvl="4" algn="l" rtl="0" eaLnBrk="1" hangingPunct="1">
-              <a:lnSpc>
-                <a:spcPct val="100000"/>
-              </a:lnSpc>
-              <a:spcBef>
-                <a:spcPts val="0"/>
-              </a:spcBef>
-              <a:spcAft>
-                <a:spcPts val="0"/>
-              </a:spcAft>
-              <a:buClr>
-                <a:schemeClr val="dk1"/>
-              </a:buClr>
-              <a:buSzPts val="3300"/>
-              <a:buFont typeface="Quantico"/>
-              <a:buNone/>
-              <a:defRPr sz="3300" b="1" i="0" u="none" strike="noStrike" cap="none">
-                <a:solidFill>
-                  <a:schemeClr val="dk1"/>
-                </a:solidFill>
-                <a:latin typeface="Quantico"/>
-                <a:ea typeface="Quantico"/>
-                <a:cs typeface="Quantico"/>
-                <a:sym typeface="Quantico"/>
-              </a:defRPr>
-            </a:lvl5pPr>
-            <a:lvl6pPr marR="0" lvl="5" algn="l" rtl="0" eaLnBrk="1" hangingPunct="1">
-              <a:lnSpc>
-                <a:spcPct val="100000"/>
-              </a:lnSpc>
-              <a:spcBef>
-                <a:spcPts val="0"/>
-              </a:spcBef>
-              <a:spcAft>
-                <a:spcPts val="0"/>
-              </a:spcAft>
-              <a:buClr>
-                <a:schemeClr val="dk1"/>
-              </a:buClr>
-              <a:buSzPts val="3300"/>
-              <a:buFont typeface="Quantico"/>
-              <a:buNone/>
-              <a:defRPr sz="3300" b="1" i="0" u="none" strike="noStrike" cap="none">
-                <a:solidFill>
-                  <a:schemeClr val="dk1"/>
-                </a:solidFill>
-                <a:latin typeface="Quantico"/>
-                <a:ea typeface="Quantico"/>
-                <a:cs typeface="Quantico"/>
-                <a:sym typeface="Quantico"/>
-              </a:defRPr>
-            </a:lvl6pPr>
-            <a:lvl7pPr marR="0" lvl="6" algn="l" rtl="0" eaLnBrk="1" hangingPunct="1">
-              <a:lnSpc>
-                <a:spcPct val="100000"/>
-              </a:lnSpc>
-              <a:spcBef>
-                <a:spcPts val="0"/>
-              </a:spcBef>
-              <a:spcAft>
-                <a:spcPts val="0"/>
-              </a:spcAft>
-              <a:buClr>
-                <a:schemeClr val="dk1"/>
-              </a:buClr>
-              <a:buSzPts val="3300"/>
-              <a:buFont typeface="Quantico"/>
-              <a:buNone/>
-              <a:defRPr sz="3300" b="1" i="0" u="none" strike="noStrike" cap="none">
-                <a:solidFill>
-                  <a:schemeClr val="dk1"/>
-                </a:solidFill>
-                <a:latin typeface="Quantico"/>
-                <a:ea typeface="Quantico"/>
-                <a:cs typeface="Quantico"/>
-                <a:sym typeface="Quantico"/>
-              </a:defRPr>
-            </a:lvl7pPr>
-            <a:lvl8pPr marR="0" lvl="7" algn="l" rtl="0" eaLnBrk="1" hangingPunct="1">
-              <a:lnSpc>
-                <a:spcPct val="100000"/>
-              </a:lnSpc>
-              <a:spcBef>
-                <a:spcPts val="0"/>
-              </a:spcBef>
-              <a:spcAft>
-                <a:spcPts val="0"/>
-              </a:spcAft>
-              <a:buClr>
-                <a:schemeClr val="dk1"/>
-              </a:buClr>
-              <a:buSzPts val="3300"/>
-              <a:buFont typeface="Quantico"/>
-              <a:buNone/>
-              <a:defRPr sz="3300" b="1" i="0" u="none" strike="noStrike" cap="none">
-                <a:solidFill>
-                  <a:schemeClr val="dk1"/>
-                </a:solidFill>
-                <a:latin typeface="Quantico"/>
-                <a:ea typeface="Quantico"/>
-                <a:cs typeface="Quantico"/>
-                <a:sym typeface="Quantico"/>
-              </a:defRPr>
-            </a:lvl8pPr>
-            <a:lvl9pPr marR="0" lvl="8" algn="l" rtl="0" eaLnBrk="1" hangingPunct="1">
-              <a:lnSpc>
-                <a:spcPct val="100000"/>
-              </a:lnSpc>
-              <a:spcBef>
-                <a:spcPts val="0"/>
-              </a:spcBef>
-              <a:spcAft>
-                <a:spcPts val="0"/>
-              </a:spcAft>
-              <a:buClr>
-                <a:schemeClr val="dk1"/>
-              </a:buClr>
-              <a:buSzPts val="3300"/>
-              <a:buFont typeface="Quantico"/>
-              <a:buNone/>
-              <a:defRPr sz="3300" b="1" i="0" u="none" strike="noStrike" cap="none">
-                <a:solidFill>
-                  <a:schemeClr val="dk1"/>
-                </a:solidFill>
-                <a:latin typeface="Quantico"/>
-                <a:ea typeface="Quantico"/>
-                <a:cs typeface="Quantico"/>
-                <a:sym typeface="Quantico"/>
-              </a:defRPr>
-            </a:lvl9pPr>
-          </a:lstStyle>
-          <a:p>
-            <a:r>
-              <a:rPr lang="en-US" b="1" dirty="0">
-                <a:solidFill>
-                  <a:srgbClr val="00B050"/>
-                </a:solidFill>
-              </a:rPr>
-              <a:t>&lt;/</a:t>
-            </a:r>
-            <a:r>
-              <a:rPr lang="en-US" dirty="0">
-                <a:solidFill>
-                  <a:schemeClr val="lt2"/>
-                </a:solidFill>
-              </a:rPr>
-              <a:t> </a:t>
-            </a:r>
-            <a:r>
-              <a:rPr lang="hu-HU" dirty="0" err="1"/>
-              <a:t>Form</a:t>
-            </a:r>
-            <a:r>
-              <a:rPr lang="hu-HU" dirty="0"/>
-              <a:t>-ok</a:t>
-            </a:r>
-            <a:endParaRPr lang="en-US" dirty="0"/>
-          </a:p>
-        </p:txBody>
-      </p:sp>
-      <p:sp>
-        <p:nvSpPr>
-          <p:cNvPr id="2" name="Téglalap 1">
-            <a:extLst>
-              <a:ext uri="{FF2B5EF4-FFF2-40B4-BE49-F238E27FC236}">
-                <a16:creationId xmlns:a16="http://schemas.microsoft.com/office/drawing/2014/main" id="{B1B5CDFF-A116-E6B6-DA8B-DEBC11022F10}"/>
-              </a:ext>
-            </a:extLst>
-          </p:cNvPr>
-          <p:cNvSpPr/>
-          <p:nvPr/>
-        </p:nvSpPr>
-        <p:spPr>
-          <a:xfrm>
-            <a:off x="533401" y="230981"/>
-            <a:ext cx="5867400" cy="330994"/>
-          </a:xfrm>
-          <a:prstGeom prst="rect">
-            <a:avLst/>
-          </a:prstGeom>
-          <a:solidFill>
-            <a:srgbClr val="00B050"/>
-          </a:solidFill>
-          <a:ln w="12700">
-            <a:solidFill>
-              <a:srgbClr val="E2E4F6"/>
-            </a:solidFill>
-          </a:ln>
-        </p:spPr>
-        <p:style>
-          <a:lnRef idx="2">
-            <a:schemeClr val="accent1">
-              <a:shade val="15000"/>
-            </a:schemeClr>
-          </a:lnRef>
-          <a:fillRef idx="1">
-            <a:schemeClr val="accent1"/>
-          </a:fillRef>
-          <a:effectRef idx="0">
-            <a:schemeClr val="accent1"/>
-          </a:effectRef>
-          <a:fontRef idx="minor">
-            <a:schemeClr val="lt1"/>
-          </a:fontRef>
-        </p:style>
-        <p:txBody>
-          <a:bodyPr rtlCol="0" anchor="ctr"/>
-          <a:lstStyle/>
-          <a:p>
-            <a:pPr algn="ctr"/>
-            <a:endParaRPr lang="hu-HU"/>
-          </a:p>
-        </p:txBody>
-      </p:sp>
-    </p:spTree>
-    <p:extLst>
-      <p:ext uri="{BB962C8B-B14F-4D97-AF65-F5344CB8AC3E}">
-        <p14:creationId xmlns:p14="http://schemas.microsoft.com/office/powerpoint/2010/main" val="3711201373"/>
-      </p:ext>
-    </p:extLst>
-  </p:cSld>
-  <p:clrMapOvr>
-    <a:masterClrMapping/>
-  </p:clrMapOvr>
-  <mc:AlternateContent xmlns:mc="http://schemas.openxmlformats.org/markup-compatibility/2006" xmlns:p159="http://schemas.microsoft.com/office/powerpoint/2015/09/main">
-    <mc:Choice Requires="p159">
-      <p:transition xmlns:p14="http://schemas.microsoft.com/office/powerpoint/2010/main" spd="slow" p14:dur="2000">
-        <p159:morph option="byObject"/>
-      </p:transition>
-    </mc:Choice>
-    <mc:Fallback xmlns="">
-      <p:transition spd="slow">
-        <p:fade/>
-      </p:transition>
-    </mc:Fallback>
-  </mc:AlternateContent>
-  <p:timing>
-    <p:tnLst>
-      <p:par>
-        <p:cTn id="1" dur="indefinite" restart="never" nodeType="tmRoot">
-          <p:childTnLst>
-            <p:seq concurrent="1" nextAc="seek">
-              <p:cTn id="2" dur="indefinite" nodeType="mainSeq">
-                <p:childTnLst>
-                  <p:par>
-                    <p:cTn id="3" fill="hold">
-                      <p:stCondLst>
-                        <p:cond delay="indefinite"/>
-                      </p:stCondLst>
-                      <p:childTnLst>
-                        <p:par>
-                          <p:cTn id="4" fill="hold">
-                            <p:stCondLst>
-                              <p:cond delay="0"/>
-                            </p:stCondLst>
-                            <p:childTnLst>
-                              <p:par>
-                                <p:cTn id="5" presetID="1" presetClass="entr" presetSubtype="0" fill="hold" nodeType="clickEffect">
-                                  <p:stCondLst>
-                                    <p:cond delay="0"/>
-                                  </p:stCondLst>
-                                  <p:childTnLst>
-                                    <p:set>
-                                      <p:cBhvr>
-                                        <p:cTn id="6" dur="1" fill="hold">
-                                          <p:stCondLst>
-                                            <p:cond delay="0"/>
-                                          </p:stCondLst>
-                                        </p:cTn>
-                                        <p:tgtEl>
-                                          <p:spTgt spid="4"/>
-                                        </p:tgtEl>
-                                        <p:attrNameLst>
-                                          <p:attrName>style.visibility</p:attrName>
-                                        </p:attrNameLst>
-                                      </p:cBhvr>
-                                      <p:to>
-                                        <p:strVal val="visible"/>
-                                      </p:to>
-                                    </p:set>
-                                  </p:childTnLst>
-                                </p:cTn>
-                              </p:par>
-                            </p:childTnLst>
-                          </p:cTn>
-                        </p:par>
-                      </p:childTnLst>
-                    </p:cTn>
-                  </p:par>
-                  <p:par>
-                    <p:cTn id="7" fill="hold">
-                      <p:stCondLst>
-                        <p:cond delay="indefinite"/>
-                      </p:stCondLst>
-                      <p:childTnLst>
-                        <p:par>
-                          <p:cTn id="8" fill="hold">
-                            <p:stCondLst>
-                              <p:cond delay="0"/>
-                            </p:stCondLst>
-                            <p:childTnLst>
-                              <p:par>
-                                <p:cTn id="9" presetID="1" presetClass="entr" presetSubtype="0" fill="hold" nodeType="clickEffect">
-                                  <p:stCondLst>
-                                    <p:cond delay="0"/>
-                                  </p:stCondLst>
-                                  <p:childTnLst>
-                                    <p:set>
-                                      <p:cBhvr>
-                                        <p:cTn id="10" dur="1" fill="hold">
-                                          <p:stCondLst>
-                                            <p:cond delay="0"/>
-                                          </p:stCondLst>
-                                        </p:cTn>
-                                        <p:tgtEl>
-                                          <p:spTgt spid="5"/>
-                                        </p:tgtEl>
-                                        <p:attrNameLst>
-                                          <p:attrName>style.visibility</p:attrName>
-                                        </p:attrNameLst>
-                                      </p:cBhvr>
-                                      <p:to>
-                                        <p:strVal val="visible"/>
-                                      </p:to>
-                                    </p:set>
-                                  </p:childTnLst>
-                                </p:cTn>
-                              </p:par>
-                            </p:childTnLst>
-                          </p:cTn>
-                        </p:par>
-                      </p:childTnLst>
-                    </p:cTn>
-                  </p:par>
-                  <p:par>
-                    <p:cTn id="11" fill="hold">
-                      <p:stCondLst>
-                        <p:cond delay="indefinite"/>
-                      </p:stCondLst>
-                      <p:childTnLst>
-                        <p:par>
-                          <p:cTn id="12" fill="hold">
-                            <p:stCondLst>
-                              <p:cond delay="0"/>
-                            </p:stCondLst>
-                            <p:childTnLst>
-                              <p:par>
-                                <p:cTn id="13" presetID="1" presetClass="entr" presetSubtype="0" fill="hold" nodeType="clickEffect">
-                                  <p:stCondLst>
-                                    <p:cond delay="0"/>
-                                  </p:stCondLst>
-                                  <p:childTnLst>
-                                    <p:set>
-                                      <p:cBhvr>
-                                        <p:cTn id="14" dur="1" fill="hold">
-                                          <p:stCondLst>
-                                            <p:cond delay="0"/>
-                                          </p:stCondLst>
-                                        </p:cTn>
-                                        <p:tgtEl>
-                                          <p:spTgt spid="6"/>
-                                        </p:tgtEl>
-                                        <p:attrNameLst>
-                                          <p:attrName>style.visibility</p:attrName>
-                                        </p:attrNameLst>
-                                      </p:cBhvr>
-                                      <p:to>
-                                        <p:strVal val="visible"/>
-                                      </p:to>
-                                    </p:set>
-                                  </p:childTnLst>
-                                </p:cTn>
-                              </p:par>
-                            </p:childTnLst>
-                          </p:cTn>
-                        </p:par>
-                      </p:childTnLst>
-                    </p:cTn>
-                  </p:par>
-                </p:childTnLst>
-              </p:cTn>
-              <p:prevCondLst>
-                <p:cond evt="onPrev" delay="0">
-                  <p:tgtEl>
-                    <p:sldTgt/>
-                  </p:tgtEl>
-                </p:cond>
-              </p:prevCondLst>
-              <p:nextCondLst>
-                <p:cond evt="onNext" delay="0">
-                  <p:tgtEl>
-                    <p:sldTgt/>
-                  </p:tgtEl>
-                </p:cond>
-              </p:nextCondLst>
-            </p:seq>
-          </p:childTnLst>
-        </p:cTn>
-      </p:par>
-    </p:tnLst>
-  </p:timing>
-</p:sld>
-</file>
-
-<file path=ppt/slides/slide23.xml><?xml version="1.0" encoding="utf-8"?>
+<file path=ppt/slides/slide21.xml><?xml version="1.0" encoding="utf-8"?>
 <p:sld xmlns:a="http://schemas.openxmlformats.org/drawingml/2006/main" xmlns:r="http://schemas.openxmlformats.org/officeDocument/2006/relationships" xmlns:p="http://schemas.openxmlformats.org/presentationml/2006/main">
   <p:cSld>
     <p:spTree>
@@ -33307,7 +31504,7 @@
 </p:sld>
 </file>
 
-<file path=ppt/slides/slide24.xml><?xml version="1.0" encoding="utf-8"?>
+<file path=ppt/slides/slide22.xml><?xml version="1.0" encoding="utf-8"?>
 <p:sld xmlns:a="http://schemas.openxmlformats.org/drawingml/2006/main" xmlns:r="http://schemas.openxmlformats.org/officeDocument/2006/relationships" xmlns:p="http://schemas.openxmlformats.org/presentationml/2006/main">
   <p:cSld>
     <p:spTree>
@@ -33915,7 +32112,7 @@
 </p:sld>
 </file>
 
-<file path=ppt/slides/slide25.xml><?xml version="1.0" encoding="utf-8"?>
+<file path=ppt/slides/slide23.xml><?xml version="1.0" encoding="utf-8"?>
 <p:sld xmlns:a="http://schemas.openxmlformats.org/drawingml/2006/main" xmlns:r="http://schemas.openxmlformats.org/officeDocument/2006/relationships" xmlns:p="http://schemas.openxmlformats.org/presentationml/2006/main">
   <p:cSld>
     <p:spTree>
@@ -34461,7 +32658,7 @@
 </p:sld>
 </file>
 
-<file path=ppt/slides/slide26.xml><?xml version="1.0" encoding="utf-8"?>
+<file path=ppt/slides/slide24.xml><?xml version="1.0" encoding="utf-8"?>
 <p:sld xmlns:a="http://schemas.openxmlformats.org/drawingml/2006/main" xmlns:r="http://schemas.openxmlformats.org/officeDocument/2006/relationships" xmlns:p="http://schemas.openxmlformats.org/presentationml/2006/main">
   <p:cSld>
     <p:spTree>
@@ -38990,7 +37187,7 @@
 </p:sld>
 </file>
 
-<file path=ppt/slides/slide27.xml><?xml version="1.0" encoding="utf-8"?>
+<file path=ppt/slides/slide25.xml><?xml version="1.0" encoding="utf-8"?>
 <p:sld xmlns:a="http://schemas.openxmlformats.org/drawingml/2006/main" xmlns:r="http://schemas.openxmlformats.org/officeDocument/2006/relationships" xmlns:p="http://schemas.openxmlformats.org/presentationml/2006/main">
   <p:cSld>
     <p:spTree>
@@ -39007,6 +37204,309 @@
           <a:chExt cx="0" cy="0"/>
         </a:xfrm>
       </p:grpSpPr>
+      <p:sp>
+        <p:nvSpPr>
+          <p:cNvPr id="2" name="Google Shape;257;p30">
+            <a:extLst>
+              <a:ext uri="{FF2B5EF4-FFF2-40B4-BE49-F238E27FC236}">
+                <a16:creationId xmlns:a16="http://schemas.microsoft.com/office/drawing/2014/main" id="{6C8E6EA2-895A-4CBF-7D0E-6DAAF56E0D35}"/>
+              </a:ext>
+            </a:extLst>
+          </p:cNvPr>
+          <p:cNvSpPr txBox="1">
+            <a:spLocks/>
+          </p:cNvSpPr>
+          <p:nvPr/>
+        </p:nvSpPr>
+        <p:spPr>
+          <a:xfrm>
+            <a:off x="636150" y="639285"/>
+            <a:ext cx="9084793" cy="557700"/>
+          </a:xfrm>
+          <a:prstGeom prst="rect">
+            <a:avLst/>
+          </a:prstGeom>
+          <a:noFill/>
+          <a:ln>
+            <a:noFill/>
+          </a:ln>
+        </p:spPr>
+        <p:txBody>
+          <a:bodyPr spcFirstLastPara="1" wrap="square" lIns="91425" tIns="91425" rIns="91425" bIns="91425" anchor="t" anchorCtr="0">
+            <a:noAutofit/>
+          </a:bodyPr>
+          <a:lstStyle>
+            <a:defPPr marR="0" lvl="0" algn="l" rtl="0">
+              <a:lnSpc>
+                <a:spcPct val="100000"/>
+              </a:lnSpc>
+              <a:spcBef>
+                <a:spcPts val="0"/>
+              </a:spcBef>
+              <a:spcAft>
+                <a:spcPts val="0"/>
+              </a:spcAft>
+            </a:defPPr>
+            <a:lvl1pPr marR="0" lvl="0" algn="l" rtl="0" eaLnBrk="1" hangingPunct="1">
+              <a:lnSpc>
+                <a:spcPct val="100000"/>
+              </a:lnSpc>
+              <a:spcBef>
+                <a:spcPts val="0"/>
+              </a:spcBef>
+              <a:spcAft>
+                <a:spcPts val="0"/>
+              </a:spcAft>
+              <a:buClr>
+                <a:schemeClr val="dk1"/>
+              </a:buClr>
+              <a:buSzPts val="3300"/>
+              <a:buFont typeface="Quantico"/>
+              <a:buNone/>
+              <a:defRPr sz="3300" b="0" i="0" u="none" strike="noStrike" cap="none">
+                <a:solidFill>
+                  <a:schemeClr val="dk1"/>
+                </a:solidFill>
+                <a:latin typeface="Quantico"/>
+                <a:ea typeface="Quantico"/>
+                <a:cs typeface="Quantico"/>
+                <a:sym typeface="Quantico"/>
+              </a:defRPr>
+            </a:lvl1pPr>
+            <a:lvl2pPr marR="0" lvl="1" algn="l" rtl="0" eaLnBrk="1" hangingPunct="1">
+              <a:lnSpc>
+                <a:spcPct val="100000"/>
+              </a:lnSpc>
+              <a:spcBef>
+                <a:spcPts val="0"/>
+              </a:spcBef>
+              <a:spcAft>
+                <a:spcPts val="0"/>
+              </a:spcAft>
+              <a:buClr>
+                <a:schemeClr val="dk1"/>
+              </a:buClr>
+              <a:buSzPts val="3300"/>
+              <a:buFont typeface="Quantico"/>
+              <a:buNone/>
+              <a:defRPr sz="3300" b="1" i="0" u="none" strike="noStrike" cap="none">
+                <a:solidFill>
+                  <a:schemeClr val="dk1"/>
+                </a:solidFill>
+                <a:latin typeface="Quantico"/>
+                <a:ea typeface="Quantico"/>
+                <a:cs typeface="Quantico"/>
+                <a:sym typeface="Quantico"/>
+              </a:defRPr>
+            </a:lvl2pPr>
+            <a:lvl3pPr marR="0" lvl="2" algn="l" rtl="0" eaLnBrk="1" hangingPunct="1">
+              <a:lnSpc>
+                <a:spcPct val="100000"/>
+              </a:lnSpc>
+              <a:spcBef>
+                <a:spcPts val="0"/>
+              </a:spcBef>
+              <a:spcAft>
+                <a:spcPts val="0"/>
+              </a:spcAft>
+              <a:buClr>
+                <a:schemeClr val="dk1"/>
+              </a:buClr>
+              <a:buSzPts val="3300"/>
+              <a:buFont typeface="Quantico"/>
+              <a:buNone/>
+              <a:defRPr sz="3300" b="1" i="0" u="none" strike="noStrike" cap="none">
+                <a:solidFill>
+                  <a:schemeClr val="dk1"/>
+                </a:solidFill>
+                <a:latin typeface="Quantico"/>
+                <a:ea typeface="Quantico"/>
+                <a:cs typeface="Quantico"/>
+                <a:sym typeface="Quantico"/>
+              </a:defRPr>
+            </a:lvl3pPr>
+            <a:lvl4pPr marR="0" lvl="3" algn="l" rtl="0" eaLnBrk="1" hangingPunct="1">
+              <a:lnSpc>
+                <a:spcPct val="100000"/>
+              </a:lnSpc>
+              <a:spcBef>
+                <a:spcPts val="0"/>
+              </a:spcBef>
+              <a:spcAft>
+                <a:spcPts val="0"/>
+              </a:spcAft>
+              <a:buClr>
+                <a:schemeClr val="dk1"/>
+              </a:buClr>
+              <a:buSzPts val="3300"/>
+              <a:buFont typeface="Quantico"/>
+              <a:buNone/>
+              <a:defRPr sz="3300" b="1" i="0" u="none" strike="noStrike" cap="none">
+                <a:solidFill>
+                  <a:schemeClr val="dk1"/>
+                </a:solidFill>
+                <a:latin typeface="Quantico"/>
+                <a:ea typeface="Quantico"/>
+                <a:cs typeface="Quantico"/>
+                <a:sym typeface="Quantico"/>
+              </a:defRPr>
+            </a:lvl4pPr>
+            <a:lvl5pPr marR="0" lvl="4" algn="l" rtl="0" eaLnBrk="1" hangingPunct="1">
+              <a:lnSpc>
+                <a:spcPct val="100000"/>
+              </a:lnSpc>
+              <a:spcBef>
+                <a:spcPts val="0"/>
+              </a:spcBef>
+              <a:spcAft>
+                <a:spcPts val="0"/>
+              </a:spcAft>
+              <a:buClr>
+                <a:schemeClr val="dk1"/>
+              </a:buClr>
+              <a:buSzPts val="3300"/>
+              <a:buFont typeface="Quantico"/>
+              <a:buNone/>
+              <a:defRPr sz="3300" b="1" i="0" u="none" strike="noStrike" cap="none">
+                <a:solidFill>
+                  <a:schemeClr val="dk1"/>
+                </a:solidFill>
+                <a:latin typeface="Quantico"/>
+                <a:ea typeface="Quantico"/>
+                <a:cs typeface="Quantico"/>
+                <a:sym typeface="Quantico"/>
+              </a:defRPr>
+            </a:lvl5pPr>
+            <a:lvl6pPr marR="0" lvl="5" algn="l" rtl="0" eaLnBrk="1" hangingPunct="1">
+              <a:lnSpc>
+                <a:spcPct val="100000"/>
+              </a:lnSpc>
+              <a:spcBef>
+                <a:spcPts val="0"/>
+              </a:spcBef>
+              <a:spcAft>
+                <a:spcPts val="0"/>
+              </a:spcAft>
+              <a:buClr>
+                <a:schemeClr val="dk1"/>
+              </a:buClr>
+              <a:buSzPts val="3300"/>
+              <a:buFont typeface="Quantico"/>
+              <a:buNone/>
+              <a:defRPr sz="3300" b="1" i="0" u="none" strike="noStrike" cap="none">
+                <a:solidFill>
+                  <a:schemeClr val="dk1"/>
+                </a:solidFill>
+                <a:latin typeface="Quantico"/>
+                <a:ea typeface="Quantico"/>
+                <a:cs typeface="Quantico"/>
+                <a:sym typeface="Quantico"/>
+              </a:defRPr>
+            </a:lvl6pPr>
+            <a:lvl7pPr marR="0" lvl="6" algn="l" rtl="0" eaLnBrk="1" hangingPunct="1">
+              <a:lnSpc>
+                <a:spcPct val="100000"/>
+              </a:lnSpc>
+              <a:spcBef>
+                <a:spcPts val="0"/>
+              </a:spcBef>
+              <a:spcAft>
+                <a:spcPts val="0"/>
+              </a:spcAft>
+              <a:buClr>
+                <a:schemeClr val="dk1"/>
+              </a:buClr>
+              <a:buSzPts val="3300"/>
+              <a:buFont typeface="Quantico"/>
+              <a:buNone/>
+              <a:defRPr sz="3300" b="1" i="0" u="none" strike="noStrike" cap="none">
+                <a:solidFill>
+                  <a:schemeClr val="dk1"/>
+                </a:solidFill>
+                <a:latin typeface="Quantico"/>
+                <a:ea typeface="Quantico"/>
+                <a:cs typeface="Quantico"/>
+                <a:sym typeface="Quantico"/>
+              </a:defRPr>
+            </a:lvl7pPr>
+            <a:lvl8pPr marR="0" lvl="7" algn="l" rtl="0" eaLnBrk="1" hangingPunct="1">
+              <a:lnSpc>
+                <a:spcPct val="100000"/>
+              </a:lnSpc>
+              <a:spcBef>
+                <a:spcPts val="0"/>
+              </a:spcBef>
+              <a:spcAft>
+                <a:spcPts val="0"/>
+              </a:spcAft>
+              <a:buClr>
+                <a:schemeClr val="dk1"/>
+              </a:buClr>
+              <a:buSzPts val="3300"/>
+              <a:buFont typeface="Quantico"/>
+              <a:buNone/>
+              <a:defRPr sz="3300" b="1" i="0" u="none" strike="noStrike" cap="none">
+                <a:solidFill>
+                  <a:schemeClr val="dk1"/>
+                </a:solidFill>
+                <a:latin typeface="Quantico"/>
+                <a:ea typeface="Quantico"/>
+                <a:cs typeface="Quantico"/>
+                <a:sym typeface="Quantico"/>
+              </a:defRPr>
+            </a:lvl8pPr>
+            <a:lvl9pPr marR="0" lvl="8" algn="l" rtl="0" eaLnBrk="1" hangingPunct="1">
+              <a:lnSpc>
+                <a:spcPct val="100000"/>
+              </a:lnSpc>
+              <a:spcBef>
+                <a:spcPts val="0"/>
+              </a:spcBef>
+              <a:spcAft>
+                <a:spcPts val="0"/>
+              </a:spcAft>
+              <a:buClr>
+                <a:schemeClr val="dk1"/>
+              </a:buClr>
+              <a:buSzPts val="3300"/>
+              <a:buFont typeface="Quantico"/>
+              <a:buNone/>
+              <a:defRPr sz="3300" b="1" i="0" u="none" strike="noStrike" cap="none">
+                <a:solidFill>
+                  <a:schemeClr val="dk1"/>
+                </a:solidFill>
+                <a:latin typeface="Quantico"/>
+                <a:ea typeface="Quantico"/>
+                <a:cs typeface="Quantico"/>
+                <a:sym typeface="Quantico"/>
+              </a:defRPr>
+            </a:lvl9pPr>
+          </a:lstStyle>
+          <a:p>
+            <a:r>
+              <a:rPr lang="en" b="1" dirty="0">
+                <a:solidFill>
+                  <a:schemeClr val="accent2"/>
+                </a:solidFill>
+              </a:rPr>
+              <a:t>&lt;/</a:t>
+            </a:r>
+            <a:r>
+              <a:rPr lang="en" dirty="0">
+                <a:solidFill>
+                  <a:schemeClr val="accent2"/>
+                </a:solidFill>
+              </a:rPr>
+              <a:t> </a:t>
+            </a:r>
+            <a:r>
+              <a:rPr lang="hu-HU" dirty="0"/>
+              <a:t>Fejlesztési út</a:t>
+            </a:r>
+            <a:endParaRPr lang="en-US" dirty="0"/>
+          </a:p>
+        </p:txBody>
+      </p:sp>
       <p:sp>
         <p:nvSpPr>
           <p:cNvPr id="441" name="Google Shape;441;p41"/>
@@ -39134,7 +37634,7 @@
           <a:p>
             <a:pPr algn="ctr"/>
             <a:r>
-              <a:rPr lang="hu-HU" sz="1600">
+              <a:rPr lang="hu-HU" sz="1600" dirty="0">
                 <a:solidFill>
                   <a:schemeClr val="dk1"/>
                 </a:solidFill>
@@ -39143,17 +37643,56 @@
                 <a:cs typeface="Source Code Pro"/>
                 <a:sym typeface="Source Code Pro"/>
               </a:rPr>
-              <a:t>Adatbázis, controller-ek és template-ek felépítése</a:t>
+              <a:t>Adatbázis, </a:t>
             </a:r>
-            <a:endParaRPr lang="hu-HU" sz="1600" dirty="0">
-              <a:solidFill>
-                <a:schemeClr val="dk1"/>
-              </a:solidFill>
-              <a:latin typeface="Source Code Pro"/>
-              <a:ea typeface="Source Code Pro"/>
-              <a:cs typeface="Source Code Pro"/>
-              <a:sym typeface="Source Code Pro"/>
-            </a:endParaRPr>
+            <a:r>
+              <a:rPr lang="hu-HU" sz="1600" dirty="0" err="1">
+                <a:solidFill>
+                  <a:schemeClr val="dk1"/>
+                </a:solidFill>
+                <a:latin typeface="Source Code Pro"/>
+                <a:ea typeface="Source Code Pro"/>
+                <a:cs typeface="Source Code Pro"/>
+                <a:sym typeface="Source Code Pro"/>
+              </a:rPr>
+              <a:t>controller</a:t>
+            </a:r>
+            <a:r>
+              <a:rPr lang="hu-HU" sz="1600" dirty="0">
+                <a:solidFill>
+                  <a:schemeClr val="dk1"/>
+                </a:solidFill>
+                <a:latin typeface="Source Code Pro"/>
+                <a:ea typeface="Source Code Pro"/>
+                <a:cs typeface="Source Code Pro"/>
+                <a:sym typeface="Source Code Pro"/>
+              </a:rPr>
+              <a:t>-ek és </a:t>
+            </a:r>
+            <a:r>
+              <a:rPr lang="hu-HU" sz="1600" dirty="0" err="1">
+                <a:solidFill>
+                  <a:schemeClr val="dk1"/>
+                </a:solidFill>
+                <a:latin typeface="Source Code Pro"/>
+                <a:ea typeface="Source Code Pro"/>
+                <a:cs typeface="Source Code Pro"/>
+                <a:sym typeface="Source Code Pro"/>
+              </a:rPr>
+              <a:t>template</a:t>
+            </a:r>
+            <a:r>
+              <a:rPr lang="hu-HU" sz="1600" dirty="0">
+                <a:solidFill>
+                  <a:schemeClr val="dk1"/>
+                </a:solidFill>
+                <a:latin typeface="Source Code Pro"/>
+                <a:ea typeface="Source Code Pro"/>
+                <a:cs typeface="Source Code Pro"/>
+                <a:sym typeface="Source Code Pro"/>
+              </a:rPr>
+              <a:t>-ek felépítése</a:t>
+            </a:r>
           </a:p>
         </p:txBody>
       </p:sp>
@@ -39204,43 +37743,6 @@
               <a:cs typeface="Source Code Pro"/>
               <a:sym typeface="Source Code Pro"/>
             </a:endParaRPr>
-          </a:p>
-        </p:txBody>
-      </p:sp>
-      <p:sp>
-        <p:nvSpPr>
-          <p:cNvPr id="445" name="Google Shape;445;p41"/>
-          <p:cNvSpPr txBox="1">
-            <a:spLocks noGrp="1"/>
-          </p:cNvSpPr>
-          <p:nvPr>
-            <p:ph type="title"/>
-          </p:nvPr>
-        </p:nvSpPr>
-        <p:spPr>
-          <a:prstGeom prst="rect">
-            <a:avLst/>
-          </a:prstGeom>
-        </p:spPr>
-        <p:txBody>
-          <a:bodyPr spcFirstLastPara="1" wrap="square" lIns="121900" tIns="121900" rIns="121900" bIns="121900" anchor="t" anchorCtr="0">
-            <a:noAutofit/>
-          </a:bodyPr>
-          <a:lstStyle/>
-          <a:p>
-            <a:r>
-              <a:rPr lang="en" dirty="0">
-                <a:solidFill>
-                  <a:schemeClr val="lt2"/>
-                </a:solidFill>
-              </a:rPr>
-              <a:t>&lt;/ </a:t>
-            </a:r>
-            <a:r>
-              <a:rPr lang="hu-HU" dirty="0"/>
-              <a:t>Fejlesztési út</a:t>
-            </a:r>
-            <a:endParaRPr dirty="0"/>
           </a:p>
         </p:txBody>
       </p:sp>
@@ -40164,7 +38666,7 @@
 </p:sld>
 </file>
 
-<file path=ppt/slides/slide28.xml><?xml version="1.0" encoding="utf-8"?>
+<file path=ppt/slides/slide26.xml><?xml version="1.0" encoding="utf-8"?>
 <p:sld xmlns:a="http://schemas.openxmlformats.org/drawingml/2006/main" xmlns:r="http://schemas.openxmlformats.org/officeDocument/2006/relationships" xmlns:p="http://schemas.openxmlformats.org/presentationml/2006/main">
   <p:cSld>
     <p:spTree>
@@ -41641,12 +40143,20 @@
           <a:p>
             <a:pPr algn="ctr"/>
             <a:r>
+              <a:rPr lang="en-US" b="1" dirty="0">
+                <a:solidFill>
+                  <a:schemeClr val="accent2"/>
+                </a:solidFill>
+              </a:rPr>
+              <a:t>&lt;/</a:t>
+            </a:r>
+            <a:r>
               <a:rPr lang="en-US" dirty="0">
                 <a:solidFill>
                   <a:schemeClr val="lt2"/>
                 </a:solidFill>
               </a:rPr>
-              <a:t>&lt;/ </a:t>
+              <a:t> </a:t>
             </a:r>
             <a:r>
               <a:rPr lang="hu-HU" dirty="0"/>
@@ -41661,14 +40171,13 @@
               <a:t> </a:t>
             </a:r>
             <a:r>
-              <a:rPr lang="hu-HU" dirty="0">
+              <a:rPr lang="hu-HU" b="1" dirty="0">
                 <a:solidFill>
-                  <a:schemeClr val="lt2"/>
+                  <a:schemeClr val="accent2"/>
                 </a:solidFill>
               </a:rPr>
               <a:t>/&gt;</a:t>
             </a:r>
-            <a:endParaRPr lang="hu-HU" dirty="0"/>
           </a:p>
         </p:txBody>
       </p:sp>
@@ -41690,7 +40199,7 @@
         </p:nvSpPr>
         <p:spPr>
           <a:xfrm>
-            <a:off x="7613650" y="3841750"/>
+            <a:off x="6606193" y="3822645"/>
             <a:ext cx="4578350" cy="2205038"/>
           </a:xfrm>
         </p:spPr>
@@ -41708,7 +40217,7 @@
             </a:pPr>
             <a:r>
               <a:rPr lang="hu-HU" sz="1800" dirty="0"/>
-              <a:t>Csapattagjai:</a:t>
+              <a:t>Csapattagok:</a:t>
             </a:r>
           </a:p>
           <a:p>
@@ -41719,7 +40228,7 @@
             </a:pPr>
             <a:r>
               <a:rPr lang="hu-HU" sz="1800" dirty="0"/>
-              <a:t>Gál Attila Péter Prometheus</a:t>
+              <a:t>Gál Attila Péter</a:t>
             </a:r>
           </a:p>
           <a:p>
@@ -41730,13 +40239,8 @@
             </a:pPr>
             <a:r>
               <a:rPr lang="hu-HU" sz="1800" dirty="0"/>
-              <a:t>Magi Zsolt </a:t>
+              <a:t>Magi Zsolt</a:t>
             </a:r>
-            <a:r>
-              <a:rPr lang="hu-HU" sz="1800" dirty="0" err="1"/>
-              <a:t>Gandalf</a:t>
-            </a:r>
-            <a:endParaRPr lang="hu-HU" sz="1800" dirty="0"/>
           </a:p>
           <a:p>
             <a:pPr>
@@ -41746,13 +40250,8 @@
             </a:pPr>
             <a:r>
               <a:rPr lang="hu-HU" sz="1800" dirty="0"/>
-              <a:t>Pápa Attila </a:t>
+              <a:t>Pápa Attila</a:t>
             </a:r>
-            <a:r>
-              <a:rPr lang="hu-HU" sz="1800" dirty="0" err="1"/>
-              <a:t>Baldur</a:t>
-            </a:r>
-            <a:endParaRPr lang="hu-HU" sz="1800" dirty="0"/>
           </a:p>
         </p:txBody>
       </p:sp>
@@ -45082,50 +43581,272 @@
       </p:grpSp>
       <p:sp>
         <p:nvSpPr>
-          <p:cNvPr id="4" name="Szövegdoboz 3">
+          <p:cNvPr id="531" name="Alcím 2">
             <a:extLst>
               <a:ext uri="{FF2B5EF4-FFF2-40B4-BE49-F238E27FC236}">
-                <a16:creationId xmlns:a16="http://schemas.microsoft.com/office/drawing/2014/main" id="{7EE403A6-601A-7B83-65BF-887FF504E240}"/>
+                <a16:creationId xmlns:a16="http://schemas.microsoft.com/office/drawing/2014/main" id="{19EC64E5-1FDA-04D6-93FF-8C555BCC61F5}"/>
               </a:ext>
             </a:extLst>
           </p:cNvPr>
-          <p:cNvSpPr txBox="1"/>
+          <p:cNvSpPr txBox="1">
+            <a:spLocks/>
+          </p:cNvSpPr>
           <p:nvPr/>
         </p:nvSpPr>
         <p:spPr>
           <a:xfrm>
-            <a:off x="80817" y="95250"/>
-            <a:ext cx="2521844" cy="400110"/>
+            <a:off x="8756785" y="5749102"/>
+            <a:ext cx="4058400" cy="704800"/>
           </a:xfrm>
           <a:prstGeom prst="rect">
             <a:avLst/>
           </a:prstGeom>
-          <a:noFill/>
         </p:spPr>
         <p:txBody>
-          <a:bodyPr wrap="none" rtlCol="0">
-            <a:spAutoFit/>
-          </a:bodyPr>
-          <a:lstStyle/>
+          <a:bodyPr/>
+          <a:lstStyle>
+            <a:defPPr marR="0" lvl="0" algn="l" rtl="0">
+              <a:lnSpc>
+                <a:spcPct val="100000"/>
+              </a:lnSpc>
+              <a:spcBef>
+                <a:spcPts val="0"/>
+              </a:spcBef>
+              <a:spcAft>
+                <a:spcPts val="0"/>
+              </a:spcAft>
+            </a:defPPr>
+            <a:lvl1pPr marR="0" lvl="0" algn="l" rtl="0" eaLnBrk="1" hangingPunct="1">
+              <a:lnSpc>
+                <a:spcPct val="100000"/>
+              </a:lnSpc>
+              <a:spcBef>
+                <a:spcPts val="0"/>
+              </a:spcBef>
+              <a:spcAft>
+                <a:spcPts val="0"/>
+              </a:spcAft>
+              <a:buClr>
+                <a:srgbClr val="000000"/>
+              </a:buClr>
+              <a:buFont typeface="Arial"/>
+              <a:defRPr sz="1867" b="0" i="0" u="none" strike="noStrike" cap="none">
+                <a:solidFill>
+                  <a:srgbClr val="000000"/>
+                </a:solidFill>
+                <a:latin typeface="Arial"/>
+                <a:ea typeface="Arial"/>
+                <a:cs typeface="Arial"/>
+                <a:sym typeface="Arial"/>
+              </a:defRPr>
+            </a:lvl1pPr>
+            <a:lvl2pPr marR="0" lvl="1" algn="l" rtl="0" eaLnBrk="1" hangingPunct="1">
+              <a:lnSpc>
+                <a:spcPct val="100000"/>
+              </a:lnSpc>
+              <a:spcBef>
+                <a:spcPts val="0"/>
+              </a:spcBef>
+              <a:spcAft>
+                <a:spcPts val="0"/>
+              </a:spcAft>
+              <a:buClr>
+                <a:srgbClr val="000000"/>
+              </a:buClr>
+              <a:buFont typeface="Arial"/>
+              <a:defRPr sz="1867" b="0" i="0" u="none" strike="noStrike" cap="none">
+                <a:solidFill>
+                  <a:srgbClr val="000000"/>
+                </a:solidFill>
+                <a:latin typeface="Arial"/>
+                <a:ea typeface="Arial"/>
+                <a:cs typeface="Arial"/>
+                <a:sym typeface="Arial"/>
+              </a:defRPr>
+            </a:lvl2pPr>
+            <a:lvl3pPr marR="0" lvl="2" algn="l" rtl="0" eaLnBrk="1" hangingPunct="1">
+              <a:lnSpc>
+                <a:spcPct val="100000"/>
+              </a:lnSpc>
+              <a:spcBef>
+                <a:spcPts val="0"/>
+              </a:spcBef>
+              <a:spcAft>
+                <a:spcPts val="0"/>
+              </a:spcAft>
+              <a:buClr>
+                <a:srgbClr val="000000"/>
+              </a:buClr>
+              <a:buFont typeface="Arial"/>
+              <a:defRPr sz="1867" b="0" i="0" u="none" strike="noStrike" cap="none">
+                <a:solidFill>
+                  <a:srgbClr val="000000"/>
+                </a:solidFill>
+                <a:latin typeface="Arial"/>
+                <a:ea typeface="Arial"/>
+                <a:cs typeface="Arial"/>
+                <a:sym typeface="Arial"/>
+              </a:defRPr>
+            </a:lvl3pPr>
+            <a:lvl4pPr marR="0" lvl="3" algn="l" rtl="0" eaLnBrk="1" hangingPunct="1">
+              <a:lnSpc>
+                <a:spcPct val="100000"/>
+              </a:lnSpc>
+              <a:spcBef>
+                <a:spcPts val="0"/>
+              </a:spcBef>
+              <a:spcAft>
+                <a:spcPts val="0"/>
+              </a:spcAft>
+              <a:buClr>
+                <a:srgbClr val="000000"/>
+              </a:buClr>
+              <a:buFont typeface="Arial"/>
+              <a:defRPr sz="1867" b="0" i="0" u="none" strike="noStrike" cap="none">
+                <a:solidFill>
+                  <a:srgbClr val="000000"/>
+                </a:solidFill>
+                <a:latin typeface="Arial"/>
+                <a:ea typeface="Arial"/>
+                <a:cs typeface="Arial"/>
+                <a:sym typeface="Arial"/>
+              </a:defRPr>
+            </a:lvl4pPr>
+            <a:lvl5pPr marR="0" lvl="4" algn="l" rtl="0" eaLnBrk="1" hangingPunct="1">
+              <a:lnSpc>
+                <a:spcPct val="100000"/>
+              </a:lnSpc>
+              <a:spcBef>
+                <a:spcPts val="0"/>
+              </a:spcBef>
+              <a:spcAft>
+                <a:spcPts val="0"/>
+              </a:spcAft>
+              <a:buClr>
+                <a:srgbClr val="000000"/>
+              </a:buClr>
+              <a:buFont typeface="Arial"/>
+              <a:defRPr sz="1867" b="0" i="0" u="none" strike="noStrike" cap="none">
+                <a:solidFill>
+                  <a:srgbClr val="000000"/>
+                </a:solidFill>
+                <a:latin typeface="Arial"/>
+                <a:ea typeface="Arial"/>
+                <a:cs typeface="Arial"/>
+                <a:sym typeface="Arial"/>
+              </a:defRPr>
+            </a:lvl5pPr>
+            <a:lvl6pPr marR="0" lvl="5" algn="l" rtl="0" eaLnBrk="1" hangingPunct="1">
+              <a:lnSpc>
+                <a:spcPct val="100000"/>
+              </a:lnSpc>
+              <a:spcBef>
+                <a:spcPts val="0"/>
+              </a:spcBef>
+              <a:spcAft>
+                <a:spcPts val="0"/>
+              </a:spcAft>
+              <a:buClr>
+                <a:srgbClr val="000000"/>
+              </a:buClr>
+              <a:buFont typeface="Arial"/>
+              <a:defRPr sz="1867" b="0" i="0" u="none" strike="noStrike" cap="none">
+                <a:solidFill>
+                  <a:srgbClr val="000000"/>
+                </a:solidFill>
+                <a:latin typeface="Arial"/>
+                <a:ea typeface="Arial"/>
+                <a:cs typeface="Arial"/>
+                <a:sym typeface="Arial"/>
+              </a:defRPr>
+            </a:lvl6pPr>
+            <a:lvl7pPr marR="0" lvl="6" algn="l" rtl="0" eaLnBrk="1" hangingPunct="1">
+              <a:lnSpc>
+                <a:spcPct val="100000"/>
+              </a:lnSpc>
+              <a:spcBef>
+                <a:spcPts val="0"/>
+              </a:spcBef>
+              <a:spcAft>
+                <a:spcPts val="0"/>
+              </a:spcAft>
+              <a:buClr>
+                <a:srgbClr val="000000"/>
+              </a:buClr>
+              <a:buFont typeface="Arial"/>
+              <a:defRPr sz="1867" b="0" i="0" u="none" strike="noStrike" cap="none">
+                <a:solidFill>
+                  <a:srgbClr val="000000"/>
+                </a:solidFill>
+                <a:latin typeface="Arial"/>
+                <a:ea typeface="Arial"/>
+                <a:cs typeface="Arial"/>
+                <a:sym typeface="Arial"/>
+              </a:defRPr>
+            </a:lvl7pPr>
+            <a:lvl8pPr marR="0" lvl="7" algn="l" rtl="0" eaLnBrk="1" hangingPunct="1">
+              <a:lnSpc>
+                <a:spcPct val="100000"/>
+              </a:lnSpc>
+              <a:spcBef>
+                <a:spcPts val="0"/>
+              </a:spcBef>
+              <a:spcAft>
+                <a:spcPts val="0"/>
+              </a:spcAft>
+              <a:buClr>
+                <a:srgbClr val="000000"/>
+              </a:buClr>
+              <a:buFont typeface="Arial"/>
+              <a:defRPr sz="1867" b="0" i="0" u="none" strike="noStrike" cap="none">
+                <a:solidFill>
+                  <a:srgbClr val="000000"/>
+                </a:solidFill>
+                <a:latin typeface="Arial"/>
+                <a:ea typeface="Arial"/>
+                <a:cs typeface="Arial"/>
+                <a:sym typeface="Arial"/>
+              </a:defRPr>
+            </a:lvl8pPr>
+            <a:lvl9pPr marR="0" lvl="8" algn="l" rtl="0" eaLnBrk="1" hangingPunct="1">
+              <a:lnSpc>
+                <a:spcPct val="100000"/>
+              </a:lnSpc>
+              <a:spcBef>
+                <a:spcPts val="0"/>
+              </a:spcBef>
+              <a:spcAft>
+                <a:spcPts val="0"/>
+              </a:spcAft>
+              <a:buClr>
+                <a:srgbClr val="000000"/>
+              </a:buClr>
+              <a:buFont typeface="Arial"/>
+              <a:defRPr sz="1867" b="0" i="0" u="none" strike="noStrike" cap="none">
+                <a:solidFill>
+                  <a:srgbClr val="000000"/>
+                </a:solidFill>
+                <a:latin typeface="Arial"/>
+                <a:ea typeface="Arial"/>
+                <a:cs typeface="Arial"/>
+                <a:sym typeface="Arial"/>
+              </a:defRPr>
+            </a:lvl9pPr>
+          </a:lstStyle>
           <a:p>
             <a:r>
-              <a:rPr lang="hu-HU" sz="2000" dirty="0" err="1">
+              <a:rPr lang="hu-HU" b="1" dirty="0" err="1">
                 <a:solidFill>
                   <a:schemeClr val="tx1"/>
                 </a:solidFill>
-                <a:latin typeface="Quantico" panose="020B0604020202020204" charset="0"/>
               </a:rPr>
-              <a:t>Dusza</a:t>
+              <a:t>StillNincsCsapatnév</a:t>
             </a:r>
-            <a:r>
-              <a:rPr lang="hu-HU" sz="2000" dirty="0">
-                <a:solidFill>
-                  <a:schemeClr val="tx1"/>
-                </a:solidFill>
-                <a:latin typeface="Quantico" panose="020B0604020202020204" charset="0"/>
-              </a:rPr>
-              <a:t> 2024.verseny</a:t>
-            </a:r>
+            <a:endParaRPr lang="hu-HU" b="1" dirty="0">
+              <a:solidFill>
+                <a:schemeClr val="tx1"/>
+              </a:solidFill>
+            </a:endParaRPr>
           </a:p>
         </p:txBody>
       </p:sp>
@@ -45208,58 +43929,10 @@
           <a:bodyPr/>
           <a:lstStyle/>
           <a:p>
+            <a:pPr algn="r"/>
             <a:r>
               <a:rPr lang="hu-HU" dirty="0"/>
-              <a:t>Gál Attila Prometheus</a:t>
-            </a:r>
-          </a:p>
-        </p:txBody>
-      </p:sp>
-      <p:sp>
-        <p:nvSpPr>
-          <p:cNvPr id="4" name="Szövegdoboz 3">
-            <a:extLst>
-              <a:ext uri="{FF2B5EF4-FFF2-40B4-BE49-F238E27FC236}">
-                <a16:creationId xmlns:a16="http://schemas.microsoft.com/office/drawing/2014/main" id="{6B41F683-F9D4-3142-6CB3-2B01DF8BB397}"/>
-              </a:ext>
-            </a:extLst>
-          </p:cNvPr>
-          <p:cNvSpPr txBox="1"/>
-          <p:nvPr/>
-        </p:nvSpPr>
-        <p:spPr>
-          <a:xfrm>
-            <a:off x="80817" y="95250"/>
-            <a:ext cx="2521844" cy="400110"/>
-          </a:xfrm>
-          <a:prstGeom prst="rect">
-            <a:avLst/>
-          </a:prstGeom>
-          <a:noFill/>
-        </p:spPr>
-        <p:txBody>
-          <a:bodyPr wrap="none" rtlCol="0">
-            <a:spAutoFit/>
-          </a:bodyPr>
-          <a:lstStyle/>
-          <a:p>
-            <a:r>
-              <a:rPr lang="hu-HU" sz="2000" dirty="0" err="1">
-                <a:solidFill>
-                  <a:schemeClr val="tx1"/>
-                </a:solidFill>
-                <a:latin typeface="Quantico" panose="020B0604020202020204" charset="0"/>
-              </a:rPr>
-              <a:t>Dusza</a:t>
-            </a:r>
-            <a:r>
-              <a:rPr lang="hu-HU" sz="2000" dirty="0">
-                <a:solidFill>
-                  <a:schemeClr val="tx1"/>
-                </a:solidFill>
-                <a:latin typeface="Quantico" panose="020B0604020202020204" charset="0"/>
-              </a:rPr>
-              <a:t> 2024.verseny</a:t>
+              <a:t>Gál Attila</a:t>
             </a:r>
           </a:p>
         </p:txBody>
@@ -45718,816 +44391,12 @@
           </a:p>
         </p:txBody>
       </p:sp>
-    </p:spTree>
-    <p:extLst>
-      <p:ext uri="{BB962C8B-B14F-4D97-AF65-F5344CB8AC3E}">
-        <p14:creationId xmlns:p14="http://schemas.microsoft.com/office/powerpoint/2010/main" val="524650385"/>
-      </p:ext>
-    </p:extLst>
-  </p:cSld>
-  <p:clrMapOvr>
-    <a:masterClrMapping/>
-  </p:clrMapOvr>
-</p:sld>
-</file>
-
-<file path=ppt/slides/slide5.xml><?xml version="1.0" encoding="utf-8"?>
-<p:sld xmlns:a="http://schemas.openxmlformats.org/drawingml/2006/main" xmlns:r="http://schemas.openxmlformats.org/officeDocument/2006/relationships" xmlns:p="http://schemas.openxmlformats.org/presentationml/2006/main" show="0">
-  <p:cSld>
-    <p:spTree>
-      <p:nvGrpSpPr>
-        <p:cNvPr id="1" name=""/>
-        <p:cNvGrpSpPr/>
-        <p:nvPr/>
-      </p:nvGrpSpPr>
-      <p:grpSpPr>
-        <a:xfrm>
-          <a:off x="0" y="0"/>
-          <a:ext cx="0" cy="0"/>
-          <a:chOff x="0" y="0"/>
-          <a:chExt cx="0" cy="0"/>
-        </a:xfrm>
-      </p:grpSpPr>
       <p:sp>
         <p:nvSpPr>
-          <p:cNvPr id="49" name="Cím 48">
+          <p:cNvPr id="3" name="Téglalap 2">
             <a:extLst>
               <a:ext uri="{FF2B5EF4-FFF2-40B4-BE49-F238E27FC236}">
-                <a16:creationId xmlns:a16="http://schemas.microsoft.com/office/drawing/2014/main" id="{1C88AB70-0E98-24EA-C1C8-DED38F5A3300}"/>
-              </a:ext>
-            </a:extLst>
-          </p:cNvPr>
-          <p:cNvSpPr>
-            <a:spLocks noGrp="1"/>
-          </p:cNvSpPr>
-          <p:nvPr>
-            <p:ph type="title" idx="6"/>
-          </p:nvPr>
-        </p:nvSpPr>
-        <p:spPr/>
-        <p:txBody>
-          <a:bodyPr/>
-          <a:lstStyle/>
-          <a:p>
-            <a:r>
-              <a:rPr lang="hu-HU" dirty="0"/>
-              <a:t>Konkrétabb részek</a:t>
-            </a:r>
-          </a:p>
-        </p:txBody>
-      </p:sp>
-      <p:sp>
-        <p:nvSpPr>
-          <p:cNvPr id="50" name="Alcím 49">
-            <a:extLst>
-              <a:ext uri="{FF2B5EF4-FFF2-40B4-BE49-F238E27FC236}">
-                <a16:creationId xmlns:a16="http://schemas.microsoft.com/office/drawing/2014/main" id="{4C8F30B1-3F6A-8801-BBD8-A280D2FF6D7A}"/>
-              </a:ext>
-            </a:extLst>
-          </p:cNvPr>
-          <p:cNvSpPr>
-            <a:spLocks noGrp="1"/>
-          </p:cNvSpPr>
-          <p:nvPr>
-            <p:ph type="subTitle" idx="7"/>
-          </p:nvPr>
-        </p:nvSpPr>
-        <p:spPr/>
-        <p:txBody>
-          <a:bodyPr/>
-          <a:lstStyle/>
-          <a:p>
-            <a:pPr>
-              <a:buFontTx/>
-              <a:buChar char="-"/>
-            </a:pPr>
-            <a:r>
-              <a:rPr lang="hu-HU" dirty="0" err="1"/>
-              <a:t>Model</a:t>
-            </a:r>
-            <a:r>
-              <a:rPr lang="hu-HU" dirty="0"/>
-              <a:t> </a:t>
-            </a:r>
-            <a:r>
-              <a:rPr lang="hu-HU" dirty="0" err="1"/>
-              <a:t>classok</a:t>
-            </a:r>
-            <a:r>
-              <a:rPr lang="hu-HU" dirty="0"/>
-              <a:t> megírása</a:t>
-            </a:r>
-          </a:p>
-          <a:p>
-            <a:pPr>
-              <a:buFontTx/>
-              <a:buChar char="-"/>
-            </a:pPr>
-            <a:r>
-              <a:rPr lang="hu-HU" dirty="0"/>
-              <a:t>Szervezői panel felépítése + statisztika</a:t>
-            </a:r>
-          </a:p>
-          <a:p>
-            <a:pPr>
-              <a:buFontTx/>
-              <a:buChar char="-"/>
-            </a:pPr>
-            <a:r>
-              <a:rPr lang="hu-HU" dirty="0" err="1"/>
-              <a:t>Template</a:t>
-            </a:r>
-            <a:r>
-              <a:rPr lang="hu-HU" dirty="0"/>
-              <a:t> felépítésének kisebb bővítése</a:t>
-            </a:r>
-          </a:p>
-          <a:p>
-            <a:pPr>
-              <a:buFontTx/>
-              <a:buChar char="-"/>
-            </a:pPr>
-            <a:r>
-              <a:rPr lang="hu-HU" dirty="0"/>
-              <a:t>Filter kijavítása (</a:t>
-            </a:r>
-            <a:r>
-              <a:rPr lang="hu-HU" dirty="0" err="1"/>
-              <a:t>Khmm</a:t>
-            </a:r>
-            <a:r>
-              <a:rPr lang="hu-HU" dirty="0"/>
-              <a:t>.. </a:t>
-            </a:r>
-            <a:r>
-              <a:rPr lang="hu-HU" dirty="0" err="1"/>
-              <a:t>Zsolti</a:t>
-            </a:r>
-            <a:r>
-              <a:rPr lang="hu-HU" dirty="0"/>
-              <a:t>)</a:t>
-            </a:r>
-          </a:p>
-          <a:p>
-            <a:pPr>
-              <a:buFontTx/>
-              <a:buChar char="-"/>
-            </a:pPr>
-            <a:r>
-              <a:rPr lang="hu-HU" dirty="0"/>
-              <a:t>2 óra eltöltése egy .</a:t>
-            </a:r>
-            <a:r>
-              <a:rPr lang="hu-HU" dirty="0" err="1"/>
-              <a:t>lower</a:t>
-            </a:r>
-            <a:r>
-              <a:rPr lang="hu-HU" dirty="0"/>
-              <a:t>() miatt</a:t>
-            </a:r>
-          </a:p>
-          <a:p>
-            <a:pPr>
-              <a:buFontTx/>
-              <a:buChar char="-"/>
-            </a:pPr>
-            <a:r>
-              <a:rPr lang="hu-HU" dirty="0" err="1"/>
-              <a:t>Controllerek</a:t>
-            </a:r>
-            <a:r>
-              <a:rPr lang="hu-HU" dirty="0"/>
-              <a:t> írása </a:t>
-            </a:r>
-            <a:r>
-              <a:rPr lang="hu-HU" dirty="0" err="1"/>
-              <a:t>route</a:t>
-            </a:r>
-            <a:r>
-              <a:rPr lang="hu-HU" dirty="0"/>
-              <a:t>-ok lekezelésére</a:t>
-            </a:r>
-          </a:p>
-          <a:p>
-            <a:pPr>
-              <a:buFontTx/>
-              <a:buChar char="-"/>
-            </a:pPr>
-            <a:r>
-              <a:rPr lang="hu-HU" dirty="0"/>
-              <a:t>Helyenként frontend, </a:t>
-            </a:r>
-            <a:r>
-              <a:rPr lang="hu-HU" dirty="0" err="1"/>
-              <a:t>reszponzivitás</a:t>
-            </a:r>
-            <a:endParaRPr lang="hu-HU" dirty="0"/>
-          </a:p>
-          <a:p>
-            <a:pPr>
-              <a:buFontTx/>
-              <a:buChar char="-"/>
-            </a:pPr>
-            <a:endParaRPr lang="hu-HU" dirty="0"/>
-          </a:p>
-        </p:txBody>
-      </p:sp>
-      <p:sp>
-        <p:nvSpPr>
-          <p:cNvPr id="3" name="Cím 2">
-            <a:extLst>
-              <a:ext uri="{FF2B5EF4-FFF2-40B4-BE49-F238E27FC236}">
-                <a16:creationId xmlns:a16="http://schemas.microsoft.com/office/drawing/2014/main" id="{2D371E4E-2992-41E5-B173-D6D97930D3AE}"/>
-              </a:ext>
-            </a:extLst>
-          </p:cNvPr>
-          <p:cNvSpPr>
-            <a:spLocks noGrp="1"/>
-          </p:cNvSpPr>
-          <p:nvPr>
-            <p:ph type="title"/>
-          </p:nvPr>
-        </p:nvSpPr>
-        <p:spPr/>
-        <p:txBody>
-          <a:bodyPr/>
-          <a:lstStyle/>
-          <a:p>
-            <a:r>
-              <a:rPr lang="hu-HU" dirty="0"/>
-              <a:t>Szerepkör</a:t>
-            </a:r>
-          </a:p>
-        </p:txBody>
-      </p:sp>
-      <p:sp>
-        <p:nvSpPr>
-          <p:cNvPr id="5" name="Alcím 4">
-            <a:extLst>
-              <a:ext uri="{FF2B5EF4-FFF2-40B4-BE49-F238E27FC236}">
-                <a16:creationId xmlns:a16="http://schemas.microsoft.com/office/drawing/2014/main" id="{95625148-F2FA-4BBB-8E42-0097E17D7CA1}"/>
-              </a:ext>
-            </a:extLst>
-          </p:cNvPr>
-          <p:cNvSpPr>
-            <a:spLocks noGrp="1"/>
-          </p:cNvSpPr>
-          <p:nvPr>
-            <p:ph type="subTitle" idx="1"/>
-          </p:nvPr>
-        </p:nvSpPr>
-        <p:spPr/>
-        <p:txBody>
-          <a:bodyPr/>
-          <a:lstStyle/>
-          <a:p>
-            <a:pPr>
-              <a:buFontTx/>
-              <a:buChar char="-"/>
-            </a:pPr>
-            <a:r>
-              <a:rPr lang="hu-HU" dirty="0"/>
-              <a:t>Csapat segítése</a:t>
-            </a:r>
-          </a:p>
-          <a:p>
-            <a:pPr>
-              <a:buFontTx/>
-              <a:buChar char="-"/>
-            </a:pPr>
-            <a:r>
-              <a:rPr lang="hu-HU" dirty="0"/>
-              <a:t>Egyéb feladatok ellátása</a:t>
-            </a:r>
-          </a:p>
-          <a:p>
-            <a:pPr>
-              <a:buFontTx/>
-              <a:buChar char="-"/>
-            </a:pPr>
-            <a:r>
-              <a:rPr lang="hu-HU" dirty="0"/>
-              <a:t>Projekt bővítése</a:t>
-            </a:r>
-          </a:p>
-        </p:txBody>
-      </p:sp>
-      <p:sp>
-        <p:nvSpPr>
-          <p:cNvPr id="7" name="Alcím 6">
-            <a:extLst>
-              <a:ext uri="{FF2B5EF4-FFF2-40B4-BE49-F238E27FC236}">
-                <a16:creationId xmlns:a16="http://schemas.microsoft.com/office/drawing/2014/main" id="{1A147ECC-B110-429B-ABFE-86ADD4C7B753}"/>
-              </a:ext>
-            </a:extLst>
-          </p:cNvPr>
-          <p:cNvSpPr>
-            <a:spLocks noGrp="1"/>
-          </p:cNvSpPr>
-          <p:nvPr>
-            <p:ph type="subTitle" idx="3"/>
-          </p:nvPr>
-        </p:nvSpPr>
-        <p:spPr/>
-        <p:txBody>
-          <a:bodyPr/>
-          <a:lstStyle/>
-          <a:p>
-            <a:pPr>
-              <a:buFontTx/>
-              <a:buChar char="-"/>
-            </a:pPr>
-            <a:r>
-              <a:rPr lang="hu-HU" dirty="0"/>
-              <a:t>Adatbázis felépítése</a:t>
-            </a:r>
-          </a:p>
-          <a:p>
-            <a:pPr>
-              <a:buFontTx/>
-              <a:buChar char="-"/>
-            </a:pPr>
-            <a:r>
-              <a:rPr lang="hu-HU" dirty="0"/>
-              <a:t>Oldalak felépítése, sitemap</a:t>
-            </a:r>
-          </a:p>
-          <a:p>
-            <a:pPr>
-              <a:buFontTx/>
-              <a:buChar char="-"/>
-            </a:pPr>
-            <a:r>
-              <a:rPr lang="hu-HU" dirty="0"/>
-              <a:t>Csapattagokkal való kupaktanács</a:t>
-            </a:r>
-          </a:p>
-          <a:p>
-            <a:pPr>
-              <a:buFontTx/>
-              <a:buChar char="-"/>
-            </a:pPr>
-            <a:r>
-              <a:rPr lang="hu-HU" dirty="0"/>
-              <a:t>Ha valami alapvetően rossz, az az én hibám</a:t>
-            </a:r>
-          </a:p>
-          <a:p>
-            <a:pPr>
-              <a:buFontTx/>
-              <a:buChar char="-"/>
-            </a:pPr>
-            <a:r>
-              <a:rPr lang="hu-HU" dirty="0"/>
-              <a:t>Előző évi próbálkozásokból való okulás (spagetti)</a:t>
-            </a:r>
-          </a:p>
-          <a:p>
-            <a:pPr>
-              <a:buFontTx/>
-              <a:buChar char="-"/>
-            </a:pPr>
-            <a:r>
-              <a:rPr lang="hu-HU" dirty="0"/>
-              <a:t>Jogosultságok és felhasználói típusok felépítése</a:t>
-            </a:r>
-          </a:p>
-          <a:p>
-            <a:pPr>
-              <a:buFontTx/>
-              <a:buChar char="-"/>
-            </a:pPr>
-            <a:endParaRPr lang="hu-HU" dirty="0"/>
-          </a:p>
-        </p:txBody>
-      </p:sp>
-      <p:sp>
-        <p:nvSpPr>
-          <p:cNvPr id="9" name="Cím 8">
-            <a:extLst>
-              <a:ext uri="{FF2B5EF4-FFF2-40B4-BE49-F238E27FC236}">
-                <a16:creationId xmlns:a16="http://schemas.microsoft.com/office/drawing/2014/main" id="{64F13632-5ADD-4836-9A23-D337AB2A8BC5}"/>
-              </a:ext>
-            </a:extLst>
-          </p:cNvPr>
-          <p:cNvSpPr>
-            <a:spLocks noGrp="1"/>
-          </p:cNvSpPr>
-          <p:nvPr>
-            <p:ph type="title" idx="2"/>
-          </p:nvPr>
-        </p:nvSpPr>
-        <p:spPr/>
-        <p:txBody>
-          <a:bodyPr/>
-          <a:lstStyle/>
-          <a:p>
-            <a:r>
-              <a:rPr lang="hu-HU" dirty="0"/>
-              <a:t>Tervezés, menedzselés</a:t>
-            </a:r>
-          </a:p>
-        </p:txBody>
-      </p:sp>
-      <p:sp>
-        <p:nvSpPr>
-          <p:cNvPr id="11" name="Cím 10">
-            <a:extLst>
-              <a:ext uri="{FF2B5EF4-FFF2-40B4-BE49-F238E27FC236}">
-                <a16:creationId xmlns:a16="http://schemas.microsoft.com/office/drawing/2014/main" id="{AE098FA6-5009-40AE-9837-0857D1AE890F}"/>
-              </a:ext>
-            </a:extLst>
-          </p:cNvPr>
-          <p:cNvSpPr>
-            <a:spLocks noGrp="1"/>
-          </p:cNvSpPr>
-          <p:nvPr>
-            <p:ph type="title" idx="4"/>
-          </p:nvPr>
-        </p:nvSpPr>
-        <p:spPr/>
-        <p:txBody>
-          <a:bodyPr/>
-          <a:lstStyle/>
-          <a:p>
-            <a:r>
-              <a:rPr lang="hu-HU" dirty="0"/>
-              <a:t>Tesztelés</a:t>
-            </a:r>
-          </a:p>
-        </p:txBody>
-      </p:sp>
-      <p:sp>
-        <p:nvSpPr>
-          <p:cNvPr id="13" name="Alcím 12">
-            <a:extLst>
-              <a:ext uri="{FF2B5EF4-FFF2-40B4-BE49-F238E27FC236}">
-                <a16:creationId xmlns:a16="http://schemas.microsoft.com/office/drawing/2014/main" id="{3EC898CD-C100-4D9D-BACD-368F2621E1AB}"/>
-              </a:ext>
-            </a:extLst>
-          </p:cNvPr>
-          <p:cNvSpPr>
-            <a:spLocks noGrp="1"/>
-          </p:cNvSpPr>
-          <p:nvPr>
-            <p:ph type="subTitle" idx="5"/>
-          </p:nvPr>
-        </p:nvSpPr>
-        <p:spPr/>
-        <p:txBody>
-          <a:bodyPr/>
-          <a:lstStyle/>
-          <a:p>
-            <a:pPr>
-              <a:buFontTx/>
-              <a:buChar char="-"/>
-            </a:pPr>
-            <a:r>
-              <a:rPr lang="hu-HU" dirty="0"/>
-              <a:t>Professzionális hibakereső</a:t>
-            </a:r>
-          </a:p>
-          <a:p>
-            <a:pPr>
-              <a:buFontTx/>
-              <a:buChar char="-"/>
-            </a:pPr>
-            <a:r>
-              <a:rPr lang="hu-HU" dirty="0"/>
-              <a:t>Emiatt órákig elakadtam ( .</a:t>
-            </a:r>
-            <a:r>
-              <a:rPr lang="hu-HU" dirty="0" err="1"/>
-              <a:t>lower</a:t>
-            </a:r>
-            <a:r>
-              <a:rPr lang="hu-HU" dirty="0"/>
-              <a:t>() )</a:t>
-            </a:r>
-          </a:p>
-          <a:p>
-            <a:pPr>
-              <a:buFontTx/>
-              <a:buChar char="-"/>
-            </a:pPr>
-            <a:r>
-              <a:rPr lang="hu-HU" dirty="0"/>
-              <a:t>+ adatbázis alapadatok létrehozása</a:t>
-            </a:r>
-          </a:p>
-        </p:txBody>
-      </p:sp>
-      <p:sp>
-        <p:nvSpPr>
-          <p:cNvPr id="2" name="Főcím">
-            <a:extLst>
-              <a:ext uri="{FF2B5EF4-FFF2-40B4-BE49-F238E27FC236}">
-                <a16:creationId xmlns:a16="http://schemas.microsoft.com/office/drawing/2014/main" id="{87BE4C03-0BDB-7BB4-2BFA-4E373999AE21}"/>
-              </a:ext>
-            </a:extLst>
-          </p:cNvPr>
-          <p:cNvSpPr txBox="1">
-            <a:spLocks/>
-          </p:cNvSpPr>
-          <p:nvPr/>
-        </p:nvSpPr>
-        <p:spPr>
-          <a:xfrm>
-            <a:off x="636149" y="639285"/>
-            <a:ext cx="5291517" cy="557700"/>
-          </a:xfrm>
-          <a:prstGeom prst="rect">
-            <a:avLst/>
-          </a:prstGeom>
-          <a:noFill/>
-          <a:ln>
-            <a:noFill/>
-          </a:ln>
-        </p:spPr>
-        <p:txBody>
-          <a:bodyPr spcFirstLastPara="1" wrap="square" lIns="91425" tIns="91425" rIns="91425" bIns="91425" anchor="t" anchorCtr="0">
-            <a:noAutofit/>
-          </a:bodyPr>
-          <a:lstStyle>
-            <a:defPPr marR="0" lvl="0" algn="l" rtl="0">
-              <a:lnSpc>
-                <a:spcPct val="100000"/>
-              </a:lnSpc>
-              <a:spcBef>
-                <a:spcPts val="0"/>
-              </a:spcBef>
-              <a:spcAft>
-                <a:spcPts val="0"/>
-              </a:spcAft>
-            </a:defPPr>
-            <a:lvl1pPr marR="0" lvl="0" algn="l" rtl="0" eaLnBrk="1" hangingPunct="1">
-              <a:lnSpc>
-                <a:spcPct val="100000"/>
-              </a:lnSpc>
-              <a:spcBef>
-                <a:spcPts val="0"/>
-              </a:spcBef>
-              <a:spcAft>
-                <a:spcPts val="0"/>
-              </a:spcAft>
-              <a:buClr>
-                <a:schemeClr val="dk1"/>
-              </a:buClr>
-              <a:buSzPts val="3300"/>
-              <a:buFont typeface="Quantico"/>
-              <a:buNone/>
-              <a:defRPr sz="3300" b="0" i="0" u="none" strike="noStrike" cap="none">
-                <a:solidFill>
-                  <a:schemeClr val="dk1"/>
-                </a:solidFill>
-                <a:latin typeface="Quantico"/>
-                <a:ea typeface="Quantico"/>
-                <a:cs typeface="Quantico"/>
-                <a:sym typeface="Quantico"/>
-              </a:defRPr>
-            </a:lvl1pPr>
-            <a:lvl2pPr marR="0" lvl="1" algn="l" rtl="0" eaLnBrk="1" hangingPunct="1">
-              <a:lnSpc>
-                <a:spcPct val="100000"/>
-              </a:lnSpc>
-              <a:spcBef>
-                <a:spcPts val="0"/>
-              </a:spcBef>
-              <a:spcAft>
-                <a:spcPts val="0"/>
-              </a:spcAft>
-              <a:buClr>
-                <a:schemeClr val="dk1"/>
-              </a:buClr>
-              <a:buSzPts val="3300"/>
-              <a:buFont typeface="Quantico"/>
-              <a:buNone/>
-              <a:defRPr sz="3300" b="1" i="0" u="none" strike="noStrike" cap="none">
-                <a:solidFill>
-                  <a:schemeClr val="dk1"/>
-                </a:solidFill>
-                <a:latin typeface="Quantico"/>
-                <a:ea typeface="Quantico"/>
-                <a:cs typeface="Quantico"/>
-                <a:sym typeface="Quantico"/>
-              </a:defRPr>
-            </a:lvl2pPr>
-            <a:lvl3pPr marR="0" lvl="2" algn="l" rtl="0" eaLnBrk="1" hangingPunct="1">
-              <a:lnSpc>
-                <a:spcPct val="100000"/>
-              </a:lnSpc>
-              <a:spcBef>
-                <a:spcPts val="0"/>
-              </a:spcBef>
-              <a:spcAft>
-                <a:spcPts val="0"/>
-              </a:spcAft>
-              <a:buClr>
-                <a:schemeClr val="dk1"/>
-              </a:buClr>
-              <a:buSzPts val="3300"/>
-              <a:buFont typeface="Quantico"/>
-              <a:buNone/>
-              <a:defRPr sz="3300" b="1" i="0" u="none" strike="noStrike" cap="none">
-                <a:solidFill>
-                  <a:schemeClr val="dk1"/>
-                </a:solidFill>
-                <a:latin typeface="Quantico"/>
-                <a:ea typeface="Quantico"/>
-                <a:cs typeface="Quantico"/>
-                <a:sym typeface="Quantico"/>
-              </a:defRPr>
-            </a:lvl3pPr>
-            <a:lvl4pPr marR="0" lvl="3" algn="l" rtl="0" eaLnBrk="1" hangingPunct="1">
-              <a:lnSpc>
-                <a:spcPct val="100000"/>
-              </a:lnSpc>
-              <a:spcBef>
-                <a:spcPts val="0"/>
-              </a:spcBef>
-              <a:spcAft>
-                <a:spcPts val="0"/>
-              </a:spcAft>
-              <a:buClr>
-                <a:schemeClr val="dk1"/>
-              </a:buClr>
-              <a:buSzPts val="3300"/>
-              <a:buFont typeface="Quantico"/>
-              <a:buNone/>
-              <a:defRPr sz="3300" b="1" i="0" u="none" strike="noStrike" cap="none">
-                <a:solidFill>
-                  <a:schemeClr val="dk1"/>
-                </a:solidFill>
-                <a:latin typeface="Quantico"/>
-                <a:ea typeface="Quantico"/>
-                <a:cs typeface="Quantico"/>
-                <a:sym typeface="Quantico"/>
-              </a:defRPr>
-            </a:lvl4pPr>
-            <a:lvl5pPr marR="0" lvl="4" algn="l" rtl="0" eaLnBrk="1" hangingPunct="1">
-              <a:lnSpc>
-                <a:spcPct val="100000"/>
-              </a:lnSpc>
-              <a:spcBef>
-                <a:spcPts val="0"/>
-              </a:spcBef>
-              <a:spcAft>
-                <a:spcPts val="0"/>
-              </a:spcAft>
-              <a:buClr>
-                <a:schemeClr val="dk1"/>
-              </a:buClr>
-              <a:buSzPts val="3300"/>
-              <a:buFont typeface="Quantico"/>
-              <a:buNone/>
-              <a:defRPr sz="3300" b="1" i="0" u="none" strike="noStrike" cap="none">
-                <a:solidFill>
-                  <a:schemeClr val="dk1"/>
-                </a:solidFill>
-                <a:latin typeface="Quantico"/>
-                <a:ea typeface="Quantico"/>
-                <a:cs typeface="Quantico"/>
-                <a:sym typeface="Quantico"/>
-              </a:defRPr>
-            </a:lvl5pPr>
-            <a:lvl6pPr marR="0" lvl="5" algn="l" rtl="0" eaLnBrk="1" hangingPunct="1">
-              <a:lnSpc>
-                <a:spcPct val="100000"/>
-              </a:lnSpc>
-              <a:spcBef>
-                <a:spcPts val="0"/>
-              </a:spcBef>
-              <a:spcAft>
-                <a:spcPts val="0"/>
-              </a:spcAft>
-              <a:buClr>
-                <a:schemeClr val="dk1"/>
-              </a:buClr>
-              <a:buSzPts val="3300"/>
-              <a:buFont typeface="Quantico"/>
-              <a:buNone/>
-              <a:defRPr sz="3300" b="1" i="0" u="none" strike="noStrike" cap="none">
-                <a:solidFill>
-                  <a:schemeClr val="dk1"/>
-                </a:solidFill>
-                <a:latin typeface="Quantico"/>
-                <a:ea typeface="Quantico"/>
-                <a:cs typeface="Quantico"/>
-                <a:sym typeface="Quantico"/>
-              </a:defRPr>
-            </a:lvl6pPr>
-            <a:lvl7pPr marR="0" lvl="6" algn="l" rtl="0" eaLnBrk="1" hangingPunct="1">
-              <a:lnSpc>
-                <a:spcPct val="100000"/>
-              </a:lnSpc>
-              <a:spcBef>
-                <a:spcPts val="0"/>
-              </a:spcBef>
-              <a:spcAft>
-                <a:spcPts val="0"/>
-              </a:spcAft>
-              <a:buClr>
-                <a:schemeClr val="dk1"/>
-              </a:buClr>
-              <a:buSzPts val="3300"/>
-              <a:buFont typeface="Quantico"/>
-              <a:buNone/>
-              <a:defRPr sz="3300" b="1" i="0" u="none" strike="noStrike" cap="none">
-                <a:solidFill>
-                  <a:schemeClr val="dk1"/>
-                </a:solidFill>
-                <a:latin typeface="Quantico"/>
-                <a:ea typeface="Quantico"/>
-                <a:cs typeface="Quantico"/>
-                <a:sym typeface="Quantico"/>
-              </a:defRPr>
-            </a:lvl7pPr>
-            <a:lvl8pPr marR="0" lvl="7" algn="l" rtl="0" eaLnBrk="1" hangingPunct="1">
-              <a:lnSpc>
-                <a:spcPct val="100000"/>
-              </a:lnSpc>
-              <a:spcBef>
-                <a:spcPts val="0"/>
-              </a:spcBef>
-              <a:spcAft>
-                <a:spcPts val="0"/>
-              </a:spcAft>
-              <a:buClr>
-                <a:schemeClr val="dk1"/>
-              </a:buClr>
-              <a:buSzPts val="3300"/>
-              <a:buFont typeface="Quantico"/>
-              <a:buNone/>
-              <a:defRPr sz="3300" b="1" i="0" u="none" strike="noStrike" cap="none">
-                <a:solidFill>
-                  <a:schemeClr val="dk1"/>
-                </a:solidFill>
-                <a:latin typeface="Quantico"/>
-                <a:ea typeface="Quantico"/>
-                <a:cs typeface="Quantico"/>
-                <a:sym typeface="Quantico"/>
-              </a:defRPr>
-            </a:lvl8pPr>
-            <a:lvl9pPr marR="0" lvl="8" algn="l" rtl="0" eaLnBrk="1" hangingPunct="1">
-              <a:lnSpc>
-                <a:spcPct val="100000"/>
-              </a:lnSpc>
-              <a:spcBef>
-                <a:spcPts val="0"/>
-              </a:spcBef>
-              <a:spcAft>
-                <a:spcPts val="0"/>
-              </a:spcAft>
-              <a:buClr>
-                <a:schemeClr val="dk1"/>
-              </a:buClr>
-              <a:buSzPts val="3300"/>
-              <a:buFont typeface="Quantico"/>
-              <a:buNone/>
-              <a:defRPr sz="3300" b="1" i="0" u="none" strike="noStrike" cap="none">
-                <a:solidFill>
-                  <a:schemeClr val="dk1"/>
-                </a:solidFill>
-                <a:latin typeface="Quantico"/>
-                <a:ea typeface="Quantico"/>
-                <a:cs typeface="Quantico"/>
-                <a:sym typeface="Quantico"/>
-              </a:defRPr>
-            </a:lvl9pPr>
-          </a:lstStyle>
-          <a:p>
-            <a:r>
-              <a:rPr lang="en-US" b="1" dirty="0">
-                <a:solidFill>
-                  <a:srgbClr val="7030A0"/>
-                </a:solidFill>
-              </a:rPr>
-              <a:t>&lt;/</a:t>
-            </a:r>
-            <a:r>
-              <a:rPr lang="en-US" dirty="0">
-                <a:solidFill>
-                  <a:schemeClr val="lt2"/>
-                </a:solidFill>
-              </a:rPr>
-              <a:t> </a:t>
-            </a:r>
-            <a:r>
-              <a:rPr lang="hu-HU" dirty="0"/>
-              <a:t>Munkamenet</a:t>
-            </a:r>
-          </a:p>
-          <a:p>
-            <a:endParaRPr lang="hu-HU" dirty="0"/>
-          </a:p>
-        </p:txBody>
-      </p:sp>
-      <p:sp>
-        <p:nvSpPr>
-          <p:cNvPr id="4" name="Téglalap 3">
-            <a:extLst>
-              <a:ext uri="{FF2B5EF4-FFF2-40B4-BE49-F238E27FC236}">
-                <a16:creationId xmlns:a16="http://schemas.microsoft.com/office/drawing/2014/main" id="{7033E65E-9416-8D19-70B4-801338FD5C15}"/>
+                <a16:creationId xmlns:a16="http://schemas.microsoft.com/office/drawing/2014/main" id="{A47F56E2-DD9F-52E0-92BF-87CBAD2DF768}"/>
               </a:ext>
             </a:extLst>
           </p:cNvPr>
@@ -46579,7 +44448,7 @@
     </p:spTree>
     <p:extLst>
       <p:ext uri="{BB962C8B-B14F-4D97-AF65-F5344CB8AC3E}">
-        <p14:creationId xmlns:p14="http://schemas.microsoft.com/office/powerpoint/2010/main" val="4053859237"/>
+        <p14:creationId xmlns:p14="http://schemas.microsoft.com/office/powerpoint/2010/main" val="524650385"/>
       </p:ext>
     </p:extLst>
   </p:cSld>
@@ -46589,7 +44458,7 @@
 </p:sld>
 </file>
 
-<file path=ppt/slides/slide6.xml><?xml version="1.0" encoding="utf-8"?>
+<file path=ppt/slides/slide5.xml><?xml version="1.0" encoding="utf-8"?>
 <p:sld xmlns:a="http://schemas.openxmlformats.org/drawingml/2006/main" xmlns:r="http://schemas.openxmlformats.org/officeDocument/2006/relationships" xmlns:p="http://schemas.openxmlformats.org/presentationml/2006/main">
   <p:cSld>
     <p:spTree>
@@ -46633,7 +44502,7 @@
           <a:lstStyle/>
           <a:p>
             <a:r>
-              <a:rPr lang="en-US" dirty="0">
+              <a:rPr lang="en-US" b="1" dirty="0">
                 <a:solidFill>
                   <a:srgbClr val="7030A0"/>
                 </a:solidFill>
@@ -46796,6 +44665,60 @@
           </a:p>
         </p:txBody>
       </p:sp>
+      <p:sp>
+        <p:nvSpPr>
+          <p:cNvPr id="4" name="Téglalap 3">
+            <a:extLst>
+              <a:ext uri="{FF2B5EF4-FFF2-40B4-BE49-F238E27FC236}">
+                <a16:creationId xmlns:a16="http://schemas.microsoft.com/office/drawing/2014/main" id="{5B82534B-1566-9AE8-8EA2-87C17B5FF630}"/>
+              </a:ext>
+            </a:extLst>
+          </p:cNvPr>
+          <p:cNvSpPr/>
+          <p:nvPr/>
+        </p:nvSpPr>
+        <p:spPr>
+          <a:xfrm>
+            <a:off x="533400" y="230981"/>
+            <a:ext cx="1998960" cy="330994"/>
+          </a:xfrm>
+          <a:prstGeom prst="rect">
+            <a:avLst/>
+          </a:prstGeom>
+          <a:solidFill>
+            <a:srgbClr val="7030A0"/>
+          </a:solidFill>
+          <a:ln w="12700">
+            <a:solidFill>
+              <a:srgbClr val="E2E4F6"/>
+            </a:solidFill>
+          </a:ln>
+        </p:spPr>
+        <p:style>
+          <a:lnRef idx="2">
+            <a:schemeClr val="accent1">
+              <a:shade val="15000"/>
+            </a:schemeClr>
+          </a:lnRef>
+          <a:fillRef idx="1">
+            <a:schemeClr val="accent1"/>
+          </a:fillRef>
+          <a:effectRef idx="0">
+            <a:schemeClr val="accent1"/>
+          </a:effectRef>
+          <a:fontRef idx="minor">
+            <a:schemeClr val="lt1"/>
+          </a:fontRef>
+        </p:style>
+        <p:txBody>
+          <a:bodyPr rtlCol="0" anchor="ctr"/>
+          <a:lstStyle/>
+          <a:p>
+            <a:pPr algn="ctr"/>
+            <a:endParaRPr lang="hu-HU"/>
+          </a:p>
+        </p:txBody>
+      </p:sp>
     </p:spTree>
     <p:extLst>
       <p:ext uri="{BB962C8B-B14F-4D97-AF65-F5344CB8AC3E}">
@@ -46806,10 +44729,22 @@
   <p:clrMapOvr>
     <a:masterClrMapping/>
   </p:clrMapOvr>
+  <mc:AlternateContent xmlns:mc="http://schemas.openxmlformats.org/markup-compatibility/2006">
+    <mc:Choice xmlns:p159="http://schemas.microsoft.com/office/powerpoint/2015/09/main" Requires="p159">
+      <p:transition xmlns:p14="http://schemas.microsoft.com/office/powerpoint/2010/main" spd="slow" p14:dur="2000">
+        <p159:morph option="byObject"/>
+      </p:transition>
+    </mc:Choice>
+    <mc:Fallback>
+      <p:transition spd="slow">
+        <p:fade/>
+      </p:transition>
+    </mc:Fallback>
+  </mc:AlternateContent>
 </p:sld>
 </file>
 
-<file path=ppt/slides/slide7.xml><?xml version="1.0" encoding="utf-8"?>
+<file path=ppt/slides/slide6.xml><?xml version="1.0" encoding="utf-8"?>
 <p:sld xmlns:a="http://schemas.openxmlformats.org/drawingml/2006/main" xmlns:r="http://schemas.openxmlformats.org/officeDocument/2006/relationships" xmlns:p="http://schemas.openxmlformats.org/presentationml/2006/main">
   <p:cSld>
     <p:spTree>
@@ -46853,7 +44788,7 @@
           <a:lstStyle/>
           <a:p>
             <a:r>
-              <a:rPr lang="en-US" dirty="0">
+              <a:rPr lang="en-US" b="1" dirty="0">
                 <a:solidFill>
                   <a:srgbClr val="7030A0"/>
                 </a:solidFill>
@@ -47005,6 +44940,60 @@
           </a:p>
         </p:txBody>
       </p:sp>
+      <p:sp>
+        <p:nvSpPr>
+          <p:cNvPr id="2" name="Téglalap 1">
+            <a:extLst>
+              <a:ext uri="{FF2B5EF4-FFF2-40B4-BE49-F238E27FC236}">
+                <a16:creationId xmlns:a16="http://schemas.microsoft.com/office/drawing/2014/main" id="{661E8C5D-20F5-B912-7182-2FA11030BD5C}"/>
+              </a:ext>
+            </a:extLst>
+          </p:cNvPr>
+          <p:cNvSpPr/>
+          <p:nvPr/>
+        </p:nvSpPr>
+        <p:spPr>
+          <a:xfrm>
+            <a:off x="533400" y="230981"/>
+            <a:ext cx="3722914" cy="330994"/>
+          </a:xfrm>
+          <a:prstGeom prst="rect">
+            <a:avLst/>
+          </a:prstGeom>
+          <a:solidFill>
+            <a:srgbClr val="7030A0"/>
+          </a:solidFill>
+          <a:ln w="12700">
+            <a:solidFill>
+              <a:srgbClr val="E2E4F6"/>
+            </a:solidFill>
+          </a:ln>
+        </p:spPr>
+        <p:style>
+          <a:lnRef idx="2">
+            <a:schemeClr val="accent1">
+              <a:shade val="15000"/>
+            </a:schemeClr>
+          </a:lnRef>
+          <a:fillRef idx="1">
+            <a:schemeClr val="accent1"/>
+          </a:fillRef>
+          <a:effectRef idx="0">
+            <a:schemeClr val="accent1"/>
+          </a:effectRef>
+          <a:fontRef idx="minor">
+            <a:schemeClr val="lt1"/>
+          </a:fontRef>
+        </p:style>
+        <p:txBody>
+          <a:bodyPr rtlCol="0" anchor="ctr"/>
+          <a:lstStyle/>
+          <a:p>
+            <a:pPr algn="ctr"/>
+            <a:endParaRPr lang="hu-HU"/>
+          </a:p>
+        </p:txBody>
+      </p:sp>
     </p:spTree>
     <p:extLst>
       <p:ext uri="{BB962C8B-B14F-4D97-AF65-F5344CB8AC3E}">
@@ -47015,10 +45004,22 @@
   <p:clrMapOvr>
     <a:masterClrMapping/>
   </p:clrMapOvr>
+  <mc:AlternateContent xmlns:mc="http://schemas.openxmlformats.org/markup-compatibility/2006">
+    <mc:Choice xmlns:p159="http://schemas.microsoft.com/office/powerpoint/2015/09/main" Requires="p159">
+      <p:transition xmlns:p14="http://schemas.microsoft.com/office/powerpoint/2010/main" spd="slow" p14:dur="2000">
+        <p159:morph option="byObject"/>
+      </p:transition>
+    </mc:Choice>
+    <mc:Fallback>
+      <p:transition spd="slow">
+        <p:fade/>
+      </p:transition>
+    </mc:Fallback>
+  </mc:AlternateContent>
 </p:sld>
 </file>
 
-<file path=ppt/slides/slide8.xml><?xml version="1.0" encoding="utf-8"?>
+<file path=ppt/slides/slide7.xml><?xml version="1.0" encoding="utf-8"?>
 <p:sld xmlns:a="http://schemas.openxmlformats.org/drawingml/2006/main" xmlns:r="http://schemas.openxmlformats.org/officeDocument/2006/relationships" xmlns:p="http://schemas.openxmlformats.org/presentationml/2006/main">
   <p:cSld>
     <p:spTree>
@@ -47882,6 +45883,60 @@
           </a:fontRef>
         </p:style>
       </p:cxnSp>
+      <p:sp>
+        <p:nvSpPr>
+          <p:cNvPr id="2" name="Téglalap 1">
+            <a:extLst>
+              <a:ext uri="{FF2B5EF4-FFF2-40B4-BE49-F238E27FC236}">
+                <a16:creationId xmlns:a16="http://schemas.microsoft.com/office/drawing/2014/main" id="{9CDCD9F2-D93C-1881-6A09-7E6B6337A6A3}"/>
+              </a:ext>
+            </a:extLst>
+          </p:cNvPr>
+          <p:cNvSpPr/>
+          <p:nvPr/>
+        </p:nvSpPr>
+        <p:spPr>
+          <a:xfrm>
+            <a:off x="533400" y="230981"/>
+            <a:ext cx="5431971" cy="330994"/>
+          </a:xfrm>
+          <a:prstGeom prst="rect">
+            <a:avLst/>
+          </a:prstGeom>
+          <a:solidFill>
+            <a:srgbClr val="7030A0"/>
+          </a:solidFill>
+          <a:ln w="12700">
+            <a:solidFill>
+              <a:srgbClr val="E2E4F6"/>
+            </a:solidFill>
+          </a:ln>
+        </p:spPr>
+        <p:style>
+          <a:lnRef idx="2">
+            <a:schemeClr val="accent1">
+              <a:shade val="15000"/>
+            </a:schemeClr>
+          </a:lnRef>
+          <a:fillRef idx="1">
+            <a:schemeClr val="accent1"/>
+          </a:fillRef>
+          <a:effectRef idx="0">
+            <a:schemeClr val="accent1"/>
+          </a:effectRef>
+          <a:fontRef idx="minor">
+            <a:schemeClr val="lt1"/>
+          </a:fontRef>
+        </p:style>
+        <p:txBody>
+          <a:bodyPr rtlCol="0" anchor="ctr"/>
+          <a:lstStyle/>
+          <a:p>
+            <a:pPr algn="ctr"/>
+            <a:endParaRPr lang="hu-HU"/>
+          </a:p>
+        </p:txBody>
+      </p:sp>
     </p:spTree>
     <p:extLst>
       <p:ext uri="{BB962C8B-B14F-4D97-AF65-F5344CB8AC3E}">
@@ -47892,10 +45947,22 @@
   <p:clrMapOvr>
     <a:masterClrMapping/>
   </p:clrMapOvr>
+  <mc:AlternateContent xmlns:mc="http://schemas.openxmlformats.org/markup-compatibility/2006">
+    <mc:Choice xmlns:p159="http://schemas.microsoft.com/office/powerpoint/2015/09/main" Requires="p159">
+      <p:transition xmlns:p14="http://schemas.microsoft.com/office/powerpoint/2010/main" spd="slow" p14:dur="2000">
+        <p159:morph option="byObject"/>
+      </p:transition>
+    </mc:Choice>
+    <mc:Fallback>
+      <p:transition spd="slow">
+        <p:fade/>
+      </p:transition>
+    </mc:Fallback>
+  </mc:AlternateContent>
 </p:sld>
 </file>
 
-<file path=ppt/slides/slide9.xml><?xml version="1.0" encoding="utf-8"?>
+<file path=ppt/slides/slide8.xml><?xml version="1.0" encoding="utf-8"?>
 <p:sld xmlns:a="http://schemas.openxmlformats.org/drawingml/2006/main" xmlns:r="http://schemas.openxmlformats.org/officeDocument/2006/relationships" xmlns:p="http://schemas.openxmlformats.org/presentationml/2006/main">
   <p:cSld>
     <p:spTree>
@@ -48194,9 +46261,9 @@
               </a:lnSpc>
             </a:pPr>
             <a:r>
-              <a:rPr lang="en" sz="4800" dirty="0">
+              <a:rPr lang="en" sz="4800" b="1" dirty="0">
                 <a:solidFill>
-                  <a:schemeClr val="accent2"/>
+                  <a:srgbClr val="7030A0"/>
                 </a:solidFill>
               </a:rPr>
               <a:t>/&gt;</a:t>
@@ -49437,6 +47504,60 @@
           </a:p>
         </p:txBody>
       </p:sp>
+      <p:sp>
+        <p:nvSpPr>
+          <p:cNvPr id="2" name="Téglalap 1">
+            <a:extLst>
+              <a:ext uri="{FF2B5EF4-FFF2-40B4-BE49-F238E27FC236}">
+                <a16:creationId xmlns:a16="http://schemas.microsoft.com/office/drawing/2014/main" id="{05E891AE-0135-9A85-C31A-D16BD590B5C6}"/>
+              </a:ext>
+            </a:extLst>
+          </p:cNvPr>
+          <p:cNvSpPr/>
+          <p:nvPr/>
+        </p:nvSpPr>
+        <p:spPr>
+          <a:xfrm>
+            <a:off x="533400" y="230981"/>
+            <a:ext cx="7630886" cy="330994"/>
+          </a:xfrm>
+          <a:prstGeom prst="rect">
+            <a:avLst/>
+          </a:prstGeom>
+          <a:solidFill>
+            <a:srgbClr val="7030A0"/>
+          </a:solidFill>
+          <a:ln w="12700">
+            <a:solidFill>
+              <a:srgbClr val="E2E4F6"/>
+            </a:solidFill>
+          </a:ln>
+        </p:spPr>
+        <p:style>
+          <a:lnRef idx="2">
+            <a:schemeClr val="accent1">
+              <a:shade val="15000"/>
+            </a:schemeClr>
+          </a:lnRef>
+          <a:fillRef idx="1">
+            <a:schemeClr val="accent1"/>
+          </a:fillRef>
+          <a:effectRef idx="0">
+            <a:schemeClr val="accent1"/>
+          </a:effectRef>
+          <a:fontRef idx="minor">
+            <a:schemeClr val="lt1"/>
+          </a:fontRef>
+        </p:style>
+        <p:txBody>
+          <a:bodyPr rtlCol="0" anchor="ctr"/>
+          <a:lstStyle/>
+          <a:p>
+            <a:pPr algn="ctr"/>
+            <a:endParaRPr lang="hu-HU"/>
+          </a:p>
+        </p:txBody>
+      </p:sp>
     </p:spTree>
     <p:extLst>
       <p:ext uri="{BB962C8B-B14F-4D97-AF65-F5344CB8AC3E}">
@@ -49454,6 +47575,242 @@
       </p:transition>
     </mc:Choice>
     <mc:Fallback xmlns="">
+      <p:transition spd="slow">
+        <p:fade/>
+      </p:transition>
+    </mc:Fallback>
+  </mc:AlternateContent>
+</p:sld>
+</file>
+
+<file path=ppt/slides/slide9.xml><?xml version="1.0" encoding="utf-8"?>
+<p:sld xmlns:a="http://schemas.openxmlformats.org/drawingml/2006/main" xmlns:r="http://schemas.openxmlformats.org/officeDocument/2006/relationships" xmlns:p="http://schemas.openxmlformats.org/presentationml/2006/main">
+  <p:cSld>
+    <p:spTree>
+      <p:nvGrpSpPr>
+        <p:cNvPr id="1" name=""/>
+        <p:cNvGrpSpPr/>
+        <p:nvPr/>
+      </p:nvGrpSpPr>
+      <p:grpSpPr>
+        <a:xfrm>
+          <a:off x="0" y="0"/>
+          <a:ext cx="0" cy="0"/>
+          <a:chOff x="0" y="0"/>
+          <a:chExt cx="0" cy="0"/>
+        </a:xfrm>
+      </p:grpSpPr>
+      <p:sp>
+        <p:nvSpPr>
+          <p:cNvPr id="51" name="Cím 50">
+            <a:extLst>
+              <a:ext uri="{FF2B5EF4-FFF2-40B4-BE49-F238E27FC236}">
+                <a16:creationId xmlns:a16="http://schemas.microsoft.com/office/drawing/2014/main" id="{ED93C5AD-9935-7150-EB24-2D20C38BD187}"/>
+              </a:ext>
+            </a:extLst>
+          </p:cNvPr>
+          <p:cNvSpPr>
+            <a:spLocks noGrp="1"/>
+          </p:cNvSpPr>
+          <p:nvPr>
+            <p:ph type="title" idx="8"/>
+          </p:nvPr>
+        </p:nvSpPr>
+        <p:spPr>
+          <a:xfrm>
+            <a:off x="611641" y="612171"/>
+            <a:ext cx="10272000" cy="763600"/>
+          </a:xfrm>
+        </p:spPr>
+        <p:txBody>
+          <a:bodyPr/>
+          <a:lstStyle/>
+          <a:p>
+            <a:r>
+              <a:rPr lang="en-US" b="1" dirty="0">
+                <a:solidFill>
+                  <a:srgbClr val="7030A0"/>
+                </a:solidFill>
+              </a:rPr>
+              <a:t>&lt;/</a:t>
+            </a:r>
+            <a:r>
+              <a:rPr lang="hu-HU" dirty="0">
+                <a:solidFill>
+                  <a:srgbClr val="7030A0"/>
+                </a:solidFill>
+              </a:rPr>
+              <a:t> </a:t>
+            </a:r>
+            <a:r>
+              <a:rPr lang="hu-HU" dirty="0"/>
+              <a:t>Kategóriák, nyelvek kezelése</a:t>
+            </a:r>
+            <a:br>
+              <a:rPr lang="hu-HU" dirty="0"/>
+            </a:br>
+            <a:endParaRPr lang="hu-HU" dirty="0"/>
+          </a:p>
+        </p:txBody>
+      </p:sp>
+      <p:grpSp>
+        <p:nvGrpSpPr>
+          <p:cNvPr id="11" name="Csoportba foglalás 10"/>
+          <p:cNvGrpSpPr/>
+          <p:nvPr/>
+        </p:nvGrpSpPr>
+        <p:grpSpPr>
+          <a:xfrm>
+            <a:off x="2297415" y="1511573"/>
+            <a:ext cx="7696917" cy="4289078"/>
+            <a:chOff x="2369844" y="1587501"/>
+            <a:chExt cx="7696917" cy="4289078"/>
+          </a:xfrm>
+        </p:grpSpPr>
+        <p:sp>
+          <p:nvSpPr>
+            <p:cNvPr id="10" name="Folyamatábra: Feldolgozás 9"/>
+            <p:cNvSpPr/>
+            <p:nvPr/>
+          </p:nvSpPr>
+          <p:spPr>
+            <a:xfrm>
+              <a:off x="2369844" y="1587501"/>
+              <a:ext cx="7696917" cy="4279900"/>
+            </a:xfrm>
+            <a:prstGeom prst="flowChartProcess">
+              <a:avLst/>
+            </a:prstGeom>
+            <a:solidFill>
+              <a:schemeClr val="bg1"/>
+            </a:solidFill>
+            <a:ln w="12700">
+              <a:solidFill>
+                <a:schemeClr val="accent5"/>
+              </a:solidFill>
+            </a:ln>
+          </p:spPr>
+          <p:style>
+            <a:lnRef idx="2">
+              <a:schemeClr val="accent1">
+                <a:shade val="50000"/>
+              </a:schemeClr>
+            </a:lnRef>
+            <a:fillRef idx="1">
+              <a:schemeClr val="accent1"/>
+            </a:fillRef>
+            <a:effectRef idx="0">
+              <a:schemeClr val="accent1"/>
+            </a:effectRef>
+            <a:fontRef idx="minor">
+              <a:schemeClr val="lt1"/>
+            </a:fontRef>
+          </p:style>
+          <p:txBody>
+            <a:bodyPr rtlCol="0" anchor="ctr"/>
+            <a:lstStyle/>
+            <a:p>
+              <a:pPr algn="ctr"/>
+              <a:endParaRPr lang="en-US"/>
+            </a:p>
+          </p:txBody>
+        </p:sp>
+        <p:pic>
+          <p:nvPicPr>
+            <p:cNvPr id="7" name="Kép 6"/>
+            <p:cNvPicPr>
+              <a:picLocks noChangeAspect="1"/>
+            </p:cNvPicPr>
+            <p:nvPr/>
+          </p:nvPicPr>
+          <p:blipFill>
+            <a:blip r:embed="rId3"/>
+            <a:stretch>
+              <a:fillRect/>
+            </a:stretch>
+          </p:blipFill>
+          <p:spPr>
+            <a:xfrm>
+              <a:off x="2369845" y="1813921"/>
+              <a:ext cx="7696916" cy="4062658"/>
+            </a:xfrm>
+            <a:prstGeom prst="rect">
+              <a:avLst/>
+            </a:prstGeom>
+          </p:spPr>
+        </p:pic>
+      </p:grpSp>
+      <p:sp>
+        <p:nvSpPr>
+          <p:cNvPr id="2" name="Téglalap 1">
+            <a:extLst>
+              <a:ext uri="{FF2B5EF4-FFF2-40B4-BE49-F238E27FC236}">
+                <a16:creationId xmlns:a16="http://schemas.microsoft.com/office/drawing/2014/main" id="{6146C8C9-AF00-F564-FA63-E09D193E311D}"/>
+              </a:ext>
+            </a:extLst>
+          </p:cNvPr>
+          <p:cNvSpPr/>
+          <p:nvPr/>
+        </p:nvSpPr>
+        <p:spPr>
+          <a:xfrm>
+            <a:off x="533400" y="230981"/>
+            <a:ext cx="9460932" cy="330994"/>
+          </a:xfrm>
+          <a:prstGeom prst="rect">
+            <a:avLst/>
+          </a:prstGeom>
+          <a:solidFill>
+            <a:srgbClr val="7030A0"/>
+          </a:solidFill>
+          <a:ln w="12700">
+            <a:solidFill>
+              <a:srgbClr val="E2E4F6"/>
+            </a:solidFill>
+          </a:ln>
+        </p:spPr>
+        <p:style>
+          <a:lnRef idx="2">
+            <a:schemeClr val="accent1">
+              <a:shade val="15000"/>
+            </a:schemeClr>
+          </a:lnRef>
+          <a:fillRef idx="1">
+            <a:schemeClr val="accent1"/>
+          </a:fillRef>
+          <a:effectRef idx="0">
+            <a:schemeClr val="accent1"/>
+          </a:effectRef>
+          <a:fontRef idx="minor">
+            <a:schemeClr val="lt1"/>
+          </a:fontRef>
+        </p:style>
+        <p:txBody>
+          <a:bodyPr rtlCol="0" anchor="ctr"/>
+          <a:lstStyle/>
+          <a:p>
+            <a:pPr algn="ctr"/>
+            <a:endParaRPr lang="hu-HU"/>
+          </a:p>
+        </p:txBody>
+      </p:sp>
+    </p:spTree>
+    <p:extLst>
+      <p:ext uri="{BB962C8B-B14F-4D97-AF65-F5344CB8AC3E}">
+        <p14:creationId xmlns:p14="http://schemas.microsoft.com/office/powerpoint/2010/main" val="3713438498"/>
+      </p:ext>
+    </p:extLst>
+  </p:cSld>
+  <p:clrMapOvr>
+    <a:masterClrMapping/>
+  </p:clrMapOvr>
+  <mc:AlternateContent xmlns:mc="http://schemas.openxmlformats.org/markup-compatibility/2006">
+    <mc:Choice xmlns:p159="http://schemas.microsoft.com/office/powerpoint/2015/09/main" Requires="p159">
+      <p:transition xmlns:p14="http://schemas.microsoft.com/office/powerpoint/2010/main" spd="slow" p14:dur="2000">
+        <p159:morph option="byObject"/>
+      </p:transition>
+    </mc:Choice>
+    <mc:Fallback>
       <p:transition spd="slow">
         <p:fade/>
       </p:transition>

--- a/Hell yeah ppt.pptx
+++ b/Hell yeah ppt.pptx
@@ -435,7 +435,7 @@
           <a:p>
             <a:fld id="{AAEC4482-6CC8-4041-8D23-D01C5F81C5FE}" type="datetimeFigureOut">
               <a:rPr lang="hu-HU" smtClean="0"/>
-              <a:t>2024. 11. 29.</a:t>
+              <a:t>2024. 11. 30.</a:t>
             </a:fld>
             <a:endParaRPr lang="hu-HU"/>
           </a:p>
@@ -612,7 +612,7 @@
           <a:p>
             <a:fld id="{AEC7956B-A1E9-4E44-91C5-703ED5768F15}" type="datetimeFigureOut">
               <a:rPr lang="hu-HU" smtClean="0"/>
-              <a:t>2024. 11. 29.</a:t>
+              <a:t>2024. 11. 30.</a:t>
             </a:fld>
             <a:endParaRPr lang="hu-HU"/>
           </a:p>
@@ -15979,7 +15979,7 @@
           <a:p>
             <a:fld id="{B9601981-2AC6-4D49-9A74-04A505B00AD0}" type="datetimeFigureOut">
               <a:rPr lang="hu-HU" smtClean="0"/>
-              <a:t>2024. 11. 29.</a:t>
+              <a:t>2024. 11. 30.</a:t>
             </a:fld>
             <a:endParaRPr lang="hu-HU"/>
           </a:p>
@@ -21252,13 +21252,13 @@
   <p:clrMapOvr>
     <a:masterClrMapping/>
   </p:clrMapOvr>
-  <mc:AlternateContent xmlns:mc="http://schemas.openxmlformats.org/markup-compatibility/2006">
-    <mc:Choice xmlns:p159="http://schemas.microsoft.com/office/powerpoint/2015/09/main" Requires="p159">
+  <mc:AlternateContent xmlns:mc="http://schemas.openxmlformats.org/markup-compatibility/2006" xmlns:p159="http://schemas.microsoft.com/office/powerpoint/2015/09/main">
+    <mc:Choice Requires="p159">
       <p:transition xmlns:p14="http://schemas.microsoft.com/office/powerpoint/2010/main" spd="slow" p14:dur="2000">
         <p159:morph option="byObject"/>
       </p:transition>
     </mc:Choice>
-    <mc:Fallback>
+    <mc:Fallback xmlns="">
       <p:transition spd="slow">
         <p:fade/>
       </p:transition>
@@ -44323,6 +44323,19 @@
               <a:t>Oldalak felépítése, sitemap</a:t>
             </a:r>
           </a:p>
+          <a:p>
+            <a:pPr>
+              <a:lnSpc>
+                <a:spcPct val="250000"/>
+              </a:lnSpc>
+              <a:buFontTx/>
+              <a:buChar char="-"/>
+            </a:pPr>
+            <a:r>
+              <a:rPr lang="hu-HU" sz="1800" dirty="0"/>
+              <a:t>Előző évi próbálkozásokból való okulás (spagetti)</a:t>
+            </a:r>
+          </a:p>
         </p:txBody>
       </p:sp>
       <p:sp>
@@ -44729,13 +44742,13 @@
   <p:clrMapOvr>
     <a:masterClrMapping/>
   </p:clrMapOvr>
-  <mc:AlternateContent xmlns:mc="http://schemas.openxmlformats.org/markup-compatibility/2006">
-    <mc:Choice xmlns:p159="http://schemas.microsoft.com/office/powerpoint/2015/09/main" Requires="p159">
+  <mc:AlternateContent xmlns:mc="http://schemas.openxmlformats.org/markup-compatibility/2006" xmlns:p159="http://schemas.microsoft.com/office/powerpoint/2015/09/main">
+    <mc:Choice Requires="p159">
       <p:transition xmlns:p14="http://schemas.microsoft.com/office/powerpoint/2010/main" spd="slow" p14:dur="2000">
         <p159:morph option="byObject"/>
       </p:transition>
     </mc:Choice>
-    <mc:Fallback>
+    <mc:Fallback xmlns="">
       <p:transition spd="slow">
         <p:fade/>
       </p:transition>
@@ -45004,13 +45017,13 @@
   <p:clrMapOvr>
     <a:masterClrMapping/>
   </p:clrMapOvr>
-  <mc:AlternateContent xmlns:mc="http://schemas.openxmlformats.org/markup-compatibility/2006">
-    <mc:Choice xmlns:p159="http://schemas.microsoft.com/office/powerpoint/2015/09/main" Requires="p159">
+  <mc:AlternateContent xmlns:mc="http://schemas.openxmlformats.org/markup-compatibility/2006" xmlns:p159="http://schemas.microsoft.com/office/powerpoint/2015/09/main">
+    <mc:Choice Requires="p159">
       <p:transition xmlns:p14="http://schemas.microsoft.com/office/powerpoint/2010/main" spd="slow" p14:dur="2000">
         <p159:morph option="byObject"/>
       </p:transition>
     </mc:Choice>
-    <mc:Fallback>
+    <mc:Fallback xmlns="">
       <p:transition spd="slow">
         <p:fade/>
       </p:transition>
@@ -45947,13 +45960,13 @@
   <p:clrMapOvr>
     <a:masterClrMapping/>
   </p:clrMapOvr>
-  <mc:AlternateContent xmlns:mc="http://schemas.openxmlformats.org/markup-compatibility/2006">
-    <mc:Choice xmlns:p159="http://schemas.microsoft.com/office/powerpoint/2015/09/main" Requires="p159">
+  <mc:AlternateContent xmlns:mc="http://schemas.openxmlformats.org/markup-compatibility/2006" xmlns:p159="http://schemas.microsoft.com/office/powerpoint/2015/09/main">
+    <mc:Choice Requires="p159">
       <p:transition xmlns:p14="http://schemas.microsoft.com/office/powerpoint/2010/main" spd="slow" p14:dur="2000">
         <p159:morph option="byObject"/>
       </p:transition>
     </mc:Choice>
-    <mc:Fallback>
+    <mc:Fallback xmlns="">
       <p:transition spd="slow">
         <p:fade/>
       </p:transition>
@@ -46224,66 +46237,6 @@
           </a:ln>
         </p:spPr>
       </p:cxnSp>
-      <p:sp>
-        <p:nvSpPr>
-          <p:cNvPr id="501" name="Google Shape;501;p42">
-            <a:extLst>
-              <a:ext uri="{FF2B5EF4-FFF2-40B4-BE49-F238E27FC236}">
-                <a16:creationId xmlns:a16="http://schemas.microsoft.com/office/drawing/2014/main" id="{D65C09EF-A2AE-B04B-8C2A-237EA6121F48}"/>
-              </a:ext>
-            </a:extLst>
-          </p:cNvPr>
-          <p:cNvSpPr txBox="1"/>
-          <p:nvPr/>
-        </p:nvSpPr>
-        <p:spPr>
-          <a:xfrm>
-            <a:off x="9609600" y="1274700"/>
-            <a:ext cx="1622400" cy="856000"/>
-          </a:xfrm>
-          <a:prstGeom prst="rect">
-            <a:avLst/>
-          </a:prstGeom>
-          <a:noFill/>
-          <a:ln>
-            <a:noFill/>
-          </a:ln>
-        </p:spPr>
-        <p:txBody>
-          <a:bodyPr spcFirstLastPara="1" wrap="square" lIns="121900" tIns="121900" rIns="121900" bIns="121900" anchor="t" anchorCtr="0">
-            <a:noAutofit/>
-          </a:bodyPr>
-          <a:lstStyle/>
-          <a:p>
-            <a:pPr algn="ctr">
-              <a:lnSpc>
-                <a:spcPct val="90000"/>
-              </a:lnSpc>
-            </a:pPr>
-            <a:r>
-              <a:rPr lang="en" sz="4800" b="1" dirty="0">
-                <a:solidFill>
-                  <a:srgbClr val="7030A0"/>
-                </a:solidFill>
-              </a:rPr>
-              <a:t>/&gt;</a:t>
-            </a:r>
-            <a:r>
-              <a:rPr lang="en" sz="4800" dirty="0">
-                <a:solidFill>
-                  <a:schemeClr val="dk1"/>
-                </a:solidFill>
-              </a:rPr>
-              <a:t> **</a:t>
-            </a:r>
-            <a:endParaRPr sz="4800" dirty="0">
-              <a:solidFill>
-                <a:schemeClr val="accent1"/>
-              </a:solidFill>
-            </a:endParaRPr>
-          </a:p>
-        </p:txBody>
-      </p:sp>
       <p:sp>
         <p:nvSpPr>
           <p:cNvPr id="8" name="Google Shape;487;p42">
@@ -47804,13 +47757,13 @@
   <p:clrMapOvr>
     <a:masterClrMapping/>
   </p:clrMapOvr>
-  <mc:AlternateContent xmlns:mc="http://schemas.openxmlformats.org/markup-compatibility/2006">
-    <mc:Choice xmlns:p159="http://schemas.microsoft.com/office/powerpoint/2015/09/main" Requires="p159">
+  <mc:AlternateContent xmlns:mc="http://schemas.openxmlformats.org/markup-compatibility/2006" xmlns:p159="http://schemas.microsoft.com/office/powerpoint/2015/09/main">
+    <mc:Choice Requires="p159">
       <p:transition xmlns:p14="http://schemas.microsoft.com/office/powerpoint/2010/main" spd="slow" p14:dur="2000">
         <p159:morph option="byObject"/>
       </p:transition>
     </mc:Choice>
-    <mc:Fallback>
+    <mc:Fallback xmlns="">
       <p:transition spd="slow">
         <p:fade/>
       </p:transition>
